--- a/JMMPaper/Musical Instrument Classification Using a Hybrid Neural Network BuellShort.pptx
+++ b/JMMPaper/Musical Instrument Classification Using a Hybrid Neural Network BuellShort.pptx
@@ -16,10 +16,13 @@
     <p:sldId id="271" r:id="rId10"/>
     <p:sldId id="268" r:id="rId11"/>
     <p:sldId id="269" r:id="rId12"/>
-    <p:sldId id="272" r:id="rId13"/>
-    <p:sldId id="273" r:id="rId14"/>
-    <p:sldId id="274" r:id="rId15"/>
+    <p:sldId id="273" r:id="rId13"/>
+    <p:sldId id="274" r:id="rId14"/>
+    <p:sldId id="277" r:id="rId15"/>
     <p:sldId id="275" r:id="rId16"/>
+    <p:sldId id="276" r:id="rId17"/>
+    <p:sldId id="278" r:id="rId18"/>
+    <p:sldId id="279" r:id="rId19"/>
   </p:sldIdLst>
   <p:sldSz cx="12192000" cy="6858000"/>
   <p:notesSz cx="6858000" cy="9144000"/>
@@ -118,6 +121,11 @@
       </a:defRPr>
     </a:lvl9pPr>
   </p:defaultTextStyle>
+  <p:extLst>
+    <p:ext uri="{EFAFB233-063F-42B5-8137-9DF3F51BA10A}">
+      <p15:sldGuideLst xmlns:p15="http://schemas.microsoft.com/office/powerpoint/2012/main"/>
+    </p:ext>
+  </p:extLst>
 </p:presentation>
 </file>
 
@@ -5224,7 +5232,7 @@
 <dgm:dataModel xmlns:dgm="http://schemas.openxmlformats.org/drawingml/2006/diagram" xmlns:a="http://schemas.openxmlformats.org/drawingml/2006/main">
   <dgm:ptLst>
     <dgm:pt modelId="{7033B4D5-E721-4610-9F5F-F58746DC9A92}" type="doc">
-      <dgm:prSet loTypeId="urn:microsoft.com/office/officeart/2018/2/layout/IconVerticalSolidList" loCatId="icon" qsTypeId="urn:microsoft.com/office/officeart/2005/8/quickstyle/simple1" qsCatId="simple" csTypeId="urn:microsoft.com/office/officeart/2005/8/colors/accent1_2" csCatId="accent1" phldr="1"/>
+      <dgm:prSet loTypeId="urn:microsoft.com/office/officeart/2005/8/layout/hierarchy1" loCatId="hierarchy" qsTypeId="urn:microsoft.com/office/officeart/2005/8/quickstyle/simple2" qsCatId="simple" csTypeId="urn:microsoft.com/office/officeart/2005/8/colors/accent1_2" csCatId="accent1" phldr="1"/>
       <dgm:spPr/>
       <dgm:t>
         <a:bodyPr/>
@@ -5241,11 +5249,6 @@
         <a:bodyPr/>
         <a:lstStyle/>
         <a:p>
-          <a:pPr>
-            <a:lnSpc>
-              <a:spcPct val="100000"/>
-            </a:lnSpc>
-          </a:pPr>
           <a:r>
             <a:rPr lang="en-US"/>
             <a:t>A neural network is a mathematical function</a:t>
@@ -5282,11 +5285,6 @@
         <a:bodyPr/>
         <a:lstStyle/>
         <a:p>
-          <a:pPr>
-            <a:lnSpc>
-              <a:spcPct val="100000"/>
-            </a:lnSpc>
-          </a:pPr>
           <a:r>
             <a:rPr lang="en-US"/>
             <a:t>Composed of smaller functions called </a:t>
@@ -5328,11 +5326,6 @@
         <a:bodyPr/>
         <a:lstStyle/>
         <a:p>
-          <a:pPr>
-            <a:lnSpc>
-              <a:spcPct val="100000"/>
-            </a:lnSpc>
-          </a:pPr>
           <a:r>
             <a:rPr lang="en-US"/>
             <a:t>Transform </a:t>
@@ -5375,187 +5368,114 @@
         </a:p>
       </dgm:t>
     </dgm:pt>
-    <dgm:pt modelId="{572AE7DA-AE64-4526-BE9B-8500AF9661F2}" type="pres">
-      <dgm:prSet presAssocID="{7033B4D5-E721-4610-9F5F-F58746DC9A92}" presName="root" presStyleCnt="0">
+    <dgm:pt modelId="{2BD53D71-14F7-46DD-BAB6-43DC4C743F24}" type="pres">
+      <dgm:prSet presAssocID="{7033B4D5-E721-4610-9F5F-F58746DC9A92}" presName="hierChild1" presStyleCnt="0">
         <dgm:presLayoutVars>
+          <dgm:chPref val="1"/>
           <dgm:dir/>
-          <dgm:resizeHandles val="exact"/>
+          <dgm:animOne val="branch"/>
+          <dgm:animLvl val="lvl"/>
+          <dgm:resizeHandles/>
         </dgm:presLayoutVars>
       </dgm:prSet>
       <dgm:spPr/>
     </dgm:pt>
-    <dgm:pt modelId="{C2C7017E-275A-441E-94D7-9C6D99E4CEE3}" type="pres">
-      <dgm:prSet presAssocID="{5F04679D-1B51-4F08-A7BC-243100548EEB}" presName="compNode" presStyleCnt="0"/>
+    <dgm:pt modelId="{B28BA48E-ED27-4E4D-9D22-A5834C7A96C2}" type="pres">
+      <dgm:prSet presAssocID="{5F04679D-1B51-4F08-A7BC-243100548EEB}" presName="hierRoot1" presStyleCnt="0"/>
       <dgm:spPr/>
     </dgm:pt>
-    <dgm:pt modelId="{A20B3E3D-BF5B-4C02-B156-0A78BF89743F}" type="pres">
-      <dgm:prSet presAssocID="{5F04679D-1B51-4F08-A7BC-243100548EEB}" presName="bgRect" presStyleLbl="bgShp" presStyleIdx="0" presStyleCnt="3"/>
+    <dgm:pt modelId="{D84F50C5-B97D-4CB2-9E2F-9FFF913ABEFC}" type="pres">
+      <dgm:prSet presAssocID="{5F04679D-1B51-4F08-A7BC-243100548EEB}" presName="composite" presStyleCnt="0"/>
       <dgm:spPr/>
     </dgm:pt>
-    <dgm:pt modelId="{31A512A0-270C-4A07-B581-B63D4E39C27D}" type="pres">
-      <dgm:prSet presAssocID="{5F04679D-1B51-4F08-A7BC-243100548EEB}" presName="iconRect" presStyleLbl="node1" presStyleIdx="0" presStyleCnt="3"/>
-      <dgm:spPr>
-        <a:blipFill>
-          <a:blip xmlns:r="http://schemas.openxmlformats.org/officeDocument/2006/relationships" r:embed="rId1">
-            <a:extLst>
-              <a:ext uri="{28A0092B-C50C-407E-A947-70E740481C1C}">
-                <a14:useLocalDpi xmlns:a14="http://schemas.microsoft.com/office/drawing/2010/main" val="0"/>
-              </a:ext>
-              <a:ext uri="{96DAC541-7B7A-43D3-8B79-37D633B846F1}">
-                <asvg:svgBlip xmlns:asvg="http://schemas.microsoft.com/office/drawing/2016/SVG/main" r:embed="rId2"/>
-              </a:ext>
-            </a:extLst>
-          </a:blip>
-          <a:stretch>
-            <a:fillRect/>
-          </a:stretch>
-        </a:blipFill>
-      </dgm:spPr>
-      <dgm:extLst>
-        <a:ext uri="{E40237B7-FDA0-4F09-8148-C483321AD2D9}">
-          <dgm14:cNvPr xmlns:dgm14="http://schemas.microsoft.com/office/drawing/2010/diagram" id="0" name="" descr="Brain"/>
-        </a:ext>
-      </dgm:extLst>
-    </dgm:pt>
-    <dgm:pt modelId="{0B348830-8668-48F5-858A-775C011274E4}" type="pres">
-      <dgm:prSet presAssocID="{5F04679D-1B51-4F08-A7BC-243100548EEB}" presName="spaceRect" presStyleCnt="0"/>
+    <dgm:pt modelId="{0E1169EB-A102-48D8-B528-ABB5F4145866}" type="pres">
+      <dgm:prSet presAssocID="{5F04679D-1B51-4F08-A7BC-243100548EEB}" presName="background" presStyleLbl="node0" presStyleIdx="0" presStyleCnt="3"/>
       <dgm:spPr/>
     </dgm:pt>
-    <dgm:pt modelId="{69991B5B-5844-4AB3-862A-B7D49F6244CC}" type="pres">
-      <dgm:prSet presAssocID="{5F04679D-1B51-4F08-A7BC-243100548EEB}" presName="parTx" presStyleLbl="revTx" presStyleIdx="0" presStyleCnt="3">
+    <dgm:pt modelId="{A28F911B-D9B5-40FD-A831-AC491E9129A7}" type="pres">
+      <dgm:prSet presAssocID="{5F04679D-1B51-4F08-A7BC-243100548EEB}" presName="text" presStyleLbl="fgAcc0" presStyleIdx="0" presStyleCnt="3">
         <dgm:presLayoutVars>
-          <dgm:chMax val="0"/>
-          <dgm:chPref val="0"/>
+          <dgm:chPref val="3"/>
         </dgm:presLayoutVars>
       </dgm:prSet>
       <dgm:spPr/>
     </dgm:pt>
-    <dgm:pt modelId="{93EF1153-F019-4489-B53A-0110CE5C6876}" type="pres">
-      <dgm:prSet presAssocID="{85652E17-44B6-4CDF-A536-87D158E392AC}" presName="sibTrans" presStyleCnt="0"/>
+    <dgm:pt modelId="{02F66BF0-433E-496E-AE1D-83F9F0F9131E}" type="pres">
+      <dgm:prSet presAssocID="{5F04679D-1B51-4F08-A7BC-243100548EEB}" presName="hierChild2" presStyleCnt="0"/>
       <dgm:spPr/>
     </dgm:pt>
-    <dgm:pt modelId="{907C43F2-F615-4F9C-BD53-E9786750E90D}" type="pres">
-      <dgm:prSet presAssocID="{E4444430-45C5-4DC9-B348-5AB951C47712}" presName="compNode" presStyleCnt="0"/>
+    <dgm:pt modelId="{07578A6C-A1E4-42B0-B2C4-22135B39092A}" type="pres">
+      <dgm:prSet presAssocID="{E4444430-45C5-4DC9-B348-5AB951C47712}" presName="hierRoot1" presStyleCnt="0"/>
       <dgm:spPr/>
     </dgm:pt>
-    <dgm:pt modelId="{DB52B335-319D-4E5A-9440-0BF4C961A675}" type="pres">
-      <dgm:prSet presAssocID="{E4444430-45C5-4DC9-B348-5AB951C47712}" presName="bgRect" presStyleLbl="bgShp" presStyleIdx="1" presStyleCnt="3"/>
+    <dgm:pt modelId="{9274D469-B7BD-402C-A2B1-CA0CF79209E3}" type="pres">
+      <dgm:prSet presAssocID="{E4444430-45C5-4DC9-B348-5AB951C47712}" presName="composite" presStyleCnt="0"/>
       <dgm:spPr/>
     </dgm:pt>
-    <dgm:pt modelId="{12D46170-CE38-4B4A-B725-D6002989ABA3}" type="pres">
-      <dgm:prSet presAssocID="{E4444430-45C5-4DC9-B348-5AB951C47712}" presName="iconRect" presStyleLbl="node1" presStyleIdx="1" presStyleCnt="3"/>
-      <dgm:spPr>
-        <a:blipFill>
-          <a:blip xmlns:r="http://schemas.openxmlformats.org/officeDocument/2006/relationships" r:embed="rId3">
-            <a:extLst>
-              <a:ext uri="{28A0092B-C50C-407E-A947-70E740481C1C}">
-                <a14:useLocalDpi xmlns:a14="http://schemas.microsoft.com/office/drawing/2010/main" val="0"/>
-              </a:ext>
-              <a:ext uri="{96DAC541-7B7A-43D3-8B79-37D633B846F1}">
-                <asvg:svgBlip xmlns:asvg="http://schemas.microsoft.com/office/drawing/2016/SVG/main" r:embed="rId4"/>
-              </a:ext>
-            </a:extLst>
-          </a:blip>
-          <a:stretch>
-            <a:fillRect/>
-          </a:stretch>
-        </a:blipFill>
-      </dgm:spPr>
-      <dgm:extLst>
-        <a:ext uri="{E40237B7-FDA0-4F09-8148-C483321AD2D9}">
-          <dgm14:cNvPr xmlns:dgm14="http://schemas.microsoft.com/office/drawing/2010/diagram" id="0" name="" descr="Hierarchy"/>
-        </a:ext>
-      </dgm:extLst>
-    </dgm:pt>
-    <dgm:pt modelId="{56AEB0DC-444A-4EBF-A566-F6214FC40C9F}" type="pres">
-      <dgm:prSet presAssocID="{E4444430-45C5-4DC9-B348-5AB951C47712}" presName="spaceRect" presStyleCnt="0"/>
+    <dgm:pt modelId="{5F78C28A-04F7-4942-B9FA-E21238B55CF2}" type="pres">
+      <dgm:prSet presAssocID="{E4444430-45C5-4DC9-B348-5AB951C47712}" presName="background" presStyleLbl="node0" presStyleIdx="1" presStyleCnt="3"/>
       <dgm:spPr/>
     </dgm:pt>
-    <dgm:pt modelId="{CC3F6A21-3B50-4301-B887-CBC9BA6451DE}" type="pres">
-      <dgm:prSet presAssocID="{E4444430-45C5-4DC9-B348-5AB951C47712}" presName="parTx" presStyleLbl="revTx" presStyleIdx="1" presStyleCnt="3">
+    <dgm:pt modelId="{F3DD0738-1F33-4981-9C67-9F117A43D595}" type="pres">
+      <dgm:prSet presAssocID="{E4444430-45C5-4DC9-B348-5AB951C47712}" presName="text" presStyleLbl="fgAcc0" presStyleIdx="1" presStyleCnt="3">
         <dgm:presLayoutVars>
-          <dgm:chMax val="0"/>
-          <dgm:chPref val="0"/>
+          <dgm:chPref val="3"/>
         </dgm:presLayoutVars>
       </dgm:prSet>
       <dgm:spPr/>
     </dgm:pt>
-    <dgm:pt modelId="{4203D9A0-00BE-4D1A-AE73-4DBF0453E5FE}" type="pres">
-      <dgm:prSet presAssocID="{C6A784A8-AA5B-452C-9FB9-7747AA51DE91}" presName="sibTrans" presStyleCnt="0"/>
+    <dgm:pt modelId="{80A6927B-8364-4E68-9C52-9E935614CB70}" type="pres">
+      <dgm:prSet presAssocID="{E4444430-45C5-4DC9-B348-5AB951C47712}" presName="hierChild2" presStyleCnt="0"/>
       <dgm:spPr/>
     </dgm:pt>
-    <dgm:pt modelId="{5D771670-E7E1-454F-B9C7-B39ADAD12E0A}" type="pres">
-      <dgm:prSet presAssocID="{B0BA3519-3C4C-4CFE-B314-01548114F0EF}" presName="compNode" presStyleCnt="0"/>
+    <dgm:pt modelId="{B1D6F008-75BF-4FB6-87D6-DDB0F331C6D2}" type="pres">
+      <dgm:prSet presAssocID="{B0BA3519-3C4C-4CFE-B314-01548114F0EF}" presName="hierRoot1" presStyleCnt="0"/>
       <dgm:spPr/>
     </dgm:pt>
-    <dgm:pt modelId="{88425E4A-54B3-4233-B775-9F1E17650AD4}" type="pres">
-      <dgm:prSet presAssocID="{B0BA3519-3C4C-4CFE-B314-01548114F0EF}" presName="bgRect" presStyleLbl="bgShp" presStyleIdx="2" presStyleCnt="3"/>
+    <dgm:pt modelId="{76E5EE36-CCEA-4671-AF27-1820EE3248B5}" type="pres">
+      <dgm:prSet presAssocID="{B0BA3519-3C4C-4CFE-B314-01548114F0EF}" presName="composite" presStyleCnt="0"/>
       <dgm:spPr/>
     </dgm:pt>
-    <dgm:pt modelId="{E7E8E770-2576-486B-A547-8458772F2656}" type="pres">
-      <dgm:prSet presAssocID="{B0BA3519-3C4C-4CFE-B314-01548114F0EF}" presName="iconRect" presStyleLbl="node1" presStyleIdx="2" presStyleCnt="3"/>
-      <dgm:spPr>
-        <a:blipFill>
-          <a:blip xmlns:r="http://schemas.openxmlformats.org/officeDocument/2006/relationships" r:embed="rId5">
-            <a:extLst>
-              <a:ext uri="{28A0092B-C50C-407E-A947-70E740481C1C}">
-                <a14:useLocalDpi xmlns:a14="http://schemas.microsoft.com/office/drawing/2010/main" val="0"/>
-              </a:ext>
-              <a:ext uri="{96DAC541-7B7A-43D3-8B79-37D633B846F1}">
-                <asvg:svgBlip xmlns:asvg="http://schemas.microsoft.com/office/drawing/2016/SVG/main" r:embed="rId6"/>
-              </a:ext>
-            </a:extLst>
-          </a:blip>
-          <a:stretch>
-            <a:fillRect/>
-          </a:stretch>
-        </a:blipFill>
-      </dgm:spPr>
-      <dgm:extLst>
-        <a:ext uri="{E40237B7-FDA0-4F09-8148-C483321AD2D9}">
-          <dgm14:cNvPr xmlns:dgm14="http://schemas.microsoft.com/office/drawing/2010/diagram" id="0" name="" descr="Gears"/>
-        </a:ext>
-      </dgm:extLst>
-    </dgm:pt>
-    <dgm:pt modelId="{1379B3DC-086C-4DDC-AA6E-16CE14647170}" type="pres">
-      <dgm:prSet presAssocID="{B0BA3519-3C4C-4CFE-B314-01548114F0EF}" presName="spaceRect" presStyleCnt="0"/>
+    <dgm:pt modelId="{7E925313-7DCC-4EAC-997C-381A0A84EFA6}" type="pres">
+      <dgm:prSet presAssocID="{B0BA3519-3C4C-4CFE-B314-01548114F0EF}" presName="background" presStyleLbl="node0" presStyleIdx="2" presStyleCnt="3"/>
       <dgm:spPr/>
     </dgm:pt>
-    <dgm:pt modelId="{44794657-96B7-49B9-9C31-CAC16C7C9240}" type="pres">
-      <dgm:prSet presAssocID="{B0BA3519-3C4C-4CFE-B314-01548114F0EF}" presName="parTx" presStyleLbl="revTx" presStyleIdx="2" presStyleCnt="3">
+    <dgm:pt modelId="{5F7534EE-51D5-420B-BE89-51E46E072769}" type="pres">
+      <dgm:prSet presAssocID="{B0BA3519-3C4C-4CFE-B314-01548114F0EF}" presName="text" presStyleLbl="fgAcc0" presStyleIdx="2" presStyleCnt="3">
         <dgm:presLayoutVars>
-          <dgm:chMax val="0"/>
-          <dgm:chPref val="0"/>
+          <dgm:chPref val="3"/>
         </dgm:presLayoutVars>
       </dgm:prSet>
       <dgm:spPr/>
     </dgm:pt>
+    <dgm:pt modelId="{304F3F6B-82C4-4A4C-AB89-932D86D871B0}" type="pres">
+      <dgm:prSet presAssocID="{B0BA3519-3C4C-4CFE-B314-01548114F0EF}" presName="hierChild2" presStyleCnt="0"/>
+      <dgm:spPr/>
+    </dgm:pt>
   </dgm:ptLst>
   <dgm:cxnLst>
-    <dgm:cxn modelId="{C92DB15E-59F5-4E2D-BA3F-3927F0669BF7}" type="presOf" srcId="{7033B4D5-E721-4610-9F5F-F58746DC9A92}" destId="{572AE7DA-AE64-4526-BE9B-8500AF9661F2}" srcOrd="0" destOrd="0" presId="urn:microsoft.com/office/officeart/2018/2/layout/IconVerticalSolidList"/>
-    <dgm:cxn modelId="{38B0B447-7969-4D69-ADC2-D7B12794FF57}" type="presOf" srcId="{B0BA3519-3C4C-4CFE-B314-01548114F0EF}" destId="{44794657-96B7-49B9-9C31-CAC16C7C9240}" srcOrd="0" destOrd="0" presId="urn:microsoft.com/office/officeart/2018/2/layout/IconVerticalSolidList"/>
+    <dgm:cxn modelId="{10E77500-C791-40F5-9424-9DFA9F6F0F05}" type="presOf" srcId="{5F04679D-1B51-4F08-A7BC-243100548EEB}" destId="{A28F911B-D9B5-40FD-A831-AC491E9129A7}" srcOrd="0" destOrd="0" presId="urn:microsoft.com/office/officeart/2005/8/layout/hierarchy1"/>
     <dgm:cxn modelId="{7943994C-F7B1-4078-9AF2-06EBA2A9B39D}" srcId="{7033B4D5-E721-4610-9F5F-F58746DC9A92}" destId="{E4444430-45C5-4DC9-B348-5AB951C47712}" srcOrd="1" destOrd="0" parTransId="{48E7E39D-5D00-4A8A-B7C7-840268107ABC}" sibTransId="{C6A784A8-AA5B-452C-9FB9-7747AA51DE91}"/>
-    <dgm:cxn modelId="{2DB89FC8-1A71-479F-B7BD-9FFD0368DE51}" type="presOf" srcId="{E4444430-45C5-4DC9-B348-5AB951C47712}" destId="{CC3F6A21-3B50-4301-B887-CBC9BA6451DE}" srcOrd="0" destOrd="0" presId="urn:microsoft.com/office/officeart/2018/2/layout/IconVerticalSolidList"/>
+    <dgm:cxn modelId="{079CD672-2698-4C16-82EA-C392D2CE9086}" type="presOf" srcId="{B0BA3519-3C4C-4CFE-B314-01548114F0EF}" destId="{5F7534EE-51D5-420B-BE89-51E46E072769}" srcOrd="0" destOrd="0" presId="urn:microsoft.com/office/officeart/2005/8/layout/hierarchy1"/>
+    <dgm:cxn modelId="{43A357BE-BABB-42B6-8461-D10217773562}" type="presOf" srcId="{E4444430-45C5-4DC9-B348-5AB951C47712}" destId="{F3DD0738-1F33-4981-9C67-9F117A43D595}" srcOrd="0" destOrd="0" presId="urn:microsoft.com/office/officeart/2005/8/layout/hierarchy1"/>
     <dgm:cxn modelId="{2C6915CC-0F5F-42FA-AA20-3DC01D34CD09}" srcId="{7033B4D5-E721-4610-9F5F-F58746DC9A92}" destId="{5F04679D-1B51-4F08-A7BC-243100548EEB}" srcOrd="0" destOrd="0" parTransId="{E5ADE35A-CAEF-40C8-901B-05556DA2C2A8}" sibTransId="{85652E17-44B6-4CDF-A536-87D158E392AC}"/>
     <dgm:cxn modelId="{104051E3-8FB9-4059-BAF7-B61ED8E1F8BE}" srcId="{7033B4D5-E721-4610-9F5F-F58746DC9A92}" destId="{B0BA3519-3C4C-4CFE-B314-01548114F0EF}" srcOrd="2" destOrd="0" parTransId="{D8515637-C5A2-4157-85AB-1FE56F7392A7}" sibTransId="{4D48D276-063D-48D9-81FD-B19518A35519}"/>
-    <dgm:cxn modelId="{E83E87F6-1F94-4CCF-B0EB-DDE6FF235780}" type="presOf" srcId="{5F04679D-1B51-4F08-A7BC-243100548EEB}" destId="{69991B5B-5844-4AB3-862A-B7D49F6244CC}" srcOrd="0" destOrd="0" presId="urn:microsoft.com/office/officeart/2018/2/layout/IconVerticalSolidList"/>
-    <dgm:cxn modelId="{5198AD47-EA16-485C-B38F-880583DF9E14}" type="presParOf" srcId="{572AE7DA-AE64-4526-BE9B-8500AF9661F2}" destId="{C2C7017E-275A-441E-94D7-9C6D99E4CEE3}" srcOrd="0" destOrd="0" presId="urn:microsoft.com/office/officeart/2018/2/layout/IconVerticalSolidList"/>
-    <dgm:cxn modelId="{16BCBE51-CDF6-4A69-ACC1-743CA06B30CD}" type="presParOf" srcId="{C2C7017E-275A-441E-94D7-9C6D99E4CEE3}" destId="{A20B3E3D-BF5B-4C02-B156-0A78BF89743F}" srcOrd="0" destOrd="0" presId="urn:microsoft.com/office/officeart/2018/2/layout/IconVerticalSolidList"/>
-    <dgm:cxn modelId="{2040D6B9-215A-4770-B0FA-0D1DE93F05FD}" type="presParOf" srcId="{C2C7017E-275A-441E-94D7-9C6D99E4CEE3}" destId="{31A512A0-270C-4A07-B581-B63D4E39C27D}" srcOrd="1" destOrd="0" presId="urn:microsoft.com/office/officeart/2018/2/layout/IconVerticalSolidList"/>
-    <dgm:cxn modelId="{8C8C958D-A5A5-4988-8382-9EA3B38C8C4E}" type="presParOf" srcId="{C2C7017E-275A-441E-94D7-9C6D99E4CEE3}" destId="{0B348830-8668-48F5-858A-775C011274E4}" srcOrd="2" destOrd="0" presId="urn:microsoft.com/office/officeart/2018/2/layout/IconVerticalSolidList"/>
-    <dgm:cxn modelId="{7941C99D-554F-4C85-A517-BB836837015E}" type="presParOf" srcId="{C2C7017E-275A-441E-94D7-9C6D99E4CEE3}" destId="{69991B5B-5844-4AB3-862A-B7D49F6244CC}" srcOrd="3" destOrd="0" presId="urn:microsoft.com/office/officeart/2018/2/layout/IconVerticalSolidList"/>
-    <dgm:cxn modelId="{0A82143C-568B-4252-AC28-E55E71B0303D}" type="presParOf" srcId="{572AE7DA-AE64-4526-BE9B-8500AF9661F2}" destId="{93EF1153-F019-4489-B53A-0110CE5C6876}" srcOrd="1" destOrd="0" presId="urn:microsoft.com/office/officeart/2018/2/layout/IconVerticalSolidList"/>
-    <dgm:cxn modelId="{84EDBC73-1000-4F64-AB5D-49DF6B7CFD95}" type="presParOf" srcId="{572AE7DA-AE64-4526-BE9B-8500AF9661F2}" destId="{907C43F2-F615-4F9C-BD53-E9786750E90D}" srcOrd="2" destOrd="0" presId="urn:microsoft.com/office/officeart/2018/2/layout/IconVerticalSolidList"/>
-    <dgm:cxn modelId="{146219DA-C473-488B-B8C9-AFA4C0F70B6E}" type="presParOf" srcId="{907C43F2-F615-4F9C-BD53-E9786750E90D}" destId="{DB52B335-319D-4E5A-9440-0BF4C961A675}" srcOrd="0" destOrd="0" presId="urn:microsoft.com/office/officeart/2018/2/layout/IconVerticalSolidList"/>
-    <dgm:cxn modelId="{8267F154-2C8C-4133-A0DC-423D3218706F}" type="presParOf" srcId="{907C43F2-F615-4F9C-BD53-E9786750E90D}" destId="{12D46170-CE38-4B4A-B725-D6002989ABA3}" srcOrd="1" destOrd="0" presId="urn:microsoft.com/office/officeart/2018/2/layout/IconVerticalSolidList"/>
-    <dgm:cxn modelId="{2E848754-D7DB-4BAA-AC34-52B015D8DDFB}" type="presParOf" srcId="{907C43F2-F615-4F9C-BD53-E9786750E90D}" destId="{56AEB0DC-444A-4EBF-A566-F6214FC40C9F}" srcOrd="2" destOrd="0" presId="urn:microsoft.com/office/officeart/2018/2/layout/IconVerticalSolidList"/>
-    <dgm:cxn modelId="{CAB7095C-5DB5-4280-ACD8-709C0187FD03}" type="presParOf" srcId="{907C43F2-F615-4F9C-BD53-E9786750E90D}" destId="{CC3F6A21-3B50-4301-B887-CBC9BA6451DE}" srcOrd="3" destOrd="0" presId="urn:microsoft.com/office/officeart/2018/2/layout/IconVerticalSolidList"/>
-    <dgm:cxn modelId="{378BE479-2365-4AF3-AAE0-1AF24A181B95}" type="presParOf" srcId="{572AE7DA-AE64-4526-BE9B-8500AF9661F2}" destId="{4203D9A0-00BE-4D1A-AE73-4DBF0453E5FE}" srcOrd="3" destOrd="0" presId="urn:microsoft.com/office/officeart/2018/2/layout/IconVerticalSolidList"/>
-    <dgm:cxn modelId="{4177B4EC-F637-4E00-9C01-001152B79C3C}" type="presParOf" srcId="{572AE7DA-AE64-4526-BE9B-8500AF9661F2}" destId="{5D771670-E7E1-454F-B9C7-B39ADAD12E0A}" srcOrd="4" destOrd="0" presId="urn:microsoft.com/office/officeart/2018/2/layout/IconVerticalSolidList"/>
-    <dgm:cxn modelId="{B8E690B7-A5CD-4DBC-BA6A-00D4C671CCDF}" type="presParOf" srcId="{5D771670-E7E1-454F-B9C7-B39ADAD12E0A}" destId="{88425E4A-54B3-4233-B775-9F1E17650AD4}" srcOrd="0" destOrd="0" presId="urn:microsoft.com/office/officeart/2018/2/layout/IconVerticalSolidList"/>
-    <dgm:cxn modelId="{0C739D1C-75B1-4346-9934-78B444FE0A26}" type="presParOf" srcId="{5D771670-E7E1-454F-B9C7-B39ADAD12E0A}" destId="{E7E8E770-2576-486B-A547-8458772F2656}" srcOrd="1" destOrd="0" presId="urn:microsoft.com/office/officeart/2018/2/layout/IconVerticalSolidList"/>
-    <dgm:cxn modelId="{36AD5D9E-A683-4B75-B320-37C9D71B92AE}" type="presParOf" srcId="{5D771670-E7E1-454F-B9C7-B39ADAD12E0A}" destId="{1379B3DC-086C-4DDC-AA6E-16CE14647170}" srcOrd="2" destOrd="0" presId="urn:microsoft.com/office/officeart/2018/2/layout/IconVerticalSolidList"/>
-    <dgm:cxn modelId="{56746696-6404-4D1B-8D2A-0C0C6EFE5804}" type="presParOf" srcId="{5D771670-E7E1-454F-B9C7-B39ADAD12E0A}" destId="{44794657-96B7-49B9-9C31-CAC16C7C9240}" srcOrd="3" destOrd="0" presId="urn:microsoft.com/office/officeart/2018/2/layout/IconVerticalSolidList"/>
+    <dgm:cxn modelId="{1B52D5EF-C4B8-442E-B0C5-C614B17ABDD4}" type="presOf" srcId="{7033B4D5-E721-4610-9F5F-F58746DC9A92}" destId="{2BD53D71-14F7-46DD-BAB6-43DC4C743F24}" srcOrd="0" destOrd="0" presId="urn:microsoft.com/office/officeart/2005/8/layout/hierarchy1"/>
+    <dgm:cxn modelId="{7C51104D-E497-46C2-81A0-61272EA4976E}" type="presParOf" srcId="{2BD53D71-14F7-46DD-BAB6-43DC4C743F24}" destId="{B28BA48E-ED27-4E4D-9D22-A5834C7A96C2}" srcOrd="0" destOrd="0" presId="urn:microsoft.com/office/officeart/2005/8/layout/hierarchy1"/>
+    <dgm:cxn modelId="{AFC96872-C618-401D-8D80-6646D0BED149}" type="presParOf" srcId="{B28BA48E-ED27-4E4D-9D22-A5834C7A96C2}" destId="{D84F50C5-B97D-4CB2-9E2F-9FFF913ABEFC}" srcOrd="0" destOrd="0" presId="urn:microsoft.com/office/officeart/2005/8/layout/hierarchy1"/>
+    <dgm:cxn modelId="{8291DE36-6EAE-49B1-A661-2ABAE9EACB5D}" type="presParOf" srcId="{D84F50C5-B97D-4CB2-9E2F-9FFF913ABEFC}" destId="{0E1169EB-A102-48D8-B528-ABB5F4145866}" srcOrd="0" destOrd="0" presId="urn:microsoft.com/office/officeart/2005/8/layout/hierarchy1"/>
+    <dgm:cxn modelId="{DBF1A5F7-8DC0-482E-9B6B-ECB9F21E27FC}" type="presParOf" srcId="{D84F50C5-B97D-4CB2-9E2F-9FFF913ABEFC}" destId="{A28F911B-D9B5-40FD-A831-AC491E9129A7}" srcOrd="1" destOrd="0" presId="urn:microsoft.com/office/officeart/2005/8/layout/hierarchy1"/>
+    <dgm:cxn modelId="{19177E45-5A79-49F6-9D60-07DCB759E4BE}" type="presParOf" srcId="{B28BA48E-ED27-4E4D-9D22-A5834C7A96C2}" destId="{02F66BF0-433E-496E-AE1D-83F9F0F9131E}" srcOrd="1" destOrd="0" presId="urn:microsoft.com/office/officeart/2005/8/layout/hierarchy1"/>
+    <dgm:cxn modelId="{F5B8EA5C-FABA-4294-BF61-93DE09909759}" type="presParOf" srcId="{2BD53D71-14F7-46DD-BAB6-43DC4C743F24}" destId="{07578A6C-A1E4-42B0-B2C4-22135B39092A}" srcOrd="1" destOrd="0" presId="urn:microsoft.com/office/officeart/2005/8/layout/hierarchy1"/>
+    <dgm:cxn modelId="{417CC3E5-27FE-4EA3-9D16-503A6845DF56}" type="presParOf" srcId="{07578A6C-A1E4-42B0-B2C4-22135B39092A}" destId="{9274D469-B7BD-402C-A2B1-CA0CF79209E3}" srcOrd="0" destOrd="0" presId="urn:microsoft.com/office/officeart/2005/8/layout/hierarchy1"/>
+    <dgm:cxn modelId="{13B6F81D-D215-4397-A9EB-F5037D6F62E2}" type="presParOf" srcId="{9274D469-B7BD-402C-A2B1-CA0CF79209E3}" destId="{5F78C28A-04F7-4942-B9FA-E21238B55CF2}" srcOrd="0" destOrd="0" presId="urn:microsoft.com/office/officeart/2005/8/layout/hierarchy1"/>
+    <dgm:cxn modelId="{9C0507C9-4761-489B-B6E0-145B68E4D220}" type="presParOf" srcId="{9274D469-B7BD-402C-A2B1-CA0CF79209E3}" destId="{F3DD0738-1F33-4981-9C67-9F117A43D595}" srcOrd="1" destOrd="0" presId="urn:microsoft.com/office/officeart/2005/8/layout/hierarchy1"/>
+    <dgm:cxn modelId="{589AB513-19FF-4962-B26C-D1EC7CA03ABE}" type="presParOf" srcId="{07578A6C-A1E4-42B0-B2C4-22135B39092A}" destId="{80A6927B-8364-4E68-9C52-9E935614CB70}" srcOrd="1" destOrd="0" presId="urn:microsoft.com/office/officeart/2005/8/layout/hierarchy1"/>
+    <dgm:cxn modelId="{42E9D479-DB83-4C5D-BD76-1CDCEF42CC33}" type="presParOf" srcId="{2BD53D71-14F7-46DD-BAB6-43DC4C743F24}" destId="{B1D6F008-75BF-4FB6-87D6-DDB0F331C6D2}" srcOrd="2" destOrd="0" presId="urn:microsoft.com/office/officeart/2005/8/layout/hierarchy1"/>
+    <dgm:cxn modelId="{0E1A3B22-6CFA-433D-93EC-0D34F6A4F26A}" type="presParOf" srcId="{B1D6F008-75BF-4FB6-87D6-DDB0F331C6D2}" destId="{76E5EE36-CCEA-4671-AF27-1820EE3248B5}" srcOrd="0" destOrd="0" presId="urn:microsoft.com/office/officeart/2005/8/layout/hierarchy1"/>
+    <dgm:cxn modelId="{0ED4AC05-EA58-46C4-96FF-5BEDE09262EA}" type="presParOf" srcId="{76E5EE36-CCEA-4671-AF27-1820EE3248B5}" destId="{7E925313-7DCC-4EAC-997C-381A0A84EFA6}" srcOrd="0" destOrd="0" presId="urn:microsoft.com/office/officeart/2005/8/layout/hierarchy1"/>
+    <dgm:cxn modelId="{A71E244C-33F5-4EF2-BEA6-D604E5E443F6}" type="presParOf" srcId="{76E5EE36-CCEA-4671-AF27-1820EE3248B5}" destId="{5F7534EE-51D5-420B-BE89-51E46E072769}" srcOrd="1" destOrd="0" presId="urn:microsoft.com/office/officeart/2005/8/layout/hierarchy1"/>
+    <dgm:cxn modelId="{F01B2E07-AE12-4B35-8D25-6128AB779C10}" type="presParOf" srcId="{B1D6F008-75BF-4FB6-87D6-DDB0F331C6D2}" destId="{304F3F6B-82C4-4A4C-AB89-932D86D871B0}" srcOrd="1" destOrd="0" presId="urn:microsoft.com/office/officeart/2005/8/layout/hierarchy1"/>
   </dgm:cxnLst>
   <dgm:bg/>
   <dgm:whole/>
@@ -5670,16 +5590,8 @@
             <a:defRPr cap="all"/>
           </a:pPr>
           <a:r>
-            <a:rPr lang="en-US"/>
-            <a:t>This is called a</a:t>
-          </a:r>
-          <a:r>
-            <a:rPr lang="en-US" i="1"/>
-            <a:t> classification </a:t>
-          </a:r>
-          <a:r>
-            <a:rPr lang="en-US"/>
-            <a:t>neural network</a:t>
+            <a:rPr lang="en-US" dirty="0"/>
+            <a:t>Integer output classes correspond to a musical instrument</a:t>
           </a:r>
         </a:p>
       </dgm:t>
@@ -5911,7 +5823,7 @@
 <dgm:dataModel xmlns:dgm="http://schemas.openxmlformats.org/drawingml/2006/diagram" xmlns:a="http://schemas.openxmlformats.org/drawingml/2006/main">
   <dgm:ptLst>
     <dgm:pt modelId="{3284F56F-28B8-46AE-AFB4-E1613291AE2B}" type="doc">
-      <dgm:prSet loTypeId="urn:microsoft.com/office/officeart/2005/8/layout/hierarchy1" loCatId="hierarchy" qsTypeId="urn:microsoft.com/office/officeart/2005/8/quickstyle/simple1" qsCatId="simple" csTypeId="urn:microsoft.com/office/officeart/2005/8/colors/accent1_2" csCatId="accent1"/>
+      <dgm:prSet loTypeId="urn:microsoft.com/office/officeart/2005/8/layout/default" loCatId="list" qsTypeId="urn:microsoft.com/office/officeart/2005/8/quickstyle/simple1" qsCatId="simple" csTypeId="urn:microsoft.com/office/officeart/2005/8/colors/accent1_2" csCatId="accent1"/>
       <dgm:spPr/>
       <dgm:t>
         <a:bodyPr/>
@@ -5929,7 +5841,7 @@
         <a:lstStyle/>
         <a:p>
           <a:r>
-            <a:rPr lang="en-US"/>
+            <a:rPr lang="en-US" dirty="0"/>
             <a:t>Inputs is 2D image-like array</a:t>
           </a:r>
         </a:p>
@@ -6009,83 +5921,45 @@
         </a:p>
       </dgm:t>
     </dgm:pt>
-    <dgm:pt modelId="{3F8D7957-490F-4E2B-8199-C84B4AB8CBAF}" type="pres">
-      <dgm:prSet presAssocID="{3284F56F-28B8-46AE-AFB4-E1613291AE2B}" presName="hierChild1" presStyleCnt="0">
+    <dgm:pt modelId="{53C12A42-249C-4EA6-AD28-B5AE03FB8ACF}" type="pres">
+      <dgm:prSet presAssocID="{3284F56F-28B8-46AE-AFB4-E1613291AE2B}" presName="diagram" presStyleCnt="0">
         <dgm:presLayoutVars>
-          <dgm:chPref val="1"/>
           <dgm:dir/>
-          <dgm:animOne val="branch"/>
-          <dgm:animLvl val="lvl"/>
-          <dgm:resizeHandles/>
+          <dgm:resizeHandles val="exact"/>
         </dgm:presLayoutVars>
       </dgm:prSet>
       <dgm:spPr/>
     </dgm:pt>
-    <dgm:pt modelId="{3C9AF985-1153-46DD-B5BC-35E10CC2BC7A}" type="pres">
-      <dgm:prSet presAssocID="{2C248C0B-FB1E-423B-9462-7B2611608F7B}" presName="hierRoot1" presStyleCnt="0"/>
-      <dgm:spPr/>
-    </dgm:pt>
-    <dgm:pt modelId="{EDBB2DDD-90D2-4003-BD29-1FD0AAC2FABC}" type="pres">
-      <dgm:prSet presAssocID="{2C248C0B-FB1E-423B-9462-7B2611608F7B}" presName="composite" presStyleCnt="0"/>
-      <dgm:spPr/>
-    </dgm:pt>
-    <dgm:pt modelId="{B521614B-A9EA-4EC7-8104-20181FAC1B82}" type="pres">
-      <dgm:prSet presAssocID="{2C248C0B-FB1E-423B-9462-7B2611608F7B}" presName="background" presStyleLbl="node0" presStyleIdx="0" presStyleCnt="2"/>
-      <dgm:spPr/>
-    </dgm:pt>
-    <dgm:pt modelId="{6A9471E4-4170-4A0B-ACC1-412F3663ABAB}" type="pres">
-      <dgm:prSet presAssocID="{2C248C0B-FB1E-423B-9462-7B2611608F7B}" presName="text" presStyleLbl="fgAcc0" presStyleIdx="0" presStyleCnt="2">
+    <dgm:pt modelId="{7C17E4F2-3E37-43FF-BDE1-F4F83F0EBD88}" type="pres">
+      <dgm:prSet presAssocID="{2C248C0B-FB1E-423B-9462-7B2611608F7B}" presName="node" presStyleLbl="node1" presStyleIdx="0" presStyleCnt="2">
         <dgm:presLayoutVars>
-          <dgm:chPref val="3"/>
+          <dgm:bulletEnabled val="1"/>
         </dgm:presLayoutVars>
       </dgm:prSet>
       <dgm:spPr/>
     </dgm:pt>
-    <dgm:pt modelId="{03CD8F48-030D-4145-BA30-82675EA85962}" type="pres">
-      <dgm:prSet presAssocID="{2C248C0B-FB1E-423B-9462-7B2611608F7B}" presName="hierChild2" presStyleCnt="0"/>
+    <dgm:pt modelId="{A907ACD6-6633-4BBB-ADA0-3E46F67A271D}" type="pres">
+      <dgm:prSet presAssocID="{625157DB-8611-43C9-9856-9FA0BD38AF34}" presName="sibTrans" presStyleCnt="0"/>
       <dgm:spPr/>
     </dgm:pt>
-    <dgm:pt modelId="{22654AB9-065C-4AA5-8EA2-DA7C591CBEE8}" type="pres">
-      <dgm:prSet presAssocID="{362FD5B8-C673-48A5-B407-9FCD061BB9B8}" presName="hierRoot1" presStyleCnt="0"/>
-      <dgm:spPr/>
-    </dgm:pt>
-    <dgm:pt modelId="{41AB1798-48AE-46D0-80F7-E3B520E89F61}" type="pres">
-      <dgm:prSet presAssocID="{362FD5B8-C673-48A5-B407-9FCD061BB9B8}" presName="composite" presStyleCnt="0"/>
-      <dgm:spPr/>
-    </dgm:pt>
-    <dgm:pt modelId="{F98764AE-1E0B-48AC-AED0-BC46DFBD037C}" type="pres">
-      <dgm:prSet presAssocID="{362FD5B8-C673-48A5-B407-9FCD061BB9B8}" presName="background" presStyleLbl="node0" presStyleIdx="1" presStyleCnt="2"/>
-      <dgm:spPr/>
-    </dgm:pt>
-    <dgm:pt modelId="{DAEA9667-1A20-44FA-9E25-3ACFDE36F1EA}" type="pres">
-      <dgm:prSet presAssocID="{362FD5B8-C673-48A5-B407-9FCD061BB9B8}" presName="text" presStyleLbl="fgAcc0" presStyleIdx="1" presStyleCnt="2">
+    <dgm:pt modelId="{219CA248-FB5D-4E93-87A1-95DAD368EC5E}" type="pres">
+      <dgm:prSet presAssocID="{362FD5B8-C673-48A5-B407-9FCD061BB9B8}" presName="node" presStyleLbl="node1" presStyleIdx="1" presStyleCnt="2">
         <dgm:presLayoutVars>
-          <dgm:chPref val="3"/>
+          <dgm:bulletEnabled val="1"/>
         </dgm:presLayoutVars>
       </dgm:prSet>
       <dgm:spPr/>
     </dgm:pt>
-    <dgm:pt modelId="{BE00FA14-681A-425E-8597-EA0177FCBE0A}" type="pres">
-      <dgm:prSet presAssocID="{362FD5B8-C673-48A5-B407-9FCD061BB9B8}" presName="hierChild2" presStyleCnt="0"/>
-      <dgm:spPr/>
-    </dgm:pt>
   </dgm:ptLst>
   <dgm:cxnLst>
-    <dgm:cxn modelId="{0A046A2E-DCBA-43F6-BD68-648A86A092BB}" type="presOf" srcId="{362FD5B8-C673-48A5-B407-9FCD061BB9B8}" destId="{DAEA9667-1A20-44FA-9E25-3ACFDE36F1EA}" srcOrd="0" destOrd="0" presId="urn:microsoft.com/office/officeart/2005/8/layout/hierarchy1"/>
-    <dgm:cxn modelId="{5E7D134C-E211-4973-9874-00B9FD848DD8}" type="presOf" srcId="{3284F56F-28B8-46AE-AFB4-E1613291AE2B}" destId="{3F8D7957-490F-4E2B-8199-C84B4AB8CBAF}" srcOrd="0" destOrd="0" presId="urn:microsoft.com/office/officeart/2005/8/layout/hierarchy1"/>
-    <dgm:cxn modelId="{C7CD2674-890A-4F08-980B-91DB04C69067}" type="presOf" srcId="{2C248C0B-FB1E-423B-9462-7B2611608F7B}" destId="{6A9471E4-4170-4A0B-ACC1-412F3663ABAB}" srcOrd="0" destOrd="0" presId="urn:microsoft.com/office/officeart/2005/8/layout/hierarchy1"/>
+    <dgm:cxn modelId="{66EA1100-918D-4D38-A079-CAFE4469C4D0}" type="presOf" srcId="{3284F56F-28B8-46AE-AFB4-E1613291AE2B}" destId="{53C12A42-249C-4EA6-AD28-B5AE03FB8ACF}" srcOrd="0" destOrd="0" presId="urn:microsoft.com/office/officeart/2005/8/layout/default"/>
     <dgm:cxn modelId="{3ED09479-0215-46C9-940E-B31128C586F6}" srcId="{3284F56F-28B8-46AE-AFB4-E1613291AE2B}" destId="{2C248C0B-FB1E-423B-9462-7B2611608F7B}" srcOrd="0" destOrd="0" parTransId="{F0291D89-E609-4CA5-A868-6554EE070564}" sibTransId="{625157DB-8611-43C9-9856-9FA0BD38AF34}"/>
+    <dgm:cxn modelId="{599488B2-1EE7-4232-AF4A-990585C8B343}" type="presOf" srcId="{362FD5B8-C673-48A5-B407-9FCD061BB9B8}" destId="{219CA248-FB5D-4E93-87A1-95DAD368EC5E}" srcOrd="0" destOrd="0" presId="urn:microsoft.com/office/officeart/2005/8/layout/default"/>
     <dgm:cxn modelId="{4FA122BF-1CD7-4554-A687-481980944368}" srcId="{3284F56F-28B8-46AE-AFB4-E1613291AE2B}" destId="{362FD5B8-C673-48A5-B407-9FCD061BB9B8}" srcOrd="1" destOrd="0" parTransId="{E042A3F9-5038-4333-A5BB-603C98ED9C27}" sibTransId="{A89D93E8-8C5E-4D97-955B-841F6C5006EE}"/>
-    <dgm:cxn modelId="{96749677-6E4A-418E-B8AE-00D530B340E7}" type="presParOf" srcId="{3F8D7957-490F-4E2B-8199-C84B4AB8CBAF}" destId="{3C9AF985-1153-46DD-B5BC-35E10CC2BC7A}" srcOrd="0" destOrd="0" presId="urn:microsoft.com/office/officeart/2005/8/layout/hierarchy1"/>
-    <dgm:cxn modelId="{61585966-CEEF-4797-AF8F-AD451A2BB278}" type="presParOf" srcId="{3C9AF985-1153-46DD-B5BC-35E10CC2BC7A}" destId="{EDBB2DDD-90D2-4003-BD29-1FD0AAC2FABC}" srcOrd="0" destOrd="0" presId="urn:microsoft.com/office/officeart/2005/8/layout/hierarchy1"/>
-    <dgm:cxn modelId="{63DA9BBE-C4EA-4866-A241-BE13AC057B43}" type="presParOf" srcId="{EDBB2DDD-90D2-4003-BD29-1FD0AAC2FABC}" destId="{B521614B-A9EA-4EC7-8104-20181FAC1B82}" srcOrd="0" destOrd="0" presId="urn:microsoft.com/office/officeart/2005/8/layout/hierarchy1"/>
-    <dgm:cxn modelId="{08076BB1-D028-47A4-B9EA-0CF7D1ED8C1A}" type="presParOf" srcId="{EDBB2DDD-90D2-4003-BD29-1FD0AAC2FABC}" destId="{6A9471E4-4170-4A0B-ACC1-412F3663ABAB}" srcOrd="1" destOrd="0" presId="urn:microsoft.com/office/officeart/2005/8/layout/hierarchy1"/>
-    <dgm:cxn modelId="{BE6D89AF-C94D-44E7-86FA-D6EBCB818C63}" type="presParOf" srcId="{3C9AF985-1153-46DD-B5BC-35E10CC2BC7A}" destId="{03CD8F48-030D-4145-BA30-82675EA85962}" srcOrd="1" destOrd="0" presId="urn:microsoft.com/office/officeart/2005/8/layout/hierarchy1"/>
-    <dgm:cxn modelId="{4F491266-C35E-4256-BA85-17ABFD90B9C9}" type="presParOf" srcId="{3F8D7957-490F-4E2B-8199-C84B4AB8CBAF}" destId="{22654AB9-065C-4AA5-8EA2-DA7C591CBEE8}" srcOrd="1" destOrd="0" presId="urn:microsoft.com/office/officeart/2005/8/layout/hierarchy1"/>
-    <dgm:cxn modelId="{7CC3ED51-A318-4330-8B1A-F8A20BE79ABE}" type="presParOf" srcId="{22654AB9-065C-4AA5-8EA2-DA7C591CBEE8}" destId="{41AB1798-48AE-46D0-80F7-E3B520E89F61}" srcOrd="0" destOrd="0" presId="urn:microsoft.com/office/officeart/2005/8/layout/hierarchy1"/>
-    <dgm:cxn modelId="{8049E234-A996-4D27-91D5-2FF32454D34F}" type="presParOf" srcId="{41AB1798-48AE-46D0-80F7-E3B520E89F61}" destId="{F98764AE-1E0B-48AC-AED0-BC46DFBD037C}" srcOrd="0" destOrd="0" presId="urn:microsoft.com/office/officeart/2005/8/layout/hierarchy1"/>
-    <dgm:cxn modelId="{E0AB07E7-55D0-4F59-ADBB-26E1C351E3DB}" type="presParOf" srcId="{41AB1798-48AE-46D0-80F7-E3B520E89F61}" destId="{DAEA9667-1A20-44FA-9E25-3ACFDE36F1EA}" srcOrd="1" destOrd="0" presId="urn:microsoft.com/office/officeart/2005/8/layout/hierarchy1"/>
-    <dgm:cxn modelId="{8F3A2559-D556-40DF-97B6-9D909CA33F3D}" type="presParOf" srcId="{22654AB9-065C-4AA5-8EA2-DA7C591CBEE8}" destId="{BE00FA14-681A-425E-8597-EA0177FCBE0A}" srcOrd="1" destOrd="0" presId="urn:microsoft.com/office/officeart/2005/8/layout/hierarchy1"/>
+    <dgm:cxn modelId="{411D99DE-8B3A-42CF-9660-4BF2A3A812F3}" type="presOf" srcId="{2C248C0B-FB1E-423B-9462-7B2611608F7B}" destId="{7C17E4F2-3E37-43FF-BDE1-F4F83F0EBD88}" srcOrd="0" destOrd="0" presId="urn:microsoft.com/office/officeart/2005/8/layout/default"/>
+    <dgm:cxn modelId="{F6C02AB5-3085-4E80-A75A-35936FAAE301}" type="presParOf" srcId="{53C12A42-249C-4EA6-AD28-B5AE03FB8ACF}" destId="{7C17E4F2-3E37-43FF-BDE1-F4F83F0EBD88}" srcOrd="0" destOrd="0" presId="urn:microsoft.com/office/officeart/2005/8/layout/default"/>
+    <dgm:cxn modelId="{E12FE6EC-DA33-4EFB-9EC2-D522FDBB7506}" type="presParOf" srcId="{53C12A42-249C-4EA6-AD28-B5AE03FB8ACF}" destId="{A907ACD6-6633-4BBB-ADA0-3E46F67A271D}" srcOrd="1" destOrd="0" presId="urn:microsoft.com/office/officeart/2005/8/layout/default"/>
+    <dgm:cxn modelId="{334BB9E1-9A90-458A-B53A-E11A68E26083}" type="presParOf" srcId="{53C12A42-249C-4EA6-AD28-B5AE03FB8ACF}" destId="{219CA248-FB5D-4E93-87A1-95DAD368EC5E}" srcOrd="2" destOrd="0" presId="urn:microsoft.com/office/officeart/2005/8/layout/default"/>
   </dgm:cxnLst>
   <dgm:bg/>
   <dgm:whole/>
@@ -6101,7 +5975,7 @@
 <dgm:dataModel xmlns:dgm="http://schemas.openxmlformats.org/drawingml/2006/diagram" xmlns:a="http://schemas.openxmlformats.org/drawingml/2006/main">
   <dgm:ptLst>
     <dgm:pt modelId="{25AF17CA-8C0D-4E59-9DE1-C035765F2A73}" type="doc">
-      <dgm:prSet loTypeId="urn:microsoft.com/office/officeart/2005/8/layout/hierarchy1" loCatId="hierarchy" qsTypeId="urn:microsoft.com/office/officeart/2005/8/quickstyle/simple1" qsCatId="simple" csTypeId="urn:microsoft.com/office/officeart/2005/8/colors/accent1_2" csCatId="accent1" phldr="1"/>
+      <dgm:prSet loTypeId="urn:microsoft.com/office/officeart/2005/8/layout/default" loCatId="list" qsTypeId="urn:microsoft.com/office/officeart/2005/8/quickstyle/simple1" qsCatId="simple" csTypeId="urn:microsoft.com/office/officeart/2005/8/colors/accent1_2" csCatId="accent1" phldr="1"/>
       <dgm:spPr/>
       <dgm:t>
         <a:bodyPr/>
@@ -6188,83 +6062,45 @@
         </a:p>
       </dgm:t>
     </dgm:pt>
-    <dgm:pt modelId="{A85AC73C-9061-4113-B255-C5DF5BCDF4C6}" type="pres">
-      <dgm:prSet presAssocID="{25AF17CA-8C0D-4E59-9DE1-C035765F2A73}" presName="hierChild1" presStyleCnt="0">
+    <dgm:pt modelId="{2812D98D-3F7D-4136-93E1-41A3F4F5762E}" type="pres">
+      <dgm:prSet presAssocID="{25AF17CA-8C0D-4E59-9DE1-C035765F2A73}" presName="diagram" presStyleCnt="0">
         <dgm:presLayoutVars>
-          <dgm:chPref val="1"/>
           <dgm:dir/>
-          <dgm:animOne val="branch"/>
-          <dgm:animLvl val="lvl"/>
-          <dgm:resizeHandles/>
+          <dgm:resizeHandles val="exact"/>
         </dgm:presLayoutVars>
       </dgm:prSet>
       <dgm:spPr/>
     </dgm:pt>
-    <dgm:pt modelId="{158B86FE-4C37-4CE6-8E45-2C79F9E4D4EC}" type="pres">
-      <dgm:prSet presAssocID="{E323E730-B6F9-4AC1-AED4-75DB4BC410A5}" presName="hierRoot1" presStyleCnt="0"/>
-      <dgm:spPr/>
-    </dgm:pt>
-    <dgm:pt modelId="{25F396FC-2E8A-4AFD-9979-B3D8765D155F}" type="pres">
-      <dgm:prSet presAssocID="{E323E730-B6F9-4AC1-AED4-75DB4BC410A5}" presName="composite" presStyleCnt="0"/>
-      <dgm:spPr/>
-    </dgm:pt>
-    <dgm:pt modelId="{8C7F3608-C62D-4602-A6B2-BB2DF1850B73}" type="pres">
-      <dgm:prSet presAssocID="{E323E730-B6F9-4AC1-AED4-75DB4BC410A5}" presName="background" presStyleLbl="node0" presStyleIdx="0" presStyleCnt="2"/>
-      <dgm:spPr/>
-    </dgm:pt>
-    <dgm:pt modelId="{1E3BE2AB-209A-4176-ADC3-2D910D65BE40}" type="pres">
-      <dgm:prSet presAssocID="{E323E730-B6F9-4AC1-AED4-75DB4BC410A5}" presName="text" presStyleLbl="fgAcc0" presStyleIdx="0" presStyleCnt="2">
+    <dgm:pt modelId="{A6D99976-C307-43C1-8873-F096705C5DA5}" type="pres">
+      <dgm:prSet presAssocID="{E323E730-B6F9-4AC1-AED4-75DB4BC410A5}" presName="node" presStyleLbl="node1" presStyleIdx="0" presStyleCnt="2">
         <dgm:presLayoutVars>
-          <dgm:chPref val="3"/>
+          <dgm:bulletEnabled val="1"/>
         </dgm:presLayoutVars>
       </dgm:prSet>
       <dgm:spPr/>
     </dgm:pt>
-    <dgm:pt modelId="{0C962FB3-A68C-41A8-9F99-29E11718E592}" type="pres">
-      <dgm:prSet presAssocID="{E323E730-B6F9-4AC1-AED4-75DB4BC410A5}" presName="hierChild2" presStyleCnt="0"/>
+    <dgm:pt modelId="{FFBC11F4-F764-4B2A-B4AE-82F13CB8972F}" type="pres">
+      <dgm:prSet presAssocID="{5B0F747E-DEC8-47F9-9682-6E78B8FCF6DD}" presName="sibTrans" presStyleCnt="0"/>
       <dgm:spPr/>
     </dgm:pt>
-    <dgm:pt modelId="{0996D49B-6936-4A44-B975-7FAE384104A4}" type="pres">
-      <dgm:prSet presAssocID="{66D40904-F69D-4A84-8A7A-4B817A51B70A}" presName="hierRoot1" presStyleCnt="0"/>
-      <dgm:spPr/>
-    </dgm:pt>
-    <dgm:pt modelId="{612657D8-C42E-43E1-A552-8A5D32B8810B}" type="pres">
-      <dgm:prSet presAssocID="{66D40904-F69D-4A84-8A7A-4B817A51B70A}" presName="composite" presStyleCnt="0"/>
-      <dgm:spPr/>
-    </dgm:pt>
-    <dgm:pt modelId="{E69AB66D-9876-4AE1-B472-9C8B88FCBACC}" type="pres">
-      <dgm:prSet presAssocID="{66D40904-F69D-4A84-8A7A-4B817A51B70A}" presName="background" presStyleLbl="node0" presStyleIdx="1" presStyleCnt="2"/>
-      <dgm:spPr/>
-    </dgm:pt>
-    <dgm:pt modelId="{A2FD9D50-5102-4A38-866F-CCE03CFF4D27}" type="pres">
-      <dgm:prSet presAssocID="{66D40904-F69D-4A84-8A7A-4B817A51B70A}" presName="text" presStyleLbl="fgAcc0" presStyleIdx="1" presStyleCnt="2">
+    <dgm:pt modelId="{BFAA277B-65A7-41E2-96E4-3DCC7C2EB3BF}" type="pres">
+      <dgm:prSet presAssocID="{66D40904-F69D-4A84-8A7A-4B817A51B70A}" presName="node" presStyleLbl="node1" presStyleIdx="1" presStyleCnt="2">
         <dgm:presLayoutVars>
-          <dgm:chPref val="3"/>
+          <dgm:bulletEnabled val="1"/>
         </dgm:presLayoutVars>
       </dgm:prSet>
-      <dgm:spPr/>
-    </dgm:pt>
-    <dgm:pt modelId="{707F788E-8F56-4471-A8B3-75D2139F5601}" type="pres">
-      <dgm:prSet presAssocID="{66D40904-F69D-4A84-8A7A-4B817A51B70A}" presName="hierChild2" presStyleCnt="0"/>
       <dgm:spPr/>
     </dgm:pt>
   </dgm:ptLst>
   <dgm:cxnLst>
     <dgm:cxn modelId="{77B35433-CB33-4FE5-8088-E5CBCFEA27B1}" srcId="{25AF17CA-8C0D-4E59-9DE1-C035765F2A73}" destId="{E323E730-B6F9-4AC1-AED4-75DB4BC410A5}" srcOrd="0" destOrd="0" parTransId="{D8020905-F34E-4617-BE5E-6C00F339FBBA}" sibTransId="{5B0F747E-DEC8-47F9-9682-6E78B8FCF6DD}"/>
-    <dgm:cxn modelId="{0277404F-D687-42BD-B182-041FBAAA75C2}" type="presOf" srcId="{25AF17CA-8C0D-4E59-9DE1-C035765F2A73}" destId="{A85AC73C-9061-4113-B255-C5DF5BCDF4C6}" srcOrd="0" destOrd="0" presId="urn:microsoft.com/office/officeart/2005/8/layout/hierarchy1"/>
-    <dgm:cxn modelId="{1ABCE76F-B25B-4DFC-8779-AD9CE0935CA6}" type="presOf" srcId="{E323E730-B6F9-4AC1-AED4-75DB4BC410A5}" destId="{1E3BE2AB-209A-4176-ADC3-2D910D65BE40}" srcOrd="0" destOrd="0" presId="urn:microsoft.com/office/officeart/2005/8/layout/hierarchy1"/>
+    <dgm:cxn modelId="{FCC91E51-3532-470B-9D3A-6DF51C5E8B47}" type="presOf" srcId="{E323E730-B6F9-4AC1-AED4-75DB4BC410A5}" destId="{A6D99976-C307-43C1-8873-F096705C5DA5}" srcOrd="0" destOrd="0" presId="urn:microsoft.com/office/officeart/2005/8/layout/default"/>
+    <dgm:cxn modelId="{F3E56276-561C-43B4-978C-F099D5C93E7A}" type="presOf" srcId="{25AF17CA-8C0D-4E59-9DE1-C035765F2A73}" destId="{2812D98D-3F7D-4136-93E1-41A3F4F5762E}" srcOrd="0" destOrd="0" presId="urn:microsoft.com/office/officeart/2005/8/layout/default"/>
     <dgm:cxn modelId="{263DD956-BF0A-4D27-9692-5DAC394E93B5}" srcId="{25AF17CA-8C0D-4E59-9DE1-C035765F2A73}" destId="{66D40904-F69D-4A84-8A7A-4B817A51B70A}" srcOrd="1" destOrd="0" parTransId="{2D41DDF8-90E9-431A-952C-391C30DC9CD1}" sibTransId="{69438073-9E21-412C-A8BB-D58CA941E1C5}"/>
-    <dgm:cxn modelId="{D33D55E2-1F05-45D5-9042-7DD4971BAEC4}" type="presOf" srcId="{66D40904-F69D-4A84-8A7A-4B817A51B70A}" destId="{A2FD9D50-5102-4A38-866F-CCE03CFF4D27}" srcOrd="0" destOrd="0" presId="urn:microsoft.com/office/officeart/2005/8/layout/hierarchy1"/>
-    <dgm:cxn modelId="{3A06E1C3-340E-4A50-9E5A-0A19F79B272D}" type="presParOf" srcId="{A85AC73C-9061-4113-B255-C5DF5BCDF4C6}" destId="{158B86FE-4C37-4CE6-8E45-2C79F9E4D4EC}" srcOrd="0" destOrd="0" presId="urn:microsoft.com/office/officeart/2005/8/layout/hierarchy1"/>
-    <dgm:cxn modelId="{D067020C-72E4-4DE5-953F-525516A9ED74}" type="presParOf" srcId="{158B86FE-4C37-4CE6-8E45-2C79F9E4D4EC}" destId="{25F396FC-2E8A-4AFD-9979-B3D8765D155F}" srcOrd="0" destOrd="0" presId="urn:microsoft.com/office/officeart/2005/8/layout/hierarchy1"/>
-    <dgm:cxn modelId="{7084C710-C10D-4187-9F92-A7F593349771}" type="presParOf" srcId="{25F396FC-2E8A-4AFD-9979-B3D8765D155F}" destId="{8C7F3608-C62D-4602-A6B2-BB2DF1850B73}" srcOrd="0" destOrd="0" presId="urn:microsoft.com/office/officeart/2005/8/layout/hierarchy1"/>
-    <dgm:cxn modelId="{15A7BF35-5E35-4E81-8681-D533E969A39E}" type="presParOf" srcId="{25F396FC-2E8A-4AFD-9979-B3D8765D155F}" destId="{1E3BE2AB-209A-4176-ADC3-2D910D65BE40}" srcOrd="1" destOrd="0" presId="urn:microsoft.com/office/officeart/2005/8/layout/hierarchy1"/>
-    <dgm:cxn modelId="{4B4B7C99-F2EB-4327-B046-B404559BDEC8}" type="presParOf" srcId="{158B86FE-4C37-4CE6-8E45-2C79F9E4D4EC}" destId="{0C962FB3-A68C-41A8-9F99-29E11718E592}" srcOrd="1" destOrd="0" presId="urn:microsoft.com/office/officeart/2005/8/layout/hierarchy1"/>
-    <dgm:cxn modelId="{B13DAE19-2C0E-4C0C-B86C-B03AB8DD4EB6}" type="presParOf" srcId="{A85AC73C-9061-4113-B255-C5DF5BCDF4C6}" destId="{0996D49B-6936-4A44-B975-7FAE384104A4}" srcOrd="1" destOrd="0" presId="urn:microsoft.com/office/officeart/2005/8/layout/hierarchy1"/>
-    <dgm:cxn modelId="{A50E55C9-392C-47DA-8754-31DC4067EAB4}" type="presParOf" srcId="{0996D49B-6936-4A44-B975-7FAE384104A4}" destId="{612657D8-C42E-43E1-A552-8A5D32B8810B}" srcOrd="0" destOrd="0" presId="urn:microsoft.com/office/officeart/2005/8/layout/hierarchy1"/>
-    <dgm:cxn modelId="{DBDA1BB8-6071-4B32-99E6-22AAE4B76CE4}" type="presParOf" srcId="{612657D8-C42E-43E1-A552-8A5D32B8810B}" destId="{E69AB66D-9876-4AE1-B472-9C8B88FCBACC}" srcOrd="0" destOrd="0" presId="urn:microsoft.com/office/officeart/2005/8/layout/hierarchy1"/>
-    <dgm:cxn modelId="{0382F93A-4A04-4C1B-897E-7D59AD8D03E6}" type="presParOf" srcId="{612657D8-C42E-43E1-A552-8A5D32B8810B}" destId="{A2FD9D50-5102-4A38-866F-CCE03CFF4D27}" srcOrd="1" destOrd="0" presId="urn:microsoft.com/office/officeart/2005/8/layout/hierarchy1"/>
-    <dgm:cxn modelId="{99B207B5-A8A2-430E-A800-53FB8F41A350}" type="presParOf" srcId="{0996D49B-6936-4A44-B975-7FAE384104A4}" destId="{707F788E-8F56-4471-A8B3-75D2139F5601}" srcOrd="1" destOrd="0" presId="urn:microsoft.com/office/officeart/2005/8/layout/hierarchy1"/>
+    <dgm:cxn modelId="{2BF6FCA7-AA4D-4110-A7E6-1892744568DE}" type="presOf" srcId="{66D40904-F69D-4A84-8A7A-4B817A51B70A}" destId="{BFAA277B-65A7-41E2-96E4-3DCC7C2EB3BF}" srcOrd="0" destOrd="0" presId="urn:microsoft.com/office/officeart/2005/8/layout/default"/>
+    <dgm:cxn modelId="{CC4020A3-EE80-4358-B2E1-4AFEFF24446E}" type="presParOf" srcId="{2812D98D-3F7D-4136-93E1-41A3F4F5762E}" destId="{A6D99976-C307-43C1-8873-F096705C5DA5}" srcOrd="0" destOrd="0" presId="urn:microsoft.com/office/officeart/2005/8/layout/default"/>
+    <dgm:cxn modelId="{90B7EF11-A279-4714-981F-24AEBD45EE65}" type="presParOf" srcId="{2812D98D-3F7D-4136-93E1-41A3F4F5762E}" destId="{FFBC11F4-F764-4B2A-B4AE-82F13CB8972F}" srcOrd="1" destOrd="0" presId="urn:microsoft.com/office/officeart/2005/8/layout/default"/>
+    <dgm:cxn modelId="{67F065C8-DDDF-4585-9688-402B78EA1C66}" type="presParOf" srcId="{2812D98D-3F7D-4136-93E1-41A3F4F5762E}" destId="{BFAA277B-65A7-41E2-96E4-3DCC7C2EB3BF}" srcOrd="2" destOrd="0" presId="urn:microsoft.com/office/officeart/2005/8/layout/default"/>
   </dgm:cxnLst>
   <dgm:bg/>
   <dgm:whole/>
@@ -7009,15 +6845,15 @@
       <dsp:cNvGrpSpPr/>
     </dsp:nvGrpSpPr>
     <dsp:grpSpPr/>
-    <dsp:sp modelId="{A20B3E3D-BF5B-4C02-B156-0A78BF89743F}">
+    <dsp:sp modelId="{0E1169EB-A102-48D8-B528-ABB5F4145866}">
       <dsp:nvSpPr>
         <dsp:cNvPr id="0" name=""/>
         <dsp:cNvSpPr/>
       </dsp:nvSpPr>
       <dsp:spPr>
         <a:xfrm>
-          <a:off x="0" y="531"/>
-          <a:ext cx="4480560" cy="1242935"/>
+          <a:off x="0" y="1074100"/>
+          <a:ext cx="2772616" cy="1760611"/>
         </a:xfrm>
         <a:prstGeom prst="roundRect">
           <a:avLst>
@@ -7026,62 +6862,67 @@
         </a:prstGeom>
         <a:solidFill>
           <a:schemeClr val="accent1">
-            <a:tint val="40000"/>
             <a:hueOff val="0"/>
             <a:satOff val="0"/>
             <a:lumOff val="0"/>
             <a:alphaOff val="0"/>
           </a:schemeClr>
         </a:solidFill>
-        <a:ln>
-          <a:noFill/>
+        <a:ln w="17145" cap="flat" cmpd="sng" algn="ctr">
+          <a:solidFill>
+            <a:schemeClr val="lt1">
+              <a:hueOff val="0"/>
+              <a:satOff val="0"/>
+              <a:lumOff val="0"/>
+              <a:alphaOff val="0"/>
+            </a:schemeClr>
+          </a:solidFill>
+          <a:prstDash val="solid"/>
         </a:ln>
         <a:effectLst/>
       </dsp:spPr>
       <dsp:style>
-        <a:lnRef idx="0">
+        <a:lnRef idx="3">
           <a:scrgbClr r="0" g="0" b="0"/>
         </a:lnRef>
         <a:fillRef idx="1">
           <a:scrgbClr r="0" g="0" b="0"/>
         </a:fillRef>
-        <a:effectRef idx="0">
+        <a:effectRef idx="1">
           <a:scrgbClr r="0" g="0" b="0"/>
         </a:effectRef>
-        <a:fontRef idx="minor"/>
+        <a:fontRef idx="minor">
+          <a:schemeClr val="lt1"/>
+        </a:fontRef>
       </dsp:style>
     </dsp:sp>
-    <dsp:sp modelId="{31A512A0-270C-4A07-B581-B63D4E39C27D}">
+    <dsp:sp modelId="{A28F911B-D9B5-40FD-A831-AC491E9129A7}">
       <dsp:nvSpPr>
         <dsp:cNvPr id="0" name=""/>
         <dsp:cNvSpPr/>
       </dsp:nvSpPr>
       <dsp:spPr>
         <a:xfrm>
-          <a:off x="375988" y="280191"/>
-          <a:ext cx="683614" cy="683614"/>
+          <a:off x="308068" y="1366765"/>
+          <a:ext cx="2772616" cy="1760611"/>
         </a:xfrm>
-        <a:prstGeom prst="rect">
-          <a:avLst/>
+        <a:prstGeom prst="roundRect">
+          <a:avLst>
+            <a:gd name="adj" fmla="val 10000"/>
+          </a:avLst>
         </a:prstGeom>
-        <a:blipFill>
-          <a:blip xmlns:r="http://schemas.openxmlformats.org/officeDocument/2006/relationships" r:embed="rId1">
-            <a:extLst>
-              <a:ext uri="{28A0092B-C50C-407E-A947-70E740481C1C}">
-                <a14:useLocalDpi xmlns:a14="http://schemas.microsoft.com/office/drawing/2010/main" val="0"/>
-              </a:ext>
-              <a:ext uri="{96DAC541-7B7A-43D3-8B79-37D633B846F1}">
-                <asvg:svgBlip xmlns:asvg="http://schemas.microsoft.com/office/drawing/2016/SVG/main" r:embed="rId2"/>
-              </a:ext>
-            </a:extLst>
-          </a:blip>
-          <a:stretch>
-            <a:fillRect/>
-          </a:stretch>
-        </a:blipFill>
+        <a:solidFill>
+          <a:schemeClr val="lt1">
+            <a:alpha val="90000"/>
+            <a:hueOff val="0"/>
+            <a:satOff val="0"/>
+            <a:lumOff val="0"/>
+            <a:alphaOff val="0"/>
+          </a:schemeClr>
+        </a:solidFill>
         <a:ln w="13970" cap="flat" cmpd="sng" algn="ctr">
           <a:solidFill>
-            <a:schemeClr val="lt1">
+            <a:schemeClr val="accent1">
               <a:hueOff val="0"/>
               <a:satOff val="0"/>
               <a:lumOff val="0"/>
@@ -7102,51 +6943,17 @@
         <a:effectRef idx="0">
           <a:scrgbClr r="0" g="0" b="0"/>
         </a:effectRef>
-        <a:fontRef idx="minor">
-          <a:schemeClr val="lt1"/>
-        </a:fontRef>
-      </dsp:style>
-    </dsp:sp>
-    <dsp:sp modelId="{69991B5B-5844-4AB3-862A-B7D49F6244CC}">
-      <dsp:nvSpPr>
-        <dsp:cNvPr id="0" name=""/>
-        <dsp:cNvSpPr/>
-      </dsp:nvSpPr>
-      <dsp:spPr>
-        <a:xfrm>
-          <a:off x="1435590" y="531"/>
-          <a:ext cx="3044969" cy="1242935"/>
-        </a:xfrm>
-        <a:prstGeom prst="rect">
-          <a:avLst/>
-        </a:prstGeom>
-        <a:noFill/>
-        <a:ln>
-          <a:noFill/>
-        </a:ln>
-        <a:effectLst/>
-      </dsp:spPr>
-      <dsp:style>
-        <a:lnRef idx="0">
-          <a:scrgbClr r="0" g="0" b="0"/>
-        </a:lnRef>
-        <a:fillRef idx="0">
-          <a:scrgbClr r="0" g="0" b="0"/>
-        </a:fillRef>
-        <a:effectRef idx="0">
-          <a:scrgbClr r="0" g="0" b="0"/>
-        </a:effectRef>
         <a:fontRef idx="minor"/>
       </dsp:style>
       <dsp:txBody>
-        <a:bodyPr spcFirstLastPara="0" vert="horz" wrap="square" lIns="131544" tIns="131544" rIns="131544" bIns="131544" numCol="1" spcCol="1270" anchor="ctr" anchorCtr="0">
+        <a:bodyPr spcFirstLastPara="0" vert="horz" wrap="square" lIns="99060" tIns="99060" rIns="99060" bIns="99060" numCol="1" spcCol="1270" anchor="ctr" anchorCtr="0">
           <a:noAutofit/>
         </a:bodyPr>
         <a:lstStyle/>
         <a:p>
-          <a:pPr marL="0" lvl="0" indent="0" algn="l" defTabSz="933450">
+          <a:pPr marL="0" lvl="0" indent="0" algn="ctr" defTabSz="1155700">
             <a:lnSpc>
-              <a:spcPct val="100000"/>
+              <a:spcPct val="90000"/>
             </a:lnSpc>
             <a:spcBef>
               <a:spcPct val="0"/>
@@ -7157,25 +6964,25 @@
             <a:buNone/>
           </a:pPr>
           <a:r>
-            <a:rPr lang="en-US" sz="2100" kern="1200"/>
+            <a:rPr lang="en-US" sz="2600" kern="1200"/>
             <a:t>A neural network is a mathematical function</a:t>
           </a:r>
         </a:p>
       </dsp:txBody>
       <dsp:txXfrm>
-        <a:off x="1435590" y="531"/>
-        <a:ext cx="3044969" cy="1242935"/>
+        <a:off x="359635" y="1418332"/>
+        <a:ext cx="2669482" cy="1657477"/>
       </dsp:txXfrm>
     </dsp:sp>
-    <dsp:sp modelId="{DB52B335-319D-4E5A-9440-0BF4C961A675}">
+    <dsp:sp modelId="{5F78C28A-04F7-4942-B9FA-E21238B55CF2}">
       <dsp:nvSpPr>
         <dsp:cNvPr id="0" name=""/>
         <dsp:cNvSpPr/>
       </dsp:nvSpPr>
       <dsp:spPr>
         <a:xfrm>
-          <a:off x="0" y="1554200"/>
-          <a:ext cx="4480560" cy="1242935"/>
+          <a:off x="3388753" y="1074100"/>
+          <a:ext cx="2772616" cy="1760611"/>
         </a:xfrm>
         <a:prstGeom prst="roundRect">
           <a:avLst>
@@ -7184,62 +6991,67 @@
         </a:prstGeom>
         <a:solidFill>
           <a:schemeClr val="accent1">
-            <a:tint val="40000"/>
             <a:hueOff val="0"/>
             <a:satOff val="0"/>
             <a:lumOff val="0"/>
             <a:alphaOff val="0"/>
           </a:schemeClr>
         </a:solidFill>
-        <a:ln>
-          <a:noFill/>
+        <a:ln w="17145" cap="flat" cmpd="sng" algn="ctr">
+          <a:solidFill>
+            <a:schemeClr val="lt1">
+              <a:hueOff val="0"/>
+              <a:satOff val="0"/>
+              <a:lumOff val="0"/>
+              <a:alphaOff val="0"/>
+            </a:schemeClr>
+          </a:solidFill>
+          <a:prstDash val="solid"/>
         </a:ln>
         <a:effectLst/>
       </dsp:spPr>
       <dsp:style>
-        <a:lnRef idx="0">
+        <a:lnRef idx="3">
           <a:scrgbClr r="0" g="0" b="0"/>
         </a:lnRef>
         <a:fillRef idx="1">
           <a:scrgbClr r="0" g="0" b="0"/>
         </a:fillRef>
-        <a:effectRef idx="0">
+        <a:effectRef idx="1">
           <a:scrgbClr r="0" g="0" b="0"/>
         </a:effectRef>
-        <a:fontRef idx="minor"/>
+        <a:fontRef idx="minor">
+          <a:schemeClr val="lt1"/>
+        </a:fontRef>
       </dsp:style>
     </dsp:sp>
-    <dsp:sp modelId="{12D46170-CE38-4B4A-B725-D6002989ABA3}">
+    <dsp:sp modelId="{F3DD0738-1F33-4981-9C67-9F117A43D595}">
       <dsp:nvSpPr>
         <dsp:cNvPr id="0" name=""/>
         <dsp:cNvSpPr/>
       </dsp:nvSpPr>
       <dsp:spPr>
         <a:xfrm>
-          <a:off x="375988" y="1833861"/>
-          <a:ext cx="683614" cy="683614"/>
+          <a:off x="3696821" y="1366765"/>
+          <a:ext cx="2772616" cy="1760611"/>
         </a:xfrm>
-        <a:prstGeom prst="rect">
-          <a:avLst/>
+        <a:prstGeom prst="roundRect">
+          <a:avLst>
+            <a:gd name="adj" fmla="val 10000"/>
+          </a:avLst>
         </a:prstGeom>
-        <a:blipFill>
-          <a:blip xmlns:r="http://schemas.openxmlformats.org/officeDocument/2006/relationships" r:embed="rId3">
-            <a:extLst>
-              <a:ext uri="{28A0092B-C50C-407E-A947-70E740481C1C}">
-                <a14:useLocalDpi xmlns:a14="http://schemas.microsoft.com/office/drawing/2010/main" val="0"/>
-              </a:ext>
-              <a:ext uri="{96DAC541-7B7A-43D3-8B79-37D633B846F1}">
-                <asvg:svgBlip xmlns:asvg="http://schemas.microsoft.com/office/drawing/2016/SVG/main" r:embed="rId4"/>
-              </a:ext>
-            </a:extLst>
-          </a:blip>
-          <a:stretch>
-            <a:fillRect/>
-          </a:stretch>
-        </a:blipFill>
+        <a:solidFill>
+          <a:schemeClr val="lt1">
+            <a:alpha val="90000"/>
+            <a:hueOff val="0"/>
+            <a:satOff val="0"/>
+            <a:lumOff val="0"/>
+            <a:alphaOff val="0"/>
+          </a:schemeClr>
+        </a:solidFill>
         <a:ln w="13970" cap="flat" cmpd="sng" algn="ctr">
           <a:solidFill>
-            <a:schemeClr val="lt1">
+            <a:schemeClr val="accent1">
               <a:hueOff val="0"/>
               <a:satOff val="0"/>
               <a:lumOff val="0"/>
@@ -7260,51 +7072,17 @@
         <a:effectRef idx="0">
           <a:scrgbClr r="0" g="0" b="0"/>
         </a:effectRef>
-        <a:fontRef idx="minor">
-          <a:schemeClr val="lt1"/>
-        </a:fontRef>
-      </dsp:style>
-    </dsp:sp>
-    <dsp:sp modelId="{CC3F6A21-3B50-4301-B887-CBC9BA6451DE}">
-      <dsp:nvSpPr>
-        <dsp:cNvPr id="0" name=""/>
-        <dsp:cNvSpPr/>
-      </dsp:nvSpPr>
-      <dsp:spPr>
-        <a:xfrm>
-          <a:off x="1435590" y="1554200"/>
-          <a:ext cx="3044969" cy="1242935"/>
-        </a:xfrm>
-        <a:prstGeom prst="rect">
-          <a:avLst/>
-        </a:prstGeom>
-        <a:noFill/>
-        <a:ln>
-          <a:noFill/>
-        </a:ln>
-        <a:effectLst/>
-      </dsp:spPr>
-      <dsp:style>
-        <a:lnRef idx="0">
-          <a:scrgbClr r="0" g="0" b="0"/>
-        </a:lnRef>
-        <a:fillRef idx="0">
-          <a:scrgbClr r="0" g="0" b="0"/>
-        </a:fillRef>
-        <a:effectRef idx="0">
-          <a:scrgbClr r="0" g="0" b="0"/>
-        </a:effectRef>
         <a:fontRef idx="minor"/>
       </dsp:style>
       <dsp:txBody>
-        <a:bodyPr spcFirstLastPara="0" vert="horz" wrap="square" lIns="131544" tIns="131544" rIns="131544" bIns="131544" numCol="1" spcCol="1270" anchor="ctr" anchorCtr="0">
+        <a:bodyPr spcFirstLastPara="0" vert="horz" wrap="square" lIns="99060" tIns="99060" rIns="99060" bIns="99060" numCol="1" spcCol="1270" anchor="ctr" anchorCtr="0">
           <a:noAutofit/>
         </a:bodyPr>
         <a:lstStyle/>
         <a:p>
-          <a:pPr marL="0" lvl="0" indent="0" algn="l" defTabSz="933450">
+          <a:pPr marL="0" lvl="0" indent="0" algn="ctr" defTabSz="1155700">
             <a:lnSpc>
-              <a:spcPct val="100000"/>
+              <a:spcPct val="90000"/>
             </a:lnSpc>
             <a:spcBef>
               <a:spcPct val="0"/>
@@ -7315,30 +7093,30 @@
             <a:buNone/>
           </a:pPr>
           <a:r>
-            <a:rPr lang="en-US" sz="2100" kern="1200"/>
+            <a:rPr lang="en-US" sz="2600" kern="1200"/>
             <a:t>Composed of smaller functions called </a:t>
           </a:r>
           <a:r>
-            <a:rPr lang="en-US" sz="2100" i="1" kern="1200"/>
+            <a:rPr lang="en-US" sz="2600" i="1" kern="1200"/>
             <a:t>layers</a:t>
           </a:r>
-          <a:endParaRPr lang="en-US" sz="2100" kern="1200"/>
+          <a:endParaRPr lang="en-US" sz="2600" kern="1200"/>
         </a:p>
       </dsp:txBody>
       <dsp:txXfrm>
-        <a:off x="1435590" y="1554200"/>
-        <a:ext cx="3044969" cy="1242935"/>
+        <a:off x="3748388" y="1418332"/>
+        <a:ext cx="2669482" cy="1657477"/>
       </dsp:txXfrm>
     </dsp:sp>
-    <dsp:sp modelId="{88425E4A-54B3-4233-B775-9F1E17650AD4}">
+    <dsp:sp modelId="{7E925313-7DCC-4EAC-997C-381A0A84EFA6}">
       <dsp:nvSpPr>
         <dsp:cNvPr id="0" name=""/>
         <dsp:cNvSpPr/>
       </dsp:nvSpPr>
       <dsp:spPr>
         <a:xfrm>
-          <a:off x="0" y="3107870"/>
-          <a:ext cx="4480560" cy="1242935"/>
+          <a:off x="6777506" y="1074100"/>
+          <a:ext cx="2772616" cy="1760611"/>
         </a:xfrm>
         <a:prstGeom prst="roundRect">
           <a:avLst>
@@ -7347,62 +7125,67 @@
         </a:prstGeom>
         <a:solidFill>
           <a:schemeClr val="accent1">
-            <a:tint val="40000"/>
             <a:hueOff val="0"/>
             <a:satOff val="0"/>
             <a:lumOff val="0"/>
             <a:alphaOff val="0"/>
           </a:schemeClr>
         </a:solidFill>
-        <a:ln>
-          <a:noFill/>
+        <a:ln w="17145" cap="flat" cmpd="sng" algn="ctr">
+          <a:solidFill>
+            <a:schemeClr val="lt1">
+              <a:hueOff val="0"/>
+              <a:satOff val="0"/>
+              <a:lumOff val="0"/>
+              <a:alphaOff val="0"/>
+            </a:schemeClr>
+          </a:solidFill>
+          <a:prstDash val="solid"/>
         </a:ln>
         <a:effectLst/>
       </dsp:spPr>
       <dsp:style>
-        <a:lnRef idx="0">
+        <a:lnRef idx="3">
           <a:scrgbClr r="0" g="0" b="0"/>
         </a:lnRef>
         <a:fillRef idx="1">
           <a:scrgbClr r="0" g="0" b="0"/>
         </a:fillRef>
-        <a:effectRef idx="0">
+        <a:effectRef idx="1">
           <a:scrgbClr r="0" g="0" b="0"/>
         </a:effectRef>
-        <a:fontRef idx="minor"/>
+        <a:fontRef idx="minor">
+          <a:schemeClr val="lt1"/>
+        </a:fontRef>
       </dsp:style>
     </dsp:sp>
-    <dsp:sp modelId="{E7E8E770-2576-486B-A547-8458772F2656}">
+    <dsp:sp modelId="{5F7534EE-51D5-420B-BE89-51E46E072769}">
       <dsp:nvSpPr>
         <dsp:cNvPr id="0" name=""/>
         <dsp:cNvSpPr/>
       </dsp:nvSpPr>
       <dsp:spPr>
         <a:xfrm>
-          <a:off x="375988" y="3387530"/>
-          <a:ext cx="683614" cy="683614"/>
+          <a:off x="7085574" y="1366765"/>
+          <a:ext cx="2772616" cy="1760611"/>
         </a:xfrm>
-        <a:prstGeom prst="rect">
-          <a:avLst/>
+        <a:prstGeom prst="roundRect">
+          <a:avLst>
+            <a:gd name="adj" fmla="val 10000"/>
+          </a:avLst>
         </a:prstGeom>
-        <a:blipFill>
-          <a:blip xmlns:r="http://schemas.openxmlformats.org/officeDocument/2006/relationships" r:embed="rId5">
-            <a:extLst>
-              <a:ext uri="{28A0092B-C50C-407E-A947-70E740481C1C}">
-                <a14:useLocalDpi xmlns:a14="http://schemas.microsoft.com/office/drawing/2010/main" val="0"/>
-              </a:ext>
-              <a:ext uri="{96DAC541-7B7A-43D3-8B79-37D633B846F1}">
-                <asvg:svgBlip xmlns:asvg="http://schemas.microsoft.com/office/drawing/2016/SVG/main" r:embed="rId6"/>
-              </a:ext>
-            </a:extLst>
-          </a:blip>
-          <a:stretch>
-            <a:fillRect/>
-          </a:stretch>
-        </a:blipFill>
+        <a:solidFill>
+          <a:schemeClr val="lt1">
+            <a:alpha val="90000"/>
+            <a:hueOff val="0"/>
+            <a:satOff val="0"/>
+            <a:lumOff val="0"/>
+            <a:alphaOff val="0"/>
+          </a:schemeClr>
+        </a:solidFill>
         <a:ln w="13970" cap="flat" cmpd="sng" algn="ctr">
           <a:solidFill>
-            <a:schemeClr val="lt1">
+            <a:schemeClr val="accent1">
               <a:hueOff val="0"/>
               <a:satOff val="0"/>
               <a:lumOff val="0"/>
@@ -7423,51 +7206,17 @@
         <a:effectRef idx="0">
           <a:scrgbClr r="0" g="0" b="0"/>
         </a:effectRef>
-        <a:fontRef idx="minor">
-          <a:schemeClr val="lt1"/>
-        </a:fontRef>
-      </dsp:style>
-    </dsp:sp>
-    <dsp:sp modelId="{44794657-96B7-49B9-9C31-CAC16C7C9240}">
-      <dsp:nvSpPr>
-        <dsp:cNvPr id="0" name=""/>
-        <dsp:cNvSpPr/>
-      </dsp:nvSpPr>
-      <dsp:spPr>
-        <a:xfrm>
-          <a:off x="1435590" y="3107870"/>
-          <a:ext cx="3044969" cy="1242935"/>
-        </a:xfrm>
-        <a:prstGeom prst="rect">
-          <a:avLst/>
-        </a:prstGeom>
-        <a:noFill/>
-        <a:ln>
-          <a:noFill/>
-        </a:ln>
-        <a:effectLst/>
-      </dsp:spPr>
-      <dsp:style>
-        <a:lnRef idx="0">
-          <a:scrgbClr r="0" g="0" b="0"/>
-        </a:lnRef>
-        <a:fillRef idx="0">
-          <a:scrgbClr r="0" g="0" b="0"/>
-        </a:fillRef>
-        <a:effectRef idx="0">
-          <a:scrgbClr r="0" g="0" b="0"/>
-        </a:effectRef>
         <a:fontRef idx="minor"/>
       </dsp:style>
       <dsp:txBody>
-        <a:bodyPr spcFirstLastPara="0" vert="horz" wrap="square" lIns="131544" tIns="131544" rIns="131544" bIns="131544" numCol="1" spcCol="1270" anchor="ctr" anchorCtr="0">
+        <a:bodyPr spcFirstLastPara="0" vert="horz" wrap="square" lIns="99060" tIns="99060" rIns="99060" bIns="99060" numCol="1" spcCol="1270" anchor="ctr" anchorCtr="0">
           <a:noAutofit/>
         </a:bodyPr>
         <a:lstStyle/>
         <a:p>
-          <a:pPr marL="0" lvl="0" indent="0" algn="l" defTabSz="933450">
+          <a:pPr marL="0" lvl="0" indent="0" algn="ctr" defTabSz="1155700">
             <a:lnSpc>
-              <a:spcPct val="100000"/>
+              <a:spcPct val="90000"/>
             </a:lnSpc>
             <a:spcBef>
               <a:spcPct val="0"/>
@@ -7478,27 +7227,27 @@
             <a:buNone/>
           </a:pPr>
           <a:r>
-            <a:rPr lang="en-US" sz="2100" kern="1200"/>
+            <a:rPr lang="en-US" sz="2600" kern="1200"/>
             <a:t>Transform </a:t>
           </a:r>
           <a:r>
-            <a:rPr lang="en-US" sz="2100" i="1" kern="1200"/>
+            <a:rPr lang="en-US" sz="2600" i="1" kern="1200"/>
             <a:t>features</a:t>
           </a:r>
           <a:r>
-            <a:rPr lang="en-US" sz="2100" kern="1200"/>
+            <a:rPr lang="en-US" sz="2600" kern="1200"/>
             <a:t> into </a:t>
           </a:r>
           <a:r>
-            <a:rPr lang="en-US" sz="2100" i="1" kern="1200"/>
+            <a:rPr lang="en-US" sz="2600" i="1" kern="1200"/>
             <a:t>predictions</a:t>
           </a:r>
-          <a:endParaRPr lang="en-US" sz="2100" kern="1200"/>
+          <a:endParaRPr lang="en-US" sz="2600" kern="1200"/>
         </a:p>
       </dsp:txBody>
       <dsp:txXfrm>
-        <a:off x="1435590" y="3107870"/>
-        <a:ext cx="3044969" cy="1242935"/>
+        <a:off x="7137141" y="1418332"/>
+        <a:ext cx="2669482" cy="1657477"/>
       </dsp:txXfrm>
     </dsp:sp>
   </dsp:spTree>
@@ -7950,16 +7699,8 @@
             <a:defRPr cap="all"/>
           </a:pPr>
           <a:r>
-            <a:rPr lang="en-US" sz="1600" kern="1200"/>
-            <a:t>This is called a</a:t>
-          </a:r>
-          <a:r>
-            <a:rPr lang="en-US" sz="1600" i="1" kern="1200"/>
-            <a:t> classification </a:t>
-          </a:r>
-          <a:r>
-            <a:rPr lang="en-US" sz="1600" kern="1200"/>
-            <a:t>neural network</a:t>
+            <a:rPr lang="en-US" sz="1600" kern="1200" dirty="0"/>
+            <a:t>Integer output classes correspond to a musical instrument</a:t>
           </a:r>
         </a:p>
       </dsp:txBody>
@@ -7980,20 +7721,18 @@
       <dsp:cNvGrpSpPr/>
     </dsp:nvGrpSpPr>
     <dsp:grpSpPr/>
-    <dsp:sp modelId="{B521614B-A9EA-4EC7-8104-20181FAC1B82}">
+    <dsp:sp modelId="{7C17E4F2-3E37-43FF-BDE1-F4F83F0EBD88}">
       <dsp:nvSpPr>
         <dsp:cNvPr id="0" name=""/>
         <dsp:cNvSpPr/>
       </dsp:nvSpPr>
       <dsp:spPr>
         <a:xfrm>
-          <a:off x="742" y="1778745"/>
-          <a:ext cx="2604677" cy="1653970"/>
+          <a:off x="932044" y="3464"/>
+          <a:ext cx="4214977" cy="2528986"/>
         </a:xfrm>
-        <a:prstGeom prst="roundRect">
-          <a:avLst>
-            <a:gd name="adj" fmla="val 10000"/>
-          </a:avLst>
+        <a:prstGeom prst="rect">
+          <a:avLst/>
         </a:prstGeom>
         <a:solidFill>
           <a:schemeClr val="accent1">
@@ -8030,63 +7769,13 @@
           <a:schemeClr val="lt1"/>
         </a:fontRef>
       </dsp:style>
-    </dsp:sp>
-    <dsp:sp modelId="{6A9471E4-4170-4A0B-ACC1-412F3663ABAB}">
-      <dsp:nvSpPr>
-        <dsp:cNvPr id="0" name=""/>
-        <dsp:cNvSpPr/>
-      </dsp:nvSpPr>
-      <dsp:spPr>
-        <a:xfrm>
-          <a:off x="290150" y="2053683"/>
-          <a:ext cx="2604677" cy="1653970"/>
-        </a:xfrm>
-        <a:prstGeom prst="roundRect">
-          <a:avLst>
-            <a:gd name="adj" fmla="val 10000"/>
-          </a:avLst>
-        </a:prstGeom>
-        <a:solidFill>
-          <a:schemeClr val="lt1">
-            <a:alpha val="90000"/>
-            <a:hueOff val="0"/>
-            <a:satOff val="0"/>
-            <a:lumOff val="0"/>
-            <a:alphaOff val="0"/>
-          </a:schemeClr>
-        </a:solidFill>
-        <a:ln w="13970" cap="flat" cmpd="sng" algn="ctr">
-          <a:solidFill>
-            <a:schemeClr val="accent1">
-              <a:hueOff val="0"/>
-              <a:satOff val="0"/>
-              <a:lumOff val="0"/>
-              <a:alphaOff val="0"/>
-            </a:schemeClr>
-          </a:solidFill>
-          <a:prstDash val="solid"/>
-        </a:ln>
-        <a:effectLst/>
-      </dsp:spPr>
-      <dsp:style>
-        <a:lnRef idx="2">
-          <a:scrgbClr r="0" g="0" b="0"/>
-        </a:lnRef>
-        <a:fillRef idx="1">
-          <a:scrgbClr r="0" g="0" b="0"/>
-        </a:fillRef>
-        <a:effectRef idx="0">
-          <a:scrgbClr r="0" g="0" b="0"/>
-        </a:effectRef>
-        <a:fontRef idx="minor"/>
-      </dsp:style>
       <dsp:txBody>
-        <a:bodyPr spcFirstLastPara="0" vert="horz" wrap="square" lIns="91440" tIns="91440" rIns="91440" bIns="91440" numCol="1" spcCol="1270" anchor="ctr" anchorCtr="0">
+        <a:bodyPr spcFirstLastPara="0" vert="horz" wrap="square" lIns="152400" tIns="152400" rIns="152400" bIns="152400" numCol="1" spcCol="1270" anchor="ctr" anchorCtr="0">
           <a:noAutofit/>
         </a:bodyPr>
         <a:lstStyle/>
         <a:p>
-          <a:pPr marL="0" lvl="0" indent="0" algn="ctr" defTabSz="1066800">
+          <a:pPr marL="0" lvl="0" indent="0" algn="ctr" defTabSz="1778000">
             <a:lnSpc>
               <a:spcPct val="90000"/>
             </a:lnSpc>
@@ -8099,30 +7788,28 @@
             <a:buNone/>
           </a:pPr>
           <a:r>
-            <a:rPr lang="en-US" sz="2400" kern="1200"/>
+            <a:rPr lang="en-US" sz="4000" kern="1200" dirty="0"/>
             <a:t>Inputs is 2D image-like array</a:t>
           </a:r>
         </a:p>
       </dsp:txBody>
       <dsp:txXfrm>
-        <a:off x="338593" y="2102126"/>
-        <a:ext cx="2507791" cy="1557084"/>
+        <a:off x="932044" y="3464"/>
+        <a:ext cx="4214977" cy="2528986"/>
       </dsp:txXfrm>
     </dsp:sp>
-    <dsp:sp modelId="{F98764AE-1E0B-48AC-AED0-BC46DFBD037C}">
+    <dsp:sp modelId="{219CA248-FB5D-4E93-87A1-95DAD368EC5E}">
       <dsp:nvSpPr>
         <dsp:cNvPr id="0" name=""/>
         <dsp:cNvSpPr/>
       </dsp:nvSpPr>
       <dsp:spPr>
         <a:xfrm>
-          <a:off x="3184237" y="1778745"/>
-          <a:ext cx="2604677" cy="1653970"/>
+          <a:off x="932044" y="2953948"/>
+          <a:ext cx="4214977" cy="2528986"/>
         </a:xfrm>
-        <a:prstGeom prst="roundRect">
-          <a:avLst>
-            <a:gd name="adj" fmla="val 10000"/>
-          </a:avLst>
+        <a:prstGeom prst="rect">
+          <a:avLst/>
         </a:prstGeom>
         <a:solidFill>
           <a:schemeClr val="accent1">
@@ -8159,63 +7846,13 @@
           <a:schemeClr val="lt1"/>
         </a:fontRef>
       </dsp:style>
-    </dsp:sp>
-    <dsp:sp modelId="{DAEA9667-1A20-44FA-9E25-3ACFDE36F1EA}">
-      <dsp:nvSpPr>
-        <dsp:cNvPr id="0" name=""/>
-        <dsp:cNvSpPr/>
-      </dsp:nvSpPr>
-      <dsp:spPr>
-        <a:xfrm>
-          <a:off x="3473645" y="2053683"/>
-          <a:ext cx="2604677" cy="1653970"/>
-        </a:xfrm>
-        <a:prstGeom prst="roundRect">
-          <a:avLst>
-            <a:gd name="adj" fmla="val 10000"/>
-          </a:avLst>
-        </a:prstGeom>
-        <a:solidFill>
-          <a:schemeClr val="lt1">
-            <a:alpha val="90000"/>
-            <a:hueOff val="0"/>
-            <a:satOff val="0"/>
-            <a:lumOff val="0"/>
-            <a:alphaOff val="0"/>
-          </a:schemeClr>
-        </a:solidFill>
-        <a:ln w="13970" cap="flat" cmpd="sng" algn="ctr">
-          <a:solidFill>
-            <a:schemeClr val="accent1">
-              <a:hueOff val="0"/>
-              <a:satOff val="0"/>
-              <a:lumOff val="0"/>
-              <a:alphaOff val="0"/>
-            </a:schemeClr>
-          </a:solidFill>
-          <a:prstDash val="solid"/>
-        </a:ln>
-        <a:effectLst/>
-      </dsp:spPr>
-      <dsp:style>
-        <a:lnRef idx="2">
-          <a:scrgbClr r="0" g="0" b="0"/>
-        </a:lnRef>
-        <a:fillRef idx="1">
-          <a:scrgbClr r="0" g="0" b="0"/>
-        </a:fillRef>
-        <a:effectRef idx="0">
-          <a:scrgbClr r="0" g="0" b="0"/>
-        </a:effectRef>
-        <a:fontRef idx="minor"/>
-      </dsp:style>
       <dsp:txBody>
-        <a:bodyPr spcFirstLastPara="0" vert="horz" wrap="square" lIns="91440" tIns="91440" rIns="91440" bIns="91440" numCol="1" spcCol="1270" anchor="ctr" anchorCtr="0">
+        <a:bodyPr spcFirstLastPara="0" vert="horz" wrap="square" lIns="152400" tIns="152400" rIns="152400" bIns="152400" numCol="1" spcCol="1270" anchor="ctr" anchorCtr="0">
           <a:noAutofit/>
         </a:bodyPr>
         <a:lstStyle/>
         <a:p>
-          <a:pPr marL="0" lvl="0" indent="0" algn="ctr" defTabSz="1066800">
+          <a:pPr marL="0" lvl="0" indent="0" algn="ctr" defTabSz="1778000">
             <a:lnSpc>
               <a:spcPct val="90000"/>
             </a:lnSpc>
@@ -8228,30 +7865,30 @@
             <a:buNone/>
           </a:pPr>
           <a:r>
-            <a:rPr lang="en-US" sz="2400" kern="1200"/>
+            <a:rPr lang="en-US" sz="4000" kern="1200"/>
             <a:t>Transformed through </a:t>
           </a:r>
           <a:r>
-            <a:rPr lang="en-US" sz="2400" i="1" kern="1200"/>
+            <a:rPr lang="en-US" sz="4000" i="1" kern="1200"/>
             <a:t>Convolution </a:t>
           </a:r>
           <a:r>
-            <a:rPr lang="en-US" sz="2400" kern="1200"/>
+            <a:rPr lang="en-US" sz="4000" kern="1200"/>
             <a:t>and </a:t>
           </a:r>
           <a:r>
-            <a:rPr lang="en-US" sz="2400" i="1" kern="1200"/>
+            <a:rPr lang="en-US" sz="4000" i="1" kern="1200"/>
             <a:t>Pooling</a:t>
           </a:r>
           <a:r>
-            <a:rPr lang="en-US" sz="2400" kern="1200"/>
+            <a:rPr lang="en-US" sz="4000" kern="1200"/>
             <a:t> Layers</a:t>
           </a:r>
         </a:p>
       </dsp:txBody>
       <dsp:txXfrm>
-        <a:off x="3522088" y="2102126"/>
-        <a:ext cx="2507791" cy="1557084"/>
+        <a:off x="932044" y="2953948"/>
+        <a:ext cx="4214977" cy="2528986"/>
       </dsp:txXfrm>
     </dsp:sp>
   </dsp:spTree>
@@ -8266,20 +7903,18 @@
       <dsp:cNvGrpSpPr/>
     </dsp:nvGrpSpPr>
     <dsp:grpSpPr/>
-    <dsp:sp modelId="{8C7F3608-C62D-4602-A6B2-BB2DF1850B73}">
+    <dsp:sp modelId="{A6D99976-C307-43C1-8873-F096705C5DA5}">
       <dsp:nvSpPr>
         <dsp:cNvPr id="0" name=""/>
         <dsp:cNvSpPr/>
       </dsp:nvSpPr>
       <dsp:spPr>
         <a:xfrm>
-          <a:off x="742" y="1778745"/>
-          <a:ext cx="2604677" cy="1653970"/>
+          <a:off x="932044" y="3464"/>
+          <a:ext cx="4214977" cy="2528986"/>
         </a:xfrm>
-        <a:prstGeom prst="roundRect">
-          <a:avLst>
-            <a:gd name="adj" fmla="val 10000"/>
-          </a:avLst>
+        <a:prstGeom prst="rect">
+          <a:avLst/>
         </a:prstGeom>
         <a:solidFill>
           <a:schemeClr val="accent1">
@@ -8316,63 +7951,13 @@
           <a:schemeClr val="lt1"/>
         </a:fontRef>
       </dsp:style>
-    </dsp:sp>
-    <dsp:sp modelId="{1E3BE2AB-209A-4176-ADC3-2D910D65BE40}">
-      <dsp:nvSpPr>
-        <dsp:cNvPr id="0" name=""/>
-        <dsp:cNvSpPr/>
-      </dsp:nvSpPr>
-      <dsp:spPr>
-        <a:xfrm>
-          <a:off x="290150" y="2053683"/>
-          <a:ext cx="2604677" cy="1653970"/>
-        </a:xfrm>
-        <a:prstGeom prst="roundRect">
-          <a:avLst>
-            <a:gd name="adj" fmla="val 10000"/>
-          </a:avLst>
-        </a:prstGeom>
-        <a:solidFill>
-          <a:schemeClr val="lt1">
-            <a:alpha val="90000"/>
-            <a:hueOff val="0"/>
-            <a:satOff val="0"/>
-            <a:lumOff val="0"/>
-            <a:alphaOff val="0"/>
-          </a:schemeClr>
-        </a:solidFill>
-        <a:ln w="13970" cap="flat" cmpd="sng" algn="ctr">
-          <a:solidFill>
-            <a:schemeClr val="accent1">
-              <a:hueOff val="0"/>
-              <a:satOff val="0"/>
-              <a:lumOff val="0"/>
-              <a:alphaOff val="0"/>
-            </a:schemeClr>
-          </a:solidFill>
-          <a:prstDash val="solid"/>
-        </a:ln>
-        <a:effectLst/>
-      </dsp:spPr>
-      <dsp:style>
-        <a:lnRef idx="2">
-          <a:scrgbClr r="0" g="0" b="0"/>
-        </a:lnRef>
-        <a:fillRef idx="1">
-          <a:scrgbClr r="0" g="0" b="0"/>
-        </a:fillRef>
-        <a:effectRef idx="0">
-          <a:scrgbClr r="0" g="0" b="0"/>
-        </a:effectRef>
-        <a:fontRef idx="minor"/>
-      </dsp:style>
       <dsp:txBody>
-        <a:bodyPr spcFirstLastPara="0" vert="horz" wrap="square" lIns="110490" tIns="110490" rIns="110490" bIns="110490" numCol="1" spcCol="1270" anchor="ctr" anchorCtr="0">
+        <a:bodyPr spcFirstLastPara="0" vert="horz" wrap="square" lIns="186690" tIns="186690" rIns="186690" bIns="186690" numCol="1" spcCol="1270" anchor="ctr" anchorCtr="0">
           <a:noAutofit/>
         </a:bodyPr>
         <a:lstStyle/>
         <a:p>
-          <a:pPr marL="0" lvl="0" indent="0" algn="ctr" defTabSz="1289050">
+          <a:pPr marL="0" lvl="0" indent="0" algn="ctr" defTabSz="2178050">
             <a:lnSpc>
               <a:spcPct val="90000"/>
             </a:lnSpc>
@@ -8385,30 +7970,28 @@
             <a:buNone/>
           </a:pPr>
           <a:r>
-            <a:rPr lang="en-US" sz="2900" kern="1200"/>
+            <a:rPr lang="en-US" sz="4900" kern="1200"/>
             <a:t>Input is 1D array of features</a:t>
           </a:r>
         </a:p>
       </dsp:txBody>
       <dsp:txXfrm>
-        <a:off x="338593" y="2102126"/>
-        <a:ext cx="2507791" cy="1557084"/>
+        <a:off x="932044" y="3464"/>
+        <a:ext cx="4214977" cy="2528986"/>
       </dsp:txXfrm>
     </dsp:sp>
-    <dsp:sp modelId="{E69AB66D-9876-4AE1-B472-9C8B88FCBACC}">
+    <dsp:sp modelId="{BFAA277B-65A7-41E2-96E4-3DCC7C2EB3BF}">
       <dsp:nvSpPr>
         <dsp:cNvPr id="0" name=""/>
         <dsp:cNvSpPr/>
       </dsp:nvSpPr>
       <dsp:spPr>
         <a:xfrm>
-          <a:off x="3184237" y="1778745"/>
-          <a:ext cx="2604677" cy="1653970"/>
+          <a:off x="932044" y="2953948"/>
+          <a:ext cx="4214977" cy="2528986"/>
         </a:xfrm>
-        <a:prstGeom prst="roundRect">
-          <a:avLst>
-            <a:gd name="adj" fmla="val 10000"/>
-          </a:avLst>
+        <a:prstGeom prst="rect">
+          <a:avLst/>
         </a:prstGeom>
         <a:solidFill>
           <a:schemeClr val="accent1">
@@ -8445,63 +8028,13 @@
           <a:schemeClr val="lt1"/>
         </a:fontRef>
       </dsp:style>
-    </dsp:sp>
-    <dsp:sp modelId="{A2FD9D50-5102-4A38-866F-CCE03CFF4D27}">
-      <dsp:nvSpPr>
-        <dsp:cNvPr id="0" name=""/>
-        <dsp:cNvSpPr/>
-      </dsp:nvSpPr>
-      <dsp:spPr>
-        <a:xfrm>
-          <a:off x="3473645" y="2053683"/>
-          <a:ext cx="2604677" cy="1653970"/>
-        </a:xfrm>
-        <a:prstGeom prst="roundRect">
-          <a:avLst>
-            <a:gd name="adj" fmla="val 10000"/>
-          </a:avLst>
-        </a:prstGeom>
-        <a:solidFill>
-          <a:schemeClr val="lt1">
-            <a:alpha val="90000"/>
-            <a:hueOff val="0"/>
-            <a:satOff val="0"/>
-            <a:lumOff val="0"/>
-            <a:alphaOff val="0"/>
-          </a:schemeClr>
-        </a:solidFill>
-        <a:ln w="13970" cap="flat" cmpd="sng" algn="ctr">
-          <a:solidFill>
-            <a:schemeClr val="accent1">
-              <a:hueOff val="0"/>
-              <a:satOff val="0"/>
-              <a:lumOff val="0"/>
-              <a:alphaOff val="0"/>
-            </a:schemeClr>
-          </a:solidFill>
-          <a:prstDash val="solid"/>
-        </a:ln>
-        <a:effectLst/>
-      </dsp:spPr>
-      <dsp:style>
-        <a:lnRef idx="2">
-          <a:scrgbClr r="0" g="0" b="0"/>
-        </a:lnRef>
-        <a:fillRef idx="1">
-          <a:scrgbClr r="0" g="0" b="0"/>
-        </a:fillRef>
-        <a:effectRef idx="0">
-          <a:scrgbClr r="0" g="0" b="0"/>
-        </a:effectRef>
-        <a:fontRef idx="minor"/>
-      </dsp:style>
       <dsp:txBody>
-        <a:bodyPr spcFirstLastPara="0" vert="horz" wrap="square" lIns="110490" tIns="110490" rIns="110490" bIns="110490" numCol="1" spcCol="1270" anchor="ctr" anchorCtr="0">
+        <a:bodyPr spcFirstLastPara="0" vert="horz" wrap="square" lIns="186690" tIns="186690" rIns="186690" bIns="186690" numCol="1" spcCol="1270" anchor="ctr" anchorCtr="0">
           <a:noAutofit/>
         </a:bodyPr>
         <a:lstStyle/>
         <a:p>
-          <a:pPr marL="0" lvl="0" indent="0" algn="ctr" defTabSz="1289050">
+          <a:pPr marL="0" lvl="0" indent="0" algn="ctr" defTabSz="2178050">
             <a:lnSpc>
               <a:spcPct val="90000"/>
             </a:lnSpc>
@@ -8514,19 +8047,19 @@
             <a:buNone/>
           </a:pPr>
           <a:r>
-            <a:rPr lang="en-US" sz="2900" kern="1200"/>
+            <a:rPr lang="en-US" sz="4900" kern="1200"/>
             <a:t>Transformed through </a:t>
           </a:r>
           <a:r>
-            <a:rPr lang="en-US" sz="2900" i="1" kern="1200"/>
+            <a:rPr lang="en-US" sz="4900" i="1" kern="1200"/>
             <a:t>Dense Layers</a:t>
           </a:r>
-          <a:endParaRPr lang="en-US" sz="2900" kern="1200"/>
+          <a:endParaRPr lang="en-US" sz="4900" kern="1200"/>
         </a:p>
       </dsp:txBody>
       <dsp:txXfrm>
-        <a:off x="3522088" y="2102126"/>
-        <a:ext cx="2507791" cy="1557084"/>
+        <a:off x="932044" y="2953948"/>
+        <a:ext cx="4214977" cy="2528986"/>
       </dsp:txXfrm>
     </dsp:sp>
   </dsp:spTree>
@@ -9144,515 +8677,6 @@
 </file>
 
 <file path=ppt/diagrams/layout2.xml><?xml version="1.0" encoding="utf-8"?>
-<dgm:layoutDef xmlns:dgm="http://schemas.openxmlformats.org/drawingml/2006/diagram" xmlns:a="http://schemas.openxmlformats.org/drawingml/2006/main" uniqueId="urn:microsoft.com/office/officeart/2018/2/layout/IconVerticalSolidList">
-  <dgm:title val="Icon Vertical Solid List"/>
-  <dgm:desc val="Use to show a series of visuals from top to bottom with Level 1 or Level 1 and Level 2 text grouped in a shape. Works best with icons or small pictures with lengthier descriptions."/>
-  <dgm:catLst>
-    <dgm:cat type="icon" pri="500"/>
-  </dgm:catLst>
-  <dgm:sampData useDef="1">
-    <dgm:dataModel>
-      <dgm:ptLst/>
-      <dgm:bg/>
-      <dgm:whole/>
-    </dgm:dataModel>
-  </dgm:sampData>
-  <dgm:styleData useDef="1">
-    <dgm:dataModel>
-      <dgm:ptLst/>
-      <dgm:bg/>
-      <dgm:whole/>
-    </dgm:dataModel>
-  </dgm:styleData>
-  <dgm:clrData useDef="1">
-    <dgm:dataModel>
-      <dgm:ptLst/>
-      <dgm:bg/>
-      <dgm:whole/>
-    </dgm:dataModel>
-  </dgm:clrData>
-  <dgm:layoutNode name="root">
-    <dgm:varLst>
-      <dgm:dir/>
-      <dgm:resizeHandles val="exact"/>
-    </dgm:varLst>
-    <dgm:choose name="Name0">
-      <dgm:if name="Name1" axis="self" func="var" arg="dir" op="equ" val="norm">
-        <dgm:alg type="lin">
-          <dgm:param type="linDir" val="fromT"/>
-          <dgm:param type="nodeHorzAlign" val="l"/>
-        </dgm:alg>
-      </dgm:if>
-      <dgm:else name="Name2">
-        <dgm:alg type="lin">
-          <dgm:param type="linDir" val="fromT"/>
-          <dgm:param type="nodeHorzAlign" val="r"/>
-        </dgm:alg>
-      </dgm:else>
-    </dgm:choose>
-    <dgm:shape xmlns:r="http://schemas.openxmlformats.org/officeDocument/2006/relationships" r:blip="">
-      <dgm:adjLst/>
-    </dgm:shape>
-    <dgm:presOf/>
-    <dgm:choose name="Name3">
-      <dgm:if name="Name4" axis="ch" ptType="node" func="cnt" op="lte" val="3">
-        <dgm:constrLst>
-          <dgm:constr type="h" for="ch" forName="compNode" refType="h" fact="0.3"/>
-          <dgm:constr type="w" for="ch" forName="compNode" refType="w"/>
-          <dgm:constr type="h" for="ch" forName="sibTrans" refType="h" refFor="ch" refForName="compNode" fact="0.25"/>
-          <dgm:constr type="primFontSz" for="des" forName="parTx" val="25"/>
-          <dgm:constr type="primFontSz" for="des" forName="desTx" refType="primFontSz" refFor="des" refForName="parTx" op="lte" fact="0.75"/>
-          <dgm:constr type="h" for="des" forName="compNode" op="equ"/>
-          <dgm:constr type="h" for="des" forName="bgRect" op="equ"/>
-          <dgm:constr type="h" for="des" forName="iconRect" op="equ"/>
-          <dgm:constr type="w" for="des" forName="iconRect" op="equ"/>
-          <dgm:constr type="h" for="des" forName="spaceRect" op="equ"/>
-          <dgm:constr type="h" for="des" forName="parTx" op="equ"/>
-          <dgm:constr type="h" for="des" forName="desTx" op="equ"/>
-        </dgm:constrLst>
-      </dgm:if>
-      <dgm:if name="Name5" axis="ch" ptType="node" func="cnt" op="lte" val="4">
-        <dgm:constrLst>
-          <dgm:constr type="h" for="ch" forName="compNode" refType="h" fact="0.3"/>
-          <dgm:constr type="w" for="ch" forName="compNode" refType="w"/>
-          <dgm:constr type="h" for="ch" forName="sibTrans" refType="h" refFor="ch" refForName="compNode" fact="0.25"/>
-          <dgm:constr type="primFontSz" for="des" forName="parTx" val="22"/>
-          <dgm:constr type="primFontSz" for="des" forName="desTx" refType="primFontSz" refFor="des" refForName="parTx" op="lte" fact="0.75"/>
-          <dgm:constr type="h" for="des" forName="compNode" op="equ"/>
-          <dgm:constr type="h" for="des" forName="bgRect" op="equ"/>
-          <dgm:constr type="h" for="des" forName="iconRect" op="equ"/>
-          <dgm:constr type="w" for="des" forName="iconRect" op="equ"/>
-          <dgm:constr type="h" for="des" forName="spaceRect" op="equ"/>
-          <dgm:constr type="h" for="des" forName="parTx" op="equ"/>
-          <dgm:constr type="h" for="des" forName="desTx" op="equ"/>
-        </dgm:constrLst>
-      </dgm:if>
-      <dgm:if name="Name6" axis="ch" ptType="node" func="cnt" op="lte" val="6">
-        <dgm:constrLst>
-          <dgm:constr type="h" for="ch" forName="compNode" refType="h" fact="0.3"/>
-          <dgm:constr type="w" for="ch" forName="compNode" refType="w"/>
-          <dgm:constr type="h" for="ch" forName="sibTrans" refType="h" refFor="ch" refForName="compNode" fact="0.25"/>
-          <dgm:constr type="primFontSz" for="des" forName="parTx" val="19"/>
-          <dgm:constr type="primFontSz" for="des" forName="desTx" refType="primFontSz" refFor="des" refForName="parTx" op="lte" fact="0.75"/>
-          <dgm:constr type="h" for="des" forName="compNode" op="equ"/>
-          <dgm:constr type="h" for="des" forName="bgRect" op="equ"/>
-          <dgm:constr type="h" for="des" forName="iconRect" op="equ"/>
-          <dgm:constr type="w" for="des" forName="iconRect" op="equ"/>
-          <dgm:constr type="h" for="des" forName="spaceRect" op="equ"/>
-          <dgm:constr type="h" for="des" forName="parTx" op="equ"/>
-          <dgm:constr type="h" for="des" forName="desTx" op="equ"/>
-        </dgm:constrLst>
-      </dgm:if>
-      <dgm:else name="Name7">
-        <dgm:constrLst>
-          <dgm:constr type="h" for="ch" forName="compNode" refType="h" fact="0.3"/>
-          <dgm:constr type="w" for="ch" forName="compNode" refType="w"/>
-          <dgm:constr type="h" for="ch" forName="sibTrans" refType="h" refFor="ch" refForName="compNode" fact="0.25"/>
-          <dgm:constr type="primFontSz" for="des" forName="parTx" val="16"/>
-          <dgm:constr type="primFontSz" for="des" forName="desTx" refType="primFontSz" refFor="des" refForName="parTx" op="lte" fact="0.75"/>
-          <dgm:constr type="h" for="des" forName="compNode" op="equ"/>
-          <dgm:constr type="h" for="des" forName="bgRect" op="equ"/>
-          <dgm:constr type="h" for="des" forName="iconRect" op="equ"/>
-          <dgm:constr type="w" for="des" forName="iconRect" op="equ"/>
-          <dgm:constr type="h" for="des" forName="spaceRect" op="equ"/>
-          <dgm:constr type="h" for="des" forName="parTx" op="equ"/>
-          <dgm:constr type="h" for="des" forName="desTx" op="equ"/>
-        </dgm:constrLst>
-      </dgm:else>
-    </dgm:choose>
-    <dgm:ruleLst>
-      <dgm:rule type="h" for="ch" forName="compNode" val="0" fact="NaN" max="NaN"/>
-    </dgm:ruleLst>
-    <dgm:forEach name="Name8" axis="ch" ptType="node">
-      <dgm:layoutNode name="compNode">
-        <dgm:alg type="composite"/>
-        <dgm:shape xmlns:r="http://schemas.openxmlformats.org/officeDocument/2006/relationships" r:blip="">
-          <dgm:adjLst/>
-        </dgm:shape>
-        <dgm:presOf axis="self"/>
-        <dgm:choose name="Name9">
-          <dgm:if name="Name10" axis="ch" ptType="node" func="cnt" op="gte" val="1">
-            <dgm:constrLst>
-              <dgm:constr type="w" for="ch" forName="bgRect" refType="w"/>
-              <dgm:constr type="h" for="ch" forName="bgRect" refType="h"/>
-              <dgm:constr type="l" for="ch" forName="bgRect"/>
-              <dgm:constr type="t" for="ch" forName="bgRect"/>
-              <dgm:constr type="h" for="ch" forName="iconRect" refType="h" fact="0.55"/>
-              <dgm:constr type="w" for="ch" forName="iconRect" refType="h" refFor="ch" refForName="iconRect"/>
-              <dgm:constr type="l" for="ch" forName="iconRect" refType="h" refFor="ch" refForName="iconRect" fact="0.55"/>
-              <dgm:constr type="ctrY" for="ch" forName="iconRect" refType="ctrY" refFor="ch" refForName="bgRect"/>
-              <dgm:constr type="w" for="ch" forName="spaceRect" refType="l" refFor="ch" refForName="iconRect"/>
-              <dgm:constr type="h" for="ch" forName="spaceRect" refType="h"/>
-              <dgm:constr type="l" for="ch" forName="spaceRect" refType="r" refFor="ch" refForName="iconRect"/>
-              <dgm:constr type="t" for="ch" forName="spaceRect"/>
-              <dgm:constr type="w" for="ch" forName="parTx" refType="w" fact="0.45"/>
-              <dgm:constr type="h" for="ch" forName="parTx" refType="h"/>
-              <dgm:constr type="l" for="ch" forName="parTx" refType="r" refFor="ch" refForName="spaceRect"/>
-              <dgm:constr type="t" for="ch" forName="parTx"/>
-              <dgm:constr type="h" for="ch" forName="desTx" refType="h"/>
-              <dgm:constr type="l" for="ch" forName="desTx" refType="r" refFor="ch" refForName="parTx"/>
-              <dgm:constr type="t" for="ch" forName="desTx"/>
-            </dgm:constrLst>
-          </dgm:if>
-          <dgm:else name="Name11">
-            <dgm:constrLst>
-              <dgm:constr type="w" for="ch" forName="bgRect" refType="w"/>
-              <dgm:constr type="h" for="ch" forName="bgRect" refType="h"/>
-              <dgm:constr type="l" for="ch" forName="bgRect"/>
-              <dgm:constr type="t" for="ch" forName="bgRect"/>
-              <dgm:constr type="h" for="ch" forName="iconRect" refType="h" fact="0.55"/>
-              <dgm:constr type="w" for="ch" forName="iconRect" refType="h" refFor="ch" refForName="iconRect"/>
-              <dgm:constr type="l" for="ch" forName="iconRect" refType="h" refFor="ch" refForName="iconRect" fact="0.55"/>
-              <dgm:constr type="ctrY" for="ch" forName="iconRect" refType="ctrY" refFor="ch" refForName="bgRect"/>
-              <dgm:constr type="w" for="ch" forName="spaceRect" refType="l" refFor="ch" refForName="iconRect"/>
-              <dgm:constr type="h" for="ch" forName="spaceRect" refType="h"/>
-              <dgm:constr type="l" for="ch" forName="spaceRect" refType="r" refFor="ch" refForName="iconRect"/>
-              <dgm:constr type="t" for="ch" forName="spaceRect"/>
-              <dgm:constr type="h" for="ch" forName="parTx" refType="h"/>
-              <dgm:constr type="l" for="ch" forName="parTx" refType="r" refFor="ch" refForName="spaceRect"/>
-              <dgm:constr type="t" for="ch" forName="parTx"/>
-            </dgm:constrLst>
-          </dgm:else>
-        </dgm:choose>
-        <dgm:ruleLst>
-          <dgm:rule type="h" val="INF" fact="NaN" max="NaN"/>
-        </dgm:ruleLst>
-        <dgm:layoutNode name="bgRect" styleLbl="bgShp">
-          <dgm:alg type="sp"/>
-          <dgm:shape xmlns:r="http://schemas.openxmlformats.org/officeDocument/2006/relationships" type="roundRect" r:blip="">
-            <dgm:adjLst>
-              <dgm:adj idx="1" val="0.1"/>
-            </dgm:adjLst>
-          </dgm:shape>
-          <dgm:presOf/>
-          <dgm:constrLst/>
-          <dgm:ruleLst/>
-        </dgm:layoutNode>
-        <dgm:layoutNode name="iconRect" styleLbl="node1">
-          <dgm:alg type="sp"/>
-          <dgm:shape xmlns:r="http://schemas.openxmlformats.org/officeDocument/2006/relationships" type="rect" r:blip="" blipPhldr="1">
-            <dgm:adjLst/>
-          </dgm:shape>
-          <dgm:presOf/>
-          <dgm:constrLst/>
-          <dgm:ruleLst/>
-        </dgm:layoutNode>
-        <dgm:layoutNode name="spaceRect">
-          <dgm:alg type="sp"/>
-          <dgm:shape xmlns:r="http://schemas.openxmlformats.org/officeDocument/2006/relationships" r:blip="">
-            <dgm:adjLst/>
-          </dgm:shape>
-          <dgm:presOf/>
-          <dgm:constrLst/>
-          <dgm:ruleLst/>
-        </dgm:layoutNode>
-        <dgm:layoutNode name="parTx" styleLbl="revTx">
-          <dgm:varLst>
-            <dgm:chMax val="0"/>
-            <dgm:chPref val="0"/>
-          </dgm:varLst>
-          <dgm:alg type="tx">
-            <dgm:param type="txAnchorVert" val="mid"/>
-            <dgm:param type="parTxLTRAlign" val="l"/>
-            <dgm:param type="shpTxLTRAlignCh" val="l"/>
-            <dgm:param type="parTxRTLAlign" val="r"/>
-            <dgm:param type="shpTxRTLAlignCh" val="r"/>
-          </dgm:alg>
-          <dgm:shape xmlns:r="http://schemas.openxmlformats.org/officeDocument/2006/relationships" type="rect" r:blip="">
-            <dgm:adjLst/>
-          </dgm:shape>
-          <dgm:presOf axis="self" ptType="node"/>
-          <dgm:constrLst>
-            <dgm:constr type="lMarg" refType="h" fact="0.3"/>
-            <dgm:constr type="rMarg" refType="h" fact="0.3"/>
-            <dgm:constr type="tMarg" refType="h" fact="0.3"/>
-            <dgm:constr type="bMarg" refType="h" fact="0.3"/>
-          </dgm:constrLst>
-          <dgm:ruleLst>
-            <dgm:rule type="primFontSz" val="14" fact="NaN" max="NaN"/>
-            <dgm:rule type="h" val="INF" fact="NaN" max="NaN"/>
-          </dgm:ruleLst>
-        </dgm:layoutNode>
-        <dgm:choose name="Name12">
-          <dgm:if name="Name13" axis="ch" ptType="node" func="cnt" op="gte" val="1">
-            <dgm:layoutNode name="desTx" styleLbl="revTx">
-              <dgm:varLst/>
-              <dgm:alg type="tx">
-                <dgm:param type="txAnchorVertCh" val="mid"/>
-                <dgm:param type="parTxLTRAlign" val="l"/>
-                <dgm:param type="shpTxLTRAlignCh" val="l"/>
-                <dgm:param type="parTxRTLAlign" val="r"/>
-                <dgm:param type="shpTxRTLAlignCh" val="r"/>
-                <dgm:param type="stBulletLvl" val="0"/>
-              </dgm:alg>
-              <dgm:shape xmlns:r="http://schemas.openxmlformats.org/officeDocument/2006/relationships" type="rect" r:blip="">
-                <dgm:adjLst/>
-              </dgm:shape>
-              <dgm:presOf axis="des" ptType="node"/>
-              <dgm:constrLst>
-                <dgm:constr type="primFontSz" val="18"/>
-                <dgm:constr type="secFontSz" refType="primFontSz"/>
-                <dgm:constr type="lMarg" refType="h" fact="0.3"/>
-                <dgm:constr type="rMarg" refType="h" fact="0.3"/>
-                <dgm:constr type="tMarg" refType="h" fact="0.3"/>
-                <dgm:constr type="bMarg" refType="h" fact="0.3"/>
-              </dgm:constrLst>
-              <dgm:ruleLst>
-                <dgm:rule type="primFontSz" val="11" fact="NaN" max="NaN"/>
-              </dgm:ruleLst>
-            </dgm:layoutNode>
-          </dgm:if>
-          <dgm:else name="Name14"/>
-        </dgm:choose>
-      </dgm:layoutNode>
-      <dgm:forEach name="Name15" axis="followSib" ptType="sibTrans" cnt="1">
-        <dgm:layoutNode name="sibTrans">
-          <dgm:alg type="sp"/>
-          <dgm:shape xmlns:r="http://schemas.openxmlformats.org/officeDocument/2006/relationships" r:blip="">
-            <dgm:adjLst/>
-          </dgm:shape>
-          <dgm:presOf axis="self"/>
-          <dgm:constrLst/>
-          <dgm:ruleLst/>
-        </dgm:layoutNode>
-      </dgm:forEach>
-    </dgm:forEach>
-  </dgm:layoutNode>
-  <dgm:extLst>
-    <a:ext uri="{68A01E43-0DF5-4B5B-8FA6-DAF915123BFB}">
-      <dgm1612:lstStyle xmlns:dgm1612="http://schemas.microsoft.com/office/drawing/2016/12/diagram">
-        <a:lvl1pPr>
-          <a:lnSpc>
-            <a:spcPct val="100000"/>
-          </a:lnSpc>
-        </a:lvl1pPr>
-        <a:lvl2pPr>
-          <a:lnSpc>
-            <a:spcPct val="100000"/>
-          </a:lnSpc>
-        </a:lvl2pPr>
-      </dgm1612:lstStyle>
-    </a:ext>
-  </dgm:extLst>
-</dgm:layoutDef>
-</file>
-
-<file path=ppt/diagrams/layout3.xml><?xml version="1.0" encoding="utf-8"?>
-<dgm:layoutDef xmlns:dgm="http://schemas.openxmlformats.org/drawingml/2006/diagram" xmlns:a="http://schemas.openxmlformats.org/drawingml/2006/main" uniqueId="urn:microsoft.com/office/officeart/2018/5/layout/IconCircleLabelList">
-  <dgm:title val="Icon Circle Label List"/>
-  <dgm:desc val="Use to show non-sequential or grouped chunks of information accompanied by a related visuals. Works best with icons or small pictures with short text captions."/>
-  <dgm:catLst>
-    <dgm:cat type="icon" pri="500"/>
-  </dgm:catLst>
-  <dgm:sampData useDef="1">
-    <dgm:dataModel>
-      <dgm:ptLst/>
-      <dgm:bg/>
-      <dgm:whole/>
-    </dgm:dataModel>
-  </dgm:sampData>
-  <dgm:styleData useDef="1">
-    <dgm:dataModel>
-      <dgm:ptLst/>
-      <dgm:bg/>
-      <dgm:whole/>
-    </dgm:dataModel>
-  </dgm:styleData>
-  <dgm:clrData useDef="1">
-    <dgm:dataModel>
-      <dgm:ptLst/>
-      <dgm:bg/>
-      <dgm:whole/>
-    </dgm:dataModel>
-  </dgm:clrData>
-  <dgm:layoutNode name="root">
-    <dgm:varLst>
-      <dgm:dir/>
-      <dgm:resizeHandles val="exact"/>
-    </dgm:varLst>
-    <dgm:choose name="Name0">
-      <dgm:if name="Name1" axis="self" func="var" arg="dir" op="equ" val="norm">
-        <dgm:alg type="snake">
-          <dgm:param type="grDir" val="tL"/>
-          <dgm:param type="flowDir" val="row"/>
-          <dgm:param type="contDir" val="sameDir"/>
-          <dgm:param type="off" val="ctr"/>
-          <dgm:param type="vertAlign" val="mid"/>
-          <dgm:param type="horzAlign" val="ctr"/>
-        </dgm:alg>
-      </dgm:if>
-      <dgm:else name="Name2">
-        <dgm:alg type="snake">
-          <dgm:param type="grDir" val="tR"/>
-          <dgm:param type="flowDir" val="row"/>
-          <dgm:param type="contDir" val="sameDir"/>
-          <dgm:param type="off" val="ctr"/>
-          <dgm:param type="vertAlign" val="mid"/>
-          <dgm:param type="horzAlign" val="ctr"/>
-        </dgm:alg>
-      </dgm:else>
-    </dgm:choose>
-    <dgm:shape xmlns:r="http://schemas.openxmlformats.org/officeDocument/2006/relationships" r:blip="">
-      <dgm:adjLst/>
-    </dgm:shape>
-    <dgm:presOf/>
-    <dgm:choose name="Name3">
-      <dgm:if name="Name4" axis="ch" ptType="node" func="cnt" op="lte" val="2">
-        <dgm:constrLst>
-          <dgm:constr type="h" for="ch" forName="compNode" refType="h" fact="0.4"/>
-          <dgm:constr type="w" for="ch" forName="compNode" val="100"/>
-          <dgm:constr type="w" for="ch" forName="sibTrans" refType="w" refFor="ch" refForName="compNode" fact="0.175"/>
-          <dgm:constr type="sp" refType="w" refFor="ch" refForName="compNode" op="equ" fact="0.25"/>
-          <dgm:constr type="primFontSz" for="des" ptType="node" op="equ" val="44"/>
-          <dgm:constr type="h" for="des" forName="compNode" op="equ"/>
-          <dgm:constr type="h" for="des" forName="textRect" op="equ"/>
-        </dgm:constrLst>
-      </dgm:if>
-      <dgm:if name="Name5" axis="ch" ptType="node" func="cnt" op="lte" val="3">
-        <dgm:constrLst>
-          <dgm:constr type="h" for="ch" forName="compNode" refType="h" fact="0.4"/>
-          <dgm:constr type="w" for="ch" forName="compNode" val="100"/>
-          <dgm:constr type="w" for="ch" forName="sibTrans" refType="w" refFor="ch" refForName="compNode" fact="0.175"/>
-          <dgm:constr type="sp" refType="w" refFor="ch" refForName="compNode" op="equ" fact="0.25"/>
-          <dgm:constr type="primFontSz" for="des" ptType="node" op="equ" val="40"/>
-          <dgm:constr type="h" for="des" forName="compNode" op="equ"/>
-          <dgm:constr type="h" for="des" forName="textRect" op="equ"/>
-        </dgm:constrLst>
-      </dgm:if>
-      <dgm:if name="Name6" axis="ch" ptType="node" func="cnt" op="lte" val="4">
-        <dgm:constrLst>
-          <dgm:constr type="h" for="ch" forName="compNode" refType="h" fact="0.4"/>
-          <dgm:constr type="w" for="ch" forName="compNode" refType="w"/>
-          <dgm:constr type="w" for="ch" forName="sibTrans" refType="w" refFor="ch" refForName="compNode" fact="0.175"/>
-          <dgm:constr type="sp" refType="w" refFor="ch" refForName="compNode" op="equ" fact="0.25"/>
-          <dgm:constr type="primFontSz" for="des" ptType="node" op="equ" val="32"/>
-          <dgm:constr type="h" for="des" forName="compNode" op="equ"/>
-          <dgm:constr type="h" for="des" forName="textRect" op="equ"/>
-        </dgm:constrLst>
-      </dgm:if>
-      <dgm:else name="Name7">
-        <dgm:constrLst>
-          <dgm:constr type="h" for="ch" forName="compNode" refType="h" fact="0.4"/>
-          <dgm:constr type="w" for="ch" forName="compNode" refType="w"/>
-          <dgm:constr type="w" for="ch" forName="sibTrans" refType="w" refFor="ch" refForName="compNode" fact="0.175"/>
-          <dgm:constr type="sp" refType="w" refFor="ch" refForName="compNode" op="equ" fact="0.25"/>
-          <dgm:constr type="primFontSz" for="des" ptType="node" op="equ" val="24"/>
-          <dgm:constr type="h" for="des" forName="compNode" op="equ"/>
-          <dgm:constr type="h" for="des" forName="textRect" op="equ"/>
-        </dgm:constrLst>
-      </dgm:else>
-    </dgm:choose>
-    <dgm:ruleLst>
-      <dgm:rule type="w" for="ch" forName="compNode" val="50" fact="NaN" max="NaN"/>
-    </dgm:ruleLst>
-    <dgm:forEach name="Name8" axis="ch" ptType="node">
-      <dgm:layoutNode name="compNode">
-        <dgm:alg type="composite"/>
-        <dgm:shape xmlns:r="http://schemas.openxmlformats.org/officeDocument/2006/relationships" r:blip="">
-          <dgm:adjLst/>
-        </dgm:shape>
-        <dgm:presOf axis="self"/>
-        <dgm:constrLst>
-          <dgm:constr type="w" for="ch" forName="iconBgRect" refType="w" fact="0.61"/>
-          <dgm:constr type="h" for="ch" forName="iconBgRect" refType="w" refFor="ch" refForName="iconBgRect"/>
-          <dgm:constr type="t" for="ch" forName="iconBgRect"/>
-          <dgm:constr type="ctrX" for="ch" forName="iconBgRect" refType="w" fact="0.5"/>
-          <dgm:constr type="w" for="ch" forName="iconRect" refType="w" fact="0.35"/>
-          <dgm:constr type="h" for="ch" forName="iconRect" refType="w" refFor="ch" refForName="iconRect"/>
-          <dgm:constr type="ctrX" for="ch" forName="iconRect" refType="ctrX" refFor="ch" refForName="iconBgRect"/>
-          <dgm:constr type="ctrY" for="ch" forName="iconRect" refType="ctrY" refFor="ch" refForName="iconBgRect"/>
-          <dgm:constr type="h" for="ch" forName="spaceRect" refType="w" fact="0.19"/>
-          <dgm:constr type="w" for="ch" forName="spaceRect" refType="w"/>
-          <dgm:constr type="l" for="ch" forName="spaceRect"/>
-          <dgm:constr type="t" for="ch" forName="spaceRect" refType="b" refFor="ch" refForName="iconBgRect"/>
-          <dgm:constr type="h" for="ch" forName="textRect" val="20"/>
-          <dgm:constr type="w" for="ch" forName="textRect" refType="w"/>
-          <dgm:constr type="l" for="ch" forName="textRect"/>
-          <dgm:constr type="t" for="ch" forName="textRect" refType="b" refFor="ch" refForName="spaceRect"/>
-        </dgm:constrLst>
-        <dgm:ruleLst>
-          <dgm:rule type="h" val="INF" fact="NaN" max="NaN"/>
-        </dgm:ruleLst>
-        <dgm:layoutNode name="iconBgRect" styleLbl="bgShp">
-          <dgm:alg type="sp"/>
-          <dgm:shape xmlns:r="http://schemas.openxmlformats.org/officeDocument/2006/relationships" type="ellipse" r:blip="">
-            <dgm:adjLst/>
-          </dgm:shape>
-          <dgm:presOf/>
-          <dgm:constrLst/>
-          <dgm:ruleLst/>
-        </dgm:layoutNode>
-        <dgm:layoutNode name="iconRect" styleLbl="node1">
-          <dgm:alg type="sp"/>
-          <dgm:shape xmlns:r="http://schemas.openxmlformats.org/officeDocument/2006/relationships" type="rect" r:blip="" blipPhldr="1">
-            <dgm:adjLst/>
-          </dgm:shape>
-          <dgm:presOf/>
-          <dgm:constrLst/>
-          <dgm:ruleLst/>
-        </dgm:layoutNode>
-        <dgm:layoutNode name="spaceRect">
-          <dgm:alg type="sp"/>
-          <dgm:shape xmlns:r="http://schemas.openxmlformats.org/officeDocument/2006/relationships" r:blip="">
-            <dgm:adjLst/>
-          </dgm:shape>
-          <dgm:presOf/>
-          <dgm:constrLst/>
-          <dgm:ruleLst/>
-        </dgm:layoutNode>
-        <dgm:layoutNode name="textRect" styleLbl="revTx">
-          <dgm:varLst>
-            <dgm:chMax val="1"/>
-            <dgm:chPref val="1"/>
-          </dgm:varLst>
-          <dgm:alg type="tx">
-            <dgm:param type="txAnchorVert" val="t"/>
-          </dgm:alg>
-          <dgm:shape xmlns:r="http://schemas.openxmlformats.org/officeDocument/2006/relationships" type="rect" r:blip="">
-            <dgm:adjLst/>
-          </dgm:shape>
-          <dgm:presOf axis="self" ptType="node"/>
-          <dgm:constrLst>
-            <dgm:constr type="lMarg"/>
-            <dgm:constr type="rMarg"/>
-            <dgm:constr type="tMarg"/>
-            <dgm:constr type="bMarg"/>
-          </dgm:constrLst>
-          <dgm:ruleLst>
-            <dgm:rule type="primFontSz" val="11" fact="NaN" max="NaN"/>
-            <dgm:rule type="h" val="INF" fact="NaN" max="NaN"/>
-          </dgm:ruleLst>
-        </dgm:layoutNode>
-      </dgm:layoutNode>
-      <dgm:forEach name="Name9" axis="followSib" ptType="sibTrans" cnt="1">
-        <dgm:layoutNode name="sibTrans">
-          <dgm:alg type="sp"/>
-          <dgm:shape xmlns:r="http://schemas.openxmlformats.org/officeDocument/2006/relationships" r:blip="">
-            <dgm:adjLst/>
-          </dgm:shape>
-          <dgm:presOf axis="self"/>
-          <dgm:constrLst/>
-          <dgm:ruleLst/>
-        </dgm:layoutNode>
-      </dgm:forEach>
-    </dgm:forEach>
-  </dgm:layoutNode>
-  <dgm:extLst>
-    <a:ext uri="{68A01E43-0DF5-4B5B-8FA6-DAF915123BFB}">
-      <dgm1612:lstStyle xmlns:dgm1612="http://schemas.microsoft.com/office/drawing/2016/12/diagram">
-        <a:lvl1pPr>
-          <a:lnSpc>
-            <a:spcPct val="100000"/>
-          </a:lnSpc>
-          <a:defRPr cap="all"/>
-        </a:lvl1pPr>
-      </dgm1612:lstStyle>
-    </a:ext>
-  </dgm:extLst>
-</dgm:layoutDef>
-</file>
-
-<file path=ppt/diagrams/layout4.xml><?xml version="1.0" encoding="utf-8"?>
 <dgm:layoutDef xmlns:dgm="http://schemas.openxmlformats.org/drawingml/2006/diagram" xmlns:a="http://schemas.openxmlformats.org/drawingml/2006/main" uniqueId="urn:microsoft.com/office/officeart/2005/8/layout/hierarchy1">
   <dgm:title val=""/>
   <dgm:desc val=""/>
@@ -10215,12 +9239,227 @@
 </dgm:layoutDef>
 </file>
 
-<file path=ppt/diagrams/layout5.xml><?xml version="1.0" encoding="utf-8"?>
-<dgm:layoutDef xmlns:dgm="http://schemas.openxmlformats.org/drawingml/2006/diagram" xmlns:a="http://schemas.openxmlformats.org/drawingml/2006/main" uniqueId="urn:microsoft.com/office/officeart/2005/8/layout/hierarchy1">
+<file path=ppt/diagrams/layout3.xml><?xml version="1.0" encoding="utf-8"?>
+<dgm:layoutDef xmlns:dgm="http://schemas.openxmlformats.org/drawingml/2006/diagram" xmlns:a="http://schemas.openxmlformats.org/drawingml/2006/main" uniqueId="urn:microsoft.com/office/officeart/2018/5/layout/IconCircleLabelList">
+  <dgm:title val="Icon Circle Label List"/>
+  <dgm:desc val="Use to show non-sequential or grouped chunks of information accompanied by a related visuals. Works best with icons or small pictures with short text captions."/>
+  <dgm:catLst>
+    <dgm:cat type="icon" pri="500"/>
+  </dgm:catLst>
+  <dgm:sampData useDef="1">
+    <dgm:dataModel>
+      <dgm:ptLst/>
+      <dgm:bg/>
+      <dgm:whole/>
+    </dgm:dataModel>
+  </dgm:sampData>
+  <dgm:styleData useDef="1">
+    <dgm:dataModel>
+      <dgm:ptLst/>
+      <dgm:bg/>
+      <dgm:whole/>
+    </dgm:dataModel>
+  </dgm:styleData>
+  <dgm:clrData useDef="1">
+    <dgm:dataModel>
+      <dgm:ptLst/>
+      <dgm:bg/>
+      <dgm:whole/>
+    </dgm:dataModel>
+  </dgm:clrData>
+  <dgm:layoutNode name="root">
+    <dgm:varLst>
+      <dgm:dir/>
+      <dgm:resizeHandles val="exact"/>
+    </dgm:varLst>
+    <dgm:choose name="Name0">
+      <dgm:if name="Name1" axis="self" func="var" arg="dir" op="equ" val="norm">
+        <dgm:alg type="snake">
+          <dgm:param type="grDir" val="tL"/>
+          <dgm:param type="flowDir" val="row"/>
+          <dgm:param type="contDir" val="sameDir"/>
+          <dgm:param type="off" val="ctr"/>
+          <dgm:param type="vertAlign" val="mid"/>
+          <dgm:param type="horzAlign" val="ctr"/>
+        </dgm:alg>
+      </dgm:if>
+      <dgm:else name="Name2">
+        <dgm:alg type="snake">
+          <dgm:param type="grDir" val="tR"/>
+          <dgm:param type="flowDir" val="row"/>
+          <dgm:param type="contDir" val="sameDir"/>
+          <dgm:param type="off" val="ctr"/>
+          <dgm:param type="vertAlign" val="mid"/>
+          <dgm:param type="horzAlign" val="ctr"/>
+        </dgm:alg>
+      </dgm:else>
+    </dgm:choose>
+    <dgm:shape xmlns:r="http://schemas.openxmlformats.org/officeDocument/2006/relationships" r:blip="">
+      <dgm:adjLst/>
+    </dgm:shape>
+    <dgm:presOf/>
+    <dgm:choose name="Name3">
+      <dgm:if name="Name4" axis="ch" ptType="node" func="cnt" op="lte" val="2">
+        <dgm:constrLst>
+          <dgm:constr type="h" for="ch" forName="compNode" refType="h" fact="0.4"/>
+          <dgm:constr type="w" for="ch" forName="compNode" val="100"/>
+          <dgm:constr type="w" for="ch" forName="sibTrans" refType="w" refFor="ch" refForName="compNode" fact="0.175"/>
+          <dgm:constr type="sp" refType="w" refFor="ch" refForName="compNode" op="equ" fact="0.25"/>
+          <dgm:constr type="primFontSz" for="des" ptType="node" op="equ" val="44"/>
+          <dgm:constr type="h" for="des" forName="compNode" op="equ"/>
+          <dgm:constr type="h" for="des" forName="textRect" op="equ"/>
+        </dgm:constrLst>
+      </dgm:if>
+      <dgm:if name="Name5" axis="ch" ptType="node" func="cnt" op="lte" val="3">
+        <dgm:constrLst>
+          <dgm:constr type="h" for="ch" forName="compNode" refType="h" fact="0.4"/>
+          <dgm:constr type="w" for="ch" forName="compNode" val="100"/>
+          <dgm:constr type="w" for="ch" forName="sibTrans" refType="w" refFor="ch" refForName="compNode" fact="0.175"/>
+          <dgm:constr type="sp" refType="w" refFor="ch" refForName="compNode" op="equ" fact="0.25"/>
+          <dgm:constr type="primFontSz" for="des" ptType="node" op="equ" val="40"/>
+          <dgm:constr type="h" for="des" forName="compNode" op="equ"/>
+          <dgm:constr type="h" for="des" forName="textRect" op="equ"/>
+        </dgm:constrLst>
+      </dgm:if>
+      <dgm:if name="Name6" axis="ch" ptType="node" func="cnt" op="lte" val="4">
+        <dgm:constrLst>
+          <dgm:constr type="h" for="ch" forName="compNode" refType="h" fact="0.4"/>
+          <dgm:constr type="w" for="ch" forName="compNode" refType="w"/>
+          <dgm:constr type="w" for="ch" forName="sibTrans" refType="w" refFor="ch" refForName="compNode" fact="0.175"/>
+          <dgm:constr type="sp" refType="w" refFor="ch" refForName="compNode" op="equ" fact="0.25"/>
+          <dgm:constr type="primFontSz" for="des" ptType="node" op="equ" val="32"/>
+          <dgm:constr type="h" for="des" forName="compNode" op="equ"/>
+          <dgm:constr type="h" for="des" forName="textRect" op="equ"/>
+        </dgm:constrLst>
+      </dgm:if>
+      <dgm:else name="Name7">
+        <dgm:constrLst>
+          <dgm:constr type="h" for="ch" forName="compNode" refType="h" fact="0.4"/>
+          <dgm:constr type="w" for="ch" forName="compNode" refType="w"/>
+          <dgm:constr type="w" for="ch" forName="sibTrans" refType="w" refFor="ch" refForName="compNode" fact="0.175"/>
+          <dgm:constr type="sp" refType="w" refFor="ch" refForName="compNode" op="equ" fact="0.25"/>
+          <dgm:constr type="primFontSz" for="des" ptType="node" op="equ" val="24"/>
+          <dgm:constr type="h" for="des" forName="compNode" op="equ"/>
+          <dgm:constr type="h" for="des" forName="textRect" op="equ"/>
+        </dgm:constrLst>
+      </dgm:else>
+    </dgm:choose>
+    <dgm:ruleLst>
+      <dgm:rule type="w" for="ch" forName="compNode" val="50" fact="NaN" max="NaN"/>
+    </dgm:ruleLst>
+    <dgm:forEach name="Name8" axis="ch" ptType="node">
+      <dgm:layoutNode name="compNode">
+        <dgm:alg type="composite"/>
+        <dgm:shape xmlns:r="http://schemas.openxmlformats.org/officeDocument/2006/relationships" r:blip="">
+          <dgm:adjLst/>
+        </dgm:shape>
+        <dgm:presOf axis="self"/>
+        <dgm:constrLst>
+          <dgm:constr type="w" for="ch" forName="iconBgRect" refType="w" fact="0.61"/>
+          <dgm:constr type="h" for="ch" forName="iconBgRect" refType="w" refFor="ch" refForName="iconBgRect"/>
+          <dgm:constr type="t" for="ch" forName="iconBgRect"/>
+          <dgm:constr type="ctrX" for="ch" forName="iconBgRect" refType="w" fact="0.5"/>
+          <dgm:constr type="w" for="ch" forName="iconRect" refType="w" fact="0.35"/>
+          <dgm:constr type="h" for="ch" forName="iconRect" refType="w" refFor="ch" refForName="iconRect"/>
+          <dgm:constr type="ctrX" for="ch" forName="iconRect" refType="ctrX" refFor="ch" refForName="iconBgRect"/>
+          <dgm:constr type="ctrY" for="ch" forName="iconRect" refType="ctrY" refFor="ch" refForName="iconBgRect"/>
+          <dgm:constr type="h" for="ch" forName="spaceRect" refType="w" fact="0.19"/>
+          <dgm:constr type="w" for="ch" forName="spaceRect" refType="w"/>
+          <dgm:constr type="l" for="ch" forName="spaceRect"/>
+          <dgm:constr type="t" for="ch" forName="spaceRect" refType="b" refFor="ch" refForName="iconBgRect"/>
+          <dgm:constr type="h" for="ch" forName="textRect" val="20"/>
+          <dgm:constr type="w" for="ch" forName="textRect" refType="w"/>
+          <dgm:constr type="l" for="ch" forName="textRect"/>
+          <dgm:constr type="t" for="ch" forName="textRect" refType="b" refFor="ch" refForName="spaceRect"/>
+        </dgm:constrLst>
+        <dgm:ruleLst>
+          <dgm:rule type="h" val="INF" fact="NaN" max="NaN"/>
+        </dgm:ruleLst>
+        <dgm:layoutNode name="iconBgRect" styleLbl="bgShp">
+          <dgm:alg type="sp"/>
+          <dgm:shape xmlns:r="http://schemas.openxmlformats.org/officeDocument/2006/relationships" type="ellipse" r:blip="">
+            <dgm:adjLst/>
+          </dgm:shape>
+          <dgm:presOf/>
+          <dgm:constrLst/>
+          <dgm:ruleLst/>
+        </dgm:layoutNode>
+        <dgm:layoutNode name="iconRect" styleLbl="node1">
+          <dgm:alg type="sp"/>
+          <dgm:shape xmlns:r="http://schemas.openxmlformats.org/officeDocument/2006/relationships" type="rect" r:blip="" blipPhldr="1">
+            <dgm:adjLst/>
+          </dgm:shape>
+          <dgm:presOf/>
+          <dgm:constrLst/>
+          <dgm:ruleLst/>
+        </dgm:layoutNode>
+        <dgm:layoutNode name="spaceRect">
+          <dgm:alg type="sp"/>
+          <dgm:shape xmlns:r="http://schemas.openxmlformats.org/officeDocument/2006/relationships" r:blip="">
+            <dgm:adjLst/>
+          </dgm:shape>
+          <dgm:presOf/>
+          <dgm:constrLst/>
+          <dgm:ruleLst/>
+        </dgm:layoutNode>
+        <dgm:layoutNode name="textRect" styleLbl="revTx">
+          <dgm:varLst>
+            <dgm:chMax val="1"/>
+            <dgm:chPref val="1"/>
+          </dgm:varLst>
+          <dgm:alg type="tx">
+            <dgm:param type="txAnchorVert" val="t"/>
+          </dgm:alg>
+          <dgm:shape xmlns:r="http://schemas.openxmlformats.org/officeDocument/2006/relationships" type="rect" r:blip="">
+            <dgm:adjLst/>
+          </dgm:shape>
+          <dgm:presOf axis="self" ptType="node"/>
+          <dgm:constrLst>
+            <dgm:constr type="lMarg"/>
+            <dgm:constr type="rMarg"/>
+            <dgm:constr type="tMarg"/>
+            <dgm:constr type="bMarg"/>
+          </dgm:constrLst>
+          <dgm:ruleLst>
+            <dgm:rule type="primFontSz" val="11" fact="NaN" max="NaN"/>
+            <dgm:rule type="h" val="INF" fact="NaN" max="NaN"/>
+          </dgm:ruleLst>
+        </dgm:layoutNode>
+      </dgm:layoutNode>
+      <dgm:forEach name="Name9" axis="followSib" ptType="sibTrans" cnt="1">
+        <dgm:layoutNode name="sibTrans">
+          <dgm:alg type="sp"/>
+          <dgm:shape xmlns:r="http://schemas.openxmlformats.org/officeDocument/2006/relationships" r:blip="">
+            <dgm:adjLst/>
+          </dgm:shape>
+          <dgm:presOf axis="self"/>
+          <dgm:constrLst/>
+          <dgm:ruleLst/>
+        </dgm:layoutNode>
+      </dgm:forEach>
+    </dgm:forEach>
+  </dgm:layoutNode>
+  <dgm:extLst>
+    <a:ext uri="{68A01E43-0DF5-4B5B-8FA6-DAF915123BFB}">
+      <dgm1612:lstStyle xmlns:dgm1612="http://schemas.microsoft.com/office/drawing/2016/12/diagram">
+        <a:lvl1pPr>
+          <a:lnSpc>
+            <a:spcPct val="100000"/>
+          </a:lnSpc>
+          <a:defRPr cap="all"/>
+        </a:lvl1pPr>
+      </dgm1612:lstStyle>
+    </a:ext>
+  </dgm:extLst>
+</dgm:layoutDef>
+</file>
+
+<file path=ppt/diagrams/layout4.xml><?xml version="1.0" encoding="utf-8"?>
+<dgm:layoutDef xmlns:dgm="http://schemas.openxmlformats.org/drawingml/2006/diagram" xmlns:a="http://schemas.openxmlformats.org/drawingml/2006/main" uniqueId="urn:microsoft.com/office/officeart/2005/8/layout/default">
   <dgm:title val=""/>
   <dgm:desc val=""/>
   <dgm:catLst>
-    <dgm:cat type="hierarchy" pri="2000"/>
+    <dgm:cat type="list" pri="400"/>
   </dgm:catLst>
   <dgm:sampData>
     <dgm:dataModel>
@@ -10232,26 +9471,22 @@
         <dgm:pt modelId="2">
           <dgm:prSet phldr="1"/>
         </dgm:pt>
-        <dgm:pt modelId="21">
-          <dgm:prSet phldr="1"/>
-        </dgm:pt>
-        <dgm:pt modelId="22">
-          <dgm:prSet phldr="1"/>
-        </dgm:pt>
         <dgm:pt modelId="3">
           <dgm:prSet phldr="1"/>
         </dgm:pt>
-        <dgm:pt modelId="31">
+        <dgm:pt modelId="4">
+          <dgm:prSet phldr="1"/>
+        </dgm:pt>
+        <dgm:pt modelId="5">
           <dgm:prSet phldr="1"/>
         </dgm:pt>
       </dgm:ptLst>
       <dgm:cxnLst>
-        <dgm:cxn modelId="4" srcId="0" destId="1" srcOrd="0" destOrd="0"/>
-        <dgm:cxn modelId="5" srcId="1" destId="2" srcOrd="0" destOrd="0"/>
-        <dgm:cxn modelId="6" srcId="1" destId="3" srcOrd="1" destOrd="0"/>
-        <dgm:cxn modelId="23" srcId="2" destId="21" srcOrd="0" destOrd="0"/>
-        <dgm:cxn modelId="24" srcId="2" destId="22" srcOrd="1" destOrd="0"/>
-        <dgm:cxn modelId="33" srcId="3" destId="31" srcOrd="0" destOrd="0"/>
+        <dgm:cxn modelId="6" srcId="0" destId="1" srcOrd="0" destOrd="0"/>
+        <dgm:cxn modelId="7" srcId="0" destId="2" srcOrd="1" destOrd="0"/>
+        <dgm:cxn modelId="8" srcId="0" destId="3" srcOrd="2" destOrd="0"/>
+        <dgm:cxn modelId="9" srcId="0" destId="4" srcOrd="3" destOrd="0"/>
+        <dgm:cxn modelId="10" srcId="0" destId="5" srcOrd="4" destOrd="0"/>
       </dgm:cxnLst>
       <dgm:bg/>
       <dgm:whole/>
@@ -10262,13 +9497,11 @@
       <dgm:ptLst>
         <dgm:pt modelId="0" type="doc"/>
         <dgm:pt modelId="1"/>
-        <dgm:pt modelId="11"/>
-        <dgm:pt modelId="12"/>
+        <dgm:pt modelId="2"/>
       </dgm:ptLst>
       <dgm:cxnLst>
-        <dgm:cxn modelId="2" srcId="0" destId="1" srcOrd="0" destOrd="0"/>
-        <dgm:cxn modelId="13" srcId="1" destId="11" srcOrd="0" destOrd="0"/>
-        <dgm:cxn modelId="14" srcId="1" destId="12" srcOrd="1" destOrd="0"/>
+        <dgm:cxn modelId="3" srcId="0" destId="1" srcOrd="0" destOrd="0"/>
+        <dgm:cxn modelId="4" srcId="0" destId="2" srcOrd="1" destOrd="0"/>
       </dgm:cxnLst>
       <dgm:bg/>
       <dgm:whole/>
@@ -10280,42 +9513,43 @@
         <dgm:pt modelId="0" type="doc"/>
         <dgm:pt modelId="1"/>
         <dgm:pt modelId="2"/>
-        <dgm:pt modelId="21"/>
-        <dgm:pt modelId="211"/>
         <dgm:pt modelId="3"/>
-        <dgm:pt modelId="31"/>
-        <dgm:pt modelId="311"/>
+        <dgm:pt modelId="4"/>
+        <dgm:pt modelId="5"/>
+        <dgm:pt modelId="6"/>
       </dgm:ptLst>
       <dgm:cxnLst>
-        <dgm:cxn modelId="4" srcId="0" destId="1" srcOrd="0" destOrd="0"/>
-        <dgm:cxn modelId="5" srcId="1" destId="2" srcOrd="0" destOrd="0"/>
-        <dgm:cxn modelId="6" srcId="1" destId="3" srcOrd="1" destOrd="0"/>
-        <dgm:cxn modelId="23" srcId="2" destId="21" srcOrd="0" destOrd="0"/>
-        <dgm:cxn modelId="24" srcId="21" destId="211" srcOrd="0" destOrd="0"/>
-        <dgm:cxn modelId="33" srcId="3" destId="31" srcOrd="0" destOrd="0"/>
-        <dgm:cxn modelId="34" srcId="31" destId="311" srcOrd="0" destOrd="0"/>
+        <dgm:cxn modelId="7" srcId="0" destId="1" srcOrd="0" destOrd="0"/>
+        <dgm:cxn modelId="8" srcId="0" destId="2" srcOrd="1" destOrd="0"/>
+        <dgm:cxn modelId="9" srcId="0" destId="3" srcOrd="2" destOrd="0"/>
+        <dgm:cxn modelId="10" srcId="0" destId="4" srcOrd="3" destOrd="0"/>
+        <dgm:cxn modelId="11" srcId="0" destId="5" srcOrd="4" destOrd="0"/>
+        <dgm:cxn modelId="12" srcId="0" destId="6" srcOrd="5" destOrd="0"/>
       </dgm:cxnLst>
       <dgm:bg/>
       <dgm:whole/>
     </dgm:dataModel>
   </dgm:clrData>
-  <dgm:layoutNode name="hierChild1">
+  <dgm:layoutNode name="diagram">
     <dgm:varLst>
-      <dgm:chPref val="1"/>
       <dgm:dir/>
-      <dgm:animOne val="branch"/>
-      <dgm:animLvl val="lvl"/>
-      <dgm:resizeHandles/>
+      <dgm:resizeHandles val="exact"/>
     </dgm:varLst>
     <dgm:choose name="Name0">
       <dgm:if name="Name1" func="var" arg="dir" op="equ" val="norm">
-        <dgm:alg type="hierChild">
-          <dgm:param type="linDir" val="fromL"/>
+        <dgm:alg type="snake">
+          <dgm:param type="grDir" val="tL"/>
+          <dgm:param type="flowDir" val="row"/>
+          <dgm:param type="contDir" val="sameDir"/>
+          <dgm:param type="off" val="ctr"/>
         </dgm:alg>
       </dgm:if>
       <dgm:else name="Name2">
-        <dgm:alg type="hierChild">
-          <dgm:param type="linDir" val="fromR"/>
+        <dgm:alg type="snake">
+          <dgm:param type="grDir" val="tR"/>
+          <dgm:param type="flowDir" val="row"/>
+          <dgm:param type="contDir" val="sameDir"/>
+          <dgm:param type="off" val="ctr"/>
         </dgm:alg>
       </dgm:else>
     </dgm:choose>
@@ -10324,453 +9558,189 @@
     </dgm:shape>
     <dgm:presOf/>
     <dgm:constrLst>
-      <dgm:constr type="primFontSz" for="des" ptType="node" op="equ" val="65"/>
-      <dgm:constr type="w" for="des" forName="composite" refType="w"/>
-      <dgm:constr type="h" for="des" forName="composite" refType="w" refFor="des" refForName="composite" fact="0.667"/>
-      <dgm:constr type="w" for="des" forName="composite2" refType="w" refFor="des" refForName="composite"/>
-      <dgm:constr type="h" for="des" forName="composite2" refType="h" refFor="des" refForName="composite"/>
-      <dgm:constr type="w" for="des" forName="composite3" refType="w" refFor="des" refForName="composite"/>
-      <dgm:constr type="h" for="des" forName="composite3" refType="h" refFor="des" refForName="composite"/>
-      <dgm:constr type="w" for="des" forName="composite4" refType="w" refFor="des" refForName="composite"/>
-      <dgm:constr type="h" for="des" forName="composite4" refType="h" refFor="des" refForName="composite"/>
-      <dgm:constr type="w" for="des" forName="composite5" refType="w" refFor="des" refForName="composite"/>
-      <dgm:constr type="h" for="des" forName="composite5" refType="h" refFor="des" refForName="composite"/>
-      <dgm:constr type="sibSp" refType="w" refFor="des" refForName="composite" fact="0.1"/>
-      <dgm:constr type="sibSp" for="des" forName="hierChild2" refType="sibSp"/>
-      <dgm:constr type="sibSp" for="des" forName="hierChild3" refType="sibSp"/>
-      <dgm:constr type="sibSp" for="des" forName="hierChild4" refType="sibSp"/>
-      <dgm:constr type="sibSp" for="des" forName="hierChild5" refType="sibSp"/>
-      <dgm:constr type="sibSp" for="des" forName="hierChild6" refType="sibSp"/>
-      <dgm:constr type="sp" for="des" forName="hierRoot1" refType="h" refFor="des" refForName="composite" fact="0.25"/>
-      <dgm:constr type="sp" for="des" forName="hierRoot2" refType="sp" refFor="des" refForName="hierRoot1"/>
-      <dgm:constr type="sp" for="des" forName="hierRoot3" refType="sp" refFor="des" refForName="hierRoot1"/>
-      <dgm:constr type="sp" for="des" forName="hierRoot4" refType="sp" refFor="des" refForName="hierRoot1"/>
-      <dgm:constr type="sp" for="des" forName="hierRoot5" refType="sp" refFor="des" refForName="hierRoot1"/>
+      <dgm:constr type="w" for="ch" forName="node" refType="w"/>
+      <dgm:constr type="h" for="ch" forName="node" refType="w" refFor="ch" refForName="node" fact="0.6"/>
+      <dgm:constr type="w" for="ch" forName="sibTrans" refType="w" refFor="ch" refForName="node" fact="0.1"/>
+      <dgm:constr type="sp" refType="w" refFor="ch" refForName="sibTrans"/>
+      <dgm:constr type="primFontSz" for="ch" forName="node" op="equ" val="65"/>
     </dgm:constrLst>
     <dgm:ruleLst/>
-    <dgm:forEach name="Name3" axis="ch">
-      <dgm:forEach name="Name4" axis="self" ptType="node">
-        <dgm:layoutNode name="hierRoot1">
-          <dgm:alg type="hierRoot"/>
+    <dgm:forEach name="Name3" axis="ch" ptType="node">
+      <dgm:layoutNode name="node">
+        <dgm:varLst>
+          <dgm:bulletEnabled val="1"/>
+        </dgm:varLst>
+        <dgm:alg type="tx"/>
+        <dgm:shape xmlns:r="http://schemas.openxmlformats.org/officeDocument/2006/relationships" type="rect" r:blip="">
+          <dgm:adjLst/>
+        </dgm:shape>
+        <dgm:presOf axis="desOrSelf" ptType="node"/>
+        <dgm:constrLst>
+          <dgm:constr type="lMarg" refType="primFontSz" fact="0.3"/>
+          <dgm:constr type="rMarg" refType="primFontSz" fact="0.3"/>
+          <dgm:constr type="tMarg" refType="primFontSz" fact="0.3"/>
+          <dgm:constr type="bMarg" refType="primFontSz" fact="0.3"/>
+        </dgm:constrLst>
+        <dgm:ruleLst>
+          <dgm:rule type="primFontSz" val="5" fact="NaN" max="NaN"/>
+        </dgm:ruleLst>
+      </dgm:layoutNode>
+      <dgm:forEach name="Name4" axis="followSib" ptType="sibTrans" cnt="1">
+        <dgm:layoutNode name="sibTrans">
+          <dgm:alg type="sp"/>
           <dgm:shape xmlns:r="http://schemas.openxmlformats.org/officeDocument/2006/relationships" r:blip="">
             <dgm:adjLst/>
           </dgm:shape>
           <dgm:presOf/>
-          <dgm:constrLst>
-            <dgm:constr type="bendDist" for="des" ptType="parTrans" refType="sp" fact="0.5"/>
-          </dgm:constrLst>
+          <dgm:constrLst/>
           <dgm:ruleLst/>
-          <dgm:layoutNode name="composite">
-            <dgm:alg type="composite"/>
-            <dgm:shape xmlns:r="http://schemas.openxmlformats.org/officeDocument/2006/relationships" r:blip="">
-              <dgm:adjLst/>
-            </dgm:shape>
-            <dgm:presOf/>
-            <dgm:constrLst>
-              <dgm:constr type="w" for="ch" forName="background" refType="w" fact="0.9"/>
-              <dgm:constr type="h" for="ch" forName="background" refType="w" refFor="ch" refForName="background" fact="0.635"/>
-              <dgm:constr type="t" for="ch" forName="background"/>
-              <dgm:constr type="l" for="ch" forName="background"/>
-              <dgm:constr type="w" for="ch" forName="text" refType="w" fact="0.9"/>
-              <dgm:constr type="h" for="ch" forName="text" refType="w" refFor="ch" refForName="text" fact="0.635"/>
-              <dgm:constr type="t" for="ch" forName="text" refType="w" fact="0.095"/>
-              <dgm:constr type="l" for="ch" forName="text" refType="w" fact="0.1"/>
-            </dgm:constrLst>
-            <dgm:ruleLst/>
-            <dgm:layoutNode name="background" styleLbl="node0" moveWith="text">
-              <dgm:alg type="sp"/>
-              <dgm:shape xmlns:r="http://schemas.openxmlformats.org/officeDocument/2006/relationships" type="roundRect" r:blip="">
-                <dgm:adjLst>
-                  <dgm:adj idx="1" val="0.1"/>
-                </dgm:adjLst>
-              </dgm:shape>
-              <dgm:presOf/>
-              <dgm:constrLst/>
-              <dgm:ruleLst/>
-            </dgm:layoutNode>
-            <dgm:layoutNode name="text" styleLbl="fgAcc0">
-              <dgm:varLst>
-                <dgm:chPref val="3"/>
-              </dgm:varLst>
-              <dgm:alg type="tx"/>
-              <dgm:shape xmlns:r="http://schemas.openxmlformats.org/officeDocument/2006/relationships" type="roundRect" r:blip="">
-                <dgm:adjLst>
-                  <dgm:adj idx="1" val="0.1"/>
-                </dgm:adjLst>
-              </dgm:shape>
-              <dgm:presOf axis="self"/>
-              <dgm:constrLst>
-                <dgm:constr type="tMarg" refType="primFontSz" fact="0.3"/>
-                <dgm:constr type="bMarg" refType="primFontSz" fact="0.3"/>
-                <dgm:constr type="lMarg" refType="primFontSz" fact="0.3"/>
-                <dgm:constr type="rMarg" refType="primFontSz" fact="0.3"/>
-              </dgm:constrLst>
-              <dgm:ruleLst>
-                <dgm:rule type="primFontSz" val="5" fact="NaN" max="NaN"/>
-              </dgm:ruleLst>
-            </dgm:layoutNode>
-          </dgm:layoutNode>
-          <dgm:layoutNode name="hierChild2">
-            <dgm:choose name="Name5">
-              <dgm:if name="Name6" func="var" arg="dir" op="equ" val="norm">
-                <dgm:alg type="hierChild">
-                  <dgm:param type="linDir" val="fromL"/>
-                </dgm:alg>
-              </dgm:if>
-              <dgm:else name="Name7">
-                <dgm:alg type="hierChild">
-                  <dgm:param type="linDir" val="fromR"/>
-                </dgm:alg>
-              </dgm:else>
-            </dgm:choose>
-            <dgm:shape xmlns:r="http://schemas.openxmlformats.org/officeDocument/2006/relationships" r:blip="">
-              <dgm:adjLst/>
-            </dgm:shape>
-            <dgm:presOf/>
-            <dgm:constrLst/>
-            <dgm:ruleLst/>
-            <dgm:forEach name="Name8" axis="ch">
-              <dgm:forEach name="Name9" axis="self" ptType="parTrans" cnt="1">
-                <dgm:layoutNode name="Name10">
-                  <dgm:alg type="conn">
-                    <dgm:param type="dim" val="1D"/>
-                    <dgm:param type="endSty" val="noArr"/>
-                    <dgm:param type="connRout" val="bend"/>
-                    <dgm:param type="bendPt" val="end"/>
-                    <dgm:param type="begPts" val="bCtr"/>
-                    <dgm:param type="endPts" val="tCtr"/>
-                    <dgm:param type="srcNode" val="background"/>
-                    <dgm:param type="dstNode" val="background2"/>
-                  </dgm:alg>
-                  <dgm:shape xmlns:r="http://schemas.openxmlformats.org/officeDocument/2006/relationships" type="conn" r:blip="" zOrderOff="-999">
-                    <dgm:adjLst/>
-                  </dgm:shape>
-                  <dgm:presOf axis="self"/>
-                  <dgm:constrLst>
-                    <dgm:constr type="begPad"/>
-                    <dgm:constr type="endPad"/>
-                  </dgm:constrLst>
-                  <dgm:ruleLst/>
-                </dgm:layoutNode>
-              </dgm:forEach>
-              <dgm:forEach name="Name11" axis="self" ptType="node">
-                <dgm:layoutNode name="hierRoot2">
-                  <dgm:alg type="hierRoot"/>
-                  <dgm:shape xmlns:r="http://schemas.openxmlformats.org/officeDocument/2006/relationships" r:blip="">
-                    <dgm:adjLst/>
-                  </dgm:shape>
-                  <dgm:presOf/>
-                  <dgm:constrLst>
-                    <dgm:constr type="bendDist" for="des" ptType="parTrans" refType="sp" fact="0.5"/>
-                  </dgm:constrLst>
-                  <dgm:ruleLst/>
-                  <dgm:layoutNode name="composite2">
-                    <dgm:alg type="composite"/>
-                    <dgm:shape xmlns:r="http://schemas.openxmlformats.org/officeDocument/2006/relationships" r:blip="">
-                      <dgm:adjLst/>
-                    </dgm:shape>
-                    <dgm:presOf/>
-                    <dgm:constrLst>
-                      <dgm:constr type="w" for="ch" forName="background2" refType="w" fact="0.9"/>
-                      <dgm:constr type="h" for="ch" forName="background2" refType="w" refFor="ch" refForName="background2" fact="0.635"/>
-                      <dgm:constr type="t" for="ch" forName="background2"/>
-                      <dgm:constr type="l" for="ch" forName="background2"/>
-                      <dgm:constr type="w" for="ch" forName="text2" refType="w" fact="0.9"/>
-                      <dgm:constr type="h" for="ch" forName="text2" refType="w" refFor="ch" refForName="text2" fact="0.635"/>
-                      <dgm:constr type="t" for="ch" forName="text2" refType="w" fact="0.095"/>
-                      <dgm:constr type="l" for="ch" forName="text2" refType="w" fact="0.1"/>
-                    </dgm:constrLst>
-                    <dgm:ruleLst/>
-                    <dgm:layoutNode name="background2" moveWith="text2">
-                      <dgm:alg type="sp"/>
-                      <dgm:shape xmlns:r="http://schemas.openxmlformats.org/officeDocument/2006/relationships" type="roundRect" r:blip="">
-                        <dgm:adjLst>
-                          <dgm:adj idx="1" val="0.1"/>
-                        </dgm:adjLst>
-                      </dgm:shape>
-                      <dgm:presOf/>
-                      <dgm:constrLst/>
-                      <dgm:ruleLst/>
-                    </dgm:layoutNode>
-                    <dgm:layoutNode name="text2" styleLbl="fgAcc2">
-                      <dgm:varLst>
-                        <dgm:chPref val="3"/>
-                      </dgm:varLst>
-                      <dgm:alg type="tx"/>
-                      <dgm:shape xmlns:r="http://schemas.openxmlformats.org/officeDocument/2006/relationships" type="roundRect" r:blip="">
-                        <dgm:adjLst>
-                          <dgm:adj idx="1" val="0.1"/>
-                        </dgm:adjLst>
-                      </dgm:shape>
-                      <dgm:presOf axis="self"/>
-                      <dgm:constrLst>
-                        <dgm:constr type="tMarg" refType="primFontSz" fact="0.3"/>
-                        <dgm:constr type="bMarg" refType="primFontSz" fact="0.3"/>
-                        <dgm:constr type="lMarg" refType="primFontSz" fact="0.3"/>
-                        <dgm:constr type="rMarg" refType="primFontSz" fact="0.3"/>
-                      </dgm:constrLst>
-                      <dgm:ruleLst>
-                        <dgm:rule type="primFontSz" val="5" fact="NaN" max="NaN"/>
-                      </dgm:ruleLst>
-                    </dgm:layoutNode>
-                  </dgm:layoutNode>
-                  <dgm:layoutNode name="hierChild3">
-                    <dgm:choose name="Name12">
-                      <dgm:if name="Name13" func="var" arg="dir" op="equ" val="norm">
-                        <dgm:alg type="hierChild">
-                          <dgm:param type="linDir" val="fromL"/>
-                        </dgm:alg>
-                      </dgm:if>
-                      <dgm:else name="Name14">
-                        <dgm:alg type="hierChild">
-                          <dgm:param type="linDir" val="fromR"/>
-                        </dgm:alg>
-                      </dgm:else>
-                    </dgm:choose>
-                    <dgm:shape xmlns:r="http://schemas.openxmlformats.org/officeDocument/2006/relationships" r:blip="">
-                      <dgm:adjLst/>
-                    </dgm:shape>
-                    <dgm:presOf/>
-                    <dgm:constrLst/>
-                    <dgm:ruleLst/>
-                    <dgm:forEach name="Name15" axis="ch">
-                      <dgm:forEach name="Name16" axis="self" ptType="parTrans" cnt="1">
-                        <dgm:layoutNode name="Name17">
-                          <dgm:alg type="conn">
-                            <dgm:param type="dim" val="1D"/>
-                            <dgm:param type="endSty" val="noArr"/>
-                            <dgm:param type="connRout" val="bend"/>
-                            <dgm:param type="bendPt" val="end"/>
-                            <dgm:param type="begPts" val="bCtr"/>
-                            <dgm:param type="endPts" val="tCtr"/>
-                            <dgm:param type="srcNode" val="background2"/>
-                            <dgm:param type="dstNode" val="background3"/>
-                          </dgm:alg>
-                          <dgm:shape xmlns:r="http://schemas.openxmlformats.org/officeDocument/2006/relationships" type="conn" r:blip="" zOrderOff="-999">
-                            <dgm:adjLst/>
-                          </dgm:shape>
-                          <dgm:presOf axis="self"/>
-                          <dgm:constrLst>
-                            <dgm:constr type="begPad"/>
-                            <dgm:constr type="endPad"/>
-                          </dgm:constrLst>
-                          <dgm:ruleLst/>
-                        </dgm:layoutNode>
-                      </dgm:forEach>
-                      <dgm:forEach name="Name18" axis="self" ptType="node">
-                        <dgm:layoutNode name="hierRoot3">
-                          <dgm:alg type="hierRoot"/>
-                          <dgm:shape xmlns:r="http://schemas.openxmlformats.org/officeDocument/2006/relationships" r:blip="">
-                            <dgm:adjLst/>
-                          </dgm:shape>
-                          <dgm:presOf/>
-                          <dgm:constrLst>
-                            <dgm:constr type="bendDist" for="des" ptType="parTrans" refType="sp" fact="0.5"/>
-                          </dgm:constrLst>
-                          <dgm:ruleLst/>
-                          <dgm:layoutNode name="composite3">
-                            <dgm:alg type="composite"/>
-                            <dgm:shape xmlns:r="http://schemas.openxmlformats.org/officeDocument/2006/relationships" r:blip="">
-                              <dgm:adjLst/>
-                            </dgm:shape>
-                            <dgm:presOf/>
-                            <dgm:constrLst>
-                              <dgm:constr type="w" for="ch" forName="background3" refType="w" fact="0.9"/>
-                              <dgm:constr type="h" for="ch" forName="background3" refType="w" refFor="ch" refForName="background3" fact="0.635"/>
-                              <dgm:constr type="t" for="ch" forName="background3"/>
-                              <dgm:constr type="l" for="ch" forName="background3"/>
-                              <dgm:constr type="w" for="ch" forName="text3" refType="w" fact="0.9"/>
-                              <dgm:constr type="h" for="ch" forName="text3" refType="w" refFor="ch" refForName="text3" fact="0.635"/>
-                              <dgm:constr type="t" for="ch" forName="text3" refType="w" fact="0.095"/>
-                              <dgm:constr type="l" for="ch" forName="text3" refType="w" fact="0.1"/>
-                            </dgm:constrLst>
-                            <dgm:ruleLst/>
-                            <dgm:layoutNode name="background3" moveWith="text3">
-                              <dgm:alg type="sp"/>
-                              <dgm:shape xmlns:r="http://schemas.openxmlformats.org/officeDocument/2006/relationships" type="roundRect" r:blip="">
-                                <dgm:adjLst>
-                                  <dgm:adj idx="1" val="0.1"/>
-                                </dgm:adjLst>
-                              </dgm:shape>
-                              <dgm:presOf/>
-                              <dgm:constrLst/>
-                              <dgm:ruleLst/>
-                            </dgm:layoutNode>
-                            <dgm:layoutNode name="text3" styleLbl="fgAcc3">
-                              <dgm:varLst>
-                                <dgm:chPref val="3"/>
-                              </dgm:varLst>
-                              <dgm:alg type="tx"/>
-                              <dgm:shape xmlns:r="http://schemas.openxmlformats.org/officeDocument/2006/relationships" type="roundRect" r:blip="">
-                                <dgm:adjLst>
-                                  <dgm:adj idx="1" val="0.1"/>
-                                </dgm:adjLst>
-                              </dgm:shape>
-                              <dgm:presOf axis="self"/>
-                              <dgm:constrLst>
-                                <dgm:constr type="tMarg" refType="primFontSz" fact="0.3"/>
-                                <dgm:constr type="bMarg" refType="primFontSz" fact="0.3"/>
-                                <dgm:constr type="lMarg" refType="primFontSz" fact="0.3"/>
-                                <dgm:constr type="rMarg" refType="primFontSz" fact="0.3"/>
-                              </dgm:constrLst>
-                              <dgm:ruleLst>
-                                <dgm:rule type="primFontSz" val="5" fact="NaN" max="NaN"/>
-                              </dgm:ruleLst>
-                            </dgm:layoutNode>
-                          </dgm:layoutNode>
-                          <dgm:layoutNode name="hierChild4">
-                            <dgm:choose name="Name19">
-                              <dgm:if name="Name20" func="var" arg="dir" op="equ" val="norm">
-                                <dgm:alg type="hierChild">
-                                  <dgm:param type="linDir" val="fromL"/>
-                                </dgm:alg>
-                              </dgm:if>
-                              <dgm:else name="Name21">
-                                <dgm:alg type="hierChild">
-                                  <dgm:param type="linDir" val="fromR"/>
-                                </dgm:alg>
-                              </dgm:else>
-                            </dgm:choose>
-                            <dgm:shape xmlns:r="http://schemas.openxmlformats.org/officeDocument/2006/relationships" r:blip="">
-                              <dgm:adjLst/>
-                            </dgm:shape>
-                            <dgm:presOf/>
-                            <dgm:constrLst/>
-                            <dgm:ruleLst/>
-                            <dgm:forEach name="repeat" axis="ch">
-                              <dgm:forEach name="Name22" axis="self" ptType="parTrans" cnt="1">
-                                <dgm:layoutNode name="Name23">
-                                  <dgm:choose name="Name24">
-                                    <dgm:if name="Name25" axis="self" func="depth" op="lte" val="4">
-                                      <dgm:alg type="conn">
-                                        <dgm:param type="dim" val="1D"/>
-                                        <dgm:param type="endSty" val="noArr"/>
-                                        <dgm:param type="connRout" val="bend"/>
-                                        <dgm:param type="bendPt" val="end"/>
-                                        <dgm:param type="begPts" val="bCtr"/>
-                                        <dgm:param type="endPts" val="tCtr"/>
-                                        <dgm:param type="srcNode" val="background3"/>
-                                        <dgm:param type="dstNode" val="background4"/>
-                                      </dgm:alg>
-                                    </dgm:if>
-                                    <dgm:else name="Name26">
-                                      <dgm:alg type="conn">
-                                        <dgm:param type="dim" val="1D"/>
-                                        <dgm:param type="endSty" val="noArr"/>
-                                        <dgm:param type="connRout" val="bend"/>
-                                        <dgm:param type="bendPt" val="end"/>
-                                        <dgm:param type="begPts" val="bCtr"/>
-                                        <dgm:param type="endPts" val="tCtr"/>
-                                        <dgm:param type="srcNode" val="background4"/>
-                                        <dgm:param type="dstNode" val="background4"/>
-                                      </dgm:alg>
-                                    </dgm:else>
-                                  </dgm:choose>
-                                  <dgm:shape xmlns:r="http://schemas.openxmlformats.org/officeDocument/2006/relationships" type="conn" r:blip="" zOrderOff="-999">
-                                    <dgm:adjLst/>
-                                  </dgm:shape>
-                                  <dgm:presOf axis="self"/>
-                                  <dgm:constrLst>
-                                    <dgm:constr type="begPad"/>
-                                    <dgm:constr type="endPad"/>
-                                  </dgm:constrLst>
-                                  <dgm:ruleLst/>
-                                </dgm:layoutNode>
-                              </dgm:forEach>
-                              <dgm:forEach name="Name27" axis="self" ptType="node">
-                                <dgm:layoutNode name="hierRoot4">
-                                  <dgm:alg type="hierRoot"/>
-                                  <dgm:shape xmlns:r="http://schemas.openxmlformats.org/officeDocument/2006/relationships" r:blip="">
-                                    <dgm:adjLst/>
-                                  </dgm:shape>
-                                  <dgm:presOf/>
-                                  <dgm:constrLst>
-                                    <dgm:constr type="bendDist" for="des" ptType="parTrans" refType="sp" fact="0.5"/>
-                                  </dgm:constrLst>
-                                  <dgm:ruleLst/>
-                                  <dgm:layoutNode name="composite4">
-                                    <dgm:alg type="composite"/>
-                                    <dgm:shape xmlns:r="http://schemas.openxmlformats.org/officeDocument/2006/relationships" r:blip="">
-                                      <dgm:adjLst/>
-                                    </dgm:shape>
-                                    <dgm:presOf/>
-                                    <dgm:constrLst>
-                                      <dgm:constr type="w" for="ch" forName="background4" refType="w" fact="0.9"/>
-                                      <dgm:constr type="h" for="ch" forName="background4" refType="w" refFor="ch" refForName="background4" fact="0.635"/>
-                                      <dgm:constr type="t" for="ch" forName="background4"/>
-                                      <dgm:constr type="l" for="ch" forName="background4"/>
-                                      <dgm:constr type="w" for="ch" forName="text4" refType="w" fact="0.9"/>
-                                      <dgm:constr type="h" for="ch" forName="text4" refType="w" refFor="ch" refForName="text4" fact="0.635"/>
-                                      <dgm:constr type="t" for="ch" forName="text4" refType="w" fact="0.095"/>
-                                      <dgm:constr type="l" for="ch" forName="text4" refType="w" fact="0.1"/>
-                                    </dgm:constrLst>
-                                    <dgm:ruleLst/>
-                                    <dgm:layoutNode name="background4" moveWith="text4">
-                                      <dgm:alg type="sp"/>
-                                      <dgm:shape xmlns:r="http://schemas.openxmlformats.org/officeDocument/2006/relationships" type="roundRect" r:blip="">
-                                        <dgm:adjLst>
-                                          <dgm:adj idx="1" val="0.1"/>
-                                        </dgm:adjLst>
-                                      </dgm:shape>
-                                      <dgm:presOf/>
-                                      <dgm:constrLst/>
-                                      <dgm:ruleLst/>
-                                    </dgm:layoutNode>
-                                    <dgm:layoutNode name="text4" styleLbl="fgAcc4">
-                                      <dgm:varLst>
-                                        <dgm:chPref val="3"/>
-                                      </dgm:varLst>
-                                      <dgm:alg type="tx"/>
-                                      <dgm:shape xmlns:r="http://schemas.openxmlformats.org/officeDocument/2006/relationships" type="roundRect" r:blip="">
-                                        <dgm:adjLst>
-                                          <dgm:adj idx="1" val="0.1"/>
-                                        </dgm:adjLst>
-                                      </dgm:shape>
-                                      <dgm:presOf axis="self"/>
-                                      <dgm:constrLst>
-                                        <dgm:constr type="tMarg" refType="primFontSz" fact="0.3"/>
-                                        <dgm:constr type="bMarg" refType="primFontSz" fact="0.3"/>
-                                        <dgm:constr type="lMarg" refType="primFontSz" fact="0.3"/>
-                                        <dgm:constr type="rMarg" refType="primFontSz" fact="0.3"/>
-                                      </dgm:constrLst>
-                                      <dgm:ruleLst>
-                                        <dgm:rule type="primFontSz" val="5" fact="NaN" max="NaN"/>
-                                      </dgm:ruleLst>
-                                    </dgm:layoutNode>
-                                  </dgm:layoutNode>
-                                  <dgm:layoutNode name="hierChild5">
-                                    <dgm:choose name="Name28">
-                                      <dgm:if name="Name29" func="var" arg="dir" op="equ" val="norm">
-                                        <dgm:alg type="hierChild">
-                                          <dgm:param type="linDir" val="fromL"/>
-                                        </dgm:alg>
-                                      </dgm:if>
-                                      <dgm:else name="Name30">
-                                        <dgm:alg type="hierChild">
-                                          <dgm:param type="linDir" val="fromR"/>
-                                        </dgm:alg>
-                                      </dgm:else>
-                                    </dgm:choose>
-                                    <dgm:shape xmlns:r="http://schemas.openxmlformats.org/officeDocument/2006/relationships" r:blip="">
-                                      <dgm:adjLst/>
-                                    </dgm:shape>
-                                    <dgm:presOf/>
-                                    <dgm:constrLst/>
-                                    <dgm:ruleLst/>
-                                    <dgm:forEach name="Name31" ref="repeat"/>
-                                  </dgm:layoutNode>
-                                </dgm:layoutNode>
-                              </dgm:forEach>
-                            </dgm:forEach>
-                          </dgm:layoutNode>
-                        </dgm:layoutNode>
-                      </dgm:forEach>
-                    </dgm:forEach>
-                  </dgm:layoutNode>
-                </dgm:layoutNode>
-              </dgm:forEach>
-            </dgm:forEach>
-          </dgm:layoutNode>
+        </dgm:layoutNode>
+      </dgm:forEach>
+    </dgm:forEach>
+  </dgm:layoutNode>
+</dgm:layoutDef>
+</file>
+
+<file path=ppt/diagrams/layout5.xml><?xml version="1.0" encoding="utf-8"?>
+<dgm:layoutDef xmlns:dgm="http://schemas.openxmlformats.org/drawingml/2006/diagram" xmlns:a="http://schemas.openxmlformats.org/drawingml/2006/main" uniqueId="urn:microsoft.com/office/officeart/2005/8/layout/default">
+  <dgm:title val=""/>
+  <dgm:desc val=""/>
+  <dgm:catLst>
+    <dgm:cat type="list" pri="400"/>
+  </dgm:catLst>
+  <dgm:sampData>
+    <dgm:dataModel>
+      <dgm:ptLst>
+        <dgm:pt modelId="0" type="doc"/>
+        <dgm:pt modelId="1">
+          <dgm:prSet phldr="1"/>
+        </dgm:pt>
+        <dgm:pt modelId="2">
+          <dgm:prSet phldr="1"/>
+        </dgm:pt>
+        <dgm:pt modelId="3">
+          <dgm:prSet phldr="1"/>
+        </dgm:pt>
+        <dgm:pt modelId="4">
+          <dgm:prSet phldr="1"/>
+        </dgm:pt>
+        <dgm:pt modelId="5">
+          <dgm:prSet phldr="1"/>
+        </dgm:pt>
+      </dgm:ptLst>
+      <dgm:cxnLst>
+        <dgm:cxn modelId="6" srcId="0" destId="1" srcOrd="0" destOrd="0"/>
+        <dgm:cxn modelId="7" srcId="0" destId="2" srcOrd="1" destOrd="0"/>
+        <dgm:cxn modelId="8" srcId="0" destId="3" srcOrd="2" destOrd="0"/>
+        <dgm:cxn modelId="9" srcId="0" destId="4" srcOrd="3" destOrd="0"/>
+        <dgm:cxn modelId="10" srcId="0" destId="5" srcOrd="4" destOrd="0"/>
+      </dgm:cxnLst>
+      <dgm:bg/>
+      <dgm:whole/>
+    </dgm:dataModel>
+  </dgm:sampData>
+  <dgm:styleData>
+    <dgm:dataModel>
+      <dgm:ptLst>
+        <dgm:pt modelId="0" type="doc"/>
+        <dgm:pt modelId="1"/>
+        <dgm:pt modelId="2"/>
+      </dgm:ptLst>
+      <dgm:cxnLst>
+        <dgm:cxn modelId="3" srcId="0" destId="1" srcOrd="0" destOrd="0"/>
+        <dgm:cxn modelId="4" srcId="0" destId="2" srcOrd="1" destOrd="0"/>
+      </dgm:cxnLst>
+      <dgm:bg/>
+      <dgm:whole/>
+    </dgm:dataModel>
+  </dgm:styleData>
+  <dgm:clrData>
+    <dgm:dataModel>
+      <dgm:ptLst>
+        <dgm:pt modelId="0" type="doc"/>
+        <dgm:pt modelId="1"/>
+        <dgm:pt modelId="2"/>
+        <dgm:pt modelId="3"/>
+        <dgm:pt modelId="4"/>
+        <dgm:pt modelId="5"/>
+        <dgm:pt modelId="6"/>
+      </dgm:ptLst>
+      <dgm:cxnLst>
+        <dgm:cxn modelId="7" srcId="0" destId="1" srcOrd="0" destOrd="0"/>
+        <dgm:cxn modelId="8" srcId="0" destId="2" srcOrd="1" destOrd="0"/>
+        <dgm:cxn modelId="9" srcId="0" destId="3" srcOrd="2" destOrd="0"/>
+        <dgm:cxn modelId="10" srcId="0" destId="4" srcOrd="3" destOrd="0"/>
+        <dgm:cxn modelId="11" srcId="0" destId="5" srcOrd="4" destOrd="0"/>
+        <dgm:cxn modelId="12" srcId="0" destId="6" srcOrd="5" destOrd="0"/>
+      </dgm:cxnLst>
+      <dgm:bg/>
+      <dgm:whole/>
+    </dgm:dataModel>
+  </dgm:clrData>
+  <dgm:layoutNode name="diagram">
+    <dgm:varLst>
+      <dgm:dir/>
+      <dgm:resizeHandles val="exact"/>
+    </dgm:varLst>
+    <dgm:choose name="Name0">
+      <dgm:if name="Name1" func="var" arg="dir" op="equ" val="norm">
+        <dgm:alg type="snake">
+          <dgm:param type="grDir" val="tL"/>
+          <dgm:param type="flowDir" val="row"/>
+          <dgm:param type="contDir" val="sameDir"/>
+          <dgm:param type="off" val="ctr"/>
+        </dgm:alg>
+      </dgm:if>
+      <dgm:else name="Name2">
+        <dgm:alg type="snake">
+          <dgm:param type="grDir" val="tR"/>
+          <dgm:param type="flowDir" val="row"/>
+          <dgm:param type="contDir" val="sameDir"/>
+          <dgm:param type="off" val="ctr"/>
+        </dgm:alg>
+      </dgm:else>
+    </dgm:choose>
+    <dgm:shape xmlns:r="http://schemas.openxmlformats.org/officeDocument/2006/relationships" r:blip="">
+      <dgm:adjLst/>
+    </dgm:shape>
+    <dgm:presOf/>
+    <dgm:constrLst>
+      <dgm:constr type="w" for="ch" forName="node" refType="w"/>
+      <dgm:constr type="h" for="ch" forName="node" refType="w" refFor="ch" refForName="node" fact="0.6"/>
+      <dgm:constr type="w" for="ch" forName="sibTrans" refType="w" refFor="ch" refForName="node" fact="0.1"/>
+      <dgm:constr type="sp" refType="w" refFor="ch" refForName="sibTrans"/>
+      <dgm:constr type="primFontSz" for="ch" forName="node" op="equ" val="65"/>
+    </dgm:constrLst>
+    <dgm:ruleLst/>
+    <dgm:forEach name="Name3" axis="ch" ptType="node">
+      <dgm:layoutNode name="node">
+        <dgm:varLst>
+          <dgm:bulletEnabled val="1"/>
+        </dgm:varLst>
+        <dgm:alg type="tx"/>
+        <dgm:shape xmlns:r="http://schemas.openxmlformats.org/officeDocument/2006/relationships" type="rect" r:blip="">
+          <dgm:adjLst/>
+        </dgm:shape>
+        <dgm:presOf axis="desOrSelf" ptType="node"/>
+        <dgm:constrLst>
+          <dgm:constr type="lMarg" refType="primFontSz" fact="0.3"/>
+          <dgm:constr type="rMarg" refType="primFontSz" fact="0.3"/>
+          <dgm:constr type="tMarg" refType="primFontSz" fact="0.3"/>
+          <dgm:constr type="bMarg" refType="primFontSz" fact="0.3"/>
+        </dgm:constrLst>
+        <dgm:ruleLst>
+          <dgm:rule type="primFontSz" val="5" fact="NaN" max="NaN"/>
+        </dgm:ruleLst>
+      </dgm:layoutNode>
+      <dgm:forEach name="Name4" axis="followSib" ptType="sibTrans" cnt="1">
+        <dgm:layoutNode name="sibTrans">
+          <dgm:alg type="sp"/>
+          <dgm:shape xmlns:r="http://schemas.openxmlformats.org/officeDocument/2006/relationships" r:blip="">
+            <dgm:adjLst/>
+          </dgm:shape>
+          <dgm:presOf/>
+          <dgm:constrLst/>
+          <dgm:ruleLst/>
         </dgm:layoutNode>
       </dgm:forEach>
     </dgm:forEach>
@@ -13039,11 +12009,11 @@
 </file>
 
 <file path=ppt/diagrams/quickStyle2.xml><?xml version="1.0" encoding="utf-8"?>
-<dgm:styleDef xmlns:dgm="http://schemas.openxmlformats.org/drawingml/2006/diagram" xmlns:a="http://schemas.openxmlformats.org/drawingml/2006/main" uniqueId="urn:microsoft.com/office/officeart/2005/8/quickstyle/simple1">
+<dgm:styleDef xmlns:dgm="http://schemas.openxmlformats.org/drawingml/2006/diagram" xmlns:a="http://schemas.openxmlformats.org/drawingml/2006/main" uniqueId="urn:microsoft.com/office/officeart/2005/8/quickstyle/simple2">
   <dgm:title val=""/>
   <dgm:desc val=""/>
   <dgm:catLst>
-    <dgm:cat type="simple" pri="10100"/>
+    <dgm:cat type="simple" pri="10200"/>
   </dgm:catLst>
   <dgm:scene3d>
     <a:camera prst="orthographicFront"/>
@@ -13057,13 +12027,13 @@
     <dgm:sp3d/>
     <dgm:txPr/>
     <dgm:style>
-      <a:lnRef idx="2">
-        <a:scrgbClr r="0" g="0" b="0"/>
-      </a:lnRef>
-      <a:fillRef idx="1">
-        <a:scrgbClr r="0" g="0" b="0"/>
-      </a:fillRef>
-      <a:effectRef idx="0">
+      <a:lnRef idx="3">
+        <a:scrgbClr r="0" g="0" b="0"/>
+      </a:lnRef>
+      <a:fillRef idx="1">
+        <a:scrgbClr r="0" g="0" b="0"/>
+      </a:fillRef>
+      <a:effectRef idx="1">
         <a:scrgbClr r="0" g="0" b="0"/>
       </a:effectRef>
       <a:fontRef idx="minor">
@@ -13079,13 +12049,13 @@
     <dgm:sp3d/>
     <dgm:txPr/>
     <dgm:style>
-      <a:lnRef idx="2">
-        <a:scrgbClr r="0" g="0" b="0"/>
-      </a:lnRef>
-      <a:fillRef idx="1">
-        <a:scrgbClr r="0" g="0" b="0"/>
-      </a:fillRef>
-      <a:effectRef idx="0">
+      <a:lnRef idx="3">
+        <a:scrgbClr r="0" g="0" b="0"/>
+      </a:lnRef>
+      <a:fillRef idx="1">
+        <a:scrgbClr r="0" g="0" b="0"/>
+      </a:fillRef>
+      <a:effectRef idx="1">
         <a:scrgbClr r="0" g="0" b="0"/>
       </a:effectRef>
       <a:fontRef idx="minor">
@@ -13101,7 +12071,7 @@
     <dgm:sp3d/>
     <dgm:txPr/>
     <dgm:style>
-      <a:lnRef idx="2">
+      <a:lnRef idx="3">
         <a:scrgbClr r="0" g="0" b="0"/>
       </a:lnRef>
       <a:fillRef idx="1">
@@ -13129,7 +12099,7 @@
       <a:fillRef idx="1">
         <a:scrgbClr r="0" g="0" b="0"/>
       </a:fillRef>
-      <a:effectRef idx="0">
+      <a:effectRef idx="1">
         <a:scrgbClr r="0" g="0" b="0"/>
       </a:effectRef>
       <a:fontRef idx="minor">
@@ -13145,13 +12115,13 @@
     <dgm:sp3d/>
     <dgm:txPr/>
     <dgm:style>
-      <a:lnRef idx="2">
-        <a:scrgbClr r="0" g="0" b="0"/>
-      </a:lnRef>
-      <a:fillRef idx="1">
-        <a:scrgbClr r="0" g="0" b="0"/>
-      </a:fillRef>
-      <a:effectRef idx="0">
+      <a:lnRef idx="3">
+        <a:scrgbClr r="0" g="0" b="0"/>
+      </a:lnRef>
+      <a:fillRef idx="1">
+        <a:scrgbClr r="0" g="0" b="0"/>
+      </a:fillRef>
+      <a:effectRef idx="1">
         <a:scrgbClr r="0" g="0" b="0"/>
       </a:effectRef>
       <a:fontRef idx="minor">
@@ -13167,13 +12137,13 @@
     <dgm:sp3d/>
     <dgm:txPr/>
     <dgm:style>
-      <a:lnRef idx="2">
-        <a:scrgbClr r="0" g="0" b="0"/>
-      </a:lnRef>
-      <a:fillRef idx="1">
-        <a:scrgbClr r="0" g="0" b="0"/>
-      </a:fillRef>
-      <a:effectRef idx="0">
+      <a:lnRef idx="3">
+        <a:scrgbClr r="0" g="0" b="0"/>
+      </a:lnRef>
+      <a:fillRef idx="1">
+        <a:scrgbClr r="0" g="0" b="0"/>
+      </a:fillRef>
+      <a:effectRef idx="1">
         <a:scrgbClr r="0" g="0" b="0"/>
       </a:effectRef>
       <a:fontRef idx="minor">
@@ -13189,13 +12159,13 @@
     <dgm:sp3d/>
     <dgm:txPr/>
     <dgm:style>
-      <a:lnRef idx="2">
-        <a:scrgbClr r="0" g="0" b="0"/>
-      </a:lnRef>
-      <a:fillRef idx="1">
-        <a:scrgbClr r="0" g="0" b="0"/>
-      </a:fillRef>
-      <a:effectRef idx="0">
+      <a:lnRef idx="3">
+        <a:scrgbClr r="0" g="0" b="0"/>
+      </a:lnRef>
+      <a:fillRef idx="1">
+        <a:scrgbClr r="0" g="0" b="0"/>
+      </a:fillRef>
+      <a:effectRef idx="1">
         <a:scrgbClr r="0" g="0" b="0"/>
       </a:effectRef>
       <a:fontRef idx="minor">
@@ -13211,13 +12181,13 @@
     <dgm:sp3d/>
     <dgm:txPr/>
     <dgm:style>
-      <a:lnRef idx="2">
-        <a:scrgbClr r="0" g="0" b="0"/>
-      </a:lnRef>
-      <a:fillRef idx="1">
-        <a:scrgbClr r="0" g="0" b="0"/>
-      </a:fillRef>
-      <a:effectRef idx="0">
+      <a:lnRef idx="3">
+        <a:scrgbClr r="0" g="0" b="0"/>
+      </a:lnRef>
+      <a:fillRef idx="1">
+        <a:scrgbClr r="0" g="0" b="0"/>
+      </a:fillRef>
+      <a:effectRef idx="1">
         <a:scrgbClr r="0" g="0" b="0"/>
       </a:effectRef>
       <a:fontRef idx="minor">
@@ -13233,13 +12203,13 @@
     <dgm:sp3d/>
     <dgm:txPr/>
     <dgm:style>
-      <a:lnRef idx="2">
-        <a:scrgbClr r="0" g="0" b="0"/>
-      </a:lnRef>
-      <a:fillRef idx="1">
-        <a:scrgbClr r="0" g="0" b="0"/>
-      </a:fillRef>
-      <a:effectRef idx="0">
+      <a:lnRef idx="3">
+        <a:scrgbClr r="0" g="0" b="0"/>
+      </a:lnRef>
+      <a:fillRef idx="1">
+        <a:scrgbClr r="0" g="0" b="0"/>
+      </a:fillRef>
+      <a:effectRef idx="1">
         <a:scrgbClr r="0" g="0" b="0"/>
       </a:effectRef>
       <a:fontRef idx="minor"/>
@@ -13253,13 +12223,13 @@
     <dgm:sp3d/>
     <dgm:txPr/>
     <dgm:style>
-      <a:lnRef idx="2">
-        <a:scrgbClr r="0" g="0" b="0"/>
-      </a:lnRef>
-      <a:fillRef idx="1">
-        <a:scrgbClr r="0" g="0" b="0"/>
-      </a:fillRef>
-      <a:effectRef idx="0">
+      <a:lnRef idx="3">
+        <a:scrgbClr r="0" g="0" b="0"/>
+      </a:lnRef>
+      <a:fillRef idx="1">
+        <a:scrgbClr r="0" g="0" b="0"/>
+      </a:fillRef>
+      <a:effectRef idx="1">
         <a:scrgbClr r="0" g="0" b="0"/>
       </a:effectRef>
       <a:fontRef idx="minor"/>
@@ -13273,13 +12243,13 @@
     <dgm:sp3d/>
     <dgm:txPr/>
     <dgm:style>
-      <a:lnRef idx="2">
-        <a:scrgbClr r="0" g="0" b="0"/>
-      </a:lnRef>
-      <a:fillRef idx="1">
-        <a:scrgbClr r="0" g="0" b="0"/>
-      </a:fillRef>
-      <a:effectRef idx="0">
+      <a:lnRef idx="3">
+        <a:scrgbClr r="0" g="0" b="0"/>
+      </a:lnRef>
+      <a:fillRef idx="1">
+        <a:scrgbClr r="0" g="0" b="0"/>
+      </a:fillRef>
+      <a:effectRef idx="1">
         <a:scrgbClr r="0" g="0" b="0"/>
       </a:effectRef>
       <a:fontRef idx="minor"/>
@@ -13299,7 +12269,7 @@
       <a:fillRef idx="1">
         <a:scrgbClr r="0" g="0" b="0"/>
       </a:fillRef>
-      <a:effectRef idx="0">
+      <a:effectRef idx="1">
         <a:scrgbClr r="0" g="0" b="0"/>
       </a:effectRef>
       <a:fontRef idx="minor">
@@ -13321,7 +12291,7 @@
       <a:fillRef idx="1">
         <a:scrgbClr r="0" g="0" b="0"/>
       </a:fillRef>
-      <a:effectRef idx="0">
+      <a:effectRef idx="1">
         <a:scrgbClr r="0" g="0" b="0"/>
       </a:effectRef>
       <a:fontRef idx="minor">
@@ -13343,7 +12313,7 @@
       <a:fillRef idx="1">
         <a:scrgbClr r="0" g="0" b="0"/>
       </a:fillRef>
-      <a:effectRef idx="0">
+      <a:effectRef idx="1">
         <a:scrgbClr r="0" g="0" b="0"/>
       </a:effectRef>
       <a:fontRef idx="minor">
@@ -13385,7 +12355,7 @@
       <a:fillRef idx="1">
         <a:scrgbClr r="0" g="0" b="0"/>
       </a:fillRef>
-      <a:effectRef idx="0">
+      <a:effectRef idx="1">
         <a:scrgbClr r="0" g="0" b="0"/>
       </a:effectRef>
       <a:fontRef idx="minor"/>
@@ -13399,13 +12369,13 @@
     <dgm:sp3d/>
     <dgm:txPr/>
     <dgm:style>
-      <a:lnRef idx="2">
-        <a:scrgbClr r="0" g="0" b="0"/>
-      </a:lnRef>
-      <a:fillRef idx="1">
-        <a:scrgbClr r="0" g="0" b="0"/>
-      </a:fillRef>
-      <a:effectRef idx="0">
+      <a:lnRef idx="3">
+        <a:scrgbClr r="0" g="0" b="0"/>
+      </a:lnRef>
+      <a:fillRef idx="1">
+        <a:scrgbClr r="0" g="0" b="0"/>
+      </a:fillRef>
+      <a:effectRef idx="1">
         <a:scrgbClr r="0" g="0" b="0"/>
       </a:effectRef>
       <a:fontRef idx="minor">
@@ -13421,13 +12391,13 @@
     <dgm:sp3d/>
     <dgm:txPr/>
     <dgm:style>
-      <a:lnRef idx="2">
-        <a:scrgbClr r="0" g="0" b="0"/>
-      </a:lnRef>
-      <a:fillRef idx="1">
-        <a:scrgbClr r="0" g="0" b="0"/>
-      </a:fillRef>
-      <a:effectRef idx="0">
+      <a:lnRef idx="3">
+        <a:scrgbClr r="0" g="0" b="0"/>
+      </a:lnRef>
+      <a:fillRef idx="1">
+        <a:scrgbClr r="0" g="0" b="0"/>
+      </a:fillRef>
+      <a:effectRef idx="1">
         <a:scrgbClr r="0" g="0" b="0"/>
       </a:effectRef>
       <a:fontRef idx="minor">
@@ -13443,13 +12413,13 @@
     <dgm:sp3d/>
     <dgm:txPr/>
     <dgm:style>
-      <a:lnRef idx="2">
-        <a:scrgbClr r="0" g="0" b="0"/>
-      </a:lnRef>
-      <a:fillRef idx="1">
-        <a:scrgbClr r="0" g="0" b="0"/>
-      </a:fillRef>
-      <a:effectRef idx="0">
+      <a:lnRef idx="3">
+        <a:scrgbClr r="0" g="0" b="0"/>
+      </a:lnRef>
+      <a:fillRef idx="1">
+        <a:scrgbClr r="0" g="0" b="0"/>
+      </a:fillRef>
+      <a:effectRef idx="1">
         <a:scrgbClr r="0" g="0" b="0"/>
       </a:effectRef>
       <a:fontRef idx="minor">
@@ -13465,13 +12435,13 @@
     <dgm:sp3d/>
     <dgm:txPr/>
     <dgm:style>
-      <a:lnRef idx="2">
-        <a:scrgbClr r="0" g="0" b="0"/>
-      </a:lnRef>
-      <a:fillRef idx="1">
-        <a:scrgbClr r="0" g="0" b="0"/>
-      </a:fillRef>
-      <a:effectRef idx="0">
+      <a:lnRef idx="3">
+        <a:scrgbClr r="0" g="0" b="0"/>
+      </a:lnRef>
+      <a:fillRef idx="1">
+        <a:scrgbClr r="0" g="0" b="0"/>
+      </a:fillRef>
+      <a:effectRef idx="1">
         <a:scrgbClr r="0" g="0" b="0"/>
       </a:effectRef>
       <a:fontRef idx="minor">
@@ -13487,13 +12457,13 @@
     <dgm:sp3d/>
     <dgm:txPr/>
     <dgm:style>
-      <a:lnRef idx="2">
-        <a:scrgbClr r="0" g="0" b="0"/>
-      </a:lnRef>
-      <a:fillRef idx="1">
-        <a:scrgbClr r="0" g="0" b="0"/>
-      </a:fillRef>
-      <a:effectRef idx="0">
+      <a:lnRef idx="3">
+        <a:scrgbClr r="0" g="0" b="0"/>
+      </a:lnRef>
+      <a:fillRef idx="1">
+        <a:scrgbClr r="0" g="0" b="0"/>
+      </a:fillRef>
+      <a:effectRef idx="1">
         <a:scrgbClr r="0" g="0" b="0"/>
       </a:effectRef>
       <a:fontRef idx="minor">
@@ -13509,13 +12479,13 @@
     <dgm:sp3d/>
     <dgm:txPr/>
     <dgm:style>
-      <a:lnRef idx="2">
-        <a:scrgbClr r="0" g="0" b="0"/>
-      </a:lnRef>
-      <a:fillRef idx="1">
-        <a:scrgbClr r="0" g="0" b="0"/>
-      </a:fillRef>
-      <a:effectRef idx="0">
+      <a:lnRef idx="3">
+        <a:scrgbClr r="0" g="0" b="0"/>
+      </a:lnRef>
+      <a:fillRef idx="1">
+        <a:scrgbClr r="0" g="0" b="0"/>
+      </a:fillRef>
+      <a:effectRef idx="1">
         <a:scrgbClr r="0" g="0" b="0"/>
       </a:effectRef>
       <a:fontRef idx="minor">
@@ -13531,13 +12501,13 @@
     <dgm:sp3d/>
     <dgm:txPr/>
     <dgm:style>
-      <a:lnRef idx="2">
-        <a:scrgbClr r="0" g="0" b="0"/>
-      </a:lnRef>
-      <a:fillRef idx="1">
-        <a:scrgbClr r="0" g="0" b="0"/>
-      </a:fillRef>
-      <a:effectRef idx="0">
+      <a:lnRef idx="3">
+        <a:scrgbClr r="0" g="0" b="0"/>
+      </a:lnRef>
+      <a:fillRef idx="1">
+        <a:scrgbClr r="0" g="0" b="0"/>
+      </a:fillRef>
+      <a:effectRef idx="1">
         <a:scrgbClr r="0" g="0" b="0"/>
       </a:effectRef>
       <a:fontRef idx="minor">
@@ -13553,13 +12523,13 @@
     <dgm:sp3d/>
     <dgm:txPr/>
     <dgm:style>
-      <a:lnRef idx="2">
-        <a:scrgbClr r="0" g="0" b="0"/>
-      </a:lnRef>
-      <a:fillRef idx="1">
-        <a:scrgbClr r="0" g="0" b="0"/>
-      </a:fillRef>
-      <a:effectRef idx="0">
+      <a:lnRef idx="3">
+        <a:scrgbClr r="0" g="0" b="0"/>
+      </a:lnRef>
+      <a:fillRef idx="1">
+        <a:scrgbClr r="0" g="0" b="0"/>
+      </a:fillRef>
+      <a:effectRef idx="1">
         <a:scrgbClr r="0" g="0" b="0"/>
       </a:effectRef>
       <a:fontRef idx="minor">
@@ -13575,13 +12545,13 @@
     <dgm:sp3d/>
     <dgm:txPr/>
     <dgm:style>
-      <a:lnRef idx="2">
-        <a:scrgbClr r="0" g="0" b="0"/>
-      </a:lnRef>
-      <a:fillRef idx="1">
-        <a:scrgbClr r="0" g="0" b="0"/>
-      </a:fillRef>
-      <a:effectRef idx="0">
+      <a:lnRef idx="3">
+        <a:scrgbClr r="0" g="0" b="0"/>
+      </a:lnRef>
+      <a:fillRef idx="1">
+        <a:scrgbClr r="0" g="0" b="0"/>
+      </a:fillRef>
+      <a:effectRef idx="1">
         <a:scrgbClr r="0" g="0" b="0"/>
       </a:effectRef>
       <a:fontRef idx="minor">
@@ -14037,13 +13007,13 @@
     <dgm:sp3d/>
     <dgm:txPr/>
     <dgm:style>
-      <a:lnRef idx="2">
-        <a:scrgbClr r="0" g="0" b="0"/>
-      </a:lnRef>
-      <a:fillRef idx="1">
-        <a:scrgbClr r="0" g="0" b="0"/>
-      </a:fillRef>
-      <a:effectRef idx="0">
+      <a:lnRef idx="3">
+        <a:scrgbClr r="0" g="0" b="0"/>
+      </a:lnRef>
+      <a:fillRef idx="1">
+        <a:scrgbClr r="0" g="0" b="0"/>
+      </a:fillRef>
+      <a:effectRef idx="1">
         <a:scrgbClr r="0" g="0" b="0"/>
       </a:effectRef>
       <a:fontRef idx="minor"/>
@@ -18376,7 +17346,7 @@
           <a:p>
             <a:fld id="{9E016143-E03C-4CFD-AFDC-14E5BDEA754C}" type="datetimeFigureOut">
               <a:rPr lang="en-US" smtClean="0"/>
-              <a:t>12/29/2020</a:t>
+              <a:t>12/31/2020</a:t>
             </a:fld>
             <a:endParaRPr lang="en-US" dirty="0"/>
           </a:p>
@@ -18605,7 +17575,7 @@
           <a:p>
             <a:fld id="{C033E54A-A8CA-48C1-9504-691B58049D29}" type="datetimeFigureOut">
               <a:rPr lang="en-US" smtClean="0"/>
-              <a:t>12/29/2020</a:t>
+              <a:t>12/31/2020</a:t>
             </a:fld>
             <a:endParaRPr lang="en-US" dirty="0"/>
           </a:p>
@@ -18785,7 +17755,7 @@
           <a:p>
             <a:fld id="{B5F6C806-BBF7-471C-9527-881CE2266695}" type="datetimeFigureOut">
               <a:rPr lang="en-US" smtClean="0"/>
-              <a:t>12/29/2020</a:t>
+              <a:t>12/31/2020</a:t>
             </a:fld>
             <a:endParaRPr lang="en-US" dirty="0"/>
           </a:p>
@@ -18955,7 +17925,7 @@
           <a:p>
             <a:fld id="{78C94063-DF36-4330-A365-08DA1FA5B7D6}" type="datetimeFigureOut">
               <a:rPr lang="en-US" smtClean="0"/>
-              <a:t>12/29/2020</a:t>
+              <a:t>12/31/2020</a:t>
             </a:fld>
             <a:endParaRPr lang="en-US" dirty="0"/>
           </a:p>
@@ -19209,7 +18179,7 @@
           <a:p>
             <a:fld id="{908A7C6C-0F39-4D70-8E8D-FE5B9C95FA73}" type="datetimeFigureOut">
               <a:rPr lang="en-US" smtClean="0"/>
-              <a:t>12/29/2020</a:t>
+              <a:t>12/31/2020</a:t>
             </a:fld>
             <a:endParaRPr lang="en-US" dirty="0"/>
           </a:p>
@@ -19535,7 +18505,7 @@
           <a:p>
             <a:fld id="{DFCFA4AC-08CC-42CE-BD01-C191750A04EC}" type="datetimeFigureOut">
               <a:rPr lang="en-US" smtClean="0"/>
-              <a:t>12/29/2020</a:t>
+              <a:t>12/31/2020</a:t>
             </a:fld>
             <a:endParaRPr lang="en-US" dirty="0"/>
           </a:p>
@@ -19986,7 +18956,7 @@
           <a:p>
             <a:fld id="{1BA7A723-92A7-435B-B681-F25B092FEFEB}" type="datetimeFigureOut">
               <a:rPr lang="en-US" smtClean="0"/>
-              <a:t>12/29/2020</a:t>
+              <a:t>12/31/2020</a:t>
             </a:fld>
             <a:endParaRPr lang="en-US" dirty="0"/>
           </a:p>
@@ -20104,7 +19074,7 @@
           <a:p>
             <a:fld id="{4F170639-886C-4FCF-9EAB-ABB5DA3F3F4A}" type="datetimeFigureOut">
               <a:rPr lang="en-US" smtClean="0"/>
-              <a:t>12/29/2020</a:t>
+              <a:t>12/31/2020</a:t>
             </a:fld>
             <a:endParaRPr lang="en-US" dirty="0"/>
           </a:p>
@@ -20199,7 +19169,7 @@
           <a:p>
             <a:fld id="{22230651-31F4-45D2-98AE-A2108F41BC07}" type="datetimeFigureOut">
               <a:rPr lang="en-US" smtClean="0"/>
-              <a:t>12/29/2020</a:t>
+              <a:t>12/31/2020</a:t>
             </a:fld>
             <a:endParaRPr lang="en-US" dirty="0"/>
           </a:p>
@@ -20486,7 +19456,7 @@
           <a:p>
             <a:fld id="{6F53789A-C914-4DB1-8815-80B5EC7335C5}" type="datetimeFigureOut">
               <a:rPr lang="en-US" smtClean="0"/>
-              <a:t>12/29/2020</a:t>
+              <a:t>12/31/2020</a:t>
             </a:fld>
             <a:endParaRPr lang="en-US" dirty="0"/>
           </a:p>
@@ -20808,7 +19778,7 @@
           <a:p>
             <a:fld id="{5E6440AA-91A0-436F-8FDB-C0F939DCAE21}" type="datetimeFigureOut">
               <a:rPr lang="en-US" smtClean="0"/>
-              <a:t>12/29/2020</a:t>
+              <a:t>12/31/2020</a:t>
             </a:fld>
             <a:endParaRPr lang="en-US" dirty="0"/>
           </a:p>
@@ -21062,7 +20032,7 @@
           <a:p>
             <a:fld id="{0E59FD0C-5451-4CA0-86AF-E70AE3279989}" type="datetimeFigureOut">
               <a:rPr lang="en-US" smtClean="0"/>
-              <a:t>12/29/2020</a:t>
+              <a:t>12/31/2020</a:t>
             </a:fld>
             <a:endParaRPr lang="en-US" dirty="0"/>
           </a:p>
@@ -21649,6 +20619,16 @@
 <file path=ppt/slides/slide10.xml><?xml version="1.0" encoding="utf-8"?>
 <p:sld xmlns:a="http://schemas.openxmlformats.org/drawingml/2006/main" xmlns:r="http://schemas.openxmlformats.org/officeDocument/2006/relationships" xmlns:p="http://schemas.openxmlformats.org/presentationml/2006/main">
   <p:cSld>
+    <p:bg>
+      <p:bgPr>
+        <a:solidFill>
+          <a:schemeClr val="bg2">
+            <a:lumMod val="75000"/>
+          </a:schemeClr>
+        </a:solidFill>
+        <a:effectLst/>
+      </p:bgPr>
+    </p:bg>
     <p:spTree>
       <p:nvGrpSpPr>
         <p:cNvPr id="1" name=""/>
@@ -21665,6 +20645,61 @@
       </p:grpSpPr>
       <p:sp>
         <p:nvSpPr>
+          <p:cNvPr id="8" name="Rectangle 7">
+            <a:extLst>
+              <a:ext uri="{FF2B5EF4-FFF2-40B4-BE49-F238E27FC236}">
+                <a16:creationId xmlns:a16="http://schemas.microsoft.com/office/drawing/2014/main" id="{A6F05DDE-5F2C-44F5-BACC-DED4737B11B8}"/>
+              </a:ext>
+              <a:ext uri="{C183D7F6-B498-43B3-948B-1728B52AA6E4}">
+                <adec:decorative xmlns:adec="http://schemas.microsoft.com/office/drawing/2017/decorative" val="1"/>
+              </a:ext>
+            </a:extLst>
+          </p:cNvPr>
+          <p:cNvSpPr>
+            <a:spLocks noGrp="1" noRot="1" noChangeAspect="1" noMove="1" noResize="1" noEditPoints="1" noAdjustHandles="1" noChangeArrowheads="1" noChangeShapeType="1" noTextEdit="1"/>
+          </p:cNvSpPr>
+          <p:nvPr>
+            <p:extLst>
+              <p:ext uri="{386F3935-93C4-4BCD-93E2-E3B085C9AB24}">
+                <p16:designElem xmlns:p16="http://schemas.microsoft.com/office/powerpoint/2015/main" val="1"/>
+              </p:ext>
+            </p:extLst>
+          </p:nvPr>
+        </p:nvSpPr>
+        <p:spPr>
+          <a:xfrm>
+            <a:off x="0" y="0"/>
+            <a:ext cx="457200" cy="6858000"/>
+          </a:xfrm>
+          <a:prstGeom prst="rect">
+            <a:avLst/>
+          </a:prstGeom>
+          <a:solidFill>
+            <a:schemeClr val="accent1"/>
+          </a:solidFill>
+          <a:ln>
+            <a:noFill/>
+          </a:ln>
+        </p:spPr>
+        <p:style>
+          <a:lnRef idx="2">
+            <a:schemeClr val="accent1">
+              <a:shade val="50000"/>
+            </a:schemeClr>
+          </a:lnRef>
+          <a:fillRef idx="1">
+            <a:schemeClr val="accent1"/>
+          </a:fillRef>
+          <a:effectRef idx="0">
+            <a:schemeClr val="accent1"/>
+          </a:effectRef>
+          <a:fontRef idx="minor">
+            <a:schemeClr val="lt1"/>
+          </a:fontRef>
+        </p:style>
+      </p:sp>
+      <p:sp>
+        <p:nvSpPr>
           <p:cNvPr id="2" name="Title 1">
             <a:extLst>
               <a:ext uri="{FF2B5EF4-FFF2-40B4-BE49-F238E27FC236}">
@@ -21679,9 +20714,16 @@
             <p:ph type="title"/>
           </p:nvPr>
         </p:nvSpPr>
-        <p:spPr/>
+        <p:spPr>
+          <a:xfrm>
+            <a:off x="4651947" y="758952"/>
+            <a:ext cx="6323519" cy="4041648"/>
+          </a:xfrm>
+        </p:spPr>
         <p:txBody>
-          <a:bodyPr/>
+          <a:bodyPr vert="horz" lIns="91440" tIns="45720" rIns="91440" bIns="45720" rtlCol="0" anchor="b">
+            <a:normAutofit/>
+          </a:bodyPr>
           <a:lstStyle/>
           <a:p>
             <a:r>
@@ -21707,14 +20749,148 @@
             <p:ph type="body" idx="1"/>
           </p:nvPr>
         </p:nvSpPr>
-        <p:spPr/>
+        <p:spPr>
+          <a:xfrm>
+            <a:off x="4651947" y="4800600"/>
+            <a:ext cx="6323520" cy="1691640"/>
+          </a:xfrm>
+        </p:spPr>
         <p:txBody>
-          <a:bodyPr/>
+          <a:bodyPr vert="horz" lIns="91440" tIns="45720" rIns="91440" bIns="45720" rtlCol="0">
+            <a:normAutofit/>
+          </a:bodyPr>
           <a:lstStyle/>
           <a:p>
+            <a:endParaRPr lang="en-US">
+              <a:solidFill>
+                <a:schemeClr val="tx1">
+                  <a:lumMod val="75000"/>
+                </a:schemeClr>
+              </a:solidFill>
+            </a:endParaRPr>
+          </a:p>
+        </p:txBody>
+      </p:sp>
+      <p:sp>
+        <p:nvSpPr>
+          <p:cNvPr id="10" name="Rectangle 9">
+            <a:extLst>
+              <a:ext uri="{FF2B5EF4-FFF2-40B4-BE49-F238E27FC236}">
+                <a16:creationId xmlns:a16="http://schemas.microsoft.com/office/drawing/2014/main" id="{A0F80B31-D942-4321-A7CC-3FF24C30A9FC}"/>
+              </a:ext>
+              <a:ext uri="{C183D7F6-B498-43B3-948B-1728B52AA6E4}">
+                <adec:decorative xmlns:adec="http://schemas.microsoft.com/office/drawing/2017/decorative" val="1"/>
+              </a:ext>
+            </a:extLst>
+          </p:cNvPr>
+          <p:cNvSpPr>
+            <a:spLocks noGrp="1" noRot="1" noChangeAspect="1" noMove="1" noResize="1" noEditPoints="1" noAdjustHandles="1" noChangeArrowheads="1" noChangeShapeType="1" noTextEdit="1"/>
+          </p:cNvSpPr>
+          <p:nvPr>
+            <p:extLst>
+              <p:ext uri="{386F3935-93C4-4BCD-93E2-E3B085C9AB24}">
+                <p16:designElem xmlns:p16="http://schemas.microsoft.com/office/powerpoint/2015/main" val="1"/>
+              </p:ext>
+            </p:extLst>
+          </p:nvPr>
+        </p:nvSpPr>
+        <p:spPr>
+          <a:xfrm>
+            <a:off x="0" y="0"/>
+            <a:ext cx="3568372" cy="6858000"/>
+          </a:xfrm>
+          <a:prstGeom prst="rect">
+            <a:avLst/>
+          </a:prstGeom>
+          <a:solidFill>
+            <a:schemeClr val="accent1"/>
+          </a:solidFill>
+          <a:ln>
+            <a:noFill/>
+          </a:ln>
+        </p:spPr>
+        <p:style>
+          <a:lnRef idx="2">
+            <a:schemeClr val="accent1">
+              <a:shade val="50000"/>
+            </a:schemeClr>
+          </a:lnRef>
+          <a:fillRef idx="1">
+            <a:schemeClr val="accent1"/>
+          </a:fillRef>
+          <a:effectRef idx="0">
+            <a:schemeClr val="accent1"/>
+          </a:effectRef>
+          <a:fontRef idx="minor">
+            <a:schemeClr val="lt1"/>
+          </a:fontRef>
+        </p:style>
+        <p:txBody>
+          <a:bodyPr rtlCol="0" anchor="ctr"/>
+          <a:lstStyle/>
+          <a:p>
+            <a:pPr algn="ctr"/>
             <a:endParaRPr lang="en-US"/>
           </a:p>
         </p:txBody>
+      </p:sp>
+      <p:sp>
+        <p:nvSpPr>
+          <p:cNvPr id="12" name="Rectangle 11">
+            <a:extLst>
+              <a:ext uri="{FF2B5EF4-FFF2-40B4-BE49-F238E27FC236}">
+                <a16:creationId xmlns:a16="http://schemas.microsoft.com/office/drawing/2014/main" id="{27DE213B-0A4F-4E9E-9153-8B0C2D0469BE}"/>
+              </a:ext>
+              <a:ext uri="{C183D7F6-B498-43B3-948B-1728B52AA6E4}">
+                <adec:decorative xmlns:adec="http://schemas.microsoft.com/office/drawing/2017/decorative" val="1"/>
+              </a:ext>
+            </a:extLst>
+          </p:cNvPr>
+          <p:cNvSpPr>
+            <a:spLocks noGrp="1" noRot="1" noChangeAspect="1" noMove="1" noResize="1" noEditPoints="1" noAdjustHandles="1" noChangeArrowheads="1" noChangeShapeType="1" noTextEdit="1"/>
+          </p:cNvSpPr>
+          <p:nvPr>
+            <p:extLst>
+              <p:ext uri="{386F3935-93C4-4BCD-93E2-E3B085C9AB24}">
+                <p16:designElem xmlns:p16="http://schemas.microsoft.com/office/powerpoint/2015/main" val="1"/>
+              </p:ext>
+            </p:extLst>
+          </p:nvPr>
+        </p:nvSpPr>
+        <p:spPr>
+          <a:xfrm>
+            <a:off x="3569969" y="0"/>
+            <a:ext cx="457200" cy="6858000"/>
+          </a:xfrm>
+          <a:prstGeom prst="rect">
+            <a:avLst/>
+          </a:prstGeom>
+          <a:solidFill>
+            <a:schemeClr val="accent1">
+              <a:lumMod val="75000"/>
+              <a:alpha val="60000"/>
+            </a:schemeClr>
+          </a:solidFill>
+          <a:ln>
+            <a:noFill/>
+          </a:ln>
+        </p:spPr>
+        <p:style>
+          <a:lnRef idx="2">
+            <a:schemeClr val="accent1">
+              <a:shade val="50000"/>
+            </a:schemeClr>
+          </a:lnRef>
+          <a:fillRef idx="1">
+            <a:schemeClr val="accent1"/>
+          </a:fillRef>
+          <a:effectRef idx="0">
+            <a:schemeClr val="accent1"/>
+          </a:effectRef>
+          <a:fontRef idx="minor">
+            <a:schemeClr val="lt1"/>
+          </a:fontRef>
+        </p:style>
       </p:sp>
     </p:spTree>
     <p:extLst>
@@ -22032,6 +21208,1371 @@
       </p:grpSpPr>
       <p:sp>
         <p:nvSpPr>
+          <p:cNvPr id="13" name="Rectangle 12">
+            <a:extLst>
+              <a:ext uri="{FF2B5EF4-FFF2-40B4-BE49-F238E27FC236}">
+                <a16:creationId xmlns:a16="http://schemas.microsoft.com/office/drawing/2014/main" id="{C75470D1-A9BC-450A-94B8-E09E222C0CFB}"/>
+              </a:ext>
+              <a:ext uri="{C183D7F6-B498-43B3-948B-1728B52AA6E4}">
+                <adec:decorative xmlns:adec="http://schemas.microsoft.com/office/drawing/2017/decorative" val="1"/>
+              </a:ext>
+            </a:extLst>
+          </p:cNvPr>
+          <p:cNvSpPr>
+            <a:spLocks noGrp="1" noRot="1" noChangeAspect="1" noMove="1" noResize="1" noEditPoints="1" noAdjustHandles="1" noChangeArrowheads="1" noChangeShapeType="1" noTextEdit="1"/>
+          </p:cNvSpPr>
+          <p:nvPr>
+            <p:extLst>
+              <p:ext uri="{386F3935-93C4-4BCD-93E2-E3B085C9AB24}">
+                <p16:designElem xmlns:p16="http://schemas.microsoft.com/office/powerpoint/2015/main" val="1"/>
+              </p:ext>
+            </p:extLst>
+          </p:nvPr>
+        </p:nvSpPr>
+        <p:spPr>
+          <a:xfrm>
+            <a:off x="0" y="0"/>
+            <a:ext cx="457200" cy="6858000"/>
+          </a:xfrm>
+          <a:prstGeom prst="rect">
+            <a:avLst/>
+          </a:prstGeom>
+          <a:solidFill>
+            <a:schemeClr val="accent1"/>
+          </a:solidFill>
+          <a:ln>
+            <a:noFill/>
+          </a:ln>
+        </p:spPr>
+        <p:style>
+          <a:lnRef idx="2">
+            <a:schemeClr val="accent1">
+              <a:shade val="50000"/>
+            </a:schemeClr>
+          </a:lnRef>
+          <a:fillRef idx="1">
+            <a:schemeClr val="accent1"/>
+          </a:fillRef>
+          <a:effectRef idx="0">
+            <a:schemeClr val="accent1"/>
+          </a:effectRef>
+          <a:fontRef idx="minor">
+            <a:schemeClr val="lt1"/>
+          </a:fontRef>
+        </p:style>
+      </p:sp>
+      <p:sp>
+        <p:nvSpPr>
+          <p:cNvPr id="15" name="Rectangle 14">
+            <a:extLst>
+              <a:ext uri="{FF2B5EF4-FFF2-40B4-BE49-F238E27FC236}">
+                <a16:creationId xmlns:a16="http://schemas.microsoft.com/office/drawing/2014/main" id="{06E59230-6241-4F71-8F80-408E4EBA22A0}"/>
+              </a:ext>
+              <a:ext uri="{C183D7F6-B498-43B3-948B-1728B52AA6E4}">
+                <adec:decorative xmlns:adec="http://schemas.microsoft.com/office/drawing/2017/decorative" val="1"/>
+              </a:ext>
+            </a:extLst>
+          </p:cNvPr>
+          <p:cNvSpPr>
+            <a:spLocks noGrp="1" noRot="1" noChangeAspect="1" noMove="1" noResize="1" noEditPoints="1" noAdjustHandles="1" noChangeArrowheads="1" noChangeShapeType="1" noTextEdit="1"/>
+          </p:cNvSpPr>
+          <p:nvPr>
+            <p:extLst>
+              <p:ext uri="{386F3935-93C4-4BCD-93E2-E3B085C9AB24}">
+                <p16:designElem xmlns:p16="http://schemas.microsoft.com/office/powerpoint/2015/main" val="1"/>
+              </p:ext>
+            </p:extLst>
+          </p:nvPr>
+        </p:nvSpPr>
+        <p:spPr>
+          <a:xfrm>
+            <a:off x="1286933" y="0"/>
+            <a:ext cx="3817330" cy="6858000"/>
+          </a:xfrm>
+          <a:prstGeom prst="rect">
+            <a:avLst/>
+          </a:prstGeom>
+          <a:solidFill>
+            <a:schemeClr val="accent1">
+              <a:lumMod val="75000"/>
+            </a:schemeClr>
+          </a:solidFill>
+          <a:ln>
+            <a:noFill/>
+          </a:ln>
+        </p:spPr>
+        <p:style>
+          <a:lnRef idx="2">
+            <a:schemeClr val="accent1">
+              <a:shade val="50000"/>
+            </a:schemeClr>
+          </a:lnRef>
+          <a:fillRef idx="1">
+            <a:schemeClr val="accent1"/>
+          </a:fillRef>
+          <a:effectRef idx="0">
+            <a:schemeClr val="accent1"/>
+          </a:effectRef>
+          <a:fontRef idx="minor">
+            <a:schemeClr val="lt1"/>
+          </a:fontRef>
+        </p:style>
+        <p:txBody>
+          <a:bodyPr rtlCol="0" anchor="ctr"/>
+          <a:lstStyle/>
+          <a:p>
+            <a:pPr marL="0" marR="0" lvl="0" indent="0" algn="ctr" defTabSz="457200" rtl="0" eaLnBrk="1" fontAlgn="auto" latinLnBrk="0" hangingPunct="1">
+              <a:lnSpc>
+                <a:spcPct val="100000"/>
+              </a:lnSpc>
+              <a:spcBef>
+                <a:spcPts val="0"/>
+              </a:spcBef>
+              <a:spcAft>
+                <a:spcPts val="0"/>
+              </a:spcAft>
+              <a:buClrTx/>
+              <a:buSzTx/>
+              <a:buFontTx/>
+              <a:buNone/>
+              <a:tabLst/>
+              <a:defRPr/>
+            </a:pPr>
+            <a:endParaRPr kumimoji="0" lang="en-US" sz="1800" b="0" i="0" u="none" strike="noStrike" kern="1200" cap="none" spc="0" normalizeH="0" baseline="0" noProof="0">
+              <a:ln>
+                <a:noFill/>
+              </a:ln>
+              <a:solidFill>
+                <a:srgbClr val="FFFFFF"/>
+              </a:solidFill>
+              <a:effectLst/>
+              <a:uLnTx/>
+              <a:uFillTx/>
+              <a:latin typeface="Century Schoolbook" panose="02040604050505020304"/>
+              <a:ea typeface="+mn-ea"/>
+              <a:cs typeface="+mn-cs"/>
+            </a:endParaRPr>
+          </a:p>
+        </p:txBody>
+      </p:sp>
+      <p:sp>
+        <p:nvSpPr>
+          <p:cNvPr id="4" name="Title 3">
+            <a:extLst>
+              <a:ext uri="{FF2B5EF4-FFF2-40B4-BE49-F238E27FC236}">
+                <a16:creationId xmlns:a16="http://schemas.microsoft.com/office/drawing/2014/main" id="{CF310BE1-4D1E-4271-B889-E108B1BA753E}"/>
+              </a:ext>
+            </a:extLst>
+          </p:cNvPr>
+          <p:cNvSpPr>
+            <a:spLocks noGrp="1"/>
+          </p:cNvSpPr>
+          <p:nvPr>
+            <p:ph type="title"/>
+          </p:nvPr>
+        </p:nvSpPr>
+        <p:spPr>
+          <a:xfrm>
+            <a:off x="1516083" y="228600"/>
+            <a:ext cx="3359031" cy="5014718"/>
+          </a:xfrm>
+        </p:spPr>
+        <p:txBody>
+          <a:bodyPr vert="horz" lIns="91440" tIns="45720" rIns="91440" bIns="45720" rtlCol="0" anchor="ctr">
+            <a:normAutofit/>
+          </a:bodyPr>
+          <a:lstStyle/>
+          <a:p>
+            <a:pPr algn="ctr">
+              <a:lnSpc>
+                <a:spcPct val="85000"/>
+              </a:lnSpc>
+            </a:pPr>
+            <a:r>
+              <a:rPr lang="en-US" sz="3600" dirty="0">
+                <a:solidFill>
+                  <a:srgbClr val="FFFFFF"/>
+                </a:solidFill>
+              </a:rPr>
+              <a:t>Hybrid Neural Network Architecture</a:t>
+            </a:r>
+          </a:p>
+        </p:txBody>
+      </p:sp>
+      <p:sp>
+        <p:nvSpPr>
+          <p:cNvPr id="17" name="Rectangle 16">
+            <a:extLst>
+              <a:ext uri="{FF2B5EF4-FFF2-40B4-BE49-F238E27FC236}">
+                <a16:creationId xmlns:a16="http://schemas.microsoft.com/office/drawing/2014/main" id="{E1A01B88-BE75-48CC-A6A5-AD51DC9EC35B}"/>
+              </a:ext>
+              <a:ext uri="{C183D7F6-B498-43B3-948B-1728B52AA6E4}">
+                <adec:decorative xmlns:adec="http://schemas.microsoft.com/office/drawing/2017/decorative" val="1"/>
+              </a:ext>
+            </a:extLst>
+          </p:cNvPr>
+          <p:cNvSpPr>
+            <a:spLocks noGrp="1" noRot="1" noChangeAspect="1" noMove="1" noResize="1" noEditPoints="1" noAdjustHandles="1" noChangeArrowheads="1" noChangeShapeType="1" noTextEdit="1"/>
+          </p:cNvSpPr>
+          <p:nvPr>
+            <p:extLst>
+              <p:ext uri="{386F3935-93C4-4BCD-93E2-E3B085C9AB24}">
+                <p16:designElem xmlns:p16="http://schemas.microsoft.com/office/powerpoint/2015/main" val="1"/>
+              </p:ext>
+            </p:extLst>
+          </p:nvPr>
+        </p:nvSpPr>
+        <p:spPr>
+          <a:xfrm>
+            <a:off x="-1" y="-2811"/>
+            <a:ext cx="1286934" cy="6858000"/>
+          </a:xfrm>
+          <a:prstGeom prst="rect">
+            <a:avLst/>
+          </a:prstGeom>
+          <a:ln>
+            <a:noFill/>
+          </a:ln>
+        </p:spPr>
+        <p:style>
+          <a:lnRef idx="2">
+            <a:schemeClr val="accent1">
+              <a:shade val="50000"/>
+            </a:schemeClr>
+          </a:lnRef>
+          <a:fillRef idx="1">
+            <a:schemeClr val="accent1"/>
+          </a:fillRef>
+          <a:effectRef idx="0">
+            <a:schemeClr val="accent1"/>
+          </a:effectRef>
+          <a:fontRef idx="minor">
+            <a:schemeClr val="lt1"/>
+          </a:fontRef>
+        </p:style>
+        <p:txBody>
+          <a:bodyPr rtlCol="0" anchor="ctr"/>
+          <a:lstStyle/>
+          <a:p>
+            <a:pPr marL="0" marR="0" lvl="0" indent="0" algn="ctr" defTabSz="457200" rtl="0" eaLnBrk="1" fontAlgn="auto" latinLnBrk="0" hangingPunct="1">
+              <a:lnSpc>
+                <a:spcPct val="100000"/>
+              </a:lnSpc>
+              <a:spcBef>
+                <a:spcPts val="0"/>
+              </a:spcBef>
+              <a:spcAft>
+                <a:spcPts val="0"/>
+              </a:spcAft>
+              <a:buClrTx/>
+              <a:buSzTx/>
+              <a:buFontTx/>
+              <a:buNone/>
+              <a:tabLst/>
+              <a:defRPr/>
+            </a:pPr>
+            <a:endParaRPr kumimoji="0" lang="en-US" sz="1800" b="0" i="0" u="none" strike="noStrike" kern="1200" cap="none" spc="0" normalizeH="0" baseline="0" noProof="0">
+              <a:ln>
+                <a:noFill/>
+              </a:ln>
+              <a:solidFill>
+                <a:srgbClr val="FFFFFF"/>
+              </a:solidFill>
+              <a:effectLst/>
+              <a:uLnTx/>
+              <a:uFillTx/>
+              <a:latin typeface="Century Schoolbook" panose="02040604050505020304"/>
+              <a:ea typeface="+mn-ea"/>
+              <a:cs typeface="+mn-cs"/>
+            </a:endParaRPr>
+          </a:p>
+        </p:txBody>
+      </p:sp>
+      <p:pic>
+        <p:nvPicPr>
+          <p:cNvPr id="7" name="Content Placeholder 6" descr="Diagram, schematic&#10;&#10;Description automatically generated">
+            <a:extLst>
+              <a:ext uri="{FF2B5EF4-FFF2-40B4-BE49-F238E27FC236}">
+                <a16:creationId xmlns:a16="http://schemas.microsoft.com/office/drawing/2014/main" id="{45A18424-F9D6-427C-ACB3-45BEDF7189D8}"/>
+              </a:ext>
+            </a:extLst>
+          </p:cNvPr>
+          <p:cNvPicPr>
+            <a:picLocks noGrp="1" noChangeAspect="1"/>
+          </p:cNvPicPr>
+          <p:nvPr>
+            <p:ph idx="1"/>
+          </p:nvPr>
+        </p:nvPicPr>
+        <p:blipFill>
+          <a:blip r:embed="rId2"/>
+          <a:stretch>
+            <a:fillRect/>
+          </a:stretch>
+        </p:blipFill>
+        <p:spPr>
+          <a:xfrm>
+            <a:off x="5688106" y="0"/>
+            <a:ext cx="5163263" cy="6681870"/>
+          </a:xfrm>
+        </p:spPr>
+      </p:pic>
+    </p:spTree>
+    <p:extLst>
+      <p:ext uri="{BB962C8B-B14F-4D97-AF65-F5344CB8AC3E}">
+        <p14:creationId xmlns:p14="http://schemas.microsoft.com/office/powerpoint/2010/main" val="3400131651"/>
+      </p:ext>
+    </p:extLst>
+  </p:cSld>
+  <p:clrMapOvr>
+    <a:masterClrMapping/>
+  </p:clrMapOvr>
+</p:sld>
+</file>
+
+<file path=ppt/slides/slide13.xml><?xml version="1.0" encoding="utf-8"?>
+<p:sld xmlns:a="http://schemas.openxmlformats.org/drawingml/2006/main" xmlns:r="http://schemas.openxmlformats.org/officeDocument/2006/relationships" xmlns:p="http://schemas.openxmlformats.org/presentationml/2006/main">
+  <p:cSld>
+    <p:bg>
+      <p:bgPr>
+        <a:solidFill>
+          <a:schemeClr val="bg2">
+            <a:lumMod val="75000"/>
+          </a:schemeClr>
+        </a:solidFill>
+        <a:effectLst/>
+      </p:bgPr>
+    </p:bg>
+    <p:spTree>
+      <p:nvGrpSpPr>
+        <p:cNvPr id="1" name=""/>
+        <p:cNvGrpSpPr/>
+        <p:nvPr/>
+      </p:nvGrpSpPr>
+      <p:grpSpPr>
+        <a:xfrm>
+          <a:off x="0" y="0"/>
+          <a:ext cx="0" cy="0"/>
+          <a:chOff x="0" y="0"/>
+          <a:chExt cx="0" cy="0"/>
+        </a:xfrm>
+      </p:grpSpPr>
+      <p:sp>
+        <p:nvSpPr>
+          <p:cNvPr id="11" name="Rectangle 10">
+            <a:extLst>
+              <a:ext uri="{FF2B5EF4-FFF2-40B4-BE49-F238E27FC236}">
+                <a16:creationId xmlns:a16="http://schemas.microsoft.com/office/drawing/2014/main" id="{A6F05DDE-5F2C-44F5-BACC-DED4737B11B8}"/>
+              </a:ext>
+              <a:ext uri="{C183D7F6-B498-43B3-948B-1728B52AA6E4}">
+                <adec:decorative xmlns:adec="http://schemas.microsoft.com/office/drawing/2017/decorative" val="1"/>
+              </a:ext>
+            </a:extLst>
+          </p:cNvPr>
+          <p:cNvSpPr>
+            <a:spLocks noGrp="1" noRot="1" noChangeAspect="1" noMove="1" noResize="1" noEditPoints="1" noAdjustHandles="1" noChangeArrowheads="1" noChangeShapeType="1" noTextEdit="1"/>
+          </p:cNvSpPr>
+          <p:nvPr>
+            <p:extLst>
+              <p:ext uri="{386F3935-93C4-4BCD-93E2-E3B085C9AB24}">
+                <p16:designElem xmlns:p16="http://schemas.microsoft.com/office/powerpoint/2015/main" val="1"/>
+              </p:ext>
+            </p:extLst>
+          </p:nvPr>
+        </p:nvSpPr>
+        <p:spPr>
+          <a:xfrm>
+            <a:off x="0" y="0"/>
+            <a:ext cx="457200" cy="6858000"/>
+          </a:xfrm>
+          <a:prstGeom prst="rect">
+            <a:avLst/>
+          </a:prstGeom>
+          <a:solidFill>
+            <a:schemeClr val="accent1"/>
+          </a:solidFill>
+          <a:ln>
+            <a:noFill/>
+          </a:ln>
+        </p:spPr>
+        <p:style>
+          <a:lnRef idx="2">
+            <a:schemeClr val="accent1">
+              <a:shade val="50000"/>
+            </a:schemeClr>
+          </a:lnRef>
+          <a:fillRef idx="1">
+            <a:schemeClr val="accent1"/>
+          </a:fillRef>
+          <a:effectRef idx="0">
+            <a:schemeClr val="accent1"/>
+          </a:effectRef>
+          <a:fontRef idx="minor">
+            <a:schemeClr val="lt1"/>
+          </a:fontRef>
+        </p:style>
+      </p:sp>
+      <p:sp>
+        <p:nvSpPr>
+          <p:cNvPr id="5" name="Title 4">
+            <a:extLst>
+              <a:ext uri="{FF2B5EF4-FFF2-40B4-BE49-F238E27FC236}">
+                <a16:creationId xmlns:a16="http://schemas.microsoft.com/office/drawing/2014/main" id="{7057F8AA-2D91-4251-B514-0826D4D58113}"/>
+              </a:ext>
+            </a:extLst>
+          </p:cNvPr>
+          <p:cNvSpPr>
+            <a:spLocks noGrp="1"/>
+          </p:cNvSpPr>
+          <p:nvPr>
+            <p:ph type="title"/>
+          </p:nvPr>
+        </p:nvSpPr>
+        <p:spPr>
+          <a:xfrm>
+            <a:off x="4651947" y="758952"/>
+            <a:ext cx="6323519" cy="4041648"/>
+          </a:xfrm>
+        </p:spPr>
+        <p:txBody>
+          <a:bodyPr vert="horz" lIns="91440" tIns="45720" rIns="91440" bIns="45720" rtlCol="0" anchor="b">
+            <a:normAutofit/>
+          </a:bodyPr>
+          <a:lstStyle/>
+          <a:p>
+            <a:r>
+              <a:rPr lang="en-US" dirty="0"/>
+              <a:t>Performance of the Hybrid Model</a:t>
+            </a:r>
+          </a:p>
+        </p:txBody>
+      </p:sp>
+      <p:sp>
+        <p:nvSpPr>
+          <p:cNvPr id="6" name="Text Placeholder 5">
+            <a:extLst>
+              <a:ext uri="{FF2B5EF4-FFF2-40B4-BE49-F238E27FC236}">
+                <a16:creationId xmlns:a16="http://schemas.microsoft.com/office/drawing/2014/main" id="{8FDB7243-7E2C-4032-9FC7-15A2787D55D1}"/>
+              </a:ext>
+            </a:extLst>
+          </p:cNvPr>
+          <p:cNvSpPr>
+            <a:spLocks noGrp="1"/>
+          </p:cNvSpPr>
+          <p:nvPr>
+            <p:ph type="body" idx="1"/>
+          </p:nvPr>
+        </p:nvSpPr>
+        <p:spPr>
+          <a:xfrm>
+            <a:off x="4651947" y="4800600"/>
+            <a:ext cx="6323520" cy="1691640"/>
+          </a:xfrm>
+        </p:spPr>
+        <p:txBody>
+          <a:bodyPr vert="horz" lIns="91440" tIns="45720" rIns="91440" bIns="45720" rtlCol="0">
+            <a:normAutofit/>
+          </a:bodyPr>
+          <a:lstStyle/>
+          <a:p>
+            <a:endParaRPr lang="en-US">
+              <a:solidFill>
+                <a:schemeClr val="tx1">
+                  <a:lumMod val="75000"/>
+                </a:schemeClr>
+              </a:solidFill>
+            </a:endParaRPr>
+          </a:p>
+        </p:txBody>
+      </p:sp>
+      <p:sp>
+        <p:nvSpPr>
+          <p:cNvPr id="13" name="Rectangle 12">
+            <a:extLst>
+              <a:ext uri="{FF2B5EF4-FFF2-40B4-BE49-F238E27FC236}">
+                <a16:creationId xmlns:a16="http://schemas.microsoft.com/office/drawing/2014/main" id="{A0F80B31-D942-4321-A7CC-3FF24C30A9FC}"/>
+              </a:ext>
+              <a:ext uri="{C183D7F6-B498-43B3-948B-1728B52AA6E4}">
+                <adec:decorative xmlns:adec="http://schemas.microsoft.com/office/drawing/2017/decorative" val="1"/>
+              </a:ext>
+            </a:extLst>
+          </p:cNvPr>
+          <p:cNvSpPr>
+            <a:spLocks noGrp="1" noRot="1" noChangeAspect="1" noMove="1" noResize="1" noEditPoints="1" noAdjustHandles="1" noChangeArrowheads="1" noChangeShapeType="1" noTextEdit="1"/>
+          </p:cNvSpPr>
+          <p:nvPr>
+            <p:extLst>
+              <p:ext uri="{386F3935-93C4-4BCD-93E2-E3B085C9AB24}">
+                <p16:designElem xmlns:p16="http://schemas.microsoft.com/office/powerpoint/2015/main" val="1"/>
+              </p:ext>
+            </p:extLst>
+          </p:nvPr>
+        </p:nvSpPr>
+        <p:spPr>
+          <a:xfrm>
+            <a:off x="0" y="0"/>
+            <a:ext cx="3568372" cy="6858000"/>
+          </a:xfrm>
+          <a:prstGeom prst="rect">
+            <a:avLst/>
+          </a:prstGeom>
+          <a:solidFill>
+            <a:schemeClr val="accent1"/>
+          </a:solidFill>
+          <a:ln>
+            <a:noFill/>
+          </a:ln>
+        </p:spPr>
+        <p:style>
+          <a:lnRef idx="2">
+            <a:schemeClr val="accent1">
+              <a:shade val="50000"/>
+            </a:schemeClr>
+          </a:lnRef>
+          <a:fillRef idx="1">
+            <a:schemeClr val="accent1"/>
+          </a:fillRef>
+          <a:effectRef idx="0">
+            <a:schemeClr val="accent1"/>
+          </a:effectRef>
+          <a:fontRef idx="minor">
+            <a:schemeClr val="lt1"/>
+          </a:fontRef>
+        </p:style>
+        <p:txBody>
+          <a:bodyPr rtlCol="0" anchor="ctr"/>
+          <a:lstStyle/>
+          <a:p>
+            <a:pPr algn="ctr"/>
+            <a:endParaRPr lang="en-US"/>
+          </a:p>
+        </p:txBody>
+      </p:sp>
+      <p:sp>
+        <p:nvSpPr>
+          <p:cNvPr id="15" name="Rectangle 14">
+            <a:extLst>
+              <a:ext uri="{FF2B5EF4-FFF2-40B4-BE49-F238E27FC236}">
+                <a16:creationId xmlns:a16="http://schemas.microsoft.com/office/drawing/2014/main" id="{27DE213B-0A4F-4E9E-9153-8B0C2D0469BE}"/>
+              </a:ext>
+              <a:ext uri="{C183D7F6-B498-43B3-948B-1728B52AA6E4}">
+                <adec:decorative xmlns:adec="http://schemas.microsoft.com/office/drawing/2017/decorative" val="1"/>
+              </a:ext>
+            </a:extLst>
+          </p:cNvPr>
+          <p:cNvSpPr>
+            <a:spLocks noGrp="1" noRot="1" noChangeAspect="1" noMove="1" noResize="1" noEditPoints="1" noAdjustHandles="1" noChangeArrowheads="1" noChangeShapeType="1" noTextEdit="1"/>
+          </p:cNvSpPr>
+          <p:nvPr>
+            <p:extLst>
+              <p:ext uri="{386F3935-93C4-4BCD-93E2-E3B085C9AB24}">
+                <p16:designElem xmlns:p16="http://schemas.microsoft.com/office/powerpoint/2015/main" val="1"/>
+              </p:ext>
+            </p:extLst>
+          </p:nvPr>
+        </p:nvSpPr>
+        <p:spPr>
+          <a:xfrm>
+            <a:off x="3569969" y="0"/>
+            <a:ext cx="457200" cy="6858000"/>
+          </a:xfrm>
+          <a:prstGeom prst="rect">
+            <a:avLst/>
+          </a:prstGeom>
+          <a:solidFill>
+            <a:schemeClr val="accent1">
+              <a:lumMod val="75000"/>
+              <a:alpha val="60000"/>
+            </a:schemeClr>
+          </a:solidFill>
+          <a:ln>
+            <a:noFill/>
+          </a:ln>
+        </p:spPr>
+        <p:style>
+          <a:lnRef idx="2">
+            <a:schemeClr val="accent1">
+              <a:shade val="50000"/>
+            </a:schemeClr>
+          </a:lnRef>
+          <a:fillRef idx="1">
+            <a:schemeClr val="accent1"/>
+          </a:fillRef>
+          <a:effectRef idx="0">
+            <a:schemeClr val="accent1"/>
+          </a:effectRef>
+          <a:fontRef idx="minor">
+            <a:schemeClr val="lt1"/>
+          </a:fontRef>
+        </p:style>
+      </p:sp>
+    </p:spTree>
+    <p:extLst>
+      <p:ext uri="{BB962C8B-B14F-4D97-AF65-F5344CB8AC3E}">
+        <p14:creationId xmlns:p14="http://schemas.microsoft.com/office/powerpoint/2010/main" val="1293455538"/>
+      </p:ext>
+    </p:extLst>
+  </p:cSld>
+  <p:clrMapOvr>
+    <a:masterClrMapping/>
+  </p:clrMapOvr>
+</p:sld>
+</file>
+
+<file path=ppt/slides/slide14.xml><?xml version="1.0" encoding="utf-8"?>
+<p:sld xmlns:a="http://schemas.openxmlformats.org/drawingml/2006/main" xmlns:r="http://schemas.openxmlformats.org/officeDocument/2006/relationships" xmlns:p="http://schemas.openxmlformats.org/presentationml/2006/main">
+  <p:cSld>
+    <p:bg>
+      <p:bgPr>
+        <a:solidFill>
+          <a:schemeClr val="bg2">
+            <a:lumMod val="75000"/>
+          </a:schemeClr>
+        </a:solidFill>
+        <a:effectLst/>
+      </p:bgPr>
+    </p:bg>
+    <p:spTree>
+      <p:nvGrpSpPr>
+        <p:cNvPr id="1" name=""/>
+        <p:cNvGrpSpPr/>
+        <p:nvPr/>
+      </p:nvGrpSpPr>
+      <p:grpSpPr>
+        <a:xfrm>
+          <a:off x="0" y="0"/>
+          <a:ext cx="0" cy="0"/>
+          <a:chOff x="0" y="0"/>
+          <a:chExt cx="0" cy="0"/>
+        </a:xfrm>
+      </p:grpSpPr>
+      <p:sp>
+        <p:nvSpPr>
+          <p:cNvPr id="10" name="Title 9">
+            <a:extLst>
+              <a:ext uri="{FF2B5EF4-FFF2-40B4-BE49-F238E27FC236}">
+                <a16:creationId xmlns:a16="http://schemas.microsoft.com/office/drawing/2014/main" id="{733D32CE-9F59-4AD7-A5AD-60A8203CB3B0}"/>
+              </a:ext>
+            </a:extLst>
+          </p:cNvPr>
+          <p:cNvSpPr>
+            <a:spLocks noGrp="1"/>
+          </p:cNvSpPr>
+          <p:nvPr>
+            <p:ph type="title"/>
+          </p:nvPr>
+        </p:nvSpPr>
+        <p:spPr/>
+        <p:txBody>
+          <a:bodyPr/>
+          <a:lstStyle/>
+          <a:p>
+            <a:r>
+              <a:rPr lang="en-US" dirty="0"/>
+              <a:t>X-Validation Performance</a:t>
+            </a:r>
+          </a:p>
+        </p:txBody>
+      </p:sp>
+      <p:pic>
+        <p:nvPicPr>
+          <p:cNvPr id="15" name="Content Placeholder 14" descr="Chart, bar chart&#10;&#10;Description automatically generated">
+            <a:extLst>
+              <a:ext uri="{FF2B5EF4-FFF2-40B4-BE49-F238E27FC236}">
+                <a16:creationId xmlns:a16="http://schemas.microsoft.com/office/drawing/2014/main" id="{7E3919D2-ABE4-449A-907E-CA63B814431D}"/>
+              </a:ext>
+            </a:extLst>
+          </p:cNvPr>
+          <p:cNvPicPr>
+            <a:picLocks noGrp="1" noChangeAspect="1"/>
+          </p:cNvPicPr>
+          <p:nvPr>
+            <p:ph idx="1"/>
+          </p:nvPr>
+        </p:nvPicPr>
+        <p:blipFill>
+          <a:blip r:embed="rId2"/>
+          <a:stretch>
+            <a:fillRect/>
+          </a:stretch>
+        </p:blipFill>
+        <p:spPr>
+          <a:xfrm>
+            <a:off x="6535272" y="457200"/>
+            <a:ext cx="4572000" cy="1828800"/>
+          </a:xfrm>
+        </p:spPr>
+      </p:pic>
+      <p:sp>
+        <p:nvSpPr>
+          <p:cNvPr id="12" name="Text Placeholder 11">
+            <a:extLst>
+              <a:ext uri="{FF2B5EF4-FFF2-40B4-BE49-F238E27FC236}">
+                <a16:creationId xmlns:a16="http://schemas.microsoft.com/office/drawing/2014/main" id="{7B2648CF-7CC0-45C2-A28C-46332198ED0D}"/>
+              </a:ext>
+            </a:extLst>
+          </p:cNvPr>
+          <p:cNvSpPr>
+            <a:spLocks noGrp="1"/>
+          </p:cNvSpPr>
+          <p:nvPr>
+            <p:ph type="body" sz="half" idx="2"/>
+          </p:nvPr>
+        </p:nvSpPr>
+        <p:spPr/>
+        <p:txBody>
+          <a:bodyPr/>
+          <a:lstStyle/>
+          <a:p>
+            <a:endParaRPr lang="en-US" dirty="0"/>
+          </a:p>
+          <a:p>
+            <a:pPr marL="285750" indent="-285750">
+              <a:buFont typeface="Arial" panose="020B0604020202020204" pitchFamily="34" charset="0"/>
+              <a:buChar char="•"/>
+            </a:pPr>
+            <a:r>
+              <a:rPr lang="en-US" sz="1600" dirty="0"/>
+              <a:t>Three Separate Models’</a:t>
+            </a:r>
+          </a:p>
+          <a:p>
+            <a:pPr marL="800100" lvl="1" indent="-342900">
+              <a:buFont typeface="+mj-lt"/>
+              <a:buAutoNum type="arabicParenR"/>
+            </a:pPr>
+            <a:r>
+              <a:rPr lang="en-US" sz="1600" dirty="0"/>
+              <a:t>Just CNN Architecture</a:t>
+            </a:r>
+          </a:p>
+          <a:p>
+            <a:pPr marL="800100" lvl="1" indent="-342900">
+              <a:buFont typeface="+mj-lt"/>
+              <a:buAutoNum type="arabicParenR"/>
+            </a:pPr>
+            <a:r>
+              <a:rPr lang="en-US" sz="1600" dirty="0"/>
+              <a:t>Just MLP Architecture</a:t>
+            </a:r>
+          </a:p>
+          <a:p>
+            <a:pPr marL="800100" lvl="1" indent="-342900">
+              <a:buFont typeface="+mj-lt"/>
+              <a:buAutoNum type="arabicParenR"/>
+            </a:pPr>
+            <a:r>
+              <a:rPr lang="en-US" sz="1600" dirty="0"/>
+              <a:t>Hybrid Architecture</a:t>
+            </a:r>
+          </a:p>
+          <a:p>
+            <a:endParaRPr lang="en-US" dirty="0"/>
+          </a:p>
+          <a:p>
+            <a:pPr marL="285750" indent="-285750">
+              <a:buFont typeface="Arial" panose="020B0604020202020204" pitchFamily="34" charset="0"/>
+              <a:buChar char="•"/>
+            </a:pPr>
+            <a:r>
+              <a:rPr lang="en-US" sz="1600" dirty="0"/>
+              <a:t>Each unimodal </a:t>
+            </a:r>
+            <a:r>
+              <a:rPr lang="en-US" sz="1600" dirty="0" err="1"/>
+              <a:t>achitecture</a:t>
+            </a:r>
+            <a:r>
+              <a:rPr lang="en-US" sz="1600" dirty="0"/>
+              <a:t> learns a set of parameters</a:t>
+            </a:r>
+          </a:p>
+          <a:p>
+            <a:pPr marL="285750" indent="-285750">
+              <a:buFont typeface="Arial" panose="020B0604020202020204" pitchFamily="34" charset="0"/>
+              <a:buChar char="•"/>
+            </a:pPr>
+            <a:endParaRPr lang="en-US" sz="1600" dirty="0"/>
+          </a:p>
+          <a:p>
+            <a:pPr marL="285750" indent="-285750">
+              <a:buFont typeface="Arial" panose="020B0604020202020204" pitchFamily="34" charset="0"/>
+              <a:buChar char="•"/>
+            </a:pPr>
+            <a:r>
+              <a:rPr lang="en-US" sz="1600" dirty="0"/>
+              <a:t>When combined, the  </a:t>
+            </a:r>
+            <a:endParaRPr lang="en-US" dirty="0"/>
+          </a:p>
+          <a:p>
+            <a:endParaRPr lang="en-US" dirty="0"/>
+          </a:p>
+        </p:txBody>
+      </p:sp>
+      <p:pic>
+        <p:nvPicPr>
+          <p:cNvPr id="18" name="Picture 17" descr="Chart, bar chart&#10;&#10;Description automatically generated">
+            <a:extLst>
+              <a:ext uri="{FF2B5EF4-FFF2-40B4-BE49-F238E27FC236}">
+                <a16:creationId xmlns:a16="http://schemas.microsoft.com/office/drawing/2014/main" id="{26A050DF-7EFA-4489-98CA-E21326BE921D}"/>
+              </a:ext>
+            </a:extLst>
+          </p:cNvPr>
+          <p:cNvPicPr>
+            <a:picLocks noChangeAspect="1"/>
+          </p:cNvPicPr>
+          <p:nvPr/>
+        </p:nvPicPr>
+        <p:blipFill>
+          <a:blip r:embed="rId3"/>
+          <a:stretch>
+            <a:fillRect/>
+          </a:stretch>
+        </p:blipFill>
+        <p:spPr>
+          <a:xfrm>
+            <a:off x="6535272" y="4572000"/>
+            <a:ext cx="4572000" cy="1828800"/>
+          </a:xfrm>
+          <a:prstGeom prst="rect">
+            <a:avLst/>
+          </a:prstGeom>
+        </p:spPr>
+      </p:pic>
+      <p:pic>
+        <p:nvPicPr>
+          <p:cNvPr id="20" name="Picture 19" descr="Chart, bar chart&#10;&#10;Description automatically generated">
+            <a:extLst>
+              <a:ext uri="{FF2B5EF4-FFF2-40B4-BE49-F238E27FC236}">
+                <a16:creationId xmlns:a16="http://schemas.microsoft.com/office/drawing/2014/main" id="{E890F038-6206-4B71-91E6-D35775FF7C54}"/>
+              </a:ext>
+            </a:extLst>
+          </p:cNvPr>
+          <p:cNvPicPr>
+            <a:picLocks noChangeAspect="1"/>
+          </p:cNvPicPr>
+          <p:nvPr/>
+        </p:nvPicPr>
+        <p:blipFill>
+          <a:blip r:embed="rId4"/>
+          <a:stretch>
+            <a:fillRect/>
+          </a:stretch>
+        </p:blipFill>
+        <p:spPr>
+          <a:xfrm>
+            <a:off x="6535272" y="2514600"/>
+            <a:ext cx="4572000" cy="1828800"/>
+          </a:xfrm>
+          <a:prstGeom prst="rect">
+            <a:avLst/>
+          </a:prstGeom>
+        </p:spPr>
+      </p:pic>
+      <p:sp>
+        <p:nvSpPr>
+          <p:cNvPr id="22" name="TextBox 21">
+            <a:extLst>
+              <a:ext uri="{FF2B5EF4-FFF2-40B4-BE49-F238E27FC236}">
+                <a16:creationId xmlns:a16="http://schemas.microsoft.com/office/drawing/2014/main" id="{728B830C-A6BC-4D82-8850-581407D95444}"/>
+              </a:ext>
+            </a:extLst>
+          </p:cNvPr>
+          <p:cNvSpPr txBox="1"/>
+          <p:nvPr/>
+        </p:nvSpPr>
+        <p:spPr>
+          <a:xfrm>
+            <a:off x="5821726" y="1079212"/>
+            <a:ext cx="548548" cy="584775"/>
+          </a:xfrm>
+          <a:prstGeom prst="rect">
+            <a:avLst/>
+          </a:prstGeom>
+          <a:noFill/>
+        </p:spPr>
+        <p:txBody>
+          <a:bodyPr wrap="none" rtlCol="0">
+            <a:spAutoFit/>
+          </a:bodyPr>
+          <a:lstStyle/>
+          <a:p>
+            <a:r>
+              <a:rPr lang="en-US" sz="3200" dirty="0"/>
+              <a:t>1)</a:t>
+            </a:r>
+          </a:p>
+        </p:txBody>
+      </p:sp>
+      <p:sp>
+        <p:nvSpPr>
+          <p:cNvPr id="26" name="TextBox 25">
+            <a:extLst>
+              <a:ext uri="{FF2B5EF4-FFF2-40B4-BE49-F238E27FC236}">
+                <a16:creationId xmlns:a16="http://schemas.microsoft.com/office/drawing/2014/main" id="{2C286CD0-95C0-4998-B0C4-003CDB70A70E}"/>
+              </a:ext>
+            </a:extLst>
+          </p:cNvPr>
+          <p:cNvSpPr txBox="1"/>
+          <p:nvPr/>
+        </p:nvSpPr>
+        <p:spPr>
+          <a:xfrm>
+            <a:off x="5821726" y="3136612"/>
+            <a:ext cx="548548" cy="584775"/>
+          </a:xfrm>
+          <a:prstGeom prst="rect">
+            <a:avLst/>
+          </a:prstGeom>
+          <a:noFill/>
+        </p:spPr>
+        <p:txBody>
+          <a:bodyPr wrap="none" rtlCol="0">
+            <a:spAutoFit/>
+          </a:bodyPr>
+          <a:lstStyle/>
+          <a:p>
+            <a:r>
+              <a:rPr lang="en-US" sz="3200" dirty="0"/>
+              <a:t>2)</a:t>
+            </a:r>
+          </a:p>
+        </p:txBody>
+      </p:sp>
+      <p:sp>
+        <p:nvSpPr>
+          <p:cNvPr id="28" name="TextBox 27">
+            <a:extLst>
+              <a:ext uri="{FF2B5EF4-FFF2-40B4-BE49-F238E27FC236}">
+                <a16:creationId xmlns:a16="http://schemas.microsoft.com/office/drawing/2014/main" id="{E3F3152A-358E-4BCB-B201-23EB45CE2024}"/>
+              </a:ext>
+            </a:extLst>
+          </p:cNvPr>
+          <p:cNvSpPr txBox="1"/>
+          <p:nvPr/>
+        </p:nvSpPr>
+        <p:spPr>
+          <a:xfrm>
+            <a:off x="5821726" y="5194012"/>
+            <a:ext cx="548548" cy="584775"/>
+          </a:xfrm>
+          <a:prstGeom prst="rect">
+            <a:avLst/>
+          </a:prstGeom>
+          <a:noFill/>
+        </p:spPr>
+        <p:txBody>
+          <a:bodyPr wrap="none" rtlCol="0">
+            <a:spAutoFit/>
+          </a:bodyPr>
+          <a:lstStyle/>
+          <a:p>
+            <a:r>
+              <a:rPr lang="en-US" sz="3200" dirty="0"/>
+              <a:t>3)</a:t>
+            </a:r>
+          </a:p>
+        </p:txBody>
+      </p:sp>
+    </p:spTree>
+    <p:extLst>
+      <p:ext uri="{BB962C8B-B14F-4D97-AF65-F5344CB8AC3E}">
+        <p14:creationId xmlns:p14="http://schemas.microsoft.com/office/powerpoint/2010/main" val="2504898654"/>
+      </p:ext>
+    </p:extLst>
+  </p:cSld>
+  <p:clrMapOvr>
+    <a:masterClrMapping/>
+  </p:clrMapOvr>
+</p:sld>
+</file>
+
+<file path=ppt/slides/slide15.xml><?xml version="1.0" encoding="utf-8"?>
+<p:sld xmlns:a="http://schemas.openxmlformats.org/drawingml/2006/main" xmlns:r="http://schemas.openxmlformats.org/officeDocument/2006/relationships" xmlns:p="http://schemas.openxmlformats.org/presentationml/2006/main">
+  <p:cSld>
+    <p:spTree>
+      <p:nvGrpSpPr>
+        <p:cNvPr id="1" name=""/>
+        <p:cNvGrpSpPr/>
+        <p:nvPr/>
+      </p:nvGrpSpPr>
+      <p:grpSpPr>
+        <a:xfrm>
+          <a:off x="0" y="0"/>
+          <a:ext cx="0" cy="0"/>
+          <a:chOff x="0" y="0"/>
+          <a:chExt cx="0" cy="0"/>
+        </a:xfrm>
+      </p:grpSpPr>
+      <p:sp>
+        <p:nvSpPr>
+          <p:cNvPr id="2" name="Title 1">
+            <a:extLst>
+              <a:ext uri="{FF2B5EF4-FFF2-40B4-BE49-F238E27FC236}">
+                <a16:creationId xmlns:a16="http://schemas.microsoft.com/office/drawing/2014/main" id="{DE17A520-151C-4384-94B4-7CE135D7D2B5}"/>
+              </a:ext>
+            </a:extLst>
+          </p:cNvPr>
+          <p:cNvSpPr>
+            <a:spLocks noGrp="1"/>
+          </p:cNvSpPr>
+          <p:nvPr>
+            <p:ph type="title"/>
+          </p:nvPr>
+        </p:nvSpPr>
+        <p:spPr/>
+        <p:txBody>
+          <a:bodyPr/>
+          <a:lstStyle/>
+          <a:p>
+            <a:r>
+              <a:rPr lang="en-US" dirty="0"/>
+              <a:t>Unimodal Confusion Matrices</a:t>
+            </a:r>
+          </a:p>
+        </p:txBody>
+      </p:sp>
+      <p:sp>
+        <p:nvSpPr>
+          <p:cNvPr id="5" name="Text Placeholder 4">
+            <a:extLst>
+              <a:ext uri="{FF2B5EF4-FFF2-40B4-BE49-F238E27FC236}">
+                <a16:creationId xmlns:a16="http://schemas.microsoft.com/office/drawing/2014/main" id="{DE28BFE3-9D52-4AF9-BDB2-A28079415C09}"/>
+              </a:ext>
+            </a:extLst>
+          </p:cNvPr>
+          <p:cNvSpPr>
+            <a:spLocks noGrp="1"/>
+          </p:cNvSpPr>
+          <p:nvPr>
+            <p:ph type="body" idx="1"/>
+          </p:nvPr>
+        </p:nvSpPr>
+        <p:spPr/>
+        <p:txBody>
+          <a:bodyPr>
+            <a:normAutofit/>
+          </a:bodyPr>
+          <a:lstStyle/>
+          <a:p>
+            <a:r>
+              <a:rPr lang="en-US" sz="1800" dirty="0"/>
+              <a:t>CNN Branch (Occurrence Weighted)</a:t>
+            </a:r>
+          </a:p>
+        </p:txBody>
+      </p:sp>
+      <p:pic>
+        <p:nvPicPr>
+          <p:cNvPr id="10" name="Content Placeholder 9" descr="Line chart&#10;&#10;Description automatically generated">
+            <a:extLst>
+              <a:ext uri="{FF2B5EF4-FFF2-40B4-BE49-F238E27FC236}">
+                <a16:creationId xmlns:a16="http://schemas.microsoft.com/office/drawing/2014/main" id="{08FD457B-D24D-496C-89BA-1FD4E0C7EF48}"/>
+              </a:ext>
+            </a:extLst>
+          </p:cNvPr>
+          <p:cNvPicPr>
+            <a:picLocks noGrp="1" noChangeAspect="1"/>
+          </p:cNvPicPr>
+          <p:nvPr>
+            <p:ph sz="half" idx="2"/>
+          </p:nvPr>
+        </p:nvPicPr>
+        <p:blipFill>
+          <a:blip r:embed="rId2"/>
+          <a:stretch>
+            <a:fillRect/>
+          </a:stretch>
+        </p:blipFill>
+        <p:spPr>
+          <a:xfrm>
+            <a:off x="1670050" y="2508250"/>
+            <a:ext cx="3663950" cy="3663950"/>
+          </a:xfrm>
+        </p:spPr>
+      </p:pic>
+      <p:sp>
+        <p:nvSpPr>
+          <p:cNvPr id="7" name="Text Placeholder 6">
+            <a:extLst>
+              <a:ext uri="{FF2B5EF4-FFF2-40B4-BE49-F238E27FC236}">
+                <a16:creationId xmlns:a16="http://schemas.microsoft.com/office/drawing/2014/main" id="{DA98244E-4BBB-4E24-97C2-3FD5DB3EB568}"/>
+              </a:ext>
+            </a:extLst>
+          </p:cNvPr>
+          <p:cNvSpPr>
+            <a:spLocks noGrp="1"/>
+          </p:cNvSpPr>
+          <p:nvPr>
+            <p:ph type="body" sz="quarter" idx="3"/>
+          </p:nvPr>
+        </p:nvSpPr>
+        <p:spPr/>
+        <p:txBody>
+          <a:bodyPr>
+            <a:normAutofit/>
+          </a:bodyPr>
+          <a:lstStyle/>
+          <a:p>
+            <a:r>
+              <a:rPr lang="en-US" sz="1800" dirty="0"/>
+              <a:t>MLP Branch (Occurrence Weighted)</a:t>
+            </a:r>
+          </a:p>
+        </p:txBody>
+      </p:sp>
+      <p:pic>
+        <p:nvPicPr>
+          <p:cNvPr id="12" name="Content Placeholder 11">
+            <a:extLst>
+              <a:ext uri="{FF2B5EF4-FFF2-40B4-BE49-F238E27FC236}">
+                <a16:creationId xmlns:a16="http://schemas.microsoft.com/office/drawing/2014/main" id="{0360A726-7C85-4CF1-B5BD-0570D31E709D}"/>
+              </a:ext>
+            </a:extLst>
+          </p:cNvPr>
+          <p:cNvPicPr>
+            <a:picLocks noGrp="1" noChangeAspect="1"/>
+          </p:cNvPicPr>
+          <p:nvPr>
+            <p:ph sz="quarter" idx="4"/>
+          </p:nvPr>
+        </p:nvPicPr>
+        <p:blipFill>
+          <a:blip r:embed="rId3"/>
+          <a:stretch>
+            <a:fillRect/>
+          </a:stretch>
+        </p:blipFill>
+        <p:spPr>
+          <a:xfrm>
+            <a:off x="6534944" y="2508250"/>
+            <a:ext cx="3663950" cy="3663950"/>
+          </a:xfrm>
+        </p:spPr>
+      </p:pic>
+    </p:spTree>
+    <p:extLst>
+      <p:ext uri="{BB962C8B-B14F-4D97-AF65-F5344CB8AC3E}">
+        <p14:creationId xmlns:p14="http://schemas.microsoft.com/office/powerpoint/2010/main" val="3667149940"/>
+      </p:ext>
+    </p:extLst>
+  </p:cSld>
+  <p:clrMapOvr>
+    <a:masterClrMapping/>
+  </p:clrMapOvr>
+</p:sld>
+</file>
+
+<file path=ppt/slides/slide16.xml><?xml version="1.0" encoding="utf-8"?>
+<p:sld xmlns:a="http://schemas.openxmlformats.org/drawingml/2006/main" xmlns:r="http://schemas.openxmlformats.org/officeDocument/2006/relationships" xmlns:p="http://schemas.openxmlformats.org/presentationml/2006/main">
+  <p:cSld>
+    <p:spTree>
+      <p:nvGrpSpPr>
+        <p:cNvPr id="1" name=""/>
+        <p:cNvGrpSpPr/>
+        <p:nvPr/>
+      </p:nvGrpSpPr>
+      <p:grpSpPr>
+        <a:xfrm>
+          <a:off x="0" y="0"/>
+          <a:ext cx="0" cy="0"/>
+          <a:chOff x="0" y="0"/>
+          <a:chExt cx="0" cy="0"/>
+        </a:xfrm>
+      </p:grpSpPr>
+      <p:sp>
+        <p:nvSpPr>
+          <p:cNvPr id="2" name="Title 1">
+            <a:extLst>
+              <a:ext uri="{FF2B5EF4-FFF2-40B4-BE49-F238E27FC236}">
+                <a16:creationId xmlns:a16="http://schemas.microsoft.com/office/drawing/2014/main" id="{511CAFC2-D4F0-4F83-B0D9-C8306FCE4DF8}"/>
+              </a:ext>
+            </a:extLst>
+          </p:cNvPr>
+          <p:cNvSpPr>
+            <a:spLocks noGrp="1"/>
+          </p:cNvSpPr>
+          <p:nvPr>
+            <p:ph type="title"/>
+          </p:nvPr>
+        </p:nvSpPr>
+        <p:spPr/>
+        <p:txBody>
+          <a:bodyPr/>
+          <a:lstStyle/>
+          <a:p>
+            <a:r>
+              <a:rPr lang="en-US" dirty="0"/>
+              <a:t>Multimodal Confusion Matrix</a:t>
+            </a:r>
+          </a:p>
+        </p:txBody>
+      </p:sp>
+      <p:sp>
+        <p:nvSpPr>
+          <p:cNvPr id="8" name="Text Placeholder 7">
+            <a:extLst>
+              <a:ext uri="{FF2B5EF4-FFF2-40B4-BE49-F238E27FC236}">
+                <a16:creationId xmlns:a16="http://schemas.microsoft.com/office/drawing/2014/main" id="{9A2CCDD3-5A99-4AF3-8B64-D9B96D556D2C}"/>
+              </a:ext>
+            </a:extLst>
+          </p:cNvPr>
+          <p:cNvSpPr>
+            <a:spLocks noGrp="1"/>
+          </p:cNvSpPr>
+          <p:nvPr>
+            <p:ph type="body" idx="1"/>
+          </p:nvPr>
+        </p:nvSpPr>
+        <p:spPr/>
+        <p:txBody>
+          <a:bodyPr>
+            <a:normAutofit/>
+          </a:bodyPr>
+          <a:lstStyle/>
+          <a:p>
+            <a:r>
+              <a:rPr lang="en-US" sz="1800" dirty="0"/>
+              <a:t>CNN + MLP (Occurrence Weighted)</a:t>
+            </a:r>
+          </a:p>
+        </p:txBody>
+      </p:sp>
+      <p:pic>
+        <p:nvPicPr>
+          <p:cNvPr id="13" name="Content Placeholder 12" descr="Line chart&#10;&#10;Description automatically generated">
+            <a:extLst>
+              <a:ext uri="{FF2B5EF4-FFF2-40B4-BE49-F238E27FC236}">
+                <a16:creationId xmlns:a16="http://schemas.microsoft.com/office/drawing/2014/main" id="{7150F80E-2EB5-4B1B-B824-45FACB6E4E26}"/>
+              </a:ext>
+            </a:extLst>
+          </p:cNvPr>
+          <p:cNvPicPr>
+            <a:picLocks noGrp="1" noChangeAspect="1"/>
+          </p:cNvPicPr>
+          <p:nvPr>
+            <p:ph sz="half" idx="2"/>
+          </p:nvPr>
+        </p:nvPicPr>
+        <p:blipFill>
+          <a:blip r:embed="rId2"/>
+          <a:stretch>
+            <a:fillRect/>
+          </a:stretch>
+        </p:blipFill>
+        <p:spPr>
+          <a:xfrm>
+            <a:off x="1670050" y="2508250"/>
+            <a:ext cx="3663950" cy="3663950"/>
+          </a:xfrm>
+        </p:spPr>
+      </p:pic>
+      <p:sp>
+        <p:nvSpPr>
+          <p:cNvPr id="10" name="Text Placeholder 9">
+            <a:extLst>
+              <a:ext uri="{FF2B5EF4-FFF2-40B4-BE49-F238E27FC236}">
+                <a16:creationId xmlns:a16="http://schemas.microsoft.com/office/drawing/2014/main" id="{4D350154-9FA7-4944-9678-CFF801240025}"/>
+              </a:ext>
+            </a:extLst>
+          </p:cNvPr>
+          <p:cNvSpPr>
+            <a:spLocks noGrp="1"/>
+          </p:cNvSpPr>
+          <p:nvPr>
+            <p:ph type="body" sz="quarter" idx="3"/>
+          </p:nvPr>
+        </p:nvSpPr>
+        <p:spPr/>
+        <p:txBody>
+          <a:bodyPr/>
+          <a:lstStyle/>
+          <a:p>
+            <a:endParaRPr lang="en-US"/>
+          </a:p>
+        </p:txBody>
+      </p:sp>
+      <p:sp>
+        <p:nvSpPr>
+          <p:cNvPr id="11" name="Content Placeholder 10">
+            <a:extLst>
+              <a:ext uri="{FF2B5EF4-FFF2-40B4-BE49-F238E27FC236}">
+                <a16:creationId xmlns:a16="http://schemas.microsoft.com/office/drawing/2014/main" id="{EC0F7658-B047-4111-ABCA-70818F4453CF}"/>
+              </a:ext>
+            </a:extLst>
+          </p:cNvPr>
+          <p:cNvSpPr>
+            <a:spLocks noGrp="1"/>
+          </p:cNvSpPr>
+          <p:nvPr>
+            <p:ph sz="quarter" idx="4"/>
+          </p:nvPr>
+        </p:nvSpPr>
+        <p:spPr/>
+        <p:txBody>
+          <a:bodyPr/>
+          <a:lstStyle/>
+          <a:p>
+            <a:endParaRPr lang="en-US" dirty="0"/>
+          </a:p>
+          <a:p>
+            <a:r>
+              <a:rPr lang="en-US" dirty="0"/>
+              <a:t>Multimodal models shows a stronger main diagonal</a:t>
+            </a:r>
+          </a:p>
+          <a:p>
+            <a:endParaRPr lang="en-US" dirty="0"/>
+          </a:p>
+          <a:p>
+            <a:r>
+              <a:rPr lang="en-US" dirty="0"/>
+              <a:t>Combines predictive power from both architectures</a:t>
+            </a:r>
+          </a:p>
+        </p:txBody>
+      </p:sp>
+    </p:spTree>
+    <p:extLst>
+      <p:ext uri="{BB962C8B-B14F-4D97-AF65-F5344CB8AC3E}">
+        <p14:creationId xmlns:p14="http://schemas.microsoft.com/office/powerpoint/2010/main" val="3855697380"/>
+      </p:ext>
+    </p:extLst>
+  </p:cSld>
+  <p:clrMapOvr>
+    <a:masterClrMapping/>
+  </p:clrMapOvr>
+</p:sld>
+</file>
+
+<file path=ppt/slides/slide17.xml><?xml version="1.0" encoding="utf-8"?>
+<p:sld xmlns:a="http://schemas.openxmlformats.org/drawingml/2006/main" xmlns:r="http://schemas.openxmlformats.org/officeDocument/2006/relationships" xmlns:p="http://schemas.openxmlformats.org/presentationml/2006/main">
+  <p:cSld>
+    <p:bg>
+      <p:bgPr>
+        <a:solidFill>
+          <a:schemeClr val="bg1"/>
+        </a:solidFill>
+        <a:effectLst/>
+      </p:bgPr>
+    </p:bg>
+    <p:spTree>
+      <p:nvGrpSpPr>
+        <p:cNvPr id="1" name=""/>
+        <p:cNvGrpSpPr/>
+        <p:nvPr/>
+      </p:nvGrpSpPr>
+      <p:grpSpPr>
+        <a:xfrm>
+          <a:off x="0" y="0"/>
+          <a:ext cx="0" cy="0"/>
+          <a:chOff x="0" y="0"/>
+          <a:chExt cx="0" cy="0"/>
+        </a:xfrm>
+      </p:grpSpPr>
+      <p:sp>
+        <p:nvSpPr>
           <p:cNvPr id="8" name="Rectangle 7">
             <a:extLst>
               <a:ext uri="{FF2B5EF4-FFF2-40B4-BE49-F238E27FC236}">
@@ -22161,7 +22702,7 @@
           <p:cNvPr id="2" name="Title 1">
             <a:extLst>
               <a:ext uri="{FF2B5EF4-FFF2-40B4-BE49-F238E27FC236}">
-                <a16:creationId xmlns:a16="http://schemas.microsoft.com/office/drawing/2014/main" id="{EB225AA8-4E24-44CE-BFC8-C2FFC57552F6}"/>
+                <a16:creationId xmlns:a16="http://schemas.microsoft.com/office/drawing/2014/main" id="{935AD441-4886-45F4-B900-8E010B834A67}"/>
               </a:ext>
             </a:extLst>
           </p:cNvPr>
@@ -22198,7 +22739,37 @@
                   <a:srgbClr val="FFFFFF"/>
                 </a:solidFill>
               </a:rPr>
-              <a:t>Multimodal Network</a:t>
+              <a:t>Discussions </a:t>
+            </a:r>
+            <a:br>
+              <a:rPr lang="en-US" sz="2800" dirty="0">
+                <a:solidFill>
+                  <a:srgbClr val="FFFFFF"/>
+                </a:solidFill>
+              </a:rPr>
+            </a:br>
+            <a:r>
+              <a:rPr lang="en-US" sz="2800" dirty="0">
+                <a:solidFill>
+                  <a:srgbClr val="FFFFFF"/>
+                </a:solidFill>
+              </a:rPr>
+              <a:t>and</a:t>
+            </a:r>
+            <a:br>
+              <a:rPr lang="en-US" sz="2800" dirty="0">
+                <a:solidFill>
+                  <a:srgbClr val="FFFFFF"/>
+                </a:solidFill>
+              </a:rPr>
+            </a:br>
+            <a:r>
+              <a:rPr lang="en-US" sz="2800" dirty="0">
+                <a:solidFill>
+                  <a:srgbClr val="FFFFFF"/>
+                </a:solidFill>
+              </a:rPr>
+              <a:t>Conclusions</a:t>
             </a:r>
           </a:p>
         </p:txBody>
@@ -22268,7 +22839,7 @@
           <p:cNvPr id="3" name="Content Placeholder 2">
             <a:extLst>
               <a:ext uri="{FF2B5EF4-FFF2-40B4-BE49-F238E27FC236}">
-                <a16:creationId xmlns:a16="http://schemas.microsoft.com/office/drawing/2014/main" id="{06C1F183-311D-43D9-9CE4-55ADF3FC3984}"/>
+                <a16:creationId xmlns:a16="http://schemas.microsoft.com/office/drawing/2014/main" id="{6C9BA348-46FA-491F-8999-1F1BDEC1F99B}"/>
               </a:ext>
             </a:extLst>
           </p:cNvPr>
@@ -22296,7 +22867,19 @@
           <a:p>
             <a:r>
               <a:rPr lang="en-US" sz="2400" dirty="0"/>
-              <a:t>Model built with two input modes</a:t>
+              <a:t>Hybrid architecture allows for single sample to be effectively convey with two different input modes</a:t>
+            </a:r>
+          </a:p>
+          <a:p>
+            <a:pPr marL="0" indent="0">
+              <a:buNone/>
+            </a:pPr>
+            <a:endParaRPr lang="en-US" sz="2400" dirty="0"/>
+          </a:p>
+          <a:p>
+            <a:r>
+              <a:rPr lang="en-US" sz="2400" dirty="0"/>
+              <a:t>The Multimodal Model Improves musical instrument classification performance</a:t>
             </a:r>
           </a:p>
           <a:p>
@@ -22305,24 +22888,33 @@
           <a:p>
             <a:r>
               <a:rPr lang="en-US" sz="2400" dirty="0"/>
-              <a:t>CNN branch accepts a 2D spectrogram images</a:t>
+              <a:t>We would like to deploy this model to classify unlabeled chaotic synthesizer waveforms</a:t>
             </a:r>
           </a:p>
           <a:p>
             <a:endParaRPr lang="en-US" sz="2400" dirty="0"/>
           </a:p>
           <a:p>
-            <a:r>
-              <a:rPr lang="en-US" sz="2400" dirty="0"/>
-              <a:t>MLP branch accepts a 1D vector of features</a:t>
-            </a:r>
+            <a:endParaRPr lang="en-US" sz="2400" dirty="0"/>
+          </a:p>
+          <a:p>
+            <a:endParaRPr lang="en-US" sz="2400" dirty="0"/>
+          </a:p>
+          <a:p>
+            <a:endParaRPr lang="en-US" sz="2400" dirty="0"/>
+          </a:p>
+          <a:p>
+            <a:endParaRPr lang="en-US" sz="2400" dirty="0"/>
+          </a:p>
+          <a:p>
+            <a:endParaRPr lang="en-US" sz="2400" dirty="0"/>
           </a:p>
         </p:txBody>
       </p:sp>
     </p:spTree>
     <p:extLst>
       <p:ext uri="{BB962C8B-B14F-4D97-AF65-F5344CB8AC3E}">
-        <p14:creationId xmlns:p14="http://schemas.microsoft.com/office/powerpoint/2010/main" val="399446819"/>
+        <p14:creationId xmlns:p14="http://schemas.microsoft.com/office/powerpoint/2010/main" val="3731567969"/>
       </p:ext>
     </p:extLst>
   </p:cSld>
@@ -22332,7 +22924,7 @@
 </p:sld>
 </file>
 
-<file path=ppt/slides/slide13.xml><?xml version="1.0" encoding="utf-8"?>
+<file path=ppt/slides/slide18.xml><?xml version="1.0" encoding="utf-8"?>
 <p:sld xmlns:a="http://schemas.openxmlformats.org/drawingml/2006/main" xmlns:r="http://schemas.openxmlformats.org/officeDocument/2006/relationships" xmlns:p="http://schemas.openxmlformats.org/presentationml/2006/main">
   <p:cSld>
     <p:spTree>
@@ -22351,10 +22943,10 @@
       </p:grpSpPr>
       <p:sp>
         <p:nvSpPr>
-          <p:cNvPr id="4" name="Title 3">
+          <p:cNvPr id="5" name="Title 4">
             <a:extLst>
               <a:ext uri="{FF2B5EF4-FFF2-40B4-BE49-F238E27FC236}">
-                <a16:creationId xmlns:a16="http://schemas.microsoft.com/office/drawing/2014/main" id="{CF310BE1-4D1E-4271-B889-E108B1BA753E}"/>
+                <a16:creationId xmlns:a16="http://schemas.microsoft.com/office/drawing/2014/main" id="{0EEBBF49-26D7-47E9-AF54-E39CE4585582}"/>
               </a:ext>
             </a:extLst>
           </p:cNvPr>
@@ -22372,46 +22964,107 @@
           <a:p>
             <a:r>
               <a:rPr lang="en-US" dirty="0"/>
-              <a:t>Hybrid Neural Network Architectures</a:t>
+              <a:t>Questions?</a:t>
             </a:r>
           </a:p>
         </p:txBody>
       </p:sp>
-      <p:pic>
-        <p:nvPicPr>
-          <p:cNvPr id="8" name="Content Placeholder 7" descr="Diagram, schematic&#10;&#10;Description automatically generated">
+      <p:sp>
+        <p:nvSpPr>
+          <p:cNvPr id="6" name="Content Placeholder 5">
             <a:extLst>
               <a:ext uri="{FF2B5EF4-FFF2-40B4-BE49-F238E27FC236}">
-                <a16:creationId xmlns:a16="http://schemas.microsoft.com/office/drawing/2014/main" id="{058D7FA1-DFFD-4686-9636-CA545AFC9FE8}"/>
+                <a16:creationId xmlns:a16="http://schemas.microsoft.com/office/drawing/2014/main" id="{E2365FB4-1E61-4007-AECA-332E5362AD59}"/>
               </a:ext>
             </a:extLst>
           </p:cNvPr>
-          <p:cNvPicPr>
-            <a:picLocks noGrp="1" noChangeAspect="1"/>
-          </p:cNvPicPr>
+          <p:cNvSpPr>
+            <a:spLocks noGrp="1"/>
+          </p:cNvSpPr>
           <p:nvPr>
             <p:ph idx="1"/>
           </p:nvPr>
-        </p:nvPicPr>
-        <p:blipFill>
-          <a:blip r:embed="rId2"/>
-          <a:stretch>
-            <a:fillRect/>
-          </a:stretch>
-        </p:blipFill>
-        <p:spPr>
-          <a:xfrm>
-            <a:off x="4959350" y="84417"/>
-            <a:ext cx="5206999" cy="6738469"/>
-          </a:xfrm>
-        </p:spPr>
-      </p:pic>
+        </p:nvSpPr>
+        <p:spPr/>
+        <p:txBody>
+          <a:bodyPr/>
+          <a:lstStyle/>
+          <a:p>
+            <a:endParaRPr lang="en-US" dirty="0"/>
+          </a:p>
+          <a:p>
+            <a:endParaRPr lang="en-US" dirty="0"/>
+          </a:p>
+          <a:p>
+            <a:r>
+              <a:rPr lang="en-US" dirty="0"/>
+              <a:t>Additional information + Formal Write-up is available</a:t>
+            </a:r>
+          </a:p>
+          <a:p>
+            <a:pPr lvl="1"/>
+            <a:r>
+              <a:rPr lang="en-US" dirty="0"/>
+              <a:t>Landon Buell – </a:t>
+            </a:r>
+            <a:r>
+              <a:rPr lang="en-US" dirty="0">
+                <a:hlinkClick r:id="rId2"/>
+              </a:rPr>
+              <a:t>lhb1007@wildcats.unh.edu</a:t>
+            </a:r>
+            <a:endParaRPr lang="en-US" dirty="0"/>
+          </a:p>
+          <a:p>
+            <a:pPr lvl="1"/>
+            <a:r>
+              <a:rPr lang="en-US" dirty="0"/>
+              <a:t>Kevin Short – </a:t>
+            </a:r>
+            <a:r>
+              <a:rPr lang="en-US" dirty="0">
+                <a:hlinkClick r:id="rId3"/>
+              </a:rPr>
+              <a:t>kevin.short@unh.edu</a:t>
+            </a:r>
+            <a:endParaRPr lang="en-US" dirty="0"/>
+          </a:p>
+          <a:p>
+            <a:pPr lvl="1"/>
+            <a:endParaRPr lang="en-US" dirty="0"/>
+          </a:p>
+          <a:p>
+            <a:pPr lvl="1"/>
+            <a:endParaRPr lang="en-US" dirty="0"/>
+          </a:p>
+          <a:p>
+            <a:r>
+              <a:rPr lang="en-US" dirty="0"/>
+              <a:t>Project GitHub Repository:</a:t>
+            </a:r>
+          </a:p>
+          <a:p>
+            <a:pPr marL="0" indent="0">
+              <a:buNone/>
+            </a:pPr>
+            <a:r>
+              <a:rPr lang="en-US" dirty="0"/>
+              <a:t>	</a:t>
+            </a:r>
+            <a:r>
+              <a:rPr lang="en-US" sz="1600" dirty="0"/>
+              <a:t>https://github.com/landonbuell/Buell-Senior-Thesis</a:t>
+            </a:r>
+            <a:endParaRPr lang="en-US" dirty="0"/>
+          </a:p>
+        </p:txBody>
+      </p:sp>
       <p:sp>
         <p:nvSpPr>
-          <p:cNvPr id="6" name="Text Placeholder 5">
+          <p:cNvPr id="7" name="Text Placeholder 6">
             <a:extLst>
               <a:ext uri="{FF2B5EF4-FFF2-40B4-BE49-F238E27FC236}">
-                <a16:creationId xmlns:a16="http://schemas.microsoft.com/office/drawing/2014/main" id="{1DD89A0C-A3BD-47BF-AEF8-6E09DA496755}"/>
+                <a16:creationId xmlns:a16="http://schemas.microsoft.com/office/drawing/2014/main" id="{3FFB7F27-E25B-47BC-9442-A767225660F6}"/>
               </a:ext>
             </a:extLst>
           </p:cNvPr>
@@ -22434,7 +23087,7 @@
     </p:spTree>
     <p:extLst>
       <p:ext uri="{BB962C8B-B14F-4D97-AF65-F5344CB8AC3E}">
-        <p14:creationId xmlns:p14="http://schemas.microsoft.com/office/powerpoint/2010/main" val="3400131651"/>
+        <p14:creationId xmlns:p14="http://schemas.microsoft.com/office/powerpoint/2010/main" val="3483675662"/>
       </p:ext>
     </p:extLst>
   </p:cSld>
@@ -22444,9 +23097,19 @@
 </p:sld>
 </file>
 
-<file path=ppt/slides/slide14.xml><?xml version="1.0" encoding="utf-8"?>
+<file path=ppt/slides/slide2.xml><?xml version="1.0" encoding="utf-8"?>
 <p:sld xmlns:a="http://schemas.openxmlformats.org/drawingml/2006/main" xmlns:r="http://schemas.openxmlformats.org/officeDocument/2006/relationships" xmlns:p="http://schemas.openxmlformats.org/presentationml/2006/main">
   <p:cSld>
+    <p:bg>
+      <p:bgPr>
+        <a:solidFill>
+          <a:schemeClr val="bg2">
+            <a:lumMod val="75000"/>
+          </a:schemeClr>
+        </a:solidFill>
+        <a:effectLst/>
+      </p:bgPr>
+    </p:bg>
     <p:spTree>
       <p:nvGrpSpPr>
         <p:cNvPr id="1" name=""/>
@@ -22463,195 +23126,59 @@
       </p:grpSpPr>
       <p:sp>
         <p:nvSpPr>
-          <p:cNvPr id="5" name="Title 4">
+          <p:cNvPr id="8" name="Rectangle 7">
             <a:extLst>
               <a:ext uri="{FF2B5EF4-FFF2-40B4-BE49-F238E27FC236}">
-                <a16:creationId xmlns:a16="http://schemas.microsoft.com/office/drawing/2014/main" id="{7057F8AA-2D91-4251-B514-0826D4D58113}"/>
+                <a16:creationId xmlns:a16="http://schemas.microsoft.com/office/drawing/2014/main" id="{A6F05DDE-5F2C-44F5-BACC-DED4737B11B8}"/>
+              </a:ext>
+              <a:ext uri="{C183D7F6-B498-43B3-948B-1728B52AA6E4}">
+                <adec:decorative xmlns:adec="http://schemas.microsoft.com/office/drawing/2017/decorative" val="1"/>
               </a:ext>
             </a:extLst>
           </p:cNvPr>
           <p:cNvSpPr>
-            <a:spLocks noGrp="1"/>
+            <a:spLocks noGrp="1" noRot="1" noChangeAspect="1" noMove="1" noResize="1" noEditPoints="1" noAdjustHandles="1" noChangeArrowheads="1" noChangeShapeType="1" noTextEdit="1"/>
           </p:cNvSpPr>
           <p:nvPr>
-            <p:ph type="title"/>
+            <p:extLst>
+              <p:ext uri="{386F3935-93C4-4BCD-93E2-E3B085C9AB24}">
+                <p16:designElem xmlns:p16="http://schemas.microsoft.com/office/powerpoint/2015/main" val="1"/>
+              </p:ext>
+            </p:extLst>
           </p:nvPr>
         </p:nvSpPr>
-        <p:spPr/>
-        <p:txBody>
-          <a:bodyPr/>
-          <a:lstStyle/>
-          <a:p>
-            <a:r>
-              <a:rPr lang="en-US" dirty="0"/>
-              <a:t>Performance of the Hybrid Model</a:t>
-            </a:r>
-          </a:p>
-        </p:txBody>
+        <p:spPr>
+          <a:xfrm>
+            <a:off x="0" y="0"/>
+            <a:ext cx="457200" cy="6858000"/>
+          </a:xfrm>
+          <a:prstGeom prst="rect">
+            <a:avLst/>
+          </a:prstGeom>
+          <a:solidFill>
+            <a:schemeClr val="accent1"/>
+          </a:solidFill>
+          <a:ln>
+            <a:noFill/>
+          </a:ln>
+        </p:spPr>
+        <p:style>
+          <a:lnRef idx="2">
+            <a:schemeClr val="accent1">
+              <a:shade val="50000"/>
+            </a:schemeClr>
+          </a:lnRef>
+          <a:fillRef idx="1">
+            <a:schemeClr val="accent1"/>
+          </a:fillRef>
+          <a:effectRef idx="0">
+            <a:schemeClr val="accent1"/>
+          </a:effectRef>
+          <a:fontRef idx="minor">
+            <a:schemeClr val="lt1"/>
+          </a:fontRef>
+        </p:style>
       </p:sp>
-      <p:sp>
-        <p:nvSpPr>
-          <p:cNvPr id="6" name="Text Placeholder 5">
-            <a:extLst>
-              <a:ext uri="{FF2B5EF4-FFF2-40B4-BE49-F238E27FC236}">
-                <a16:creationId xmlns:a16="http://schemas.microsoft.com/office/drawing/2014/main" id="{8FDB7243-7E2C-4032-9FC7-15A2787D55D1}"/>
-              </a:ext>
-            </a:extLst>
-          </p:cNvPr>
-          <p:cNvSpPr>
-            <a:spLocks noGrp="1"/>
-          </p:cNvSpPr>
-          <p:nvPr>
-            <p:ph type="body" idx="1"/>
-          </p:nvPr>
-        </p:nvSpPr>
-        <p:spPr/>
-        <p:txBody>
-          <a:bodyPr/>
-          <a:lstStyle/>
-          <a:p>
-            <a:endParaRPr lang="en-US"/>
-          </a:p>
-        </p:txBody>
-      </p:sp>
-    </p:spTree>
-    <p:extLst>
-      <p:ext uri="{BB962C8B-B14F-4D97-AF65-F5344CB8AC3E}">
-        <p14:creationId xmlns:p14="http://schemas.microsoft.com/office/powerpoint/2010/main" val="1293455538"/>
-      </p:ext>
-    </p:extLst>
-  </p:cSld>
-  <p:clrMapOvr>
-    <a:masterClrMapping/>
-  </p:clrMapOvr>
-</p:sld>
-</file>
-
-<file path=ppt/slides/slide15.xml><?xml version="1.0" encoding="utf-8"?>
-<p:sld xmlns:a="http://schemas.openxmlformats.org/drawingml/2006/main" xmlns:r="http://schemas.openxmlformats.org/officeDocument/2006/relationships" xmlns:p="http://schemas.openxmlformats.org/presentationml/2006/main">
-  <p:cSld>
-    <p:spTree>
-      <p:nvGrpSpPr>
-        <p:cNvPr id="1" name=""/>
-        <p:cNvGrpSpPr/>
-        <p:nvPr/>
-      </p:nvGrpSpPr>
-      <p:grpSpPr>
-        <a:xfrm>
-          <a:off x="0" y="0"/>
-          <a:ext cx="0" cy="0"/>
-          <a:chOff x="0" y="0"/>
-          <a:chExt cx="0" cy="0"/>
-        </a:xfrm>
-      </p:grpSpPr>
-      <p:sp>
-        <p:nvSpPr>
-          <p:cNvPr id="2" name="Title 1">
-            <a:extLst>
-              <a:ext uri="{FF2B5EF4-FFF2-40B4-BE49-F238E27FC236}">
-                <a16:creationId xmlns:a16="http://schemas.microsoft.com/office/drawing/2014/main" id="{DE17A520-151C-4384-94B4-7CE135D7D2B5}"/>
-              </a:ext>
-            </a:extLst>
-          </p:cNvPr>
-          <p:cNvSpPr>
-            <a:spLocks noGrp="1"/>
-          </p:cNvSpPr>
-          <p:nvPr>
-            <p:ph type="title"/>
-          </p:nvPr>
-        </p:nvSpPr>
-        <p:spPr/>
-        <p:txBody>
-          <a:bodyPr/>
-          <a:lstStyle/>
-          <a:p>
-            <a:r>
-              <a:rPr lang="en-US"/>
-              <a:t>Confusion Matrices</a:t>
-            </a:r>
-          </a:p>
-        </p:txBody>
-      </p:sp>
-      <p:sp>
-        <p:nvSpPr>
-          <p:cNvPr id="3" name="Content Placeholder 2">
-            <a:extLst>
-              <a:ext uri="{FF2B5EF4-FFF2-40B4-BE49-F238E27FC236}">
-                <a16:creationId xmlns:a16="http://schemas.microsoft.com/office/drawing/2014/main" id="{BC05EC3A-66DD-47C9-9E8C-A11584F45B8E}"/>
-              </a:ext>
-            </a:extLst>
-          </p:cNvPr>
-          <p:cNvSpPr>
-            <a:spLocks noGrp="1"/>
-          </p:cNvSpPr>
-          <p:nvPr>
-            <p:ph sz="half" idx="1"/>
-          </p:nvPr>
-        </p:nvSpPr>
-        <p:spPr/>
-        <p:txBody>
-          <a:bodyPr/>
-          <a:lstStyle/>
-          <a:p>
-            <a:endParaRPr lang="en-US"/>
-          </a:p>
-        </p:txBody>
-      </p:sp>
-      <p:sp>
-        <p:nvSpPr>
-          <p:cNvPr id="4" name="Content Placeholder 3">
-            <a:extLst>
-              <a:ext uri="{FF2B5EF4-FFF2-40B4-BE49-F238E27FC236}">
-                <a16:creationId xmlns:a16="http://schemas.microsoft.com/office/drawing/2014/main" id="{B1CD937D-7918-4CD0-A12D-148BDA01D45A}"/>
-              </a:ext>
-            </a:extLst>
-          </p:cNvPr>
-          <p:cNvSpPr>
-            <a:spLocks noGrp="1"/>
-          </p:cNvSpPr>
-          <p:nvPr>
-            <p:ph sz="half" idx="2"/>
-          </p:nvPr>
-        </p:nvSpPr>
-        <p:spPr/>
-        <p:txBody>
-          <a:bodyPr/>
-          <a:lstStyle/>
-          <a:p>
-            <a:endParaRPr lang="en-US"/>
-          </a:p>
-        </p:txBody>
-      </p:sp>
-    </p:spTree>
-    <p:extLst>
-      <p:ext uri="{BB962C8B-B14F-4D97-AF65-F5344CB8AC3E}">
-        <p14:creationId xmlns:p14="http://schemas.microsoft.com/office/powerpoint/2010/main" val="3667149940"/>
-      </p:ext>
-    </p:extLst>
-  </p:cSld>
-  <p:clrMapOvr>
-    <a:masterClrMapping/>
-  </p:clrMapOvr>
-</p:sld>
-</file>
-
-<file path=ppt/slides/slide2.xml><?xml version="1.0" encoding="utf-8"?>
-<p:sld xmlns:a="http://schemas.openxmlformats.org/drawingml/2006/main" xmlns:r="http://schemas.openxmlformats.org/officeDocument/2006/relationships" xmlns:p="http://schemas.openxmlformats.org/presentationml/2006/main">
-  <p:cSld>
-    <p:spTree>
-      <p:nvGrpSpPr>
-        <p:cNvPr id="1" name=""/>
-        <p:cNvGrpSpPr/>
-        <p:nvPr/>
-      </p:nvGrpSpPr>
-      <p:grpSpPr>
-        <a:xfrm>
-          <a:off x="0" y="0"/>
-          <a:ext cx="0" cy="0"/>
-          <a:chOff x="0" y="0"/>
-          <a:chExt cx="0" cy="0"/>
-        </a:xfrm>
-      </p:grpSpPr>
       <p:sp>
         <p:nvSpPr>
           <p:cNvPr id="2" name="Title 1">
@@ -22668,9 +23195,16 @@
             <p:ph type="title"/>
           </p:nvPr>
         </p:nvSpPr>
-        <p:spPr/>
+        <p:spPr>
+          <a:xfrm>
+            <a:off x="4651947" y="758952"/>
+            <a:ext cx="6323519" cy="4041648"/>
+          </a:xfrm>
+        </p:spPr>
         <p:txBody>
-          <a:bodyPr/>
+          <a:bodyPr vert="horz" lIns="91440" tIns="45720" rIns="91440" bIns="45720" rtlCol="0" anchor="b">
+            <a:normAutofit/>
+          </a:bodyPr>
           <a:lstStyle/>
           <a:p>
             <a:r>
@@ -22696,14 +23230,148 @@
             <p:ph type="body" idx="1"/>
           </p:nvPr>
         </p:nvSpPr>
-        <p:spPr/>
+        <p:spPr>
+          <a:xfrm>
+            <a:off x="4651947" y="4800600"/>
+            <a:ext cx="6323520" cy="1691640"/>
+          </a:xfrm>
+        </p:spPr>
         <p:txBody>
-          <a:bodyPr/>
+          <a:bodyPr vert="horz" lIns="91440" tIns="45720" rIns="91440" bIns="45720" rtlCol="0">
+            <a:normAutofit/>
+          </a:bodyPr>
           <a:lstStyle/>
           <a:p>
+            <a:endParaRPr lang="en-US">
+              <a:solidFill>
+                <a:schemeClr val="tx1">
+                  <a:lumMod val="75000"/>
+                </a:schemeClr>
+              </a:solidFill>
+            </a:endParaRPr>
+          </a:p>
+        </p:txBody>
+      </p:sp>
+      <p:sp>
+        <p:nvSpPr>
+          <p:cNvPr id="10" name="Rectangle 9">
+            <a:extLst>
+              <a:ext uri="{FF2B5EF4-FFF2-40B4-BE49-F238E27FC236}">
+                <a16:creationId xmlns:a16="http://schemas.microsoft.com/office/drawing/2014/main" id="{A0F80B31-D942-4321-A7CC-3FF24C30A9FC}"/>
+              </a:ext>
+              <a:ext uri="{C183D7F6-B498-43B3-948B-1728B52AA6E4}">
+                <adec:decorative xmlns:adec="http://schemas.microsoft.com/office/drawing/2017/decorative" val="1"/>
+              </a:ext>
+            </a:extLst>
+          </p:cNvPr>
+          <p:cNvSpPr>
+            <a:spLocks noGrp="1" noRot="1" noChangeAspect="1" noMove="1" noResize="1" noEditPoints="1" noAdjustHandles="1" noChangeArrowheads="1" noChangeShapeType="1" noTextEdit="1"/>
+          </p:cNvSpPr>
+          <p:nvPr>
+            <p:extLst>
+              <p:ext uri="{386F3935-93C4-4BCD-93E2-E3B085C9AB24}">
+                <p16:designElem xmlns:p16="http://schemas.microsoft.com/office/powerpoint/2015/main" val="1"/>
+              </p:ext>
+            </p:extLst>
+          </p:nvPr>
+        </p:nvSpPr>
+        <p:spPr>
+          <a:xfrm>
+            <a:off x="0" y="0"/>
+            <a:ext cx="3568372" cy="6858000"/>
+          </a:xfrm>
+          <a:prstGeom prst="rect">
+            <a:avLst/>
+          </a:prstGeom>
+          <a:solidFill>
+            <a:schemeClr val="accent1"/>
+          </a:solidFill>
+          <a:ln>
+            <a:noFill/>
+          </a:ln>
+        </p:spPr>
+        <p:style>
+          <a:lnRef idx="2">
+            <a:schemeClr val="accent1">
+              <a:shade val="50000"/>
+            </a:schemeClr>
+          </a:lnRef>
+          <a:fillRef idx="1">
+            <a:schemeClr val="accent1"/>
+          </a:fillRef>
+          <a:effectRef idx="0">
+            <a:schemeClr val="accent1"/>
+          </a:effectRef>
+          <a:fontRef idx="minor">
+            <a:schemeClr val="lt1"/>
+          </a:fontRef>
+        </p:style>
+        <p:txBody>
+          <a:bodyPr rtlCol="0" anchor="ctr"/>
+          <a:lstStyle/>
+          <a:p>
+            <a:pPr algn="ctr"/>
             <a:endParaRPr lang="en-US"/>
           </a:p>
         </p:txBody>
+      </p:sp>
+      <p:sp>
+        <p:nvSpPr>
+          <p:cNvPr id="12" name="Rectangle 11">
+            <a:extLst>
+              <a:ext uri="{FF2B5EF4-FFF2-40B4-BE49-F238E27FC236}">
+                <a16:creationId xmlns:a16="http://schemas.microsoft.com/office/drawing/2014/main" id="{27DE213B-0A4F-4E9E-9153-8B0C2D0469BE}"/>
+              </a:ext>
+              <a:ext uri="{C183D7F6-B498-43B3-948B-1728B52AA6E4}">
+                <adec:decorative xmlns:adec="http://schemas.microsoft.com/office/drawing/2017/decorative" val="1"/>
+              </a:ext>
+            </a:extLst>
+          </p:cNvPr>
+          <p:cNvSpPr>
+            <a:spLocks noGrp="1" noRot="1" noChangeAspect="1" noMove="1" noResize="1" noEditPoints="1" noAdjustHandles="1" noChangeArrowheads="1" noChangeShapeType="1" noTextEdit="1"/>
+          </p:cNvSpPr>
+          <p:nvPr>
+            <p:extLst>
+              <p:ext uri="{386F3935-93C4-4BCD-93E2-E3B085C9AB24}">
+                <p16:designElem xmlns:p16="http://schemas.microsoft.com/office/powerpoint/2015/main" val="1"/>
+              </p:ext>
+            </p:extLst>
+          </p:nvPr>
+        </p:nvSpPr>
+        <p:spPr>
+          <a:xfrm>
+            <a:off x="3569969" y="0"/>
+            <a:ext cx="457200" cy="6858000"/>
+          </a:xfrm>
+          <a:prstGeom prst="rect">
+            <a:avLst/>
+          </a:prstGeom>
+          <a:solidFill>
+            <a:schemeClr val="accent1">
+              <a:lumMod val="75000"/>
+              <a:alpha val="60000"/>
+            </a:schemeClr>
+          </a:solidFill>
+          <a:ln>
+            <a:noFill/>
+          </a:ln>
+        </p:spPr>
+        <p:style>
+          <a:lnRef idx="2">
+            <a:schemeClr val="accent1">
+              <a:shade val="50000"/>
+            </a:schemeClr>
+          </a:lnRef>
+          <a:fillRef idx="1">
+            <a:schemeClr val="accent1"/>
+          </a:fillRef>
+          <a:effectRef idx="0">
+            <a:schemeClr val="accent1"/>
+          </a:effectRef>
+          <a:fontRef idx="minor">
+            <a:schemeClr val="lt1"/>
+          </a:fontRef>
+        </p:style>
       </p:sp>
     </p:spTree>
     <p:extLst>
@@ -22810,6 +23478,16 @@
 <file path=ppt/slides/slide4.xml><?xml version="1.0" encoding="utf-8"?>
 <p:sld xmlns:a="http://schemas.openxmlformats.org/drawingml/2006/main" xmlns:r="http://schemas.openxmlformats.org/officeDocument/2006/relationships" xmlns:p="http://schemas.openxmlformats.org/presentationml/2006/main">
   <p:cSld>
+    <p:bg>
+      <p:bgPr>
+        <a:solidFill>
+          <a:schemeClr val="bg2">
+            <a:lumMod val="75000"/>
+          </a:schemeClr>
+        </a:solidFill>
+        <a:effectLst/>
+      </p:bgPr>
+    </p:bg>
     <p:spTree>
       <p:nvGrpSpPr>
         <p:cNvPr id="1" name=""/>
@@ -22826,6 +23504,61 @@
       </p:grpSpPr>
       <p:sp>
         <p:nvSpPr>
+          <p:cNvPr id="8" name="Rectangle 7">
+            <a:extLst>
+              <a:ext uri="{FF2B5EF4-FFF2-40B4-BE49-F238E27FC236}">
+                <a16:creationId xmlns:a16="http://schemas.microsoft.com/office/drawing/2014/main" id="{A6F05DDE-5F2C-44F5-BACC-DED4737B11B8}"/>
+              </a:ext>
+              <a:ext uri="{C183D7F6-B498-43B3-948B-1728B52AA6E4}">
+                <adec:decorative xmlns:adec="http://schemas.microsoft.com/office/drawing/2017/decorative" val="1"/>
+              </a:ext>
+            </a:extLst>
+          </p:cNvPr>
+          <p:cNvSpPr>
+            <a:spLocks noGrp="1" noRot="1" noChangeAspect="1" noMove="1" noResize="1" noEditPoints="1" noAdjustHandles="1" noChangeArrowheads="1" noChangeShapeType="1" noTextEdit="1"/>
+          </p:cNvSpPr>
+          <p:nvPr>
+            <p:extLst>
+              <p:ext uri="{386F3935-93C4-4BCD-93E2-E3B085C9AB24}">
+                <p16:designElem xmlns:p16="http://schemas.microsoft.com/office/powerpoint/2015/main" val="1"/>
+              </p:ext>
+            </p:extLst>
+          </p:nvPr>
+        </p:nvSpPr>
+        <p:spPr>
+          <a:xfrm>
+            <a:off x="0" y="0"/>
+            <a:ext cx="457200" cy="6858000"/>
+          </a:xfrm>
+          <a:prstGeom prst="rect">
+            <a:avLst/>
+          </a:prstGeom>
+          <a:solidFill>
+            <a:schemeClr val="accent1"/>
+          </a:solidFill>
+          <a:ln>
+            <a:noFill/>
+          </a:ln>
+        </p:spPr>
+        <p:style>
+          <a:lnRef idx="2">
+            <a:schemeClr val="accent1">
+              <a:shade val="50000"/>
+            </a:schemeClr>
+          </a:lnRef>
+          <a:fillRef idx="1">
+            <a:schemeClr val="accent1"/>
+          </a:fillRef>
+          <a:effectRef idx="0">
+            <a:schemeClr val="accent1"/>
+          </a:effectRef>
+          <a:fontRef idx="minor">
+            <a:schemeClr val="lt1"/>
+          </a:fontRef>
+        </p:style>
+      </p:sp>
+      <p:sp>
+        <p:nvSpPr>
           <p:cNvPr id="2" name="Title 1">
             <a:extLst>
               <a:ext uri="{FF2B5EF4-FFF2-40B4-BE49-F238E27FC236}">
@@ -22840,28 +23573,31 @@
             <p:ph type="title"/>
           </p:nvPr>
         </p:nvSpPr>
-        <p:spPr/>
+        <p:spPr>
+          <a:xfrm>
+            <a:off x="2055822" y="745182"/>
+            <a:ext cx="9026153" cy="3386433"/>
+          </a:xfrm>
+        </p:spPr>
         <p:txBody>
-          <a:bodyPr>
-            <a:noAutofit/>
+          <a:bodyPr vert="horz" lIns="91440" tIns="45720" rIns="91440" bIns="45720" rtlCol="0" anchor="b">
+            <a:normAutofit/>
           </a:bodyPr>
           <a:lstStyle/>
           <a:p>
-            <a:pPr marL="0" indent="0">
-              <a:buNone/>
-            </a:pPr>
+            <a:pPr marL="0" indent="0"/>
             <a:br>
-              <a:rPr lang="en-US" sz="4000" dirty="0"/>
+              <a:rPr lang="en-US" sz="3300"/>
             </a:br>
             <a:r>
-              <a:rPr lang="en-US" sz="3600" dirty="0"/>
+              <a:rPr lang="en-US" sz="3300"/>
               <a:t>“Birds inspired us to fly, burdock plants inspired Velcro and nature has inspired many other inventions. It seems only logical then, to look to the brain’s architecture for inspiration on how to build an intelligent machine.”</a:t>
             </a:r>
             <a:br>
-              <a:rPr lang="en-US" sz="2000" dirty="0"/>
+              <a:rPr lang="en-US" sz="3300"/>
             </a:br>
             <a:r>
-              <a:rPr lang="en-US" sz="2000" dirty="0"/>
+              <a:rPr lang="en-US" sz="3300"/>
               <a:t>	</a:t>
             </a:r>
           </a:p>
@@ -22883,46 +23619,111 @@
             <p:ph type="body" idx="1"/>
           </p:nvPr>
         </p:nvSpPr>
-        <p:spPr/>
+        <p:spPr>
+          <a:xfrm>
+            <a:off x="2055822" y="4232516"/>
+            <a:ext cx="9026153" cy="2079472"/>
+          </a:xfrm>
+          <a:noFill/>
+        </p:spPr>
         <p:txBody>
-          <a:bodyPr>
+          <a:bodyPr vert="horz" lIns="91440" tIns="45720" rIns="91440" bIns="45720" rtlCol="0" anchor="t">
             <a:normAutofit/>
           </a:bodyPr>
           <a:lstStyle/>
           <a:p>
-            <a:pPr marL="0" indent="0">
-              <a:buNone/>
-            </a:pPr>
-            <a:endParaRPr lang="en-US" dirty="0"/>
+            <a:endParaRPr lang="en-US" sz="3000">
+              <a:solidFill>
+                <a:schemeClr val="tx2"/>
+              </a:solidFill>
+            </a:endParaRPr>
           </a:p>
           <a:p>
-            <a:pPr marL="0" indent="0">
-              <a:buNone/>
-            </a:pPr>
             <a:r>
-              <a:rPr lang="en-US" sz="2400" dirty="0"/>
-              <a:t>- </a:t>
-            </a:r>
-            <a:r>
-              <a:rPr lang="en-US" sz="2400" dirty="0" err="1"/>
-              <a:t>Aurelion</a:t>
-            </a:r>
-            <a:r>
-              <a:rPr lang="en-US" sz="2400" dirty="0"/>
-              <a:t> </a:t>
-            </a:r>
-            <a:r>
-              <a:rPr lang="en-US" sz="2400" dirty="0" err="1"/>
-              <a:t>Geron</a:t>
-            </a:r>
-            <a:r>
-              <a:rPr lang="en-US" sz="2400" dirty="0"/>
-              <a:t>, Former YouTube Video Classification lead</a:t>
+              <a:rPr lang="en-US" sz="3000">
+                <a:solidFill>
+                  <a:schemeClr val="tx2"/>
+                </a:solidFill>
+              </a:rPr>
+              <a:t>- Aurelion Geron, Former YouTube Video Classification lead</a:t>
             </a:r>
             <a:br>
-              <a:rPr lang="en-US" sz="2400" dirty="0"/>
+              <a:rPr lang="en-US" sz="3000">
+                <a:solidFill>
+                  <a:schemeClr val="tx2"/>
+                </a:solidFill>
+              </a:rPr>
             </a:br>
-            <a:endParaRPr lang="en-US" dirty="0"/>
+            <a:endParaRPr lang="en-US" sz="3000">
+              <a:solidFill>
+                <a:schemeClr val="tx2"/>
+              </a:solidFill>
+            </a:endParaRPr>
+          </a:p>
+        </p:txBody>
+      </p:sp>
+      <p:sp>
+        <p:nvSpPr>
+          <p:cNvPr id="10" name="Rectangle 9">
+            <a:extLst>
+              <a:ext uri="{FF2B5EF4-FFF2-40B4-BE49-F238E27FC236}">
+                <a16:creationId xmlns:a16="http://schemas.microsoft.com/office/drawing/2014/main" id="{B734FEF0-069B-48C5-BACF-9716F0301236}"/>
+              </a:ext>
+              <a:ext uri="{C183D7F6-B498-43B3-948B-1728B52AA6E4}">
+                <adec:decorative xmlns:adec="http://schemas.microsoft.com/office/drawing/2017/decorative" val="1"/>
+              </a:ext>
+            </a:extLst>
+          </p:cNvPr>
+          <p:cNvSpPr>
+            <a:spLocks noGrp="1" noRot="1" noChangeAspect="1" noMove="1" noResize="1" noEditPoints="1" noAdjustHandles="1" noChangeArrowheads="1" noChangeShapeType="1" noTextEdit="1"/>
+          </p:cNvSpPr>
+          <p:nvPr>
+            <p:extLst>
+              <p:ext uri="{386F3935-93C4-4BCD-93E2-E3B085C9AB24}">
+                <p16:designElem xmlns:p16="http://schemas.microsoft.com/office/powerpoint/2015/main" val="1"/>
+              </p:ext>
+            </p:extLst>
+          </p:nvPr>
+        </p:nvSpPr>
+        <p:spPr>
+          <a:xfrm>
+            <a:off x="-1" y="-2811"/>
+            <a:ext cx="1286934" cy="6858000"/>
+          </a:xfrm>
+          <a:prstGeom prst="rect">
+            <a:avLst/>
+          </a:prstGeom>
+          <a:solidFill>
+            <a:schemeClr val="accent2">
+              <a:lumMod val="75000"/>
+            </a:schemeClr>
+          </a:solidFill>
+          <a:ln>
+            <a:noFill/>
+          </a:ln>
+        </p:spPr>
+        <p:style>
+          <a:lnRef idx="2">
+            <a:schemeClr val="accent1">
+              <a:shade val="50000"/>
+            </a:schemeClr>
+          </a:lnRef>
+          <a:fillRef idx="1">
+            <a:schemeClr val="accent1"/>
+          </a:fillRef>
+          <a:effectRef idx="0">
+            <a:schemeClr val="accent1"/>
+          </a:effectRef>
+          <a:fontRef idx="minor">
+            <a:schemeClr val="lt1"/>
+          </a:fontRef>
+        </p:style>
+        <p:txBody>
+          <a:bodyPr rtlCol="0" anchor="ctr"/>
+          <a:lstStyle/>
+          <a:p>
+            <a:pPr algn="ctr"/>
+            <a:endParaRPr lang="en-US"/>
           </a:p>
         </p:txBody>
       </p:sp>
@@ -22942,6 +23743,16 @@
 <file path=ppt/slides/slide5.xml><?xml version="1.0" encoding="utf-8"?>
 <p:sld xmlns:a="http://schemas.openxmlformats.org/drawingml/2006/main" xmlns:r="http://schemas.openxmlformats.org/officeDocument/2006/relationships" xmlns:p="http://schemas.openxmlformats.org/presentationml/2006/main">
   <p:cSld>
+    <p:bg>
+      <p:bgPr>
+        <a:solidFill>
+          <a:schemeClr val="bg2">
+            <a:lumMod val="75000"/>
+          </a:schemeClr>
+        </a:solidFill>
+        <a:effectLst/>
+      </p:bgPr>
+    </p:bg>
     <p:spTree>
       <p:nvGrpSpPr>
         <p:cNvPr id="1" name=""/>
@@ -22958,6 +23769,61 @@
       </p:grpSpPr>
       <p:sp>
         <p:nvSpPr>
+          <p:cNvPr id="8" name="Rectangle 7">
+            <a:extLst>
+              <a:ext uri="{FF2B5EF4-FFF2-40B4-BE49-F238E27FC236}">
+                <a16:creationId xmlns:a16="http://schemas.microsoft.com/office/drawing/2014/main" id="{A6F05DDE-5F2C-44F5-BACC-DED4737B11B8}"/>
+              </a:ext>
+              <a:ext uri="{C183D7F6-B498-43B3-948B-1728B52AA6E4}">
+                <adec:decorative xmlns:adec="http://schemas.microsoft.com/office/drawing/2017/decorative" val="1"/>
+              </a:ext>
+            </a:extLst>
+          </p:cNvPr>
+          <p:cNvSpPr>
+            <a:spLocks noGrp="1" noRot="1" noChangeAspect="1" noMove="1" noResize="1" noEditPoints="1" noAdjustHandles="1" noChangeArrowheads="1" noChangeShapeType="1" noTextEdit="1"/>
+          </p:cNvSpPr>
+          <p:nvPr>
+            <p:extLst>
+              <p:ext uri="{386F3935-93C4-4BCD-93E2-E3B085C9AB24}">
+                <p16:designElem xmlns:p16="http://schemas.microsoft.com/office/powerpoint/2015/main" val="1"/>
+              </p:ext>
+            </p:extLst>
+          </p:nvPr>
+        </p:nvSpPr>
+        <p:spPr>
+          <a:xfrm>
+            <a:off x="0" y="0"/>
+            <a:ext cx="457200" cy="6858000"/>
+          </a:xfrm>
+          <a:prstGeom prst="rect">
+            <a:avLst/>
+          </a:prstGeom>
+          <a:solidFill>
+            <a:schemeClr val="accent1"/>
+          </a:solidFill>
+          <a:ln>
+            <a:noFill/>
+          </a:ln>
+        </p:spPr>
+        <p:style>
+          <a:lnRef idx="2">
+            <a:schemeClr val="accent1">
+              <a:shade val="50000"/>
+            </a:schemeClr>
+          </a:lnRef>
+          <a:fillRef idx="1">
+            <a:schemeClr val="accent1"/>
+          </a:fillRef>
+          <a:effectRef idx="0">
+            <a:schemeClr val="accent1"/>
+          </a:effectRef>
+          <a:fontRef idx="minor">
+            <a:schemeClr val="lt1"/>
+          </a:fontRef>
+        </p:style>
+      </p:sp>
+      <p:sp>
+        <p:nvSpPr>
           <p:cNvPr id="2" name="Title 1">
             <a:extLst>
               <a:ext uri="{FF2B5EF4-FFF2-40B4-BE49-F238E27FC236}">
@@ -22972,9 +23838,16 @@
             <p:ph type="title"/>
           </p:nvPr>
         </p:nvSpPr>
-        <p:spPr/>
+        <p:spPr>
+          <a:xfrm>
+            <a:off x="4651947" y="758952"/>
+            <a:ext cx="6323519" cy="4041648"/>
+          </a:xfrm>
+        </p:spPr>
         <p:txBody>
-          <a:bodyPr/>
+          <a:bodyPr vert="horz" lIns="91440" tIns="45720" rIns="91440" bIns="45720" rtlCol="0" anchor="b">
+            <a:normAutofit/>
+          </a:bodyPr>
           <a:lstStyle/>
           <a:p>
             <a:r>
@@ -22982,7 +23855,7 @@
               <a:t>The </a:t>
             </a:r>
             <a:r>
-              <a:rPr lang="en-US" dirty="0" err="1"/>
+              <a:rPr lang="en-US"/>
               <a:t>Nerual</a:t>
             </a:r>
             <a:r>
@@ -23008,14 +23881,148 @@
             <p:ph type="body" idx="1"/>
           </p:nvPr>
         </p:nvSpPr>
-        <p:spPr/>
+        <p:spPr>
+          <a:xfrm>
+            <a:off x="4651947" y="4800600"/>
+            <a:ext cx="6323520" cy="1691640"/>
+          </a:xfrm>
+        </p:spPr>
         <p:txBody>
-          <a:bodyPr/>
+          <a:bodyPr vert="horz" lIns="91440" tIns="45720" rIns="91440" bIns="45720" rtlCol="0">
+            <a:normAutofit/>
+          </a:bodyPr>
           <a:lstStyle/>
           <a:p>
+            <a:endParaRPr lang="en-US">
+              <a:solidFill>
+                <a:schemeClr val="tx1">
+                  <a:lumMod val="75000"/>
+                </a:schemeClr>
+              </a:solidFill>
+            </a:endParaRPr>
+          </a:p>
+        </p:txBody>
+      </p:sp>
+      <p:sp>
+        <p:nvSpPr>
+          <p:cNvPr id="10" name="Rectangle 9">
+            <a:extLst>
+              <a:ext uri="{FF2B5EF4-FFF2-40B4-BE49-F238E27FC236}">
+                <a16:creationId xmlns:a16="http://schemas.microsoft.com/office/drawing/2014/main" id="{A0F80B31-D942-4321-A7CC-3FF24C30A9FC}"/>
+              </a:ext>
+              <a:ext uri="{C183D7F6-B498-43B3-948B-1728B52AA6E4}">
+                <adec:decorative xmlns:adec="http://schemas.microsoft.com/office/drawing/2017/decorative" val="1"/>
+              </a:ext>
+            </a:extLst>
+          </p:cNvPr>
+          <p:cNvSpPr>
+            <a:spLocks noGrp="1" noRot="1" noChangeAspect="1" noMove="1" noResize="1" noEditPoints="1" noAdjustHandles="1" noChangeArrowheads="1" noChangeShapeType="1" noTextEdit="1"/>
+          </p:cNvSpPr>
+          <p:nvPr>
+            <p:extLst>
+              <p:ext uri="{386F3935-93C4-4BCD-93E2-E3B085C9AB24}">
+                <p16:designElem xmlns:p16="http://schemas.microsoft.com/office/powerpoint/2015/main" val="1"/>
+              </p:ext>
+            </p:extLst>
+          </p:nvPr>
+        </p:nvSpPr>
+        <p:spPr>
+          <a:xfrm>
+            <a:off x="0" y="0"/>
+            <a:ext cx="3568372" cy="6858000"/>
+          </a:xfrm>
+          <a:prstGeom prst="rect">
+            <a:avLst/>
+          </a:prstGeom>
+          <a:solidFill>
+            <a:schemeClr val="accent1"/>
+          </a:solidFill>
+          <a:ln>
+            <a:noFill/>
+          </a:ln>
+        </p:spPr>
+        <p:style>
+          <a:lnRef idx="2">
+            <a:schemeClr val="accent1">
+              <a:shade val="50000"/>
+            </a:schemeClr>
+          </a:lnRef>
+          <a:fillRef idx="1">
+            <a:schemeClr val="accent1"/>
+          </a:fillRef>
+          <a:effectRef idx="0">
+            <a:schemeClr val="accent1"/>
+          </a:effectRef>
+          <a:fontRef idx="minor">
+            <a:schemeClr val="lt1"/>
+          </a:fontRef>
+        </p:style>
+        <p:txBody>
+          <a:bodyPr rtlCol="0" anchor="ctr"/>
+          <a:lstStyle/>
+          <a:p>
+            <a:pPr algn="ctr"/>
             <a:endParaRPr lang="en-US"/>
           </a:p>
         </p:txBody>
+      </p:sp>
+      <p:sp>
+        <p:nvSpPr>
+          <p:cNvPr id="12" name="Rectangle 11">
+            <a:extLst>
+              <a:ext uri="{FF2B5EF4-FFF2-40B4-BE49-F238E27FC236}">
+                <a16:creationId xmlns:a16="http://schemas.microsoft.com/office/drawing/2014/main" id="{27DE213B-0A4F-4E9E-9153-8B0C2D0469BE}"/>
+              </a:ext>
+              <a:ext uri="{C183D7F6-B498-43B3-948B-1728B52AA6E4}">
+                <adec:decorative xmlns:adec="http://schemas.microsoft.com/office/drawing/2017/decorative" val="1"/>
+              </a:ext>
+            </a:extLst>
+          </p:cNvPr>
+          <p:cNvSpPr>
+            <a:spLocks noGrp="1" noRot="1" noChangeAspect="1" noMove="1" noResize="1" noEditPoints="1" noAdjustHandles="1" noChangeArrowheads="1" noChangeShapeType="1" noTextEdit="1"/>
+          </p:cNvSpPr>
+          <p:nvPr>
+            <p:extLst>
+              <p:ext uri="{386F3935-93C4-4BCD-93E2-E3B085C9AB24}">
+                <p16:designElem xmlns:p16="http://schemas.microsoft.com/office/powerpoint/2015/main" val="1"/>
+              </p:ext>
+            </p:extLst>
+          </p:nvPr>
+        </p:nvSpPr>
+        <p:spPr>
+          <a:xfrm>
+            <a:off x="3569969" y="0"/>
+            <a:ext cx="457200" cy="6858000"/>
+          </a:xfrm>
+          <a:prstGeom prst="rect">
+            <a:avLst/>
+          </a:prstGeom>
+          <a:solidFill>
+            <a:schemeClr val="accent1">
+              <a:lumMod val="75000"/>
+              <a:alpha val="60000"/>
+            </a:schemeClr>
+          </a:solidFill>
+          <a:ln>
+            <a:noFill/>
+          </a:ln>
+        </p:spPr>
+        <p:style>
+          <a:lnRef idx="2">
+            <a:schemeClr val="accent1">
+              <a:shade val="50000"/>
+            </a:schemeClr>
+          </a:lnRef>
+          <a:fillRef idx="1">
+            <a:schemeClr val="accent1"/>
+          </a:fillRef>
+          <a:effectRef idx="0">
+            <a:schemeClr val="accent1"/>
+          </a:effectRef>
+          <a:fontRef idx="minor">
+            <a:schemeClr val="lt1"/>
+          </a:fontRef>
+        </p:style>
       </p:sp>
     </p:spTree>
     <p:extLst>
@@ -23033,6 +24040,14 @@
 <file path=ppt/slides/slide6.xml><?xml version="1.0" encoding="utf-8"?>
 <p:sld xmlns:a="http://schemas.openxmlformats.org/drawingml/2006/main" xmlns:r="http://schemas.openxmlformats.org/officeDocument/2006/relationships" xmlns:p="http://schemas.openxmlformats.org/presentationml/2006/main">
   <p:cSld>
+    <p:bg>
+      <p:bgPr>
+        <a:solidFill>
+          <a:schemeClr val="bg1"/>
+        </a:solidFill>
+        <a:effectLst/>
+      </p:bgPr>
+    </p:bg>
     <p:spTree>
       <p:nvGrpSpPr>
         <p:cNvPr id="1" name=""/>
@@ -23049,6 +24064,123 @@
       </p:grpSpPr>
       <p:sp>
         <p:nvSpPr>
+          <p:cNvPr id="14" name="Rectangle 10">
+            <a:extLst>
+              <a:ext uri="{FF2B5EF4-FFF2-40B4-BE49-F238E27FC236}">
+                <a16:creationId xmlns:a16="http://schemas.microsoft.com/office/drawing/2014/main" id="{C68C397E-C9BC-4DE8-986D-204E427AD949}"/>
+              </a:ext>
+              <a:ext uri="{C183D7F6-B498-43B3-948B-1728B52AA6E4}">
+                <adec:decorative xmlns:adec="http://schemas.microsoft.com/office/drawing/2017/decorative" val="1"/>
+              </a:ext>
+            </a:extLst>
+          </p:cNvPr>
+          <p:cNvSpPr>
+            <a:spLocks noGrp="1" noRot="1" noChangeAspect="1" noMove="1" noResize="1" noEditPoints="1" noAdjustHandles="1" noChangeArrowheads="1" noChangeShapeType="1" noTextEdit="1"/>
+          </p:cNvSpPr>
+          <p:nvPr>
+            <p:extLst>
+              <p:ext uri="{386F3935-93C4-4BCD-93E2-E3B085C9AB24}">
+                <p16:designElem xmlns:p16="http://schemas.microsoft.com/office/powerpoint/2015/main" val="1"/>
+              </p:ext>
+            </p:extLst>
+          </p:nvPr>
+        </p:nvSpPr>
+        <p:spPr>
+          <a:xfrm>
+            <a:off x="11292840" y="0"/>
+            <a:ext cx="914400" cy="6858000"/>
+          </a:xfrm>
+          <a:prstGeom prst="rect">
+            <a:avLst/>
+          </a:prstGeom>
+          <a:solidFill>
+            <a:schemeClr val="tx2">
+              <a:lumMod val="75000"/>
+            </a:schemeClr>
+          </a:solidFill>
+          <a:ln>
+            <a:noFill/>
+          </a:ln>
+        </p:spPr>
+        <p:style>
+          <a:lnRef idx="2">
+            <a:schemeClr val="accent1">
+              <a:shade val="50000"/>
+            </a:schemeClr>
+          </a:lnRef>
+          <a:fillRef idx="1">
+            <a:schemeClr val="accent1"/>
+          </a:fillRef>
+          <a:effectRef idx="0">
+            <a:schemeClr val="accent1"/>
+          </a:effectRef>
+          <a:fontRef idx="minor">
+            <a:schemeClr val="lt1"/>
+          </a:fontRef>
+        </p:style>
+      </p:sp>
+      <p:sp useBgFill="1">
+        <p:nvSpPr>
+          <p:cNvPr id="13" name="Rectangle 12">
+            <a:extLst>
+              <a:ext uri="{FF2B5EF4-FFF2-40B4-BE49-F238E27FC236}">
+                <a16:creationId xmlns:a16="http://schemas.microsoft.com/office/drawing/2014/main" id="{876248C8-0720-48AB-91BA-5F530BB41E5E}"/>
+              </a:ext>
+              <a:ext uri="{C183D7F6-B498-43B3-948B-1728B52AA6E4}">
+                <adec:decorative xmlns:adec="http://schemas.microsoft.com/office/drawing/2017/decorative" val="1"/>
+              </a:ext>
+            </a:extLst>
+          </p:cNvPr>
+          <p:cNvSpPr>
+            <a:spLocks noGrp="1" noRot="1" noChangeAspect="1" noMove="1" noResize="1" noEditPoints="1" noAdjustHandles="1" noChangeArrowheads="1" noChangeShapeType="1" noTextEdit="1"/>
+          </p:cNvSpPr>
+          <p:nvPr>
+            <p:extLst>
+              <p:ext uri="{386F3935-93C4-4BCD-93E2-E3B085C9AB24}">
+                <p16:designElem xmlns:p16="http://schemas.microsoft.com/office/powerpoint/2015/main" val="1"/>
+              </p:ext>
+            </p:extLst>
+          </p:nvPr>
+        </p:nvSpPr>
+        <p:spPr>
+          <a:xfrm>
+            <a:off x="-1" y="0"/>
+            <a:ext cx="12220924" cy="6858000"/>
+          </a:xfrm>
+          <a:prstGeom prst="rect">
+            <a:avLst/>
+          </a:prstGeom>
+          <a:ln>
+            <a:noFill/>
+          </a:ln>
+        </p:spPr>
+        <p:style>
+          <a:lnRef idx="2">
+            <a:schemeClr val="accent1">
+              <a:shade val="50000"/>
+            </a:schemeClr>
+          </a:lnRef>
+          <a:fillRef idx="1">
+            <a:schemeClr val="accent1"/>
+          </a:fillRef>
+          <a:effectRef idx="0">
+            <a:schemeClr val="accent1"/>
+          </a:effectRef>
+          <a:fontRef idx="minor">
+            <a:schemeClr val="lt1"/>
+          </a:fontRef>
+        </p:style>
+        <p:txBody>
+          <a:bodyPr rtlCol="0" anchor="ctr"/>
+          <a:lstStyle/>
+          <a:p>
+            <a:pPr algn="ctr"/>
+            <a:endParaRPr lang="en-US"/>
+          </a:p>
+        </p:txBody>
+      </p:sp>
+      <p:sp>
+        <p:nvSpPr>
           <p:cNvPr id="2" name="Title 1">
             <a:extLst>
               <a:ext uri="{FF2B5EF4-FFF2-40B4-BE49-F238E27FC236}">
@@ -23063,9 +24195,16 @@
             <p:ph type="title"/>
           </p:nvPr>
         </p:nvSpPr>
-        <p:spPr/>
+        <p:spPr>
+          <a:xfrm>
+            <a:off x="1261871" y="365760"/>
+            <a:ext cx="9858383" cy="1325562"/>
+          </a:xfrm>
+        </p:spPr>
         <p:txBody>
-          <a:bodyPr/>
+          <a:bodyPr vert="horz" lIns="91440" tIns="45720" rIns="91440" bIns="45720" rtlCol="0" anchor="b">
+            <a:normAutofit/>
+          </a:bodyPr>
           <a:lstStyle/>
           <a:p>
             <a:r>
@@ -23074,6 +24213,118 @@
             </a:r>
           </a:p>
         </p:txBody>
+      </p:sp>
+      <p:sp>
+        <p:nvSpPr>
+          <p:cNvPr id="15" name="Rectangle 14">
+            <a:extLst>
+              <a:ext uri="{FF2B5EF4-FFF2-40B4-BE49-F238E27FC236}">
+                <a16:creationId xmlns:a16="http://schemas.microsoft.com/office/drawing/2014/main" id="{523BEDA7-D0B8-4802-8168-92452653BC9F}"/>
+              </a:ext>
+              <a:ext uri="{C183D7F6-B498-43B3-948B-1728B52AA6E4}">
+                <adec:decorative xmlns:adec="http://schemas.microsoft.com/office/drawing/2017/decorative" val="1"/>
+              </a:ext>
+            </a:extLst>
+          </p:cNvPr>
+          <p:cNvSpPr>
+            <a:spLocks noGrp="1" noRot="1" noChangeAspect="1" noMove="1" noResize="1" noEditPoints="1" noAdjustHandles="1" noChangeArrowheads="1" noChangeShapeType="1" noTextEdit="1"/>
+          </p:cNvSpPr>
+          <p:nvPr>
+            <p:extLst>
+              <p:ext uri="{386F3935-93C4-4BCD-93E2-E3B085C9AB24}">
+                <p16:designElem xmlns:p16="http://schemas.microsoft.com/office/powerpoint/2015/main" val="1"/>
+              </p:ext>
+            </p:extLst>
+          </p:nvPr>
+        </p:nvSpPr>
+        <p:spPr>
+          <a:xfrm>
+            <a:off x="0" y="0"/>
+            <a:ext cx="914400" cy="6858000"/>
+          </a:xfrm>
+          <a:prstGeom prst="rect">
+            <a:avLst/>
+          </a:prstGeom>
+          <a:solidFill>
+            <a:schemeClr val="tx2">
+              <a:lumMod val="75000"/>
+            </a:schemeClr>
+          </a:solidFill>
+          <a:ln>
+            <a:noFill/>
+          </a:ln>
+        </p:spPr>
+        <p:style>
+          <a:lnRef idx="2">
+            <a:schemeClr val="accent1">
+              <a:shade val="50000"/>
+            </a:schemeClr>
+          </a:lnRef>
+          <a:fillRef idx="1">
+            <a:schemeClr val="accent1"/>
+          </a:fillRef>
+          <a:effectRef idx="0">
+            <a:schemeClr val="accent1"/>
+          </a:effectRef>
+          <a:fontRef idx="minor">
+            <a:schemeClr val="lt1"/>
+          </a:fontRef>
+        </p:style>
+      </p:sp>
+      <p:sp>
+        <p:nvSpPr>
+          <p:cNvPr id="17" name="Rectangle 16">
+            <a:extLst>
+              <a:ext uri="{FF2B5EF4-FFF2-40B4-BE49-F238E27FC236}">
+                <a16:creationId xmlns:a16="http://schemas.microsoft.com/office/drawing/2014/main" id="{D2EFF34B-7B1A-4F9D-8CEE-A40962BC7C21}"/>
+              </a:ext>
+              <a:ext uri="{C183D7F6-B498-43B3-948B-1728B52AA6E4}">
+                <adec:decorative xmlns:adec="http://schemas.microsoft.com/office/drawing/2017/decorative" val="1"/>
+              </a:ext>
+            </a:extLst>
+          </p:cNvPr>
+          <p:cNvSpPr>
+            <a:spLocks noGrp="1" noRot="1" noChangeAspect="1" noMove="1" noResize="1" noEditPoints="1" noAdjustHandles="1" noChangeArrowheads="1" noChangeShapeType="1" noTextEdit="1"/>
+          </p:cNvSpPr>
+          <p:nvPr>
+            <p:extLst>
+              <p:ext uri="{386F3935-93C4-4BCD-93E2-E3B085C9AB24}">
+                <p16:designElem xmlns:p16="http://schemas.microsoft.com/office/powerpoint/2015/main" val="1"/>
+              </p:ext>
+            </p:extLst>
+          </p:nvPr>
+        </p:nvSpPr>
+        <p:spPr>
+          <a:xfrm>
+            <a:off x="11763724" y="0"/>
+            <a:ext cx="457200" cy="6858000"/>
+          </a:xfrm>
+          <a:prstGeom prst="rect">
+            <a:avLst/>
+          </a:prstGeom>
+          <a:solidFill>
+            <a:schemeClr val="accent1"/>
+          </a:solidFill>
+          <a:ln>
+            <a:noFill/>
+          </a:ln>
+        </p:spPr>
+        <p:style>
+          <a:lnRef idx="2">
+            <a:schemeClr val="accent1">
+              <a:shade val="50000"/>
+            </a:schemeClr>
+          </a:lnRef>
+          <a:fillRef idx="1">
+            <a:schemeClr val="accent1"/>
+          </a:fillRef>
+          <a:effectRef idx="0">
+            <a:schemeClr val="accent1"/>
+          </a:effectRef>
+          <a:fontRef idx="minor">
+            <a:schemeClr val="lt1"/>
+          </a:fontRef>
+        </p:style>
       </p:sp>
       <p:graphicFrame>
         <p:nvGraphicFramePr>
@@ -23089,11 +24340,16 @@
           </p:cNvGraphicFramePr>
           <p:nvPr>
             <p:ph sz="half" idx="1"/>
+            <p:extLst>
+              <p:ext uri="{D42A27DB-BD31-4B8C-83A1-F6EECF244321}">
+                <p14:modId xmlns:p14="http://schemas.microsoft.com/office/powerpoint/2010/main" val="4144624778"/>
+              </p:ext>
+            </p:extLst>
           </p:nvPr>
         </p:nvGraphicFramePr>
         <p:xfrm>
-          <a:off x="1261872" y="1828800"/>
-          <a:ext cx="4480560" cy="4351337"/>
+          <a:off x="1262063" y="2013055"/>
+          <a:ext cx="9858191" cy="4201478"/>
         </p:xfrm>
         <a:graphic>
           <a:graphicData uri="http://schemas.openxmlformats.org/drawingml/2006/diagram">
@@ -23101,31 +24357,6 @@
           </a:graphicData>
         </a:graphic>
       </p:graphicFrame>
-      <p:sp>
-        <p:nvSpPr>
-          <p:cNvPr id="4" name="Content Placeholder 3">
-            <a:extLst>
-              <a:ext uri="{FF2B5EF4-FFF2-40B4-BE49-F238E27FC236}">
-                <a16:creationId xmlns:a16="http://schemas.microsoft.com/office/drawing/2014/main" id="{5FBAB5BD-13AE-4E56-B51A-6B5231330D93}"/>
-              </a:ext>
-            </a:extLst>
-          </p:cNvPr>
-          <p:cNvSpPr>
-            <a:spLocks noGrp="1"/>
-          </p:cNvSpPr>
-          <p:nvPr>
-            <p:ph sz="half" idx="2"/>
-          </p:nvPr>
-        </p:nvSpPr>
-        <p:spPr/>
-        <p:txBody>
-          <a:bodyPr/>
-          <a:lstStyle/>
-          <a:p>
-            <a:endParaRPr lang="en-US"/>
-          </a:p>
-        </p:txBody>
-      </p:sp>
     </p:spTree>
     <p:extLst>
       <p:ext uri="{BB962C8B-B14F-4D97-AF65-F5344CB8AC3E}">
@@ -23387,7 +24618,7 @@
             <p:ph idx="1"/>
             <p:extLst>
               <p:ext uri="{D42A27DB-BD31-4B8C-83A1-F6EECF244321}">
-                <p14:modId xmlns:p14="http://schemas.microsoft.com/office/powerpoint/2010/main" val="286257967"/>
+                <p14:modId xmlns:p14="http://schemas.microsoft.com/office/powerpoint/2010/main" val="1723910469"/>
               </p:ext>
             </p:extLst>
           </p:nvPr>
@@ -23482,7 +24713,7 @@
             <p:ph idx="1"/>
             <p:extLst>
               <p:ext uri="{D42A27DB-BD31-4B8C-83A1-F6EECF244321}">
-                <p14:modId xmlns:p14="http://schemas.microsoft.com/office/powerpoint/2010/main" val="788798399"/>
+                <p14:modId xmlns:p14="http://schemas.microsoft.com/office/powerpoint/2010/main" val="3412533246"/>
               </p:ext>
             </p:extLst>
           </p:nvPr>
@@ -23624,7 +24855,7 @@
             <p:ph idx="1"/>
             <p:extLst>
               <p:ext uri="{D42A27DB-BD31-4B8C-83A1-F6EECF244321}">
-                <p14:modId xmlns:p14="http://schemas.microsoft.com/office/powerpoint/2010/main" val="223121135"/>
+                <p14:modId xmlns:p14="http://schemas.microsoft.com/office/powerpoint/2010/main" val="1270495069"/>
               </p:ext>
             </p:extLst>
           </p:nvPr>

--- a/JMMPaper/Musical Instrument Classification Using a Hybrid Neural Network BuellShort.pptx
+++ b/JMMPaper/Musical Instrument Classification Using a Hybrid Neural Network BuellShort.pptx
@@ -11,18 +11,19 @@
     <p:sldId id="259" r:id="rId5"/>
     <p:sldId id="260" r:id="rId6"/>
     <p:sldId id="262" r:id="rId7"/>
-    <p:sldId id="263" r:id="rId8"/>
-    <p:sldId id="270" r:id="rId9"/>
-    <p:sldId id="271" r:id="rId10"/>
-    <p:sldId id="268" r:id="rId11"/>
-    <p:sldId id="269" r:id="rId12"/>
-    <p:sldId id="273" r:id="rId13"/>
+    <p:sldId id="282" r:id="rId8"/>
+    <p:sldId id="284" r:id="rId9"/>
+    <p:sldId id="268" r:id="rId10"/>
+    <p:sldId id="269" r:id="rId11"/>
+    <p:sldId id="273" r:id="rId12"/>
+    <p:sldId id="281" r:id="rId13"/>
     <p:sldId id="274" r:id="rId14"/>
     <p:sldId id="277" r:id="rId15"/>
     <p:sldId id="275" r:id="rId16"/>
     <p:sldId id="276" r:id="rId17"/>
     <p:sldId id="278" r:id="rId18"/>
-    <p:sldId id="279" r:id="rId19"/>
+    <p:sldId id="280" r:id="rId19"/>
+    <p:sldId id="279" r:id="rId20"/>
   </p:sldIdLst>
   <p:sldSz cx="12192000" cy="6858000"/>
   <p:notesSz cx="6858000" cy="9144000"/>
@@ -1624,2421 +1625,6 @@
 </file>
 
 <file path=ppt/diagrams/colors3.xml><?xml version="1.0" encoding="utf-8"?>
-<dgm:colorsDef xmlns:dgm="http://schemas.openxmlformats.org/drawingml/2006/diagram" xmlns:a="http://schemas.openxmlformats.org/drawingml/2006/main" uniqueId="urn:microsoft.com/office/officeart/2018/5/colors/Iconchunking_neutralicon_colorful1">
-  <dgm:title val=""/>
-  <dgm:desc val=""/>
-  <dgm:catLst>
-    <dgm:cat type="colorful" pri="10100"/>
-  </dgm:catLst>
-  <dgm:styleLbl name="node0">
-    <dgm:fillClrLst meth="repeat">
-      <a:schemeClr val="accent1"/>
-    </dgm:fillClrLst>
-    <dgm:linClrLst meth="repeat">
-      <a:schemeClr val="lt1"/>
-    </dgm:linClrLst>
-    <dgm:effectClrLst/>
-    <dgm:txLinClrLst/>
-    <dgm:txFillClrLst/>
-    <dgm:txEffectClrLst/>
-  </dgm:styleLbl>
-  <dgm:styleLbl name="node1">
-    <dgm:fillClrLst meth="repeat">
-      <a:schemeClr val="bg1"/>
-    </dgm:fillClrLst>
-    <dgm:linClrLst meth="repeat">
-      <a:schemeClr val="lt1">
-        <a:alpha val="0"/>
-      </a:schemeClr>
-    </dgm:linClrLst>
-    <dgm:effectClrLst/>
-    <dgm:txLinClrLst/>
-    <dgm:txFillClrLst meth="repeat">
-      <a:schemeClr val="dk1"/>
-    </dgm:txFillClrLst>
-    <dgm:txEffectClrLst/>
-  </dgm:styleLbl>
-  <dgm:styleLbl name="alignNode1">
-    <dgm:fillClrLst meth="repeat">
-      <a:schemeClr val="accent2"/>
-      <a:schemeClr val="accent3"/>
-      <a:schemeClr val="accent4"/>
-      <a:schemeClr val="accent5"/>
-      <a:schemeClr val="accent6"/>
-    </dgm:fillClrLst>
-    <dgm:linClrLst meth="repeat">
-      <a:schemeClr val="accent2"/>
-      <a:schemeClr val="accent3"/>
-      <a:schemeClr val="accent4"/>
-      <a:schemeClr val="accent5"/>
-      <a:schemeClr val="accent6"/>
-    </dgm:linClrLst>
-    <dgm:effectClrLst/>
-    <dgm:txLinClrLst/>
-    <dgm:txFillClrLst/>
-    <dgm:txEffectClrLst/>
-  </dgm:styleLbl>
-  <dgm:styleLbl name="lnNode1">
-    <dgm:fillClrLst meth="repeat">
-      <a:schemeClr val="accent2"/>
-      <a:schemeClr val="accent3"/>
-      <a:schemeClr val="accent4"/>
-      <a:schemeClr val="accent5"/>
-      <a:schemeClr val="accent6"/>
-    </dgm:fillClrLst>
-    <dgm:linClrLst meth="repeat">
-      <a:schemeClr val="lt1"/>
-    </dgm:linClrLst>
-    <dgm:effectClrLst/>
-    <dgm:txLinClrLst/>
-    <dgm:txFillClrLst/>
-    <dgm:txEffectClrLst/>
-  </dgm:styleLbl>
-  <dgm:styleLbl name="vennNode1">
-    <dgm:fillClrLst meth="repeat">
-      <a:schemeClr val="accent2">
-        <a:alpha val="50000"/>
-      </a:schemeClr>
-      <a:schemeClr val="accent3">
-        <a:alpha val="50000"/>
-      </a:schemeClr>
-      <a:schemeClr val="accent4">
-        <a:alpha val="50000"/>
-      </a:schemeClr>
-      <a:schemeClr val="accent5">
-        <a:alpha val="50000"/>
-      </a:schemeClr>
-      <a:schemeClr val="accent6">
-        <a:alpha val="50000"/>
-      </a:schemeClr>
-    </dgm:fillClrLst>
-    <dgm:linClrLst meth="repeat">
-      <a:schemeClr val="lt1"/>
-    </dgm:linClrLst>
-    <dgm:effectClrLst/>
-    <dgm:txLinClrLst/>
-    <dgm:txFillClrLst/>
-    <dgm:txEffectClrLst/>
-  </dgm:styleLbl>
-  <dgm:styleLbl name="node2">
-    <dgm:fillClrLst>
-      <a:schemeClr val="accent2"/>
-    </dgm:fillClrLst>
-    <dgm:linClrLst meth="repeat">
-      <a:schemeClr val="lt1"/>
-    </dgm:linClrLst>
-    <dgm:effectClrLst/>
-    <dgm:txLinClrLst/>
-    <dgm:txFillClrLst/>
-    <dgm:txEffectClrLst/>
-  </dgm:styleLbl>
-  <dgm:styleLbl name="node3">
-    <dgm:fillClrLst>
-      <a:schemeClr val="accent3"/>
-    </dgm:fillClrLst>
-    <dgm:linClrLst meth="repeat">
-      <a:schemeClr val="lt1"/>
-    </dgm:linClrLst>
-    <dgm:effectClrLst/>
-    <dgm:txLinClrLst/>
-    <dgm:txFillClrLst/>
-    <dgm:txEffectClrLst/>
-  </dgm:styleLbl>
-  <dgm:styleLbl name="node4">
-    <dgm:fillClrLst>
-      <a:schemeClr val="accent4"/>
-    </dgm:fillClrLst>
-    <dgm:linClrLst meth="repeat">
-      <a:schemeClr val="lt1"/>
-    </dgm:linClrLst>
-    <dgm:effectClrLst/>
-    <dgm:txLinClrLst/>
-    <dgm:txFillClrLst/>
-    <dgm:txEffectClrLst/>
-  </dgm:styleLbl>
-  <dgm:styleLbl name="fgImgPlace1">
-    <dgm:fillClrLst meth="repeat">
-      <a:schemeClr val="accent2">
-        <a:tint val="50000"/>
-      </a:schemeClr>
-      <a:schemeClr val="accent3">
-        <a:tint val="50000"/>
-      </a:schemeClr>
-      <a:schemeClr val="accent4">
-        <a:tint val="50000"/>
-      </a:schemeClr>
-      <a:schemeClr val="accent5">
-        <a:tint val="50000"/>
-      </a:schemeClr>
-      <a:schemeClr val="accent6">
-        <a:tint val="50000"/>
-      </a:schemeClr>
-    </dgm:fillClrLst>
-    <dgm:linClrLst meth="repeat">
-      <a:schemeClr val="lt1"/>
-    </dgm:linClrLst>
-    <dgm:effectClrLst/>
-    <dgm:txLinClrLst/>
-    <dgm:txFillClrLst meth="repeat">
-      <a:schemeClr val="lt1"/>
-    </dgm:txFillClrLst>
-    <dgm:txEffectClrLst/>
-  </dgm:styleLbl>
-  <dgm:styleLbl name="alignImgPlace1">
-    <dgm:fillClrLst>
-      <a:schemeClr val="accent1">
-        <a:tint val="50000"/>
-      </a:schemeClr>
-      <a:schemeClr val="accent2">
-        <a:tint val="20000"/>
-      </a:schemeClr>
-    </dgm:fillClrLst>
-    <dgm:linClrLst meth="repeat">
-      <a:schemeClr val="lt1"/>
-    </dgm:linClrLst>
-    <dgm:effectClrLst/>
-    <dgm:txLinClrLst/>
-    <dgm:txFillClrLst meth="repeat">
-      <a:schemeClr val="lt1"/>
-    </dgm:txFillClrLst>
-    <dgm:txEffectClrLst/>
-  </dgm:styleLbl>
-  <dgm:styleLbl name="bgImgPlace1">
-    <dgm:fillClrLst>
-      <a:schemeClr val="accent1">
-        <a:tint val="50000"/>
-      </a:schemeClr>
-      <a:schemeClr val="accent2">
-        <a:tint val="20000"/>
-      </a:schemeClr>
-    </dgm:fillClrLst>
-    <dgm:linClrLst meth="repeat">
-      <a:schemeClr val="lt1"/>
-    </dgm:linClrLst>
-    <dgm:effectClrLst/>
-    <dgm:txLinClrLst/>
-    <dgm:txFillClrLst meth="repeat">
-      <a:schemeClr val="lt1"/>
-    </dgm:txFillClrLst>
-    <dgm:txEffectClrLst/>
-  </dgm:styleLbl>
-  <dgm:styleLbl name="sibTrans2D1">
-    <dgm:fillClrLst meth="repeat">
-      <a:schemeClr val="accent2"/>
-      <a:schemeClr val="accent3"/>
-      <a:schemeClr val="accent4"/>
-      <a:schemeClr val="accent5"/>
-      <a:schemeClr val="accent6"/>
-    </dgm:fillClrLst>
-    <dgm:linClrLst meth="cycle">
-      <a:schemeClr val="lt1"/>
-    </dgm:linClrLst>
-    <dgm:effectClrLst/>
-    <dgm:txLinClrLst/>
-    <dgm:txFillClrLst/>
-    <dgm:txEffectClrLst/>
-  </dgm:styleLbl>
-  <dgm:styleLbl name="fgSibTrans2D1">
-    <dgm:fillClrLst meth="repeat">
-      <a:schemeClr val="accent2"/>
-      <a:schemeClr val="accent3"/>
-      <a:schemeClr val="accent4"/>
-      <a:schemeClr val="accent5"/>
-      <a:schemeClr val="accent6"/>
-    </dgm:fillClrLst>
-    <dgm:linClrLst meth="cycle">
-      <a:schemeClr val="lt1"/>
-    </dgm:linClrLst>
-    <dgm:effectClrLst/>
-    <dgm:txLinClrLst/>
-    <dgm:txFillClrLst meth="repeat">
-      <a:schemeClr val="lt1"/>
-    </dgm:txFillClrLst>
-    <dgm:txEffectClrLst/>
-  </dgm:styleLbl>
-  <dgm:styleLbl name="bgSibTrans2D1">
-    <dgm:fillClrLst meth="repeat">
-      <a:schemeClr val="accent2"/>
-      <a:schemeClr val="accent3"/>
-      <a:schemeClr val="accent4"/>
-      <a:schemeClr val="accent5"/>
-      <a:schemeClr val="accent6"/>
-    </dgm:fillClrLst>
-    <dgm:linClrLst meth="cycle">
-      <a:schemeClr val="lt1"/>
-    </dgm:linClrLst>
-    <dgm:effectClrLst/>
-    <dgm:txLinClrLst/>
-    <dgm:txFillClrLst meth="repeat">
-      <a:schemeClr val="lt1"/>
-    </dgm:txFillClrLst>
-    <dgm:txEffectClrLst/>
-  </dgm:styleLbl>
-  <dgm:styleLbl name="sibTrans1D1">
-    <dgm:fillClrLst meth="repeat">
-      <a:schemeClr val="accent2"/>
-      <a:schemeClr val="accent3"/>
-      <a:schemeClr val="accent4"/>
-      <a:schemeClr val="accent5"/>
-      <a:schemeClr val="accent6"/>
-    </dgm:fillClrLst>
-    <dgm:linClrLst meth="repeat">
-      <a:schemeClr val="accent2"/>
-      <a:schemeClr val="accent3"/>
-      <a:schemeClr val="accent4"/>
-      <a:schemeClr val="accent5"/>
-      <a:schemeClr val="accent6"/>
-    </dgm:linClrLst>
-    <dgm:effectClrLst/>
-    <dgm:txLinClrLst/>
-    <dgm:txFillClrLst meth="repeat">
-      <a:schemeClr val="tx1"/>
-    </dgm:txFillClrLst>
-    <dgm:txEffectClrLst/>
-  </dgm:styleLbl>
-  <dgm:styleLbl name="callout">
-    <dgm:fillClrLst meth="repeat">
-      <a:schemeClr val="accent2"/>
-    </dgm:fillClrLst>
-    <dgm:linClrLst meth="repeat">
-      <a:schemeClr val="accent2">
-        <a:tint val="50000"/>
-      </a:schemeClr>
-    </dgm:linClrLst>
-    <dgm:effectClrLst/>
-    <dgm:txLinClrLst/>
-    <dgm:txFillClrLst meth="repeat">
-      <a:schemeClr val="tx1"/>
-    </dgm:txFillClrLst>
-    <dgm:txEffectClrLst/>
-  </dgm:styleLbl>
-  <dgm:styleLbl name="asst0">
-    <dgm:fillClrLst meth="repeat">
-      <a:schemeClr val="accent1"/>
-    </dgm:fillClrLst>
-    <dgm:linClrLst meth="repeat">
-      <a:schemeClr val="lt1"/>
-    </dgm:linClrLst>
-    <dgm:effectClrLst/>
-    <dgm:txLinClrLst/>
-    <dgm:txFillClrLst/>
-    <dgm:txEffectClrLst/>
-  </dgm:styleLbl>
-  <dgm:styleLbl name="asst1">
-    <dgm:fillClrLst meth="repeat">
-      <a:schemeClr val="accent2"/>
-    </dgm:fillClrLst>
-    <dgm:linClrLst meth="repeat">
-      <a:schemeClr val="lt1"/>
-    </dgm:linClrLst>
-    <dgm:effectClrLst/>
-    <dgm:txLinClrLst/>
-    <dgm:txFillClrLst/>
-    <dgm:txEffectClrLst/>
-  </dgm:styleLbl>
-  <dgm:styleLbl name="asst2">
-    <dgm:fillClrLst>
-      <a:schemeClr val="accent3"/>
-    </dgm:fillClrLst>
-    <dgm:linClrLst meth="repeat">
-      <a:schemeClr val="lt1"/>
-    </dgm:linClrLst>
-    <dgm:effectClrLst/>
-    <dgm:txLinClrLst/>
-    <dgm:txFillClrLst/>
-    <dgm:txEffectClrLst/>
-  </dgm:styleLbl>
-  <dgm:styleLbl name="asst3">
-    <dgm:fillClrLst>
-      <a:schemeClr val="accent4"/>
-    </dgm:fillClrLst>
-    <dgm:linClrLst meth="repeat">
-      <a:schemeClr val="lt1"/>
-    </dgm:linClrLst>
-    <dgm:effectClrLst/>
-    <dgm:txLinClrLst/>
-    <dgm:txFillClrLst/>
-    <dgm:txEffectClrLst/>
-  </dgm:styleLbl>
-  <dgm:styleLbl name="asst4">
-    <dgm:fillClrLst>
-      <a:schemeClr val="accent5"/>
-    </dgm:fillClrLst>
-    <dgm:linClrLst meth="repeat">
-      <a:schemeClr val="lt1"/>
-    </dgm:linClrLst>
-    <dgm:effectClrLst/>
-    <dgm:txLinClrLst/>
-    <dgm:txFillClrLst/>
-    <dgm:txEffectClrLst/>
-  </dgm:styleLbl>
-  <dgm:styleLbl name="parChTrans2D1">
-    <dgm:fillClrLst meth="repeat">
-      <a:schemeClr val="accent2"/>
-    </dgm:fillClrLst>
-    <dgm:linClrLst meth="repeat">
-      <a:schemeClr val="lt1"/>
-    </dgm:linClrLst>
-    <dgm:effectClrLst/>
-    <dgm:txLinClrLst/>
-    <dgm:txFillClrLst meth="repeat">
-      <a:schemeClr val="lt1"/>
-    </dgm:txFillClrLst>
-    <dgm:txEffectClrLst/>
-  </dgm:styleLbl>
-  <dgm:styleLbl name="parChTrans2D2">
-    <dgm:fillClrLst meth="repeat">
-      <a:schemeClr val="accent3"/>
-    </dgm:fillClrLst>
-    <dgm:linClrLst meth="repeat">
-      <a:schemeClr val="lt1"/>
-    </dgm:linClrLst>
-    <dgm:effectClrLst/>
-    <dgm:txLinClrLst/>
-    <dgm:txFillClrLst/>
-    <dgm:txEffectClrLst/>
-  </dgm:styleLbl>
-  <dgm:styleLbl name="parChTrans2D3">
-    <dgm:fillClrLst meth="repeat">
-      <a:schemeClr val="accent4"/>
-    </dgm:fillClrLst>
-    <dgm:linClrLst meth="repeat">
-      <a:schemeClr val="lt1"/>
-    </dgm:linClrLst>
-    <dgm:effectClrLst/>
-    <dgm:txLinClrLst/>
-    <dgm:txFillClrLst/>
-    <dgm:txEffectClrLst/>
-  </dgm:styleLbl>
-  <dgm:styleLbl name="parChTrans2D4">
-    <dgm:fillClrLst meth="repeat">
-      <a:schemeClr val="accent5"/>
-    </dgm:fillClrLst>
-    <dgm:linClrLst meth="repeat">
-      <a:schemeClr val="lt1"/>
-    </dgm:linClrLst>
-    <dgm:effectClrLst/>
-    <dgm:txLinClrLst/>
-    <dgm:txFillClrLst meth="repeat">
-      <a:schemeClr val="lt1"/>
-    </dgm:txFillClrLst>
-    <dgm:txEffectClrLst/>
-  </dgm:styleLbl>
-  <dgm:styleLbl name="parChTrans1D1">
-    <dgm:fillClrLst meth="repeat">
-      <a:schemeClr val="accent2"/>
-    </dgm:fillClrLst>
-    <dgm:linClrLst meth="repeat">
-      <a:schemeClr val="accent1"/>
-    </dgm:linClrLst>
-    <dgm:effectClrLst/>
-    <dgm:txLinClrLst/>
-    <dgm:txFillClrLst meth="repeat">
-      <a:schemeClr val="tx1"/>
-    </dgm:txFillClrLst>
-    <dgm:txEffectClrLst/>
-  </dgm:styleLbl>
-  <dgm:styleLbl name="parChTrans1D2">
-    <dgm:fillClrLst meth="repeat">
-      <a:schemeClr val="accent3">
-        <a:tint val="90000"/>
-      </a:schemeClr>
-    </dgm:fillClrLst>
-    <dgm:linClrLst meth="repeat">
-      <a:schemeClr val="accent2"/>
-    </dgm:linClrLst>
-    <dgm:effectClrLst/>
-    <dgm:txLinClrLst/>
-    <dgm:txFillClrLst meth="repeat">
-      <a:schemeClr val="tx1"/>
-    </dgm:txFillClrLst>
-    <dgm:txEffectClrLst/>
-  </dgm:styleLbl>
-  <dgm:styleLbl name="parChTrans1D3">
-    <dgm:fillClrLst meth="repeat">
-      <a:schemeClr val="accent4">
-        <a:tint val="70000"/>
-      </a:schemeClr>
-    </dgm:fillClrLst>
-    <dgm:linClrLst meth="repeat">
-      <a:schemeClr val="accent3"/>
-    </dgm:linClrLst>
-    <dgm:effectClrLst/>
-    <dgm:txLinClrLst/>
-    <dgm:txFillClrLst meth="repeat">
-      <a:schemeClr val="tx1"/>
-    </dgm:txFillClrLst>
-    <dgm:txEffectClrLst/>
-  </dgm:styleLbl>
-  <dgm:styleLbl name="parChTrans1D4">
-    <dgm:fillClrLst meth="repeat">
-      <a:schemeClr val="accent5">
-        <a:tint val="50000"/>
-      </a:schemeClr>
-    </dgm:fillClrLst>
-    <dgm:linClrLst meth="repeat">
-      <a:schemeClr val="accent4"/>
-    </dgm:linClrLst>
-    <dgm:effectClrLst/>
-    <dgm:txLinClrLst/>
-    <dgm:txFillClrLst meth="repeat">
-      <a:schemeClr val="tx1"/>
-    </dgm:txFillClrLst>
-    <dgm:txEffectClrLst/>
-  </dgm:styleLbl>
-  <dgm:styleLbl name="fgAcc1">
-    <dgm:fillClrLst meth="repeat">
-      <a:schemeClr val="lt1">
-        <a:alpha val="90000"/>
-      </a:schemeClr>
-    </dgm:fillClrLst>
-    <dgm:linClrLst meth="repeat">
-      <a:schemeClr val="accent2"/>
-      <a:schemeClr val="accent3"/>
-      <a:schemeClr val="accent4"/>
-      <a:schemeClr val="accent5"/>
-      <a:schemeClr val="accent6"/>
-    </dgm:linClrLst>
-    <dgm:effectClrLst/>
-    <dgm:txLinClrLst/>
-    <dgm:txFillClrLst meth="repeat">
-      <a:schemeClr val="dk1"/>
-    </dgm:txFillClrLst>
-    <dgm:txEffectClrLst/>
-  </dgm:styleLbl>
-  <dgm:styleLbl name="conFgAcc1">
-    <dgm:fillClrLst meth="repeat">
-      <a:schemeClr val="lt1">
-        <a:alpha val="90000"/>
-      </a:schemeClr>
-    </dgm:fillClrLst>
-    <dgm:linClrLst meth="repeat">
-      <a:schemeClr val="accent2"/>
-      <a:schemeClr val="accent3"/>
-      <a:schemeClr val="accent4"/>
-      <a:schemeClr val="accent5"/>
-      <a:schemeClr val="accent6"/>
-    </dgm:linClrLst>
-    <dgm:effectClrLst/>
-    <dgm:txLinClrLst/>
-    <dgm:txFillClrLst meth="repeat">
-      <a:schemeClr val="dk1"/>
-    </dgm:txFillClrLst>
-    <dgm:txEffectClrLst/>
-  </dgm:styleLbl>
-  <dgm:styleLbl name="alignAcc1">
-    <dgm:fillClrLst meth="repeat">
-      <a:schemeClr val="lt1">
-        <a:alpha val="90000"/>
-      </a:schemeClr>
-    </dgm:fillClrLst>
-    <dgm:linClrLst meth="repeat">
-      <a:schemeClr val="accent2"/>
-      <a:schemeClr val="accent3"/>
-      <a:schemeClr val="accent4"/>
-      <a:schemeClr val="accent5"/>
-      <a:schemeClr val="accent6"/>
-    </dgm:linClrLst>
-    <dgm:effectClrLst/>
-    <dgm:txLinClrLst/>
-    <dgm:txFillClrLst meth="repeat">
-      <a:schemeClr val="dk1"/>
-    </dgm:txFillClrLst>
-    <dgm:txEffectClrLst/>
-  </dgm:styleLbl>
-  <dgm:styleLbl name="trAlignAcc1">
-    <dgm:fillClrLst meth="repeat">
-      <a:schemeClr val="lt1">
-        <a:alpha val="40000"/>
-      </a:schemeClr>
-    </dgm:fillClrLst>
-    <dgm:linClrLst meth="repeat">
-      <a:schemeClr val="accent1"/>
-    </dgm:linClrLst>
-    <dgm:effectClrLst/>
-    <dgm:txLinClrLst/>
-    <dgm:txFillClrLst meth="repeat">
-      <a:schemeClr val="dk1"/>
-    </dgm:txFillClrLst>
-    <dgm:txEffectClrLst/>
-  </dgm:styleLbl>
-  <dgm:styleLbl name="bgAcc1">
-    <dgm:fillClrLst meth="repeat">
-      <a:schemeClr val="lt1">
-        <a:alpha val="90000"/>
-      </a:schemeClr>
-    </dgm:fillClrLst>
-    <dgm:linClrLst meth="repeat">
-      <a:schemeClr val="accent2"/>
-      <a:schemeClr val="accent3"/>
-      <a:schemeClr val="accent4"/>
-      <a:schemeClr val="accent5"/>
-      <a:schemeClr val="accent6"/>
-    </dgm:linClrLst>
-    <dgm:effectClrLst/>
-    <dgm:txLinClrLst/>
-    <dgm:txFillClrLst meth="repeat">
-      <a:schemeClr val="dk1"/>
-    </dgm:txFillClrLst>
-    <dgm:txEffectClrLst/>
-  </dgm:styleLbl>
-  <dgm:styleLbl name="solidFgAcc1">
-    <dgm:fillClrLst meth="repeat">
-      <a:schemeClr val="lt1"/>
-    </dgm:fillClrLst>
-    <dgm:linClrLst meth="repeat">
-      <a:schemeClr val="accent2"/>
-      <a:schemeClr val="accent3"/>
-      <a:schemeClr val="accent4"/>
-      <a:schemeClr val="accent5"/>
-      <a:schemeClr val="accent6"/>
-    </dgm:linClrLst>
-    <dgm:effectClrLst/>
-    <dgm:txLinClrLst/>
-    <dgm:txFillClrLst meth="repeat">
-      <a:schemeClr val="dk1"/>
-    </dgm:txFillClrLst>
-    <dgm:txEffectClrLst/>
-  </dgm:styleLbl>
-  <dgm:styleLbl name="solidAlignAcc1">
-    <dgm:fillClrLst meth="repeat">
-      <a:schemeClr val="lt1"/>
-    </dgm:fillClrLst>
-    <dgm:linClrLst meth="repeat">
-      <a:schemeClr val="accent2"/>
-      <a:schemeClr val="accent3"/>
-      <a:schemeClr val="accent4"/>
-      <a:schemeClr val="accent5"/>
-      <a:schemeClr val="accent6"/>
-    </dgm:linClrLst>
-    <dgm:effectClrLst/>
-    <dgm:txLinClrLst/>
-    <dgm:txFillClrLst meth="repeat">
-      <a:schemeClr val="dk1"/>
-    </dgm:txFillClrLst>
-    <dgm:txEffectClrLst/>
-  </dgm:styleLbl>
-  <dgm:styleLbl name="solidBgAcc1">
-    <dgm:fillClrLst meth="repeat">
-      <a:schemeClr val="lt1"/>
-    </dgm:fillClrLst>
-    <dgm:linClrLst meth="repeat">
-      <a:schemeClr val="accent2"/>
-      <a:schemeClr val="accent3"/>
-      <a:schemeClr val="accent4"/>
-      <a:schemeClr val="accent5"/>
-      <a:schemeClr val="accent6"/>
-    </dgm:linClrLst>
-    <dgm:effectClrLst/>
-    <dgm:txLinClrLst/>
-    <dgm:txFillClrLst meth="repeat">
-      <a:schemeClr val="dk1"/>
-    </dgm:txFillClrLst>
-    <dgm:txEffectClrLst/>
-  </dgm:styleLbl>
-  <dgm:styleLbl name="fgAccFollowNode1">
-    <dgm:fillClrLst meth="repeat">
-      <a:schemeClr val="accent2">
-        <a:tint val="40000"/>
-        <a:alpha val="90000"/>
-      </a:schemeClr>
-      <a:schemeClr val="accent3">
-        <a:tint val="40000"/>
-        <a:alpha val="90000"/>
-      </a:schemeClr>
-      <a:schemeClr val="accent4">
-        <a:tint val="40000"/>
-        <a:alpha val="90000"/>
-      </a:schemeClr>
-      <a:schemeClr val="accent5">
-        <a:tint val="40000"/>
-        <a:alpha val="90000"/>
-      </a:schemeClr>
-      <a:schemeClr val="accent6">
-        <a:tint val="40000"/>
-        <a:alpha val="90000"/>
-      </a:schemeClr>
-    </dgm:fillClrLst>
-    <dgm:linClrLst meth="repeat">
-      <a:schemeClr val="accent2">
-        <a:tint val="40000"/>
-        <a:alpha val="90000"/>
-      </a:schemeClr>
-      <a:schemeClr val="accent3">
-        <a:tint val="40000"/>
-        <a:alpha val="90000"/>
-      </a:schemeClr>
-      <a:schemeClr val="accent4">
-        <a:tint val="40000"/>
-        <a:alpha val="90000"/>
-      </a:schemeClr>
-      <a:schemeClr val="accent5">
-        <a:tint val="40000"/>
-        <a:alpha val="90000"/>
-      </a:schemeClr>
-      <a:schemeClr val="accent6">
-        <a:tint val="40000"/>
-        <a:alpha val="90000"/>
-      </a:schemeClr>
-    </dgm:linClrLst>
-    <dgm:effectClrLst/>
-    <dgm:txLinClrLst/>
-    <dgm:txFillClrLst meth="repeat">
-      <a:schemeClr val="dk1"/>
-    </dgm:txFillClrLst>
-    <dgm:txEffectClrLst/>
-  </dgm:styleLbl>
-  <dgm:styleLbl name="alignAccFollowNode1">
-    <dgm:fillClrLst meth="repeat">
-      <a:schemeClr val="accent2">
-        <a:tint val="40000"/>
-        <a:alpha val="90000"/>
-      </a:schemeClr>
-      <a:schemeClr val="accent3">
-        <a:tint val="40000"/>
-        <a:alpha val="90000"/>
-      </a:schemeClr>
-      <a:schemeClr val="accent4">
-        <a:tint val="40000"/>
-        <a:alpha val="90000"/>
-      </a:schemeClr>
-      <a:schemeClr val="accent5">
-        <a:tint val="40000"/>
-        <a:alpha val="90000"/>
-      </a:schemeClr>
-      <a:schemeClr val="accent6">
-        <a:tint val="40000"/>
-        <a:alpha val="90000"/>
-      </a:schemeClr>
-    </dgm:fillClrLst>
-    <dgm:linClrLst meth="repeat">
-      <a:schemeClr val="accent2">
-        <a:tint val="40000"/>
-        <a:alpha val="90000"/>
-      </a:schemeClr>
-      <a:schemeClr val="accent3">
-        <a:tint val="40000"/>
-        <a:alpha val="90000"/>
-      </a:schemeClr>
-      <a:schemeClr val="accent4">
-        <a:tint val="40000"/>
-        <a:alpha val="90000"/>
-      </a:schemeClr>
-      <a:schemeClr val="accent5">
-        <a:tint val="40000"/>
-        <a:alpha val="90000"/>
-      </a:schemeClr>
-      <a:schemeClr val="accent6">
-        <a:tint val="40000"/>
-        <a:alpha val="90000"/>
-      </a:schemeClr>
-    </dgm:linClrLst>
-    <dgm:effectClrLst/>
-    <dgm:txLinClrLst/>
-    <dgm:txFillClrLst meth="repeat">
-      <a:schemeClr val="dk1"/>
-    </dgm:txFillClrLst>
-    <dgm:txEffectClrLst/>
-  </dgm:styleLbl>
-  <dgm:styleLbl name="bgAccFollowNode1">
-    <dgm:fillClrLst meth="repeat">
-      <a:schemeClr val="accent2">
-        <a:tint val="40000"/>
-        <a:alpha val="90000"/>
-      </a:schemeClr>
-      <a:schemeClr val="accent3">
-        <a:tint val="40000"/>
-        <a:alpha val="90000"/>
-      </a:schemeClr>
-      <a:schemeClr val="accent4">
-        <a:tint val="40000"/>
-        <a:alpha val="90000"/>
-      </a:schemeClr>
-      <a:schemeClr val="accent5">
-        <a:tint val="40000"/>
-        <a:alpha val="90000"/>
-      </a:schemeClr>
-      <a:schemeClr val="accent6">
-        <a:tint val="40000"/>
-        <a:alpha val="90000"/>
-      </a:schemeClr>
-    </dgm:fillClrLst>
-    <dgm:linClrLst meth="repeat">
-      <a:schemeClr val="accent2">
-        <a:tint val="40000"/>
-        <a:alpha val="90000"/>
-      </a:schemeClr>
-      <a:schemeClr val="accent3">
-        <a:tint val="40000"/>
-        <a:alpha val="90000"/>
-      </a:schemeClr>
-      <a:schemeClr val="accent4">
-        <a:tint val="40000"/>
-        <a:alpha val="90000"/>
-      </a:schemeClr>
-      <a:schemeClr val="accent5">
-        <a:tint val="40000"/>
-        <a:alpha val="90000"/>
-      </a:schemeClr>
-      <a:schemeClr val="accent6">
-        <a:tint val="40000"/>
-        <a:alpha val="90000"/>
-      </a:schemeClr>
-    </dgm:linClrLst>
-    <dgm:effectClrLst/>
-    <dgm:txLinClrLst/>
-    <dgm:txFillClrLst meth="repeat">
-      <a:schemeClr val="dk1"/>
-    </dgm:txFillClrLst>
-    <dgm:txEffectClrLst/>
-  </dgm:styleLbl>
-  <dgm:styleLbl name="fgAcc0">
-    <dgm:fillClrLst meth="repeat">
-      <a:schemeClr val="lt1">
-        <a:alpha val="90000"/>
-      </a:schemeClr>
-    </dgm:fillClrLst>
-    <dgm:linClrLst>
-      <a:schemeClr val="accent1"/>
-    </dgm:linClrLst>
-    <dgm:effectClrLst/>
-    <dgm:txLinClrLst/>
-    <dgm:txFillClrLst meth="repeat">
-      <a:schemeClr val="dk1"/>
-    </dgm:txFillClrLst>
-    <dgm:txEffectClrLst/>
-  </dgm:styleLbl>
-  <dgm:styleLbl name="fgAcc2">
-    <dgm:fillClrLst meth="repeat">
-      <a:schemeClr val="lt1">
-        <a:alpha val="90000"/>
-      </a:schemeClr>
-    </dgm:fillClrLst>
-    <dgm:linClrLst>
-      <a:schemeClr val="accent2"/>
-    </dgm:linClrLst>
-    <dgm:effectClrLst/>
-    <dgm:txLinClrLst/>
-    <dgm:txFillClrLst meth="repeat">
-      <a:schemeClr val="dk1"/>
-    </dgm:txFillClrLst>
-    <dgm:txEffectClrLst/>
-  </dgm:styleLbl>
-  <dgm:styleLbl name="fgAcc3">
-    <dgm:fillClrLst meth="repeat">
-      <a:schemeClr val="lt1">
-        <a:alpha val="90000"/>
-      </a:schemeClr>
-    </dgm:fillClrLst>
-    <dgm:linClrLst>
-      <a:schemeClr val="accent3"/>
-    </dgm:linClrLst>
-    <dgm:effectClrLst/>
-    <dgm:txLinClrLst/>
-    <dgm:txFillClrLst meth="repeat">
-      <a:schemeClr val="dk1"/>
-    </dgm:txFillClrLst>
-    <dgm:txEffectClrLst/>
-  </dgm:styleLbl>
-  <dgm:styleLbl name="fgAcc4">
-    <dgm:fillClrLst meth="repeat">
-      <a:schemeClr val="lt1">
-        <a:alpha val="90000"/>
-      </a:schemeClr>
-    </dgm:fillClrLst>
-    <dgm:linClrLst>
-      <a:schemeClr val="accent4"/>
-    </dgm:linClrLst>
-    <dgm:effectClrLst/>
-    <dgm:txLinClrLst/>
-    <dgm:txFillClrLst meth="repeat">
-      <a:schemeClr val="dk1"/>
-    </dgm:txFillClrLst>
-    <dgm:txEffectClrLst/>
-  </dgm:styleLbl>
-  <dgm:styleLbl name="bgShp">
-    <dgm:fillClrLst meth="repeat">
-      <a:schemeClr val="accent2"/>
-      <a:schemeClr val="accent3"/>
-      <a:schemeClr val="accent4"/>
-      <a:schemeClr val="accent5"/>
-      <a:schemeClr val="accent6"/>
-    </dgm:fillClrLst>
-    <dgm:linClrLst meth="repeat">
-      <a:schemeClr val="lt1">
-        <a:alpha val="0"/>
-      </a:schemeClr>
-    </dgm:linClrLst>
-    <dgm:effectClrLst/>
-    <dgm:txLinClrLst/>
-    <dgm:txFillClrLst/>
-    <dgm:txEffectClrLst/>
-  </dgm:styleLbl>
-  <dgm:styleLbl name="dkBgShp">
-    <dgm:fillClrLst meth="repeat">
-      <a:schemeClr val="accent2">
-        <a:shade val="90000"/>
-      </a:schemeClr>
-    </dgm:fillClrLst>
-    <dgm:linClrLst meth="repeat">
-      <a:schemeClr val="dk1"/>
-    </dgm:linClrLst>
-    <dgm:effectClrLst/>
-    <dgm:txLinClrLst/>
-    <dgm:txFillClrLst meth="repeat">
-      <a:schemeClr val="lt1"/>
-    </dgm:txFillClrLst>
-    <dgm:txEffectClrLst/>
-  </dgm:styleLbl>
-  <dgm:styleLbl name="trBgShp">
-    <dgm:fillClrLst meth="repeat">
-      <a:schemeClr val="accent1">
-        <a:tint val="50000"/>
-        <a:alpha val="40000"/>
-      </a:schemeClr>
-    </dgm:fillClrLst>
-    <dgm:linClrLst meth="repeat">
-      <a:schemeClr val="accent2"/>
-    </dgm:linClrLst>
-    <dgm:effectClrLst/>
-    <dgm:txLinClrLst/>
-    <dgm:txFillClrLst meth="repeat">
-      <a:schemeClr val="lt1"/>
-    </dgm:txFillClrLst>
-    <dgm:txEffectClrLst/>
-  </dgm:styleLbl>
-  <dgm:styleLbl name="fgShp">
-    <dgm:fillClrLst meth="repeat">
-      <a:schemeClr val="accent2">
-        <a:tint val="40000"/>
-      </a:schemeClr>
-    </dgm:fillClrLst>
-    <dgm:linClrLst meth="repeat">
-      <a:schemeClr val="lt1"/>
-    </dgm:linClrLst>
-    <dgm:effectClrLst/>
-    <dgm:txLinClrLst/>
-    <dgm:txFillClrLst meth="repeat">
-      <a:schemeClr val="dk1"/>
-    </dgm:txFillClrLst>
-    <dgm:txEffectClrLst/>
-  </dgm:styleLbl>
-  <dgm:styleLbl name="revTx">
-    <dgm:fillClrLst meth="repeat">
-      <a:schemeClr val="lt1">
-        <a:alpha val="0"/>
-      </a:schemeClr>
-    </dgm:fillClrLst>
-    <dgm:linClrLst meth="repeat">
-      <a:schemeClr val="dk1">
-        <a:alpha val="0"/>
-      </a:schemeClr>
-    </dgm:linClrLst>
-    <dgm:effectClrLst/>
-    <dgm:txLinClrLst/>
-    <dgm:txFillClrLst meth="repeat">
-      <a:schemeClr val="tx1"/>
-    </dgm:txFillClrLst>
-    <dgm:txEffectClrLst/>
-  </dgm:styleLbl>
-</dgm:colorsDef>
-</file>
-
-<file path=ppt/diagrams/colors4.xml><?xml version="1.0" encoding="utf-8"?>
-<dgm:colorsDef xmlns:dgm="http://schemas.openxmlformats.org/drawingml/2006/diagram" xmlns:a="http://schemas.openxmlformats.org/drawingml/2006/main" uniqueId="urn:microsoft.com/office/officeart/2005/8/colors/accent1_2">
-  <dgm:title val=""/>
-  <dgm:desc val=""/>
-  <dgm:catLst>
-    <dgm:cat type="accent1" pri="11200"/>
-  </dgm:catLst>
-  <dgm:styleLbl name="node0">
-    <dgm:fillClrLst meth="repeat">
-      <a:schemeClr val="accent1"/>
-    </dgm:fillClrLst>
-    <dgm:linClrLst meth="repeat">
-      <a:schemeClr val="lt1"/>
-    </dgm:linClrLst>
-    <dgm:effectClrLst/>
-    <dgm:txLinClrLst/>
-    <dgm:txFillClrLst/>
-    <dgm:txEffectClrLst/>
-  </dgm:styleLbl>
-  <dgm:styleLbl name="alignNode1">
-    <dgm:fillClrLst meth="repeat">
-      <a:schemeClr val="accent1"/>
-    </dgm:fillClrLst>
-    <dgm:linClrLst meth="repeat">
-      <a:schemeClr val="accent1"/>
-    </dgm:linClrLst>
-    <dgm:effectClrLst/>
-    <dgm:txLinClrLst/>
-    <dgm:txFillClrLst/>
-    <dgm:txEffectClrLst/>
-  </dgm:styleLbl>
-  <dgm:styleLbl name="node1">
-    <dgm:fillClrLst meth="repeat">
-      <a:schemeClr val="accent1"/>
-    </dgm:fillClrLst>
-    <dgm:linClrLst meth="repeat">
-      <a:schemeClr val="lt1"/>
-    </dgm:linClrLst>
-    <dgm:effectClrLst/>
-    <dgm:txLinClrLst/>
-    <dgm:txFillClrLst/>
-    <dgm:txEffectClrLst/>
-  </dgm:styleLbl>
-  <dgm:styleLbl name="lnNode1">
-    <dgm:fillClrLst meth="repeat">
-      <a:schemeClr val="accent1"/>
-    </dgm:fillClrLst>
-    <dgm:linClrLst meth="repeat">
-      <a:schemeClr val="lt1"/>
-    </dgm:linClrLst>
-    <dgm:effectClrLst/>
-    <dgm:txLinClrLst/>
-    <dgm:txFillClrLst/>
-    <dgm:txEffectClrLst/>
-  </dgm:styleLbl>
-  <dgm:styleLbl name="vennNode1">
-    <dgm:fillClrLst meth="repeat">
-      <a:schemeClr val="accent1">
-        <a:alpha val="50000"/>
-      </a:schemeClr>
-    </dgm:fillClrLst>
-    <dgm:linClrLst meth="repeat">
-      <a:schemeClr val="lt1"/>
-    </dgm:linClrLst>
-    <dgm:effectClrLst/>
-    <dgm:txLinClrLst/>
-    <dgm:txFillClrLst/>
-    <dgm:txEffectClrLst/>
-  </dgm:styleLbl>
-  <dgm:styleLbl name="node2">
-    <dgm:fillClrLst meth="repeat">
-      <a:schemeClr val="accent1"/>
-    </dgm:fillClrLst>
-    <dgm:linClrLst meth="repeat">
-      <a:schemeClr val="lt1"/>
-    </dgm:linClrLst>
-    <dgm:effectClrLst/>
-    <dgm:txLinClrLst/>
-    <dgm:txFillClrLst/>
-    <dgm:txEffectClrLst/>
-  </dgm:styleLbl>
-  <dgm:styleLbl name="node3">
-    <dgm:fillClrLst meth="repeat">
-      <a:schemeClr val="accent1"/>
-    </dgm:fillClrLst>
-    <dgm:linClrLst meth="repeat">
-      <a:schemeClr val="lt1"/>
-    </dgm:linClrLst>
-    <dgm:effectClrLst/>
-    <dgm:txLinClrLst/>
-    <dgm:txFillClrLst/>
-    <dgm:txEffectClrLst/>
-  </dgm:styleLbl>
-  <dgm:styleLbl name="node4">
-    <dgm:fillClrLst meth="repeat">
-      <a:schemeClr val="accent1"/>
-    </dgm:fillClrLst>
-    <dgm:linClrLst meth="repeat">
-      <a:schemeClr val="lt1"/>
-    </dgm:linClrLst>
-    <dgm:effectClrLst/>
-    <dgm:txLinClrLst/>
-    <dgm:txFillClrLst/>
-    <dgm:txEffectClrLst/>
-  </dgm:styleLbl>
-  <dgm:styleLbl name="fgImgPlace1">
-    <dgm:fillClrLst meth="repeat">
-      <a:schemeClr val="accent1">
-        <a:tint val="50000"/>
-      </a:schemeClr>
-    </dgm:fillClrLst>
-    <dgm:linClrLst meth="repeat">
-      <a:schemeClr val="lt1"/>
-    </dgm:linClrLst>
-    <dgm:effectClrLst/>
-    <dgm:txLinClrLst/>
-    <dgm:txFillClrLst meth="repeat">
-      <a:schemeClr val="lt1"/>
-    </dgm:txFillClrLst>
-    <dgm:txEffectClrLst/>
-  </dgm:styleLbl>
-  <dgm:styleLbl name="alignImgPlace1">
-    <dgm:fillClrLst meth="repeat">
-      <a:schemeClr val="accent1">
-        <a:tint val="50000"/>
-      </a:schemeClr>
-    </dgm:fillClrLst>
-    <dgm:linClrLst meth="repeat">
-      <a:schemeClr val="lt1"/>
-    </dgm:linClrLst>
-    <dgm:effectClrLst/>
-    <dgm:txLinClrLst/>
-    <dgm:txFillClrLst meth="repeat">
-      <a:schemeClr val="lt1"/>
-    </dgm:txFillClrLst>
-    <dgm:txEffectClrLst/>
-  </dgm:styleLbl>
-  <dgm:styleLbl name="bgImgPlace1">
-    <dgm:fillClrLst meth="repeat">
-      <a:schemeClr val="accent1">
-        <a:tint val="50000"/>
-      </a:schemeClr>
-    </dgm:fillClrLst>
-    <dgm:linClrLst meth="repeat">
-      <a:schemeClr val="lt1"/>
-    </dgm:linClrLst>
-    <dgm:effectClrLst/>
-    <dgm:txLinClrLst/>
-    <dgm:txFillClrLst meth="repeat">
-      <a:schemeClr val="lt1"/>
-    </dgm:txFillClrLst>
-    <dgm:txEffectClrLst/>
-  </dgm:styleLbl>
-  <dgm:styleLbl name="sibTrans2D1">
-    <dgm:fillClrLst meth="repeat">
-      <a:schemeClr val="accent1">
-        <a:tint val="60000"/>
-      </a:schemeClr>
-    </dgm:fillClrLst>
-    <dgm:linClrLst meth="repeat">
-      <a:schemeClr val="accent1">
-        <a:tint val="60000"/>
-      </a:schemeClr>
-    </dgm:linClrLst>
-    <dgm:effectClrLst/>
-    <dgm:txLinClrLst/>
-    <dgm:txFillClrLst/>
-    <dgm:txEffectClrLst/>
-  </dgm:styleLbl>
-  <dgm:styleLbl name="fgSibTrans2D1">
-    <dgm:fillClrLst meth="repeat">
-      <a:schemeClr val="accent1">
-        <a:tint val="60000"/>
-      </a:schemeClr>
-    </dgm:fillClrLst>
-    <dgm:linClrLst meth="repeat">
-      <a:schemeClr val="accent1">
-        <a:tint val="60000"/>
-      </a:schemeClr>
-    </dgm:linClrLst>
-    <dgm:effectClrLst/>
-    <dgm:txLinClrLst/>
-    <dgm:txFillClrLst/>
-    <dgm:txEffectClrLst/>
-  </dgm:styleLbl>
-  <dgm:styleLbl name="bgSibTrans2D1">
-    <dgm:fillClrLst meth="repeat">
-      <a:schemeClr val="accent1">
-        <a:tint val="60000"/>
-      </a:schemeClr>
-    </dgm:fillClrLst>
-    <dgm:linClrLst meth="repeat">
-      <a:schemeClr val="accent1">
-        <a:tint val="60000"/>
-      </a:schemeClr>
-    </dgm:linClrLst>
-    <dgm:effectClrLst/>
-    <dgm:txLinClrLst/>
-    <dgm:txFillClrLst/>
-    <dgm:txEffectClrLst/>
-  </dgm:styleLbl>
-  <dgm:styleLbl name="sibTrans1D1">
-    <dgm:fillClrLst meth="repeat">
-      <a:schemeClr val="accent1"/>
-    </dgm:fillClrLst>
-    <dgm:linClrLst meth="repeat">
-      <a:schemeClr val="accent1"/>
-    </dgm:linClrLst>
-    <dgm:effectClrLst/>
-    <dgm:txLinClrLst/>
-    <dgm:txFillClrLst meth="repeat">
-      <a:schemeClr val="tx1"/>
-    </dgm:txFillClrLst>
-    <dgm:txEffectClrLst/>
-  </dgm:styleLbl>
-  <dgm:styleLbl name="callout">
-    <dgm:fillClrLst meth="repeat">
-      <a:schemeClr val="accent1"/>
-    </dgm:fillClrLst>
-    <dgm:linClrLst meth="repeat">
-      <a:schemeClr val="accent1">
-        <a:tint val="50000"/>
-      </a:schemeClr>
-    </dgm:linClrLst>
-    <dgm:effectClrLst/>
-    <dgm:txLinClrLst/>
-    <dgm:txFillClrLst meth="repeat">
-      <a:schemeClr val="tx1"/>
-    </dgm:txFillClrLst>
-    <dgm:txEffectClrLst/>
-  </dgm:styleLbl>
-  <dgm:styleLbl name="asst0">
-    <dgm:fillClrLst meth="repeat">
-      <a:schemeClr val="accent1"/>
-    </dgm:fillClrLst>
-    <dgm:linClrLst meth="repeat">
-      <a:schemeClr val="lt1"/>
-    </dgm:linClrLst>
-    <dgm:effectClrLst/>
-    <dgm:txLinClrLst/>
-    <dgm:txFillClrLst/>
-    <dgm:txEffectClrLst/>
-  </dgm:styleLbl>
-  <dgm:styleLbl name="asst1">
-    <dgm:fillClrLst meth="repeat">
-      <a:schemeClr val="accent1"/>
-    </dgm:fillClrLst>
-    <dgm:linClrLst meth="repeat">
-      <a:schemeClr val="lt1"/>
-    </dgm:linClrLst>
-    <dgm:effectClrLst/>
-    <dgm:txLinClrLst/>
-    <dgm:txFillClrLst/>
-    <dgm:txEffectClrLst/>
-  </dgm:styleLbl>
-  <dgm:styleLbl name="asst2">
-    <dgm:fillClrLst meth="repeat">
-      <a:schemeClr val="accent1"/>
-    </dgm:fillClrLst>
-    <dgm:linClrLst meth="repeat">
-      <a:schemeClr val="lt1"/>
-    </dgm:linClrLst>
-    <dgm:effectClrLst/>
-    <dgm:txLinClrLst/>
-    <dgm:txFillClrLst/>
-    <dgm:txEffectClrLst/>
-  </dgm:styleLbl>
-  <dgm:styleLbl name="asst3">
-    <dgm:fillClrLst meth="repeat">
-      <a:schemeClr val="accent1"/>
-    </dgm:fillClrLst>
-    <dgm:linClrLst meth="repeat">
-      <a:schemeClr val="lt1"/>
-    </dgm:linClrLst>
-    <dgm:effectClrLst/>
-    <dgm:txLinClrLst/>
-    <dgm:txFillClrLst/>
-    <dgm:txEffectClrLst/>
-  </dgm:styleLbl>
-  <dgm:styleLbl name="asst4">
-    <dgm:fillClrLst meth="repeat">
-      <a:schemeClr val="accent1"/>
-    </dgm:fillClrLst>
-    <dgm:linClrLst meth="repeat">
-      <a:schemeClr val="lt1"/>
-    </dgm:linClrLst>
-    <dgm:effectClrLst/>
-    <dgm:txLinClrLst/>
-    <dgm:txFillClrLst/>
-    <dgm:txEffectClrLst/>
-  </dgm:styleLbl>
-  <dgm:styleLbl name="parChTrans2D1">
-    <dgm:fillClrLst meth="repeat">
-      <a:schemeClr val="accent1">
-        <a:tint val="60000"/>
-      </a:schemeClr>
-    </dgm:fillClrLst>
-    <dgm:linClrLst meth="repeat">
-      <a:schemeClr val="accent1">
-        <a:tint val="60000"/>
-      </a:schemeClr>
-    </dgm:linClrLst>
-    <dgm:effectClrLst/>
-    <dgm:txLinClrLst/>
-    <dgm:txFillClrLst meth="repeat">
-      <a:schemeClr val="lt1"/>
-    </dgm:txFillClrLst>
-    <dgm:txEffectClrLst/>
-  </dgm:styleLbl>
-  <dgm:styleLbl name="parChTrans2D2">
-    <dgm:fillClrLst meth="repeat">
-      <a:schemeClr val="accent1"/>
-    </dgm:fillClrLst>
-    <dgm:linClrLst meth="repeat">
-      <a:schemeClr val="accent1"/>
-    </dgm:linClrLst>
-    <dgm:effectClrLst/>
-    <dgm:txLinClrLst/>
-    <dgm:txFillClrLst meth="repeat">
-      <a:schemeClr val="lt1"/>
-    </dgm:txFillClrLst>
-    <dgm:txEffectClrLst/>
-  </dgm:styleLbl>
-  <dgm:styleLbl name="parChTrans2D3">
-    <dgm:fillClrLst meth="repeat">
-      <a:schemeClr val="accent1"/>
-    </dgm:fillClrLst>
-    <dgm:linClrLst meth="repeat">
-      <a:schemeClr val="accent1"/>
-    </dgm:linClrLst>
-    <dgm:effectClrLst/>
-    <dgm:txLinClrLst/>
-    <dgm:txFillClrLst meth="repeat">
-      <a:schemeClr val="lt1"/>
-    </dgm:txFillClrLst>
-    <dgm:txEffectClrLst/>
-  </dgm:styleLbl>
-  <dgm:styleLbl name="parChTrans2D4">
-    <dgm:fillClrLst meth="repeat">
-      <a:schemeClr val="accent1"/>
-    </dgm:fillClrLst>
-    <dgm:linClrLst meth="repeat">
-      <a:schemeClr val="accent1"/>
-    </dgm:linClrLst>
-    <dgm:effectClrLst/>
-    <dgm:txLinClrLst/>
-    <dgm:txFillClrLst meth="repeat">
-      <a:schemeClr val="lt1"/>
-    </dgm:txFillClrLst>
-    <dgm:txEffectClrLst/>
-  </dgm:styleLbl>
-  <dgm:styleLbl name="parChTrans1D1">
-    <dgm:fillClrLst meth="repeat">
-      <a:schemeClr val="accent1"/>
-    </dgm:fillClrLst>
-    <dgm:linClrLst meth="repeat">
-      <a:schemeClr val="accent1">
-        <a:shade val="60000"/>
-      </a:schemeClr>
-    </dgm:linClrLst>
-    <dgm:effectClrLst/>
-    <dgm:txLinClrLst/>
-    <dgm:txFillClrLst meth="repeat">
-      <a:schemeClr val="tx1"/>
-    </dgm:txFillClrLst>
-    <dgm:txEffectClrLst/>
-  </dgm:styleLbl>
-  <dgm:styleLbl name="parChTrans1D2">
-    <dgm:fillClrLst meth="repeat">
-      <a:schemeClr val="accent1"/>
-    </dgm:fillClrLst>
-    <dgm:linClrLst meth="repeat">
-      <a:schemeClr val="accent1">
-        <a:shade val="60000"/>
-      </a:schemeClr>
-    </dgm:linClrLst>
-    <dgm:effectClrLst/>
-    <dgm:txLinClrLst/>
-    <dgm:txFillClrLst meth="repeat">
-      <a:schemeClr val="tx1"/>
-    </dgm:txFillClrLst>
-    <dgm:txEffectClrLst/>
-  </dgm:styleLbl>
-  <dgm:styleLbl name="parChTrans1D3">
-    <dgm:fillClrLst meth="repeat">
-      <a:schemeClr val="accent1"/>
-    </dgm:fillClrLst>
-    <dgm:linClrLst meth="repeat">
-      <a:schemeClr val="accent1">
-        <a:shade val="80000"/>
-      </a:schemeClr>
-    </dgm:linClrLst>
-    <dgm:effectClrLst/>
-    <dgm:txLinClrLst/>
-    <dgm:txFillClrLst meth="repeat">
-      <a:schemeClr val="tx1"/>
-    </dgm:txFillClrLst>
-    <dgm:txEffectClrLst/>
-  </dgm:styleLbl>
-  <dgm:styleLbl name="parChTrans1D4">
-    <dgm:fillClrLst meth="repeat">
-      <a:schemeClr val="accent1"/>
-    </dgm:fillClrLst>
-    <dgm:linClrLst meth="repeat">
-      <a:schemeClr val="accent1">
-        <a:shade val="80000"/>
-      </a:schemeClr>
-    </dgm:linClrLst>
-    <dgm:effectClrLst/>
-    <dgm:txLinClrLst/>
-    <dgm:txFillClrLst meth="repeat">
-      <a:schemeClr val="tx1"/>
-    </dgm:txFillClrLst>
-    <dgm:txEffectClrLst/>
-  </dgm:styleLbl>
-  <dgm:styleLbl name="fgAcc1">
-    <dgm:fillClrLst meth="repeat">
-      <a:schemeClr val="lt1">
-        <a:alpha val="90000"/>
-      </a:schemeClr>
-    </dgm:fillClrLst>
-    <dgm:linClrLst meth="repeat">
-      <a:schemeClr val="accent1"/>
-    </dgm:linClrLst>
-    <dgm:effectClrLst/>
-    <dgm:txLinClrLst/>
-    <dgm:txFillClrLst meth="repeat">
-      <a:schemeClr val="dk1"/>
-    </dgm:txFillClrLst>
-    <dgm:txEffectClrLst/>
-  </dgm:styleLbl>
-  <dgm:styleLbl name="conFgAcc1">
-    <dgm:fillClrLst meth="repeat">
-      <a:schemeClr val="lt1">
-        <a:alpha val="90000"/>
-      </a:schemeClr>
-    </dgm:fillClrLst>
-    <dgm:linClrLst meth="repeat">
-      <a:schemeClr val="accent1"/>
-    </dgm:linClrLst>
-    <dgm:effectClrLst/>
-    <dgm:txLinClrLst/>
-    <dgm:txFillClrLst meth="repeat">
-      <a:schemeClr val="dk1"/>
-    </dgm:txFillClrLst>
-    <dgm:txEffectClrLst/>
-  </dgm:styleLbl>
-  <dgm:styleLbl name="alignAcc1">
-    <dgm:fillClrLst meth="repeat">
-      <a:schemeClr val="lt1">
-        <a:alpha val="90000"/>
-      </a:schemeClr>
-    </dgm:fillClrLst>
-    <dgm:linClrLst meth="repeat">
-      <a:schemeClr val="accent1"/>
-    </dgm:linClrLst>
-    <dgm:effectClrLst/>
-    <dgm:txLinClrLst/>
-    <dgm:txFillClrLst meth="repeat">
-      <a:schemeClr val="dk1"/>
-    </dgm:txFillClrLst>
-    <dgm:txEffectClrLst/>
-  </dgm:styleLbl>
-  <dgm:styleLbl name="trAlignAcc1">
-    <dgm:fillClrLst meth="repeat">
-      <a:schemeClr val="lt1">
-        <a:alpha val="40000"/>
-      </a:schemeClr>
-    </dgm:fillClrLst>
-    <dgm:linClrLst meth="repeat">
-      <a:schemeClr val="accent1"/>
-    </dgm:linClrLst>
-    <dgm:effectClrLst/>
-    <dgm:txLinClrLst/>
-    <dgm:txFillClrLst meth="repeat">
-      <a:schemeClr val="dk1"/>
-    </dgm:txFillClrLst>
-    <dgm:txEffectClrLst/>
-  </dgm:styleLbl>
-  <dgm:styleLbl name="bgAcc1">
-    <dgm:fillClrLst meth="repeat">
-      <a:schemeClr val="lt1">
-        <a:alpha val="90000"/>
-      </a:schemeClr>
-    </dgm:fillClrLst>
-    <dgm:linClrLst meth="repeat">
-      <a:schemeClr val="accent1"/>
-    </dgm:linClrLst>
-    <dgm:effectClrLst/>
-    <dgm:txLinClrLst/>
-    <dgm:txFillClrLst meth="repeat">
-      <a:schemeClr val="dk1"/>
-    </dgm:txFillClrLst>
-    <dgm:txEffectClrLst/>
-  </dgm:styleLbl>
-  <dgm:styleLbl name="solidFgAcc1">
-    <dgm:fillClrLst meth="repeat">
-      <a:schemeClr val="lt1"/>
-    </dgm:fillClrLst>
-    <dgm:linClrLst meth="repeat">
-      <a:schemeClr val="accent1"/>
-    </dgm:linClrLst>
-    <dgm:effectClrLst/>
-    <dgm:txLinClrLst/>
-    <dgm:txFillClrLst meth="repeat">
-      <a:schemeClr val="dk1"/>
-    </dgm:txFillClrLst>
-    <dgm:txEffectClrLst/>
-  </dgm:styleLbl>
-  <dgm:styleLbl name="solidAlignAcc1">
-    <dgm:fillClrLst meth="repeat">
-      <a:schemeClr val="lt1"/>
-    </dgm:fillClrLst>
-    <dgm:linClrLst meth="repeat">
-      <a:schemeClr val="accent1"/>
-    </dgm:linClrLst>
-    <dgm:effectClrLst/>
-    <dgm:txLinClrLst/>
-    <dgm:txFillClrLst meth="repeat">
-      <a:schemeClr val="dk1"/>
-    </dgm:txFillClrLst>
-    <dgm:txEffectClrLst/>
-  </dgm:styleLbl>
-  <dgm:styleLbl name="solidBgAcc1">
-    <dgm:fillClrLst meth="repeat">
-      <a:schemeClr val="lt1"/>
-    </dgm:fillClrLst>
-    <dgm:linClrLst meth="repeat">
-      <a:schemeClr val="accent1"/>
-    </dgm:linClrLst>
-    <dgm:effectClrLst/>
-    <dgm:txLinClrLst/>
-    <dgm:txFillClrLst meth="repeat">
-      <a:schemeClr val="dk1"/>
-    </dgm:txFillClrLst>
-    <dgm:txEffectClrLst/>
-  </dgm:styleLbl>
-  <dgm:styleLbl name="fgAccFollowNode1">
-    <dgm:fillClrLst meth="repeat">
-      <a:schemeClr val="accent1">
-        <a:alpha val="90000"/>
-        <a:tint val="40000"/>
-      </a:schemeClr>
-    </dgm:fillClrLst>
-    <dgm:linClrLst meth="repeat">
-      <a:schemeClr val="accent1">
-        <a:alpha val="90000"/>
-        <a:tint val="40000"/>
-      </a:schemeClr>
-    </dgm:linClrLst>
-    <dgm:effectClrLst/>
-    <dgm:txLinClrLst/>
-    <dgm:txFillClrLst meth="repeat">
-      <a:schemeClr val="dk1"/>
-    </dgm:txFillClrLst>
-    <dgm:txEffectClrLst/>
-  </dgm:styleLbl>
-  <dgm:styleLbl name="alignAccFollowNode1">
-    <dgm:fillClrLst meth="repeat">
-      <a:schemeClr val="accent1">
-        <a:alpha val="90000"/>
-        <a:tint val="40000"/>
-      </a:schemeClr>
-    </dgm:fillClrLst>
-    <dgm:linClrLst meth="repeat">
-      <a:schemeClr val="accent1">
-        <a:alpha val="90000"/>
-        <a:tint val="40000"/>
-      </a:schemeClr>
-    </dgm:linClrLst>
-    <dgm:effectClrLst/>
-    <dgm:txLinClrLst/>
-    <dgm:txFillClrLst meth="repeat">
-      <a:schemeClr val="dk1"/>
-    </dgm:txFillClrLst>
-    <dgm:txEffectClrLst/>
-  </dgm:styleLbl>
-  <dgm:styleLbl name="bgAccFollowNode1">
-    <dgm:fillClrLst meth="repeat">
-      <a:schemeClr val="accent1">
-        <a:alpha val="90000"/>
-        <a:tint val="40000"/>
-      </a:schemeClr>
-    </dgm:fillClrLst>
-    <dgm:linClrLst meth="repeat">
-      <a:schemeClr val="accent1">
-        <a:alpha val="90000"/>
-        <a:tint val="40000"/>
-      </a:schemeClr>
-    </dgm:linClrLst>
-    <dgm:effectClrLst/>
-    <dgm:txLinClrLst/>
-    <dgm:txFillClrLst meth="repeat">
-      <a:schemeClr val="dk1"/>
-    </dgm:txFillClrLst>
-    <dgm:txEffectClrLst/>
-  </dgm:styleLbl>
-  <dgm:styleLbl name="fgAcc0">
-    <dgm:fillClrLst meth="repeat">
-      <a:schemeClr val="lt1">
-        <a:alpha val="90000"/>
-      </a:schemeClr>
-    </dgm:fillClrLst>
-    <dgm:linClrLst meth="repeat">
-      <a:schemeClr val="accent1"/>
-    </dgm:linClrLst>
-    <dgm:effectClrLst/>
-    <dgm:txLinClrLst/>
-    <dgm:txFillClrLst meth="repeat">
-      <a:schemeClr val="dk1"/>
-    </dgm:txFillClrLst>
-    <dgm:txEffectClrLst/>
-  </dgm:styleLbl>
-  <dgm:styleLbl name="fgAcc2">
-    <dgm:fillClrLst meth="repeat">
-      <a:schemeClr val="lt1">
-        <a:alpha val="90000"/>
-      </a:schemeClr>
-    </dgm:fillClrLst>
-    <dgm:linClrLst meth="repeat">
-      <a:schemeClr val="accent1"/>
-    </dgm:linClrLst>
-    <dgm:effectClrLst/>
-    <dgm:txLinClrLst/>
-    <dgm:txFillClrLst meth="repeat">
-      <a:schemeClr val="dk1"/>
-    </dgm:txFillClrLst>
-    <dgm:txEffectClrLst/>
-  </dgm:styleLbl>
-  <dgm:styleLbl name="fgAcc3">
-    <dgm:fillClrLst meth="repeat">
-      <a:schemeClr val="lt1">
-        <a:alpha val="90000"/>
-      </a:schemeClr>
-    </dgm:fillClrLst>
-    <dgm:linClrLst meth="repeat">
-      <a:schemeClr val="accent1"/>
-    </dgm:linClrLst>
-    <dgm:effectClrLst/>
-    <dgm:txLinClrLst/>
-    <dgm:txFillClrLst meth="repeat">
-      <a:schemeClr val="dk1"/>
-    </dgm:txFillClrLst>
-    <dgm:txEffectClrLst/>
-  </dgm:styleLbl>
-  <dgm:styleLbl name="fgAcc4">
-    <dgm:fillClrLst meth="repeat">
-      <a:schemeClr val="lt1">
-        <a:alpha val="90000"/>
-      </a:schemeClr>
-    </dgm:fillClrLst>
-    <dgm:linClrLst meth="repeat">
-      <a:schemeClr val="accent1"/>
-    </dgm:linClrLst>
-    <dgm:effectClrLst/>
-    <dgm:txLinClrLst/>
-    <dgm:txFillClrLst meth="repeat">
-      <a:schemeClr val="dk1"/>
-    </dgm:txFillClrLst>
-    <dgm:txEffectClrLst/>
-  </dgm:styleLbl>
-  <dgm:styleLbl name="bgShp">
-    <dgm:fillClrLst meth="repeat">
-      <a:schemeClr val="accent1">
-        <a:tint val="40000"/>
-      </a:schemeClr>
-    </dgm:fillClrLst>
-    <dgm:linClrLst meth="repeat">
-      <a:schemeClr val="accent1"/>
-    </dgm:linClrLst>
-    <dgm:effectClrLst/>
-    <dgm:txLinClrLst/>
-    <dgm:txFillClrLst meth="repeat">
-      <a:schemeClr val="dk1"/>
-    </dgm:txFillClrLst>
-    <dgm:txEffectClrLst/>
-  </dgm:styleLbl>
-  <dgm:styleLbl name="dkBgShp">
-    <dgm:fillClrLst meth="repeat">
-      <a:schemeClr val="accent1">
-        <a:shade val="80000"/>
-      </a:schemeClr>
-    </dgm:fillClrLst>
-    <dgm:linClrLst meth="repeat">
-      <a:schemeClr val="accent1"/>
-    </dgm:linClrLst>
-    <dgm:effectClrLst/>
-    <dgm:txLinClrLst/>
-    <dgm:txFillClrLst meth="repeat">
-      <a:schemeClr val="lt1"/>
-    </dgm:txFillClrLst>
-    <dgm:txEffectClrLst/>
-  </dgm:styleLbl>
-  <dgm:styleLbl name="trBgShp">
-    <dgm:fillClrLst meth="repeat">
-      <a:schemeClr val="accent1">
-        <a:tint val="50000"/>
-        <a:alpha val="40000"/>
-      </a:schemeClr>
-    </dgm:fillClrLst>
-    <dgm:linClrLst meth="repeat">
-      <a:schemeClr val="accent1"/>
-    </dgm:linClrLst>
-    <dgm:effectClrLst/>
-    <dgm:txLinClrLst/>
-    <dgm:txFillClrLst meth="repeat">
-      <a:schemeClr val="lt1"/>
-    </dgm:txFillClrLst>
-    <dgm:txEffectClrLst/>
-  </dgm:styleLbl>
-  <dgm:styleLbl name="fgShp">
-    <dgm:fillClrLst meth="repeat">
-      <a:schemeClr val="accent1">
-        <a:tint val="60000"/>
-      </a:schemeClr>
-    </dgm:fillClrLst>
-    <dgm:linClrLst meth="repeat">
-      <a:schemeClr val="lt1"/>
-    </dgm:linClrLst>
-    <dgm:effectClrLst/>
-    <dgm:txLinClrLst/>
-    <dgm:txFillClrLst meth="repeat">
-      <a:schemeClr val="dk1"/>
-    </dgm:txFillClrLst>
-    <dgm:txEffectClrLst/>
-  </dgm:styleLbl>
-  <dgm:styleLbl name="revTx">
-    <dgm:fillClrLst meth="repeat">
-      <a:schemeClr val="lt1">
-        <a:alpha val="0"/>
-      </a:schemeClr>
-    </dgm:fillClrLst>
-    <dgm:linClrLst meth="repeat">
-      <a:schemeClr val="dk1">
-        <a:alpha val="0"/>
-      </a:schemeClr>
-    </dgm:linClrLst>
-    <dgm:effectClrLst/>
-    <dgm:txLinClrLst/>
-    <dgm:txFillClrLst meth="repeat">
-      <a:schemeClr val="tx1"/>
-    </dgm:txFillClrLst>
-    <dgm:txEffectClrLst/>
-  </dgm:styleLbl>
-</dgm:colorsDef>
-</file>
-
-<file path=ppt/diagrams/colors5.xml><?xml version="1.0" encoding="utf-8"?>
-<dgm:colorsDef xmlns:dgm="http://schemas.openxmlformats.org/drawingml/2006/diagram" xmlns:a="http://schemas.openxmlformats.org/drawingml/2006/main" uniqueId="urn:microsoft.com/office/officeart/2005/8/colors/accent1_2">
-  <dgm:title val=""/>
-  <dgm:desc val=""/>
-  <dgm:catLst>
-    <dgm:cat type="accent1" pri="11200"/>
-  </dgm:catLst>
-  <dgm:styleLbl name="node0">
-    <dgm:fillClrLst meth="repeat">
-      <a:schemeClr val="accent1"/>
-    </dgm:fillClrLst>
-    <dgm:linClrLst meth="repeat">
-      <a:schemeClr val="lt1"/>
-    </dgm:linClrLst>
-    <dgm:effectClrLst/>
-    <dgm:txLinClrLst/>
-    <dgm:txFillClrLst/>
-    <dgm:txEffectClrLst/>
-  </dgm:styleLbl>
-  <dgm:styleLbl name="alignNode1">
-    <dgm:fillClrLst meth="repeat">
-      <a:schemeClr val="accent1"/>
-    </dgm:fillClrLst>
-    <dgm:linClrLst meth="repeat">
-      <a:schemeClr val="accent1"/>
-    </dgm:linClrLst>
-    <dgm:effectClrLst/>
-    <dgm:txLinClrLst/>
-    <dgm:txFillClrLst/>
-    <dgm:txEffectClrLst/>
-  </dgm:styleLbl>
-  <dgm:styleLbl name="node1">
-    <dgm:fillClrLst meth="repeat">
-      <a:schemeClr val="accent1"/>
-    </dgm:fillClrLst>
-    <dgm:linClrLst meth="repeat">
-      <a:schemeClr val="lt1"/>
-    </dgm:linClrLst>
-    <dgm:effectClrLst/>
-    <dgm:txLinClrLst/>
-    <dgm:txFillClrLst/>
-    <dgm:txEffectClrLst/>
-  </dgm:styleLbl>
-  <dgm:styleLbl name="lnNode1">
-    <dgm:fillClrLst meth="repeat">
-      <a:schemeClr val="accent1"/>
-    </dgm:fillClrLst>
-    <dgm:linClrLst meth="repeat">
-      <a:schemeClr val="lt1"/>
-    </dgm:linClrLst>
-    <dgm:effectClrLst/>
-    <dgm:txLinClrLst/>
-    <dgm:txFillClrLst/>
-    <dgm:txEffectClrLst/>
-  </dgm:styleLbl>
-  <dgm:styleLbl name="vennNode1">
-    <dgm:fillClrLst meth="repeat">
-      <a:schemeClr val="accent1">
-        <a:alpha val="50000"/>
-      </a:schemeClr>
-    </dgm:fillClrLst>
-    <dgm:linClrLst meth="repeat">
-      <a:schemeClr val="lt1"/>
-    </dgm:linClrLst>
-    <dgm:effectClrLst/>
-    <dgm:txLinClrLst/>
-    <dgm:txFillClrLst/>
-    <dgm:txEffectClrLst/>
-  </dgm:styleLbl>
-  <dgm:styleLbl name="node2">
-    <dgm:fillClrLst meth="repeat">
-      <a:schemeClr val="accent1"/>
-    </dgm:fillClrLst>
-    <dgm:linClrLst meth="repeat">
-      <a:schemeClr val="lt1"/>
-    </dgm:linClrLst>
-    <dgm:effectClrLst/>
-    <dgm:txLinClrLst/>
-    <dgm:txFillClrLst/>
-    <dgm:txEffectClrLst/>
-  </dgm:styleLbl>
-  <dgm:styleLbl name="node3">
-    <dgm:fillClrLst meth="repeat">
-      <a:schemeClr val="accent1"/>
-    </dgm:fillClrLst>
-    <dgm:linClrLst meth="repeat">
-      <a:schemeClr val="lt1"/>
-    </dgm:linClrLst>
-    <dgm:effectClrLst/>
-    <dgm:txLinClrLst/>
-    <dgm:txFillClrLst/>
-    <dgm:txEffectClrLst/>
-  </dgm:styleLbl>
-  <dgm:styleLbl name="node4">
-    <dgm:fillClrLst meth="repeat">
-      <a:schemeClr val="accent1"/>
-    </dgm:fillClrLst>
-    <dgm:linClrLst meth="repeat">
-      <a:schemeClr val="lt1"/>
-    </dgm:linClrLst>
-    <dgm:effectClrLst/>
-    <dgm:txLinClrLst/>
-    <dgm:txFillClrLst/>
-    <dgm:txEffectClrLst/>
-  </dgm:styleLbl>
-  <dgm:styleLbl name="fgImgPlace1">
-    <dgm:fillClrLst meth="repeat">
-      <a:schemeClr val="accent1">
-        <a:tint val="50000"/>
-      </a:schemeClr>
-    </dgm:fillClrLst>
-    <dgm:linClrLst meth="repeat">
-      <a:schemeClr val="lt1"/>
-    </dgm:linClrLst>
-    <dgm:effectClrLst/>
-    <dgm:txLinClrLst/>
-    <dgm:txFillClrLst meth="repeat">
-      <a:schemeClr val="lt1"/>
-    </dgm:txFillClrLst>
-    <dgm:txEffectClrLst/>
-  </dgm:styleLbl>
-  <dgm:styleLbl name="alignImgPlace1">
-    <dgm:fillClrLst meth="repeat">
-      <a:schemeClr val="accent1">
-        <a:tint val="50000"/>
-      </a:schemeClr>
-    </dgm:fillClrLst>
-    <dgm:linClrLst meth="repeat">
-      <a:schemeClr val="lt1"/>
-    </dgm:linClrLst>
-    <dgm:effectClrLst/>
-    <dgm:txLinClrLst/>
-    <dgm:txFillClrLst meth="repeat">
-      <a:schemeClr val="lt1"/>
-    </dgm:txFillClrLst>
-    <dgm:txEffectClrLst/>
-  </dgm:styleLbl>
-  <dgm:styleLbl name="bgImgPlace1">
-    <dgm:fillClrLst meth="repeat">
-      <a:schemeClr val="accent1">
-        <a:tint val="50000"/>
-      </a:schemeClr>
-    </dgm:fillClrLst>
-    <dgm:linClrLst meth="repeat">
-      <a:schemeClr val="lt1"/>
-    </dgm:linClrLst>
-    <dgm:effectClrLst/>
-    <dgm:txLinClrLst/>
-    <dgm:txFillClrLst meth="repeat">
-      <a:schemeClr val="lt1"/>
-    </dgm:txFillClrLst>
-    <dgm:txEffectClrLst/>
-  </dgm:styleLbl>
-  <dgm:styleLbl name="sibTrans2D1">
-    <dgm:fillClrLst meth="repeat">
-      <a:schemeClr val="accent1">
-        <a:tint val="60000"/>
-      </a:schemeClr>
-    </dgm:fillClrLst>
-    <dgm:linClrLst meth="repeat">
-      <a:schemeClr val="accent1">
-        <a:tint val="60000"/>
-      </a:schemeClr>
-    </dgm:linClrLst>
-    <dgm:effectClrLst/>
-    <dgm:txLinClrLst/>
-    <dgm:txFillClrLst/>
-    <dgm:txEffectClrLst/>
-  </dgm:styleLbl>
-  <dgm:styleLbl name="fgSibTrans2D1">
-    <dgm:fillClrLst meth="repeat">
-      <a:schemeClr val="accent1">
-        <a:tint val="60000"/>
-      </a:schemeClr>
-    </dgm:fillClrLst>
-    <dgm:linClrLst meth="repeat">
-      <a:schemeClr val="accent1">
-        <a:tint val="60000"/>
-      </a:schemeClr>
-    </dgm:linClrLst>
-    <dgm:effectClrLst/>
-    <dgm:txLinClrLst/>
-    <dgm:txFillClrLst/>
-    <dgm:txEffectClrLst/>
-  </dgm:styleLbl>
-  <dgm:styleLbl name="bgSibTrans2D1">
-    <dgm:fillClrLst meth="repeat">
-      <a:schemeClr val="accent1">
-        <a:tint val="60000"/>
-      </a:schemeClr>
-    </dgm:fillClrLst>
-    <dgm:linClrLst meth="repeat">
-      <a:schemeClr val="accent1">
-        <a:tint val="60000"/>
-      </a:schemeClr>
-    </dgm:linClrLst>
-    <dgm:effectClrLst/>
-    <dgm:txLinClrLst/>
-    <dgm:txFillClrLst/>
-    <dgm:txEffectClrLst/>
-  </dgm:styleLbl>
-  <dgm:styleLbl name="sibTrans1D1">
-    <dgm:fillClrLst meth="repeat">
-      <a:schemeClr val="accent1"/>
-    </dgm:fillClrLst>
-    <dgm:linClrLst meth="repeat">
-      <a:schemeClr val="accent1"/>
-    </dgm:linClrLst>
-    <dgm:effectClrLst/>
-    <dgm:txLinClrLst/>
-    <dgm:txFillClrLst meth="repeat">
-      <a:schemeClr val="tx1"/>
-    </dgm:txFillClrLst>
-    <dgm:txEffectClrLst/>
-  </dgm:styleLbl>
-  <dgm:styleLbl name="callout">
-    <dgm:fillClrLst meth="repeat">
-      <a:schemeClr val="accent1"/>
-    </dgm:fillClrLst>
-    <dgm:linClrLst meth="repeat">
-      <a:schemeClr val="accent1">
-        <a:tint val="50000"/>
-      </a:schemeClr>
-    </dgm:linClrLst>
-    <dgm:effectClrLst/>
-    <dgm:txLinClrLst/>
-    <dgm:txFillClrLst meth="repeat">
-      <a:schemeClr val="tx1"/>
-    </dgm:txFillClrLst>
-    <dgm:txEffectClrLst/>
-  </dgm:styleLbl>
-  <dgm:styleLbl name="asst0">
-    <dgm:fillClrLst meth="repeat">
-      <a:schemeClr val="accent1"/>
-    </dgm:fillClrLst>
-    <dgm:linClrLst meth="repeat">
-      <a:schemeClr val="lt1"/>
-    </dgm:linClrLst>
-    <dgm:effectClrLst/>
-    <dgm:txLinClrLst/>
-    <dgm:txFillClrLst/>
-    <dgm:txEffectClrLst/>
-  </dgm:styleLbl>
-  <dgm:styleLbl name="asst1">
-    <dgm:fillClrLst meth="repeat">
-      <a:schemeClr val="accent1"/>
-    </dgm:fillClrLst>
-    <dgm:linClrLst meth="repeat">
-      <a:schemeClr val="lt1"/>
-    </dgm:linClrLst>
-    <dgm:effectClrLst/>
-    <dgm:txLinClrLst/>
-    <dgm:txFillClrLst/>
-    <dgm:txEffectClrLst/>
-  </dgm:styleLbl>
-  <dgm:styleLbl name="asst2">
-    <dgm:fillClrLst meth="repeat">
-      <a:schemeClr val="accent1"/>
-    </dgm:fillClrLst>
-    <dgm:linClrLst meth="repeat">
-      <a:schemeClr val="lt1"/>
-    </dgm:linClrLst>
-    <dgm:effectClrLst/>
-    <dgm:txLinClrLst/>
-    <dgm:txFillClrLst/>
-    <dgm:txEffectClrLst/>
-  </dgm:styleLbl>
-  <dgm:styleLbl name="asst3">
-    <dgm:fillClrLst meth="repeat">
-      <a:schemeClr val="accent1"/>
-    </dgm:fillClrLst>
-    <dgm:linClrLst meth="repeat">
-      <a:schemeClr val="lt1"/>
-    </dgm:linClrLst>
-    <dgm:effectClrLst/>
-    <dgm:txLinClrLst/>
-    <dgm:txFillClrLst/>
-    <dgm:txEffectClrLst/>
-  </dgm:styleLbl>
-  <dgm:styleLbl name="asst4">
-    <dgm:fillClrLst meth="repeat">
-      <a:schemeClr val="accent1"/>
-    </dgm:fillClrLst>
-    <dgm:linClrLst meth="repeat">
-      <a:schemeClr val="lt1"/>
-    </dgm:linClrLst>
-    <dgm:effectClrLst/>
-    <dgm:txLinClrLst/>
-    <dgm:txFillClrLst/>
-    <dgm:txEffectClrLst/>
-  </dgm:styleLbl>
-  <dgm:styleLbl name="parChTrans2D1">
-    <dgm:fillClrLst meth="repeat">
-      <a:schemeClr val="accent1">
-        <a:tint val="60000"/>
-      </a:schemeClr>
-    </dgm:fillClrLst>
-    <dgm:linClrLst meth="repeat">
-      <a:schemeClr val="accent1">
-        <a:tint val="60000"/>
-      </a:schemeClr>
-    </dgm:linClrLst>
-    <dgm:effectClrLst/>
-    <dgm:txLinClrLst/>
-    <dgm:txFillClrLst meth="repeat">
-      <a:schemeClr val="lt1"/>
-    </dgm:txFillClrLst>
-    <dgm:txEffectClrLst/>
-  </dgm:styleLbl>
-  <dgm:styleLbl name="parChTrans2D2">
-    <dgm:fillClrLst meth="repeat">
-      <a:schemeClr val="accent1"/>
-    </dgm:fillClrLst>
-    <dgm:linClrLst meth="repeat">
-      <a:schemeClr val="accent1"/>
-    </dgm:linClrLst>
-    <dgm:effectClrLst/>
-    <dgm:txLinClrLst/>
-    <dgm:txFillClrLst meth="repeat">
-      <a:schemeClr val="lt1"/>
-    </dgm:txFillClrLst>
-    <dgm:txEffectClrLst/>
-  </dgm:styleLbl>
-  <dgm:styleLbl name="parChTrans2D3">
-    <dgm:fillClrLst meth="repeat">
-      <a:schemeClr val="accent1"/>
-    </dgm:fillClrLst>
-    <dgm:linClrLst meth="repeat">
-      <a:schemeClr val="accent1"/>
-    </dgm:linClrLst>
-    <dgm:effectClrLst/>
-    <dgm:txLinClrLst/>
-    <dgm:txFillClrLst meth="repeat">
-      <a:schemeClr val="lt1"/>
-    </dgm:txFillClrLst>
-    <dgm:txEffectClrLst/>
-  </dgm:styleLbl>
-  <dgm:styleLbl name="parChTrans2D4">
-    <dgm:fillClrLst meth="repeat">
-      <a:schemeClr val="accent1"/>
-    </dgm:fillClrLst>
-    <dgm:linClrLst meth="repeat">
-      <a:schemeClr val="accent1"/>
-    </dgm:linClrLst>
-    <dgm:effectClrLst/>
-    <dgm:txLinClrLst/>
-    <dgm:txFillClrLst meth="repeat">
-      <a:schemeClr val="lt1"/>
-    </dgm:txFillClrLst>
-    <dgm:txEffectClrLst/>
-  </dgm:styleLbl>
-  <dgm:styleLbl name="parChTrans1D1">
-    <dgm:fillClrLst meth="repeat">
-      <a:schemeClr val="accent1"/>
-    </dgm:fillClrLst>
-    <dgm:linClrLst meth="repeat">
-      <a:schemeClr val="accent1">
-        <a:shade val="60000"/>
-      </a:schemeClr>
-    </dgm:linClrLst>
-    <dgm:effectClrLst/>
-    <dgm:txLinClrLst/>
-    <dgm:txFillClrLst meth="repeat">
-      <a:schemeClr val="tx1"/>
-    </dgm:txFillClrLst>
-    <dgm:txEffectClrLst/>
-  </dgm:styleLbl>
-  <dgm:styleLbl name="parChTrans1D2">
-    <dgm:fillClrLst meth="repeat">
-      <a:schemeClr val="accent1"/>
-    </dgm:fillClrLst>
-    <dgm:linClrLst meth="repeat">
-      <a:schemeClr val="accent1">
-        <a:shade val="60000"/>
-      </a:schemeClr>
-    </dgm:linClrLst>
-    <dgm:effectClrLst/>
-    <dgm:txLinClrLst/>
-    <dgm:txFillClrLst meth="repeat">
-      <a:schemeClr val="tx1"/>
-    </dgm:txFillClrLst>
-    <dgm:txEffectClrLst/>
-  </dgm:styleLbl>
-  <dgm:styleLbl name="parChTrans1D3">
-    <dgm:fillClrLst meth="repeat">
-      <a:schemeClr val="accent1"/>
-    </dgm:fillClrLst>
-    <dgm:linClrLst meth="repeat">
-      <a:schemeClr val="accent1">
-        <a:shade val="80000"/>
-      </a:schemeClr>
-    </dgm:linClrLst>
-    <dgm:effectClrLst/>
-    <dgm:txLinClrLst/>
-    <dgm:txFillClrLst meth="repeat">
-      <a:schemeClr val="tx1"/>
-    </dgm:txFillClrLst>
-    <dgm:txEffectClrLst/>
-  </dgm:styleLbl>
-  <dgm:styleLbl name="parChTrans1D4">
-    <dgm:fillClrLst meth="repeat">
-      <a:schemeClr val="accent1"/>
-    </dgm:fillClrLst>
-    <dgm:linClrLst meth="repeat">
-      <a:schemeClr val="accent1">
-        <a:shade val="80000"/>
-      </a:schemeClr>
-    </dgm:linClrLst>
-    <dgm:effectClrLst/>
-    <dgm:txLinClrLst/>
-    <dgm:txFillClrLst meth="repeat">
-      <a:schemeClr val="tx1"/>
-    </dgm:txFillClrLst>
-    <dgm:txEffectClrLst/>
-  </dgm:styleLbl>
-  <dgm:styleLbl name="fgAcc1">
-    <dgm:fillClrLst meth="repeat">
-      <a:schemeClr val="lt1">
-        <a:alpha val="90000"/>
-      </a:schemeClr>
-    </dgm:fillClrLst>
-    <dgm:linClrLst meth="repeat">
-      <a:schemeClr val="accent1"/>
-    </dgm:linClrLst>
-    <dgm:effectClrLst/>
-    <dgm:txLinClrLst/>
-    <dgm:txFillClrLst meth="repeat">
-      <a:schemeClr val="dk1"/>
-    </dgm:txFillClrLst>
-    <dgm:txEffectClrLst/>
-  </dgm:styleLbl>
-  <dgm:styleLbl name="conFgAcc1">
-    <dgm:fillClrLst meth="repeat">
-      <a:schemeClr val="lt1">
-        <a:alpha val="90000"/>
-      </a:schemeClr>
-    </dgm:fillClrLst>
-    <dgm:linClrLst meth="repeat">
-      <a:schemeClr val="accent1"/>
-    </dgm:linClrLst>
-    <dgm:effectClrLst/>
-    <dgm:txLinClrLst/>
-    <dgm:txFillClrLst meth="repeat">
-      <a:schemeClr val="dk1"/>
-    </dgm:txFillClrLst>
-    <dgm:txEffectClrLst/>
-  </dgm:styleLbl>
-  <dgm:styleLbl name="alignAcc1">
-    <dgm:fillClrLst meth="repeat">
-      <a:schemeClr val="lt1">
-        <a:alpha val="90000"/>
-      </a:schemeClr>
-    </dgm:fillClrLst>
-    <dgm:linClrLst meth="repeat">
-      <a:schemeClr val="accent1"/>
-    </dgm:linClrLst>
-    <dgm:effectClrLst/>
-    <dgm:txLinClrLst/>
-    <dgm:txFillClrLst meth="repeat">
-      <a:schemeClr val="dk1"/>
-    </dgm:txFillClrLst>
-    <dgm:txEffectClrLst/>
-  </dgm:styleLbl>
-  <dgm:styleLbl name="trAlignAcc1">
-    <dgm:fillClrLst meth="repeat">
-      <a:schemeClr val="lt1">
-        <a:alpha val="40000"/>
-      </a:schemeClr>
-    </dgm:fillClrLst>
-    <dgm:linClrLst meth="repeat">
-      <a:schemeClr val="accent1"/>
-    </dgm:linClrLst>
-    <dgm:effectClrLst/>
-    <dgm:txLinClrLst/>
-    <dgm:txFillClrLst meth="repeat">
-      <a:schemeClr val="dk1"/>
-    </dgm:txFillClrLst>
-    <dgm:txEffectClrLst/>
-  </dgm:styleLbl>
-  <dgm:styleLbl name="bgAcc1">
-    <dgm:fillClrLst meth="repeat">
-      <a:schemeClr val="lt1">
-        <a:alpha val="90000"/>
-      </a:schemeClr>
-    </dgm:fillClrLst>
-    <dgm:linClrLst meth="repeat">
-      <a:schemeClr val="accent1"/>
-    </dgm:linClrLst>
-    <dgm:effectClrLst/>
-    <dgm:txLinClrLst/>
-    <dgm:txFillClrLst meth="repeat">
-      <a:schemeClr val="dk1"/>
-    </dgm:txFillClrLst>
-    <dgm:txEffectClrLst/>
-  </dgm:styleLbl>
-  <dgm:styleLbl name="solidFgAcc1">
-    <dgm:fillClrLst meth="repeat">
-      <a:schemeClr val="lt1"/>
-    </dgm:fillClrLst>
-    <dgm:linClrLst meth="repeat">
-      <a:schemeClr val="accent1"/>
-    </dgm:linClrLst>
-    <dgm:effectClrLst/>
-    <dgm:txLinClrLst/>
-    <dgm:txFillClrLst meth="repeat">
-      <a:schemeClr val="dk1"/>
-    </dgm:txFillClrLst>
-    <dgm:txEffectClrLst/>
-  </dgm:styleLbl>
-  <dgm:styleLbl name="solidAlignAcc1">
-    <dgm:fillClrLst meth="repeat">
-      <a:schemeClr val="lt1"/>
-    </dgm:fillClrLst>
-    <dgm:linClrLst meth="repeat">
-      <a:schemeClr val="accent1"/>
-    </dgm:linClrLst>
-    <dgm:effectClrLst/>
-    <dgm:txLinClrLst/>
-    <dgm:txFillClrLst meth="repeat">
-      <a:schemeClr val="dk1"/>
-    </dgm:txFillClrLst>
-    <dgm:txEffectClrLst/>
-  </dgm:styleLbl>
-  <dgm:styleLbl name="solidBgAcc1">
-    <dgm:fillClrLst meth="repeat">
-      <a:schemeClr val="lt1"/>
-    </dgm:fillClrLst>
-    <dgm:linClrLst meth="repeat">
-      <a:schemeClr val="accent1"/>
-    </dgm:linClrLst>
-    <dgm:effectClrLst/>
-    <dgm:txLinClrLst/>
-    <dgm:txFillClrLst meth="repeat">
-      <a:schemeClr val="dk1"/>
-    </dgm:txFillClrLst>
-    <dgm:txEffectClrLst/>
-  </dgm:styleLbl>
-  <dgm:styleLbl name="fgAccFollowNode1">
-    <dgm:fillClrLst meth="repeat">
-      <a:schemeClr val="accent1">
-        <a:alpha val="90000"/>
-        <a:tint val="40000"/>
-      </a:schemeClr>
-    </dgm:fillClrLst>
-    <dgm:linClrLst meth="repeat">
-      <a:schemeClr val="accent1">
-        <a:alpha val="90000"/>
-        <a:tint val="40000"/>
-      </a:schemeClr>
-    </dgm:linClrLst>
-    <dgm:effectClrLst/>
-    <dgm:txLinClrLst/>
-    <dgm:txFillClrLst meth="repeat">
-      <a:schemeClr val="dk1"/>
-    </dgm:txFillClrLst>
-    <dgm:txEffectClrLst/>
-  </dgm:styleLbl>
-  <dgm:styleLbl name="alignAccFollowNode1">
-    <dgm:fillClrLst meth="repeat">
-      <a:schemeClr val="accent1">
-        <a:alpha val="90000"/>
-        <a:tint val="40000"/>
-      </a:schemeClr>
-    </dgm:fillClrLst>
-    <dgm:linClrLst meth="repeat">
-      <a:schemeClr val="accent1">
-        <a:alpha val="90000"/>
-        <a:tint val="40000"/>
-      </a:schemeClr>
-    </dgm:linClrLst>
-    <dgm:effectClrLst/>
-    <dgm:txLinClrLst/>
-    <dgm:txFillClrLst meth="repeat">
-      <a:schemeClr val="dk1"/>
-    </dgm:txFillClrLst>
-    <dgm:txEffectClrLst/>
-  </dgm:styleLbl>
-  <dgm:styleLbl name="bgAccFollowNode1">
-    <dgm:fillClrLst meth="repeat">
-      <a:schemeClr val="accent1">
-        <a:alpha val="90000"/>
-        <a:tint val="40000"/>
-      </a:schemeClr>
-    </dgm:fillClrLst>
-    <dgm:linClrLst meth="repeat">
-      <a:schemeClr val="accent1">
-        <a:alpha val="90000"/>
-        <a:tint val="40000"/>
-      </a:schemeClr>
-    </dgm:linClrLst>
-    <dgm:effectClrLst/>
-    <dgm:txLinClrLst/>
-    <dgm:txFillClrLst meth="repeat">
-      <a:schemeClr val="dk1"/>
-    </dgm:txFillClrLst>
-    <dgm:txEffectClrLst/>
-  </dgm:styleLbl>
-  <dgm:styleLbl name="fgAcc0">
-    <dgm:fillClrLst meth="repeat">
-      <a:schemeClr val="lt1">
-        <a:alpha val="90000"/>
-      </a:schemeClr>
-    </dgm:fillClrLst>
-    <dgm:linClrLst meth="repeat">
-      <a:schemeClr val="accent1"/>
-    </dgm:linClrLst>
-    <dgm:effectClrLst/>
-    <dgm:txLinClrLst/>
-    <dgm:txFillClrLst meth="repeat">
-      <a:schemeClr val="dk1"/>
-    </dgm:txFillClrLst>
-    <dgm:txEffectClrLst/>
-  </dgm:styleLbl>
-  <dgm:styleLbl name="fgAcc2">
-    <dgm:fillClrLst meth="repeat">
-      <a:schemeClr val="lt1">
-        <a:alpha val="90000"/>
-      </a:schemeClr>
-    </dgm:fillClrLst>
-    <dgm:linClrLst meth="repeat">
-      <a:schemeClr val="accent1"/>
-    </dgm:linClrLst>
-    <dgm:effectClrLst/>
-    <dgm:txLinClrLst/>
-    <dgm:txFillClrLst meth="repeat">
-      <a:schemeClr val="dk1"/>
-    </dgm:txFillClrLst>
-    <dgm:txEffectClrLst/>
-  </dgm:styleLbl>
-  <dgm:styleLbl name="fgAcc3">
-    <dgm:fillClrLst meth="repeat">
-      <a:schemeClr val="lt1">
-        <a:alpha val="90000"/>
-      </a:schemeClr>
-    </dgm:fillClrLst>
-    <dgm:linClrLst meth="repeat">
-      <a:schemeClr val="accent1"/>
-    </dgm:linClrLst>
-    <dgm:effectClrLst/>
-    <dgm:txLinClrLst/>
-    <dgm:txFillClrLst meth="repeat">
-      <a:schemeClr val="dk1"/>
-    </dgm:txFillClrLst>
-    <dgm:txEffectClrLst/>
-  </dgm:styleLbl>
-  <dgm:styleLbl name="fgAcc4">
-    <dgm:fillClrLst meth="repeat">
-      <a:schemeClr val="lt1">
-        <a:alpha val="90000"/>
-      </a:schemeClr>
-    </dgm:fillClrLst>
-    <dgm:linClrLst meth="repeat">
-      <a:schemeClr val="accent1"/>
-    </dgm:linClrLst>
-    <dgm:effectClrLst/>
-    <dgm:txLinClrLst/>
-    <dgm:txFillClrLst meth="repeat">
-      <a:schemeClr val="dk1"/>
-    </dgm:txFillClrLst>
-    <dgm:txEffectClrLst/>
-  </dgm:styleLbl>
-  <dgm:styleLbl name="bgShp">
-    <dgm:fillClrLst meth="repeat">
-      <a:schemeClr val="accent1">
-        <a:tint val="40000"/>
-      </a:schemeClr>
-    </dgm:fillClrLst>
-    <dgm:linClrLst meth="repeat">
-      <a:schemeClr val="accent1"/>
-    </dgm:linClrLst>
-    <dgm:effectClrLst/>
-    <dgm:txLinClrLst/>
-    <dgm:txFillClrLst meth="repeat">
-      <a:schemeClr val="dk1"/>
-    </dgm:txFillClrLst>
-    <dgm:txEffectClrLst/>
-  </dgm:styleLbl>
-  <dgm:styleLbl name="dkBgShp">
-    <dgm:fillClrLst meth="repeat">
-      <a:schemeClr val="accent1">
-        <a:shade val="80000"/>
-      </a:schemeClr>
-    </dgm:fillClrLst>
-    <dgm:linClrLst meth="repeat">
-      <a:schemeClr val="accent1"/>
-    </dgm:linClrLst>
-    <dgm:effectClrLst/>
-    <dgm:txLinClrLst/>
-    <dgm:txFillClrLst meth="repeat">
-      <a:schemeClr val="lt1"/>
-    </dgm:txFillClrLst>
-    <dgm:txEffectClrLst/>
-  </dgm:styleLbl>
-  <dgm:styleLbl name="trBgShp">
-    <dgm:fillClrLst meth="repeat">
-      <a:schemeClr val="accent1">
-        <a:tint val="50000"/>
-        <a:alpha val="40000"/>
-      </a:schemeClr>
-    </dgm:fillClrLst>
-    <dgm:linClrLst meth="repeat">
-      <a:schemeClr val="accent1"/>
-    </dgm:linClrLst>
-    <dgm:effectClrLst/>
-    <dgm:txLinClrLst/>
-    <dgm:txFillClrLst meth="repeat">
-      <a:schemeClr val="lt1"/>
-    </dgm:txFillClrLst>
-    <dgm:txEffectClrLst/>
-  </dgm:styleLbl>
-  <dgm:styleLbl name="fgShp">
-    <dgm:fillClrLst meth="repeat">
-      <a:schemeClr val="accent1">
-        <a:tint val="60000"/>
-      </a:schemeClr>
-    </dgm:fillClrLst>
-    <dgm:linClrLst meth="repeat">
-      <a:schemeClr val="lt1"/>
-    </dgm:linClrLst>
-    <dgm:effectClrLst/>
-    <dgm:txLinClrLst/>
-    <dgm:txFillClrLst meth="repeat">
-      <a:schemeClr val="dk1"/>
-    </dgm:txFillClrLst>
-    <dgm:txEffectClrLst/>
-  </dgm:styleLbl>
-  <dgm:styleLbl name="revTx">
-    <dgm:fillClrLst meth="repeat">
-      <a:schemeClr val="lt1">
-        <a:alpha val="0"/>
-      </a:schemeClr>
-    </dgm:fillClrLst>
-    <dgm:linClrLst meth="repeat">
-      <a:schemeClr val="dk1">
-        <a:alpha val="0"/>
-      </a:schemeClr>
-    </dgm:linClrLst>
-    <dgm:effectClrLst/>
-    <dgm:txLinClrLst/>
-    <dgm:txFillClrLst meth="repeat">
-      <a:schemeClr val="tx1"/>
-    </dgm:txFillClrLst>
-    <dgm:txEffectClrLst/>
-  </dgm:styleLbl>
-</dgm:colorsDef>
-</file>
-
-<file path=ppt/diagrams/colors6.xml><?xml version="1.0" encoding="utf-8"?>
 <dgm:colorsDef xmlns:dgm="http://schemas.openxmlformats.org/drawingml/2006/diagram" xmlns:a="http://schemas.openxmlformats.org/drawingml/2006/main" uniqueId="urn:microsoft.com/office/officeart/2005/8/colors/colorful2">
   <dgm:title val=""/>
   <dgm:desc val=""/>
@@ -5488,631 +3074,6 @@
 </file>
 
 <file path=ppt/diagrams/data3.xml><?xml version="1.0" encoding="utf-8"?>
-<dgm:dataModel xmlns:dgm="http://schemas.openxmlformats.org/drawingml/2006/diagram" xmlns:a="http://schemas.openxmlformats.org/drawingml/2006/main">
-  <dgm:ptLst>
-    <dgm:pt modelId="{2C8D8B69-C0E5-44DE-98CA-81C8FF97EF42}" type="doc">
-      <dgm:prSet loTypeId="urn:microsoft.com/office/officeart/2018/5/layout/IconCircleLabelList" loCatId="icon" qsTypeId="urn:microsoft.com/office/officeart/2005/8/quickstyle/simple1" qsCatId="simple" csTypeId="urn:microsoft.com/office/officeart/2018/5/colors/Iconchunking_neutralicon_colorful1" csCatId="colorful" phldr="1"/>
-      <dgm:spPr/>
-      <dgm:t>
-        <a:bodyPr/>
-        <a:lstStyle/>
-        <a:p>
-          <a:endParaRPr lang="en-US"/>
-        </a:p>
-      </dgm:t>
-    </dgm:pt>
-    <dgm:pt modelId="{575A87AF-F8AE-4DD6-8267-1C8A4D331EEC}">
-      <dgm:prSet/>
-      <dgm:spPr/>
-      <dgm:t>
-        <a:bodyPr/>
-        <a:lstStyle/>
-        <a:p>
-          <a:pPr>
-            <a:defRPr cap="all"/>
-          </a:pPr>
-          <a:r>
-            <a:rPr lang="en-US"/>
-            <a:t>Inputs are mapped to qualitative outputs (musical instruments)</a:t>
-          </a:r>
-        </a:p>
-      </dgm:t>
-    </dgm:pt>
-    <dgm:pt modelId="{01BA0AFB-F597-4EA1-ADF9-96E3F0837D6A}" type="parTrans" cxnId="{6C75E4BF-0B58-477E-B355-A3F10A8D1A5C}">
-      <dgm:prSet/>
-      <dgm:spPr/>
-      <dgm:t>
-        <a:bodyPr/>
-        <a:lstStyle/>
-        <a:p>
-          <a:endParaRPr lang="en-US"/>
-        </a:p>
-      </dgm:t>
-    </dgm:pt>
-    <dgm:pt modelId="{977EE5B5-3C79-47C1-BC8D-7038A296C4C2}" type="sibTrans" cxnId="{6C75E4BF-0B58-477E-B355-A3F10A8D1A5C}">
-      <dgm:prSet/>
-      <dgm:spPr/>
-      <dgm:t>
-        <a:bodyPr/>
-        <a:lstStyle/>
-        <a:p>
-          <a:endParaRPr lang="en-US"/>
-        </a:p>
-      </dgm:t>
-    </dgm:pt>
-    <dgm:pt modelId="{BC28CA3C-4C73-4585-9C12-23076BC9D230}">
-      <dgm:prSet/>
-      <dgm:spPr/>
-      <dgm:t>
-        <a:bodyPr/>
-        <a:lstStyle/>
-        <a:p>
-          <a:pPr>
-            <a:defRPr cap="all"/>
-          </a:pPr>
-          <a:r>
-            <a:rPr lang="en-US"/>
-            <a:t>We group inputs that have similar properties</a:t>
-          </a:r>
-        </a:p>
-      </dgm:t>
-    </dgm:pt>
-    <dgm:pt modelId="{D57C0C05-04A6-4FAA-B8B0-9A2B03B8D590}" type="parTrans" cxnId="{80BCD697-667A-4265-B8ED-657D557A443C}">
-      <dgm:prSet/>
-      <dgm:spPr/>
-      <dgm:t>
-        <a:bodyPr/>
-        <a:lstStyle/>
-        <a:p>
-          <a:endParaRPr lang="en-US"/>
-        </a:p>
-      </dgm:t>
-    </dgm:pt>
-    <dgm:pt modelId="{2BB22FF4-214D-480A-8428-7ABB429179DB}" type="sibTrans" cxnId="{80BCD697-667A-4265-B8ED-657D557A443C}">
-      <dgm:prSet/>
-      <dgm:spPr/>
-      <dgm:t>
-        <a:bodyPr/>
-        <a:lstStyle/>
-        <a:p>
-          <a:endParaRPr lang="en-US"/>
-        </a:p>
-      </dgm:t>
-    </dgm:pt>
-    <dgm:pt modelId="{DB8E970D-F644-4DBA-808D-B88A083BB87D}">
-      <dgm:prSet/>
-      <dgm:spPr/>
-      <dgm:t>
-        <a:bodyPr/>
-        <a:lstStyle/>
-        <a:p>
-          <a:pPr>
-            <a:defRPr cap="all"/>
-          </a:pPr>
-          <a:r>
-            <a:rPr lang="en-US" dirty="0"/>
-            <a:t>Integer output classes correspond to a musical instrument</a:t>
-          </a:r>
-        </a:p>
-      </dgm:t>
-    </dgm:pt>
-    <dgm:pt modelId="{C46F0805-FD27-4E4B-8977-9273A3BE5D95}" type="parTrans" cxnId="{0AEEA784-31AF-4251-B666-3A10A61AE780}">
-      <dgm:prSet/>
-      <dgm:spPr/>
-      <dgm:t>
-        <a:bodyPr/>
-        <a:lstStyle/>
-        <a:p>
-          <a:endParaRPr lang="en-US"/>
-        </a:p>
-      </dgm:t>
-    </dgm:pt>
-    <dgm:pt modelId="{B28AA01F-BBE8-4625-943A-C5BB4EE5F12F}" type="sibTrans" cxnId="{0AEEA784-31AF-4251-B666-3A10A61AE780}">
-      <dgm:prSet/>
-      <dgm:spPr/>
-      <dgm:t>
-        <a:bodyPr/>
-        <a:lstStyle/>
-        <a:p>
-          <a:endParaRPr lang="en-US"/>
-        </a:p>
-      </dgm:t>
-    </dgm:pt>
-    <dgm:pt modelId="{DF57363F-52AE-42A1-912F-DEB7F4DBAD54}" type="pres">
-      <dgm:prSet presAssocID="{2C8D8B69-C0E5-44DE-98CA-81C8FF97EF42}" presName="root" presStyleCnt="0">
-        <dgm:presLayoutVars>
-          <dgm:dir/>
-          <dgm:resizeHandles val="exact"/>
-        </dgm:presLayoutVars>
-      </dgm:prSet>
-      <dgm:spPr/>
-    </dgm:pt>
-    <dgm:pt modelId="{5406E2AE-5860-4470-92A7-29F8EF35F321}" type="pres">
-      <dgm:prSet presAssocID="{575A87AF-F8AE-4DD6-8267-1C8A4D331EEC}" presName="compNode" presStyleCnt="0"/>
-      <dgm:spPr/>
-    </dgm:pt>
-    <dgm:pt modelId="{E82BA628-21C1-477A-941B-0B0DA8F045F8}" type="pres">
-      <dgm:prSet presAssocID="{575A87AF-F8AE-4DD6-8267-1C8A4D331EEC}" presName="iconBgRect" presStyleLbl="bgShp" presStyleIdx="0" presStyleCnt="3"/>
-      <dgm:spPr/>
-    </dgm:pt>
-    <dgm:pt modelId="{5369D568-5B6D-42E9-B754-A808C1E89F1D}" type="pres">
-      <dgm:prSet presAssocID="{575A87AF-F8AE-4DD6-8267-1C8A4D331EEC}" presName="iconRect" presStyleLbl="node1" presStyleIdx="0" presStyleCnt="3"/>
-      <dgm:spPr>
-        <a:blipFill>
-          <a:blip xmlns:r="http://schemas.openxmlformats.org/officeDocument/2006/relationships" r:embed="rId1">
-            <a:extLst>
-              <a:ext uri="{28A0092B-C50C-407E-A947-70E740481C1C}">
-                <a14:useLocalDpi xmlns:a14="http://schemas.microsoft.com/office/drawing/2010/main" val="0"/>
-              </a:ext>
-              <a:ext uri="{96DAC541-7B7A-43D3-8B79-37D633B846F1}">
-                <asvg:svgBlip xmlns:asvg="http://schemas.microsoft.com/office/drawing/2016/SVG/main" r:embed="rId2"/>
-              </a:ext>
-            </a:extLst>
-          </a:blip>
-          <a:stretch>
-            <a:fillRect/>
-          </a:stretch>
-        </a:blipFill>
-        <a:ln>
-          <a:noFill/>
-        </a:ln>
-      </dgm:spPr>
-      <dgm:extLst>
-        <a:ext uri="{E40237B7-FDA0-4F09-8148-C483321AD2D9}">
-          <dgm14:cNvPr xmlns:dgm14="http://schemas.microsoft.com/office/drawing/2010/diagram" id="0" name="" descr="Violin"/>
-        </a:ext>
-      </dgm:extLst>
-    </dgm:pt>
-    <dgm:pt modelId="{ED88AA34-65B4-443B-BA96-06D3433C710C}" type="pres">
-      <dgm:prSet presAssocID="{575A87AF-F8AE-4DD6-8267-1C8A4D331EEC}" presName="spaceRect" presStyleCnt="0"/>
-      <dgm:spPr/>
-    </dgm:pt>
-    <dgm:pt modelId="{EF3E680D-66B6-49EA-91B5-9F00DFF7B670}" type="pres">
-      <dgm:prSet presAssocID="{575A87AF-F8AE-4DD6-8267-1C8A4D331EEC}" presName="textRect" presStyleLbl="revTx" presStyleIdx="0" presStyleCnt="3">
-        <dgm:presLayoutVars>
-          <dgm:chMax val="1"/>
-          <dgm:chPref val="1"/>
-        </dgm:presLayoutVars>
-      </dgm:prSet>
-      <dgm:spPr/>
-    </dgm:pt>
-    <dgm:pt modelId="{D3B1A04C-B26F-42ED-BCB0-ABC2F4F38D60}" type="pres">
-      <dgm:prSet presAssocID="{977EE5B5-3C79-47C1-BC8D-7038A296C4C2}" presName="sibTrans" presStyleCnt="0"/>
-      <dgm:spPr/>
-    </dgm:pt>
-    <dgm:pt modelId="{3C9119F8-DFA2-4275-9A27-A9481610BEB8}" type="pres">
-      <dgm:prSet presAssocID="{BC28CA3C-4C73-4585-9C12-23076BC9D230}" presName="compNode" presStyleCnt="0"/>
-      <dgm:spPr/>
-    </dgm:pt>
-    <dgm:pt modelId="{78D97DDB-86C4-4A2C-BE43-D856D53DDB39}" type="pres">
-      <dgm:prSet presAssocID="{BC28CA3C-4C73-4585-9C12-23076BC9D230}" presName="iconBgRect" presStyleLbl="bgShp" presStyleIdx="1" presStyleCnt="3"/>
-      <dgm:spPr/>
-    </dgm:pt>
-    <dgm:pt modelId="{D648E47A-1482-43EE-8FB4-16F37A72C6C5}" type="pres">
-      <dgm:prSet presAssocID="{BC28CA3C-4C73-4585-9C12-23076BC9D230}" presName="iconRect" presStyleLbl="node1" presStyleIdx="1" presStyleCnt="3"/>
-      <dgm:spPr>
-        <a:blipFill>
-          <a:blip xmlns:r="http://schemas.openxmlformats.org/officeDocument/2006/relationships" r:embed="rId3">
-            <a:extLst>
-              <a:ext uri="{28A0092B-C50C-407E-A947-70E740481C1C}">
-                <a14:useLocalDpi xmlns:a14="http://schemas.microsoft.com/office/drawing/2010/main" val="0"/>
-              </a:ext>
-              <a:ext uri="{96DAC541-7B7A-43D3-8B79-37D633B846F1}">
-                <asvg:svgBlip xmlns:asvg="http://schemas.microsoft.com/office/drawing/2016/SVG/main" r:embed="rId4"/>
-              </a:ext>
-            </a:extLst>
-          </a:blip>
-          <a:stretch>
-            <a:fillRect/>
-          </a:stretch>
-        </a:blipFill>
-        <a:ln>
-          <a:noFill/>
-        </a:ln>
-      </dgm:spPr>
-      <dgm:extLst>
-        <a:ext uri="{E40237B7-FDA0-4F09-8148-C483321AD2D9}">
-          <dgm14:cNvPr xmlns:dgm14="http://schemas.microsoft.com/office/drawing/2010/diagram" id="0" name="" descr="Checkmark"/>
-        </a:ext>
-      </dgm:extLst>
-    </dgm:pt>
-    <dgm:pt modelId="{2451B9F9-2BF0-4576-B7E3-5A9EDDE379EE}" type="pres">
-      <dgm:prSet presAssocID="{BC28CA3C-4C73-4585-9C12-23076BC9D230}" presName="spaceRect" presStyleCnt="0"/>
-      <dgm:spPr/>
-    </dgm:pt>
-    <dgm:pt modelId="{C30AD712-9B2D-497C-8F19-55F413FEAFD1}" type="pres">
-      <dgm:prSet presAssocID="{BC28CA3C-4C73-4585-9C12-23076BC9D230}" presName="textRect" presStyleLbl="revTx" presStyleIdx="1" presStyleCnt="3">
-        <dgm:presLayoutVars>
-          <dgm:chMax val="1"/>
-          <dgm:chPref val="1"/>
-        </dgm:presLayoutVars>
-      </dgm:prSet>
-      <dgm:spPr/>
-    </dgm:pt>
-    <dgm:pt modelId="{4F14FA5F-8941-4CD7-A890-AF8C81D915A6}" type="pres">
-      <dgm:prSet presAssocID="{2BB22FF4-214D-480A-8428-7ABB429179DB}" presName="sibTrans" presStyleCnt="0"/>
-      <dgm:spPr/>
-    </dgm:pt>
-    <dgm:pt modelId="{CA08CC77-9BA5-4697-BFC1-AEE9C31C8C06}" type="pres">
-      <dgm:prSet presAssocID="{DB8E970D-F644-4DBA-808D-B88A083BB87D}" presName="compNode" presStyleCnt="0"/>
-      <dgm:spPr/>
-    </dgm:pt>
-    <dgm:pt modelId="{9FDD0603-8302-4D6C-B7A5-E31905FF8C45}" type="pres">
-      <dgm:prSet presAssocID="{DB8E970D-F644-4DBA-808D-B88A083BB87D}" presName="iconBgRect" presStyleLbl="bgShp" presStyleIdx="2" presStyleCnt="3"/>
-      <dgm:spPr/>
-    </dgm:pt>
-    <dgm:pt modelId="{152ACBB3-F57C-4448-8440-549E7F86D93A}" type="pres">
-      <dgm:prSet presAssocID="{DB8E970D-F644-4DBA-808D-B88A083BB87D}" presName="iconRect" presStyleLbl="node1" presStyleIdx="2" presStyleCnt="3"/>
-      <dgm:spPr>
-        <a:blipFill>
-          <a:blip xmlns:r="http://schemas.openxmlformats.org/officeDocument/2006/relationships" r:embed="rId5">
-            <a:extLst>
-              <a:ext uri="{28A0092B-C50C-407E-A947-70E740481C1C}">
-                <a14:useLocalDpi xmlns:a14="http://schemas.microsoft.com/office/drawing/2010/main" val="0"/>
-              </a:ext>
-              <a:ext uri="{96DAC541-7B7A-43D3-8B79-37D633B846F1}">
-                <asvg:svgBlip xmlns:asvg="http://schemas.microsoft.com/office/drawing/2016/SVG/main" r:embed="rId6"/>
-              </a:ext>
-            </a:extLst>
-          </a:blip>
-          <a:stretch>
-            <a:fillRect/>
-          </a:stretch>
-        </a:blipFill>
-        <a:ln>
-          <a:noFill/>
-        </a:ln>
-      </dgm:spPr>
-      <dgm:extLst>
-        <a:ext uri="{E40237B7-FDA0-4F09-8148-C483321AD2D9}">
-          <dgm14:cNvPr xmlns:dgm14="http://schemas.microsoft.com/office/drawing/2010/diagram" id="0" name="" descr="Brain"/>
-        </a:ext>
-      </dgm:extLst>
-    </dgm:pt>
-    <dgm:pt modelId="{DFCC5BE2-BB8C-45AD-84D2-68BCF4EB95EF}" type="pres">
-      <dgm:prSet presAssocID="{DB8E970D-F644-4DBA-808D-B88A083BB87D}" presName="spaceRect" presStyleCnt="0"/>
-      <dgm:spPr/>
-    </dgm:pt>
-    <dgm:pt modelId="{315844E2-3DC1-40A3-99DB-9F28CB1F2629}" type="pres">
-      <dgm:prSet presAssocID="{DB8E970D-F644-4DBA-808D-B88A083BB87D}" presName="textRect" presStyleLbl="revTx" presStyleIdx="2" presStyleCnt="3">
-        <dgm:presLayoutVars>
-          <dgm:chMax val="1"/>
-          <dgm:chPref val="1"/>
-        </dgm:presLayoutVars>
-      </dgm:prSet>
-      <dgm:spPr/>
-    </dgm:pt>
-  </dgm:ptLst>
-  <dgm:cxnLst>
-    <dgm:cxn modelId="{3161DC02-2046-4E4F-B69A-2B38734592BA}" type="presOf" srcId="{2C8D8B69-C0E5-44DE-98CA-81C8FF97EF42}" destId="{DF57363F-52AE-42A1-912F-DEB7F4DBAD54}" srcOrd="0" destOrd="0" presId="urn:microsoft.com/office/officeart/2018/5/layout/IconCircleLabelList"/>
-    <dgm:cxn modelId="{0AEEA784-31AF-4251-B666-3A10A61AE780}" srcId="{2C8D8B69-C0E5-44DE-98CA-81C8FF97EF42}" destId="{DB8E970D-F644-4DBA-808D-B88A083BB87D}" srcOrd="2" destOrd="0" parTransId="{C46F0805-FD27-4E4B-8977-9273A3BE5D95}" sibTransId="{B28AA01F-BBE8-4625-943A-C5BB4EE5F12F}"/>
-    <dgm:cxn modelId="{80BCD697-667A-4265-B8ED-657D557A443C}" srcId="{2C8D8B69-C0E5-44DE-98CA-81C8FF97EF42}" destId="{BC28CA3C-4C73-4585-9C12-23076BC9D230}" srcOrd="1" destOrd="0" parTransId="{D57C0C05-04A6-4FAA-B8B0-9A2B03B8D590}" sibTransId="{2BB22FF4-214D-480A-8428-7ABB429179DB}"/>
-    <dgm:cxn modelId="{6C75E4BF-0B58-477E-B355-A3F10A8D1A5C}" srcId="{2C8D8B69-C0E5-44DE-98CA-81C8FF97EF42}" destId="{575A87AF-F8AE-4DD6-8267-1C8A4D331EEC}" srcOrd="0" destOrd="0" parTransId="{01BA0AFB-F597-4EA1-ADF9-96E3F0837D6A}" sibTransId="{977EE5B5-3C79-47C1-BC8D-7038A296C4C2}"/>
-    <dgm:cxn modelId="{40F67AC1-11DF-4ACC-93EE-3642F4F1ED48}" type="presOf" srcId="{DB8E970D-F644-4DBA-808D-B88A083BB87D}" destId="{315844E2-3DC1-40A3-99DB-9F28CB1F2629}" srcOrd="0" destOrd="0" presId="urn:microsoft.com/office/officeart/2018/5/layout/IconCircleLabelList"/>
-    <dgm:cxn modelId="{610585CF-5233-4067-8CC3-AC063516D3A9}" type="presOf" srcId="{BC28CA3C-4C73-4585-9C12-23076BC9D230}" destId="{C30AD712-9B2D-497C-8F19-55F413FEAFD1}" srcOrd="0" destOrd="0" presId="urn:microsoft.com/office/officeart/2018/5/layout/IconCircleLabelList"/>
-    <dgm:cxn modelId="{B2A422E7-00CE-487F-8779-5DEFB64C8A92}" type="presOf" srcId="{575A87AF-F8AE-4DD6-8267-1C8A4D331EEC}" destId="{EF3E680D-66B6-49EA-91B5-9F00DFF7B670}" srcOrd="0" destOrd="0" presId="urn:microsoft.com/office/officeart/2018/5/layout/IconCircleLabelList"/>
-    <dgm:cxn modelId="{C5B985DD-696A-40DA-A73A-66E89C5A9477}" type="presParOf" srcId="{DF57363F-52AE-42A1-912F-DEB7F4DBAD54}" destId="{5406E2AE-5860-4470-92A7-29F8EF35F321}" srcOrd="0" destOrd="0" presId="urn:microsoft.com/office/officeart/2018/5/layout/IconCircleLabelList"/>
-    <dgm:cxn modelId="{0676C09F-F4E4-4027-9A56-C546B2E77723}" type="presParOf" srcId="{5406E2AE-5860-4470-92A7-29F8EF35F321}" destId="{E82BA628-21C1-477A-941B-0B0DA8F045F8}" srcOrd="0" destOrd="0" presId="urn:microsoft.com/office/officeart/2018/5/layout/IconCircleLabelList"/>
-    <dgm:cxn modelId="{9C6EE4D5-69D8-4053-B7EC-878B50F9B968}" type="presParOf" srcId="{5406E2AE-5860-4470-92A7-29F8EF35F321}" destId="{5369D568-5B6D-42E9-B754-A808C1E89F1D}" srcOrd="1" destOrd="0" presId="urn:microsoft.com/office/officeart/2018/5/layout/IconCircleLabelList"/>
-    <dgm:cxn modelId="{2543A12D-4EE9-443F-870B-E402F64A8EBC}" type="presParOf" srcId="{5406E2AE-5860-4470-92A7-29F8EF35F321}" destId="{ED88AA34-65B4-443B-BA96-06D3433C710C}" srcOrd="2" destOrd="0" presId="urn:microsoft.com/office/officeart/2018/5/layout/IconCircleLabelList"/>
-    <dgm:cxn modelId="{F69B3838-981D-424F-B64D-F79D039EB625}" type="presParOf" srcId="{5406E2AE-5860-4470-92A7-29F8EF35F321}" destId="{EF3E680D-66B6-49EA-91B5-9F00DFF7B670}" srcOrd="3" destOrd="0" presId="urn:microsoft.com/office/officeart/2018/5/layout/IconCircleLabelList"/>
-    <dgm:cxn modelId="{A4E85C1B-A6BF-4813-B032-A719C86E1844}" type="presParOf" srcId="{DF57363F-52AE-42A1-912F-DEB7F4DBAD54}" destId="{D3B1A04C-B26F-42ED-BCB0-ABC2F4F38D60}" srcOrd="1" destOrd="0" presId="urn:microsoft.com/office/officeart/2018/5/layout/IconCircleLabelList"/>
-    <dgm:cxn modelId="{1441E2DB-A2D1-4A51-BB72-4B984EB6882C}" type="presParOf" srcId="{DF57363F-52AE-42A1-912F-DEB7F4DBAD54}" destId="{3C9119F8-DFA2-4275-9A27-A9481610BEB8}" srcOrd="2" destOrd="0" presId="urn:microsoft.com/office/officeart/2018/5/layout/IconCircleLabelList"/>
-    <dgm:cxn modelId="{B84761CE-73B3-47C0-A637-8DCDB176CEF5}" type="presParOf" srcId="{3C9119F8-DFA2-4275-9A27-A9481610BEB8}" destId="{78D97DDB-86C4-4A2C-BE43-D856D53DDB39}" srcOrd="0" destOrd="0" presId="urn:microsoft.com/office/officeart/2018/5/layout/IconCircleLabelList"/>
-    <dgm:cxn modelId="{E8DA4842-CD4E-4EB5-B1FD-7783CBFB8ED4}" type="presParOf" srcId="{3C9119F8-DFA2-4275-9A27-A9481610BEB8}" destId="{D648E47A-1482-43EE-8FB4-16F37A72C6C5}" srcOrd="1" destOrd="0" presId="urn:microsoft.com/office/officeart/2018/5/layout/IconCircleLabelList"/>
-    <dgm:cxn modelId="{6A7BF08F-BFF0-4D7D-BEB3-8CE7934B50AD}" type="presParOf" srcId="{3C9119F8-DFA2-4275-9A27-A9481610BEB8}" destId="{2451B9F9-2BF0-4576-B7E3-5A9EDDE379EE}" srcOrd="2" destOrd="0" presId="urn:microsoft.com/office/officeart/2018/5/layout/IconCircleLabelList"/>
-    <dgm:cxn modelId="{0A0ECCB3-6158-461E-B0D4-D494E0AB50CD}" type="presParOf" srcId="{3C9119F8-DFA2-4275-9A27-A9481610BEB8}" destId="{C30AD712-9B2D-497C-8F19-55F413FEAFD1}" srcOrd="3" destOrd="0" presId="urn:microsoft.com/office/officeart/2018/5/layout/IconCircleLabelList"/>
-    <dgm:cxn modelId="{4D2C9850-E2D1-450C-8CD6-D785062B972A}" type="presParOf" srcId="{DF57363F-52AE-42A1-912F-DEB7F4DBAD54}" destId="{4F14FA5F-8941-4CD7-A890-AF8C81D915A6}" srcOrd="3" destOrd="0" presId="urn:microsoft.com/office/officeart/2018/5/layout/IconCircleLabelList"/>
-    <dgm:cxn modelId="{8E63141F-CC00-4EEE-91E5-12F59C3F8E5D}" type="presParOf" srcId="{DF57363F-52AE-42A1-912F-DEB7F4DBAD54}" destId="{CA08CC77-9BA5-4697-BFC1-AEE9C31C8C06}" srcOrd="4" destOrd="0" presId="urn:microsoft.com/office/officeart/2018/5/layout/IconCircleLabelList"/>
-    <dgm:cxn modelId="{70AEB88C-8A4E-4F32-9049-8621F99A9A7D}" type="presParOf" srcId="{CA08CC77-9BA5-4697-BFC1-AEE9C31C8C06}" destId="{9FDD0603-8302-4D6C-B7A5-E31905FF8C45}" srcOrd="0" destOrd="0" presId="urn:microsoft.com/office/officeart/2018/5/layout/IconCircleLabelList"/>
-    <dgm:cxn modelId="{933CC1EE-4C6B-4BAE-BD1D-0E5939843D4E}" type="presParOf" srcId="{CA08CC77-9BA5-4697-BFC1-AEE9C31C8C06}" destId="{152ACBB3-F57C-4448-8440-549E7F86D93A}" srcOrd="1" destOrd="0" presId="urn:microsoft.com/office/officeart/2018/5/layout/IconCircleLabelList"/>
-    <dgm:cxn modelId="{32E8BCBD-757E-425B-A3AC-45EAEB9F6244}" type="presParOf" srcId="{CA08CC77-9BA5-4697-BFC1-AEE9C31C8C06}" destId="{DFCC5BE2-BB8C-45AD-84D2-68BCF4EB95EF}" srcOrd="2" destOrd="0" presId="urn:microsoft.com/office/officeart/2018/5/layout/IconCircleLabelList"/>
-    <dgm:cxn modelId="{E642E134-A16C-46ED-8F3F-95938E223573}" type="presParOf" srcId="{CA08CC77-9BA5-4697-BFC1-AEE9C31C8C06}" destId="{315844E2-3DC1-40A3-99DB-9F28CB1F2629}" srcOrd="3" destOrd="0" presId="urn:microsoft.com/office/officeart/2018/5/layout/IconCircleLabelList"/>
-  </dgm:cxnLst>
-  <dgm:bg/>
-  <dgm:whole/>
-  <dgm:extLst>
-    <a:ext uri="http://schemas.microsoft.com/office/drawing/2008/diagram">
-      <dsp:dataModelExt xmlns:dsp="http://schemas.microsoft.com/office/drawing/2008/diagram" relId="rId6" minVer="http://schemas.openxmlformats.org/drawingml/2006/diagram"/>
-    </a:ext>
-  </dgm:extLst>
-</dgm:dataModel>
-</file>
-
-<file path=ppt/diagrams/data4.xml><?xml version="1.0" encoding="utf-8"?>
-<dgm:dataModel xmlns:dgm="http://schemas.openxmlformats.org/drawingml/2006/diagram" xmlns:a="http://schemas.openxmlformats.org/drawingml/2006/main">
-  <dgm:ptLst>
-    <dgm:pt modelId="{3284F56F-28B8-46AE-AFB4-E1613291AE2B}" type="doc">
-      <dgm:prSet loTypeId="urn:microsoft.com/office/officeart/2005/8/layout/default" loCatId="list" qsTypeId="urn:microsoft.com/office/officeart/2005/8/quickstyle/simple1" qsCatId="simple" csTypeId="urn:microsoft.com/office/officeart/2005/8/colors/accent1_2" csCatId="accent1"/>
-      <dgm:spPr/>
-      <dgm:t>
-        <a:bodyPr/>
-        <a:lstStyle/>
-        <a:p>
-          <a:endParaRPr lang="en-US"/>
-        </a:p>
-      </dgm:t>
-    </dgm:pt>
-    <dgm:pt modelId="{2C248C0B-FB1E-423B-9462-7B2611608F7B}">
-      <dgm:prSet/>
-      <dgm:spPr/>
-      <dgm:t>
-        <a:bodyPr/>
-        <a:lstStyle/>
-        <a:p>
-          <a:r>
-            <a:rPr lang="en-US" dirty="0"/>
-            <a:t>Inputs is 2D image-like array</a:t>
-          </a:r>
-        </a:p>
-      </dgm:t>
-    </dgm:pt>
-    <dgm:pt modelId="{F0291D89-E609-4CA5-A868-6554EE070564}" type="parTrans" cxnId="{3ED09479-0215-46C9-940E-B31128C586F6}">
-      <dgm:prSet/>
-      <dgm:spPr/>
-      <dgm:t>
-        <a:bodyPr/>
-        <a:lstStyle/>
-        <a:p>
-          <a:endParaRPr lang="en-US"/>
-        </a:p>
-      </dgm:t>
-    </dgm:pt>
-    <dgm:pt modelId="{625157DB-8611-43C9-9856-9FA0BD38AF34}" type="sibTrans" cxnId="{3ED09479-0215-46C9-940E-B31128C586F6}">
-      <dgm:prSet/>
-      <dgm:spPr/>
-      <dgm:t>
-        <a:bodyPr/>
-        <a:lstStyle/>
-        <a:p>
-          <a:endParaRPr lang="en-US"/>
-        </a:p>
-      </dgm:t>
-    </dgm:pt>
-    <dgm:pt modelId="{362FD5B8-C673-48A5-B407-9FCD061BB9B8}">
-      <dgm:prSet/>
-      <dgm:spPr/>
-      <dgm:t>
-        <a:bodyPr/>
-        <a:lstStyle/>
-        <a:p>
-          <a:r>
-            <a:rPr lang="en-US"/>
-            <a:t>Transformed through </a:t>
-          </a:r>
-          <a:r>
-            <a:rPr lang="en-US" i="1"/>
-            <a:t>Convolution </a:t>
-          </a:r>
-          <a:r>
-            <a:rPr lang="en-US"/>
-            <a:t>and </a:t>
-          </a:r>
-          <a:r>
-            <a:rPr lang="en-US" i="1"/>
-            <a:t>Pooling</a:t>
-          </a:r>
-          <a:r>
-            <a:rPr lang="en-US"/>
-            <a:t> Layers</a:t>
-          </a:r>
-        </a:p>
-      </dgm:t>
-    </dgm:pt>
-    <dgm:pt modelId="{E042A3F9-5038-4333-A5BB-603C98ED9C27}" type="parTrans" cxnId="{4FA122BF-1CD7-4554-A687-481980944368}">
-      <dgm:prSet/>
-      <dgm:spPr/>
-      <dgm:t>
-        <a:bodyPr/>
-        <a:lstStyle/>
-        <a:p>
-          <a:endParaRPr lang="en-US"/>
-        </a:p>
-      </dgm:t>
-    </dgm:pt>
-    <dgm:pt modelId="{A89D93E8-8C5E-4D97-955B-841F6C5006EE}" type="sibTrans" cxnId="{4FA122BF-1CD7-4554-A687-481980944368}">
-      <dgm:prSet/>
-      <dgm:spPr/>
-      <dgm:t>
-        <a:bodyPr/>
-        <a:lstStyle/>
-        <a:p>
-          <a:endParaRPr lang="en-US"/>
-        </a:p>
-      </dgm:t>
-    </dgm:pt>
-    <dgm:pt modelId="{53C12A42-249C-4EA6-AD28-B5AE03FB8ACF}" type="pres">
-      <dgm:prSet presAssocID="{3284F56F-28B8-46AE-AFB4-E1613291AE2B}" presName="diagram" presStyleCnt="0">
-        <dgm:presLayoutVars>
-          <dgm:dir/>
-          <dgm:resizeHandles val="exact"/>
-        </dgm:presLayoutVars>
-      </dgm:prSet>
-      <dgm:spPr/>
-    </dgm:pt>
-    <dgm:pt modelId="{7C17E4F2-3E37-43FF-BDE1-F4F83F0EBD88}" type="pres">
-      <dgm:prSet presAssocID="{2C248C0B-FB1E-423B-9462-7B2611608F7B}" presName="node" presStyleLbl="node1" presStyleIdx="0" presStyleCnt="2">
-        <dgm:presLayoutVars>
-          <dgm:bulletEnabled val="1"/>
-        </dgm:presLayoutVars>
-      </dgm:prSet>
-      <dgm:spPr/>
-    </dgm:pt>
-    <dgm:pt modelId="{A907ACD6-6633-4BBB-ADA0-3E46F67A271D}" type="pres">
-      <dgm:prSet presAssocID="{625157DB-8611-43C9-9856-9FA0BD38AF34}" presName="sibTrans" presStyleCnt="0"/>
-      <dgm:spPr/>
-    </dgm:pt>
-    <dgm:pt modelId="{219CA248-FB5D-4E93-87A1-95DAD368EC5E}" type="pres">
-      <dgm:prSet presAssocID="{362FD5B8-C673-48A5-B407-9FCD061BB9B8}" presName="node" presStyleLbl="node1" presStyleIdx="1" presStyleCnt="2">
-        <dgm:presLayoutVars>
-          <dgm:bulletEnabled val="1"/>
-        </dgm:presLayoutVars>
-      </dgm:prSet>
-      <dgm:spPr/>
-    </dgm:pt>
-  </dgm:ptLst>
-  <dgm:cxnLst>
-    <dgm:cxn modelId="{66EA1100-918D-4D38-A079-CAFE4469C4D0}" type="presOf" srcId="{3284F56F-28B8-46AE-AFB4-E1613291AE2B}" destId="{53C12A42-249C-4EA6-AD28-B5AE03FB8ACF}" srcOrd="0" destOrd="0" presId="urn:microsoft.com/office/officeart/2005/8/layout/default"/>
-    <dgm:cxn modelId="{3ED09479-0215-46C9-940E-B31128C586F6}" srcId="{3284F56F-28B8-46AE-AFB4-E1613291AE2B}" destId="{2C248C0B-FB1E-423B-9462-7B2611608F7B}" srcOrd="0" destOrd="0" parTransId="{F0291D89-E609-4CA5-A868-6554EE070564}" sibTransId="{625157DB-8611-43C9-9856-9FA0BD38AF34}"/>
-    <dgm:cxn modelId="{599488B2-1EE7-4232-AF4A-990585C8B343}" type="presOf" srcId="{362FD5B8-C673-48A5-B407-9FCD061BB9B8}" destId="{219CA248-FB5D-4E93-87A1-95DAD368EC5E}" srcOrd="0" destOrd="0" presId="urn:microsoft.com/office/officeart/2005/8/layout/default"/>
-    <dgm:cxn modelId="{4FA122BF-1CD7-4554-A687-481980944368}" srcId="{3284F56F-28B8-46AE-AFB4-E1613291AE2B}" destId="{362FD5B8-C673-48A5-B407-9FCD061BB9B8}" srcOrd="1" destOrd="0" parTransId="{E042A3F9-5038-4333-A5BB-603C98ED9C27}" sibTransId="{A89D93E8-8C5E-4D97-955B-841F6C5006EE}"/>
-    <dgm:cxn modelId="{411D99DE-8B3A-42CF-9660-4BF2A3A812F3}" type="presOf" srcId="{2C248C0B-FB1E-423B-9462-7B2611608F7B}" destId="{7C17E4F2-3E37-43FF-BDE1-F4F83F0EBD88}" srcOrd="0" destOrd="0" presId="urn:microsoft.com/office/officeart/2005/8/layout/default"/>
-    <dgm:cxn modelId="{F6C02AB5-3085-4E80-A75A-35936FAAE301}" type="presParOf" srcId="{53C12A42-249C-4EA6-AD28-B5AE03FB8ACF}" destId="{7C17E4F2-3E37-43FF-BDE1-F4F83F0EBD88}" srcOrd="0" destOrd="0" presId="urn:microsoft.com/office/officeart/2005/8/layout/default"/>
-    <dgm:cxn modelId="{E12FE6EC-DA33-4EFB-9EC2-D522FDBB7506}" type="presParOf" srcId="{53C12A42-249C-4EA6-AD28-B5AE03FB8ACF}" destId="{A907ACD6-6633-4BBB-ADA0-3E46F67A271D}" srcOrd="1" destOrd="0" presId="urn:microsoft.com/office/officeart/2005/8/layout/default"/>
-    <dgm:cxn modelId="{334BB9E1-9A90-458A-B53A-E11A68E26083}" type="presParOf" srcId="{53C12A42-249C-4EA6-AD28-B5AE03FB8ACF}" destId="{219CA248-FB5D-4E93-87A1-95DAD368EC5E}" srcOrd="2" destOrd="0" presId="urn:microsoft.com/office/officeart/2005/8/layout/default"/>
-  </dgm:cxnLst>
-  <dgm:bg/>
-  <dgm:whole/>
-  <dgm:extLst>
-    <a:ext uri="http://schemas.microsoft.com/office/drawing/2008/diagram">
-      <dsp:dataModelExt xmlns:dsp="http://schemas.microsoft.com/office/drawing/2008/diagram" relId="rId6" minVer="http://schemas.openxmlformats.org/drawingml/2006/diagram"/>
-    </a:ext>
-  </dgm:extLst>
-</dgm:dataModel>
-</file>
-
-<file path=ppt/diagrams/data5.xml><?xml version="1.0" encoding="utf-8"?>
-<dgm:dataModel xmlns:dgm="http://schemas.openxmlformats.org/drawingml/2006/diagram" xmlns:a="http://schemas.openxmlformats.org/drawingml/2006/main">
-  <dgm:ptLst>
-    <dgm:pt modelId="{25AF17CA-8C0D-4E59-9DE1-C035765F2A73}" type="doc">
-      <dgm:prSet loTypeId="urn:microsoft.com/office/officeart/2005/8/layout/default" loCatId="list" qsTypeId="urn:microsoft.com/office/officeart/2005/8/quickstyle/simple1" qsCatId="simple" csTypeId="urn:microsoft.com/office/officeart/2005/8/colors/accent1_2" csCatId="accent1" phldr="1"/>
-      <dgm:spPr/>
-      <dgm:t>
-        <a:bodyPr/>
-        <a:lstStyle/>
-        <a:p>
-          <a:endParaRPr lang="en-US"/>
-        </a:p>
-      </dgm:t>
-    </dgm:pt>
-    <dgm:pt modelId="{E323E730-B6F9-4AC1-AED4-75DB4BC410A5}">
-      <dgm:prSet/>
-      <dgm:spPr/>
-      <dgm:t>
-        <a:bodyPr/>
-        <a:lstStyle/>
-        <a:p>
-          <a:r>
-            <a:rPr lang="en-US"/>
-            <a:t>Input is 1D array of features</a:t>
-          </a:r>
-        </a:p>
-      </dgm:t>
-    </dgm:pt>
-    <dgm:pt modelId="{D8020905-F34E-4617-BE5E-6C00F339FBBA}" type="parTrans" cxnId="{77B35433-CB33-4FE5-8088-E5CBCFEA27B1}">
-      <dgm:prSet/>
-      <dgm:spPr/>
-      <dgm:t>
-        <a:bodyPr/>
-        <a:lstStyle/>
-        <a:p>
-          <a:endParaRPr lang="en-US"/>
-        </a:p>
-      </dgm:t>
-    </dgm:pt>
-    <dgm:pt modelId="{5B0F747E-DEC8-47F9-9682-6E78B8FCF6DD}" type="sibTrans" cxnId="{77B35433-CB33-4FE5-8088-E5CBCFEA27B1}">
-      <dgm:prSet/>
-      <dgm:spPr/>
-      <dgm:t>
-        <a:bodyPr/>
-        <a:lstStyle/>
-        <a:p>
-          <a:endParaRPr lang="en-US"/>
-        </a:p>
-      </dgm:t>
-    </dgm:pt>
-    <dgm:pt modelId="{66D40904-F69D-4A84-8A7A-4B817A51B70A}">
-      <dgm:prSet/>
-      <dgm:spPr/>
-      <dgm:t>
-        <a:bodyPr/>
-        <a:lstStyle/>
-        <a:p>
-          <a:r>
-            <a:rPr lang="en-US"/>
-            <a:t>Transformed through </a:t>
-          </a:r>
-          <a:r>
-            <a:rPr lang="en-US" i="1"/>
-            <a:t>Dense Layers</a:t>
-          </a:r>
-          <a:endParaRPr lang="en-US"/>
-        </a:p>
-      </dgm:t>
-    </dgm:pt>
-    <dgm:pt modelId="{2D41DDF8-90E9-431A-952C-391C30DC9CD1}" type="parTrans" cxnId="{263DD956-BF0A-4D27-9692-5DAC394E93B5}">
-      <dgm:prSet/>
-      <dgm:spPr/>
-      <dgm:t>
-        <a:bodyPr/>
-        <a:lstStyle/>
-        <a:p>
-          <a:endParaRPr lang="en-US"/>
-        </a:p>
-      </dgm:t>
-    </dgm:pt>
-    <dgm:pt modelId="{69438073-9E21-412C-A8BB-D58CA941E1C5}" type="sibTrans" cxnId="{263DD956-BF0A-4D27-9692-5DAC394E93B5}">
-      <dgm:prSet/>
-      <dgm:spPr/>
-      <dgm:t>
-        <a:bodyPr/>
-        <a:lstStyle/>
-        <a:p>
-          <a:endParaRPr lang="en-US"/>
-        </a:p>
-      </dgm:t>
-    </dgm:pt>
-    <dgm:pt modelId="{2812D98D-3F7D-4136-93E1-41A3F4F5762E}" type="pres">
-      <dgm:prSet presAssocID="{25AF17CA-8C0D-4E59-9DE1-C035765F2A73}" presName="diagram" presStyleCnt="0">
-        <dgm:presLayoutVars>
-          <dgm:dir/>
-          <dgm:resizeHandles val="exact"/>
-        </dgm:presLayoutVars>
-      </dgm:prSet>
-      <dgm:spPr/>
-    </dgm:pt>
-    <dgm:pt modelId="{A6D99976-C307-43C1-8873-F096705C5DA5}" type="pres">
-      <dgm:prSet presAssocID="{E323E730-B6F9-4AC1-AED4-75DB4BC410A5}" presName="node" presStyleLbl="node1" presStyleIdx="0" presStyleCnt="2">
-        <dgm:presLayoutVars>
-          <dgm:bulletEnabled val="1"/>
-        </dgm:presLayoutVars>
-      </dgm:prSet>
-      <dgm:spPr/>
-    </dgm:pt>
-    <dgm:pt modelId="{FFBC11F4-F764-4B2A-B4AE-82F13CB8972F}" type="pres">
-      <dgm:prSet presAssocID="{5B0F747E-DEC8-47F9-9682-6E78B8FCF6DD}" presName="sibTrans" presStyleCnt="0"/>
-      <dgm:spPr/>
-    </dgm:pt>
-    <dgm:pt modelId="{BFAA277B-65A7-41E2-96E4-3DCC7C2EB3BF}" type="pres">
-      <dgm:prSet presAssocID="{66D40904-F69D-4A84-8A7A-4B817A51B70A}" presName="node" presStyleLbl="node1" presStyleIdx="1" presStyleCnt="2">
-        <dgm:presLayoutVars>
-          <dgm:bulletEnabled val="1"/>
-        </dgm:presLayoutVars>
-      </dgm:prSet>
-      <dgm:spPr/>
-    </dgm:pt>
-  </dgm:ptLst>
-  <dgm:cxnLst>
-    <dgm:cxn modelId="{77B35433-CB33-4FE5-8088-E5CBCFEA27B1}" srcId="{25AF17CA-8C0D-4E59-9DE1-C035765F2A73}" destId="{E323E730-B6F9-4AC1-AED4-75DB4BC410A5}" srcOrd="0" destOrd="0" parTransId="{D8020905-F34E-4617-BE5E-6C00F339FBBA}" sibTransId="{5B0F747E-DEC8-47F9-9682-6E78B8FCF6DD}"/>
-    <dgm:cxn modelId="{FCC91E51-3532-470B-9D3A-6DF51C5E8B47}" type="presOf" srcId="{E323E730-B6F9-4AC1-AED4-75DB4BC410A5}" destId="{A6D99976-C307-43C1-8873-F096705C5DA5}" srcOrd="0" destOrd="0" presId="urn:microsoft.com/office/officeart/2005/8/layout/default"/>
-    <dgm:cxn modelId="{F3E56276-561C-43B4-978C-F099D5C93E7A}" type="presOf" srcId="{25AF17CA-8C0D-4E59-9DE1-C035765F2A73}" destId="{2812D98D-3F7D-4136-93E1-41A3F4F5762E}" srcOrd="0" destOrd="0" presId="urn:microsoft.com/office/officeart/2005/8/layout/default"/>
-    <dgm:cxn modelId="{263DD956-BF0A-4D27-9692-5DAC394E93B5}" srcId="{25AF17CA-8C0D-4E59-9DE1-C035765F2A73}" destId="{66D40904-F69D-4A84-8A7A-4B817A51B70A}" srcOrd="1" destOrd="0" parTransId="{2D41DDF8-90E9-431A-952C-391C30DC9CD1}" sibTransId="{69438073-9E21-412C-A8BB-D58CA941E1C5}"/>
-    <dgm:cxn modelId="{2BF6FCA7-AA4D-4110-A7E6-1892744568DE}" type="presOf" srcId="{66D40904-F69D-4A84-8A7A-4B817A51B70A}" destId="{BFAA277B-65A7-41E2-96E4-3DCC7C2EB3BF}" srcOrd="0" destOrd="0" presId="urn:microsoft.com/office/officeart/2005/8/layout/default"/>
-    <dgm:cxn modelId="{CC4020A3-EE80-4358-B2E1-4AFEFF24446E}" type="presParOf" srcId="{2812D98D-3F7D-4136-93E1-41A3F4F5762E}" destId="{A6D99976-C307-43C1-8873-F096705C5DA5}" srcOrd="0" destOrd="0" presId="urn:microsoft.com/office/officeart/2005/8/layout/default"/>
-    <dgm:cxn modelId="{90B7EF11-A279-4714-981F-24AEBD45EE65}" type="presParOf" srcId="{2812D98D-3F7D-4136-93E1-41A3F4F5762E}" destId="{FFBC11F4-F764-4B2A-B4AE-82F13CB8972F}" srcOrd="1" destOrd="0" presId="urn:microsoft.com/office/officeart/2005/8/layout/default"/>
-    <dgm:cxn modelId="{67F065C8-DDDF-4585-9688-402B78EA1C66}" type="presParOf" srcId="{2812D98D-3F7D-4136-93E1-41A3F4F5762E}" destId="{BFAA277B-65A7-41E2-96E4-3DCC7C2EB3BF}" srcOrd="2" destOrd="0" presId="urn:microsoft.com/office/officeart/2005/8/layout/default"/>
-  </dgm:cxnLst>
-  <dgm:bg/>
-  <dgm:whole/>
-  <dgm:extLst>
-    <a:ext uri="http://schemas.microsoft.com/office/drawing/2008/diagram">
-      <dsp:dataModelExt xmlns:dsp="http://schemas.microsoft.com/office/drawing/2008/diagram" relId="rId6" minVer="http://schemas.openxmlformats.org/drawingml/2006/diagram"/>
-    </a:ext>
-  </dgm:extLst>
-</dgm:dataModel>
-</file>
-
-<file path=ppt/diagrams/data6.xml><?xml version="1.0" encoding="utf-8"?>
 <dgm:dataModel xmlns:dgm="http://schemas.openxmlformats.org/drawingml/2006/diagram" xmlns:a="http://schemas.openxmlformats.org/drawingml/2006/main">
   <dgm:ptLst>
     <dgm:pt modelId="{22A53AB8-8B20-432F-9639-6E4E47D6DB11}" type="doc">
@@ -7255,818 +4216,6 @@
 </file>
 
 <file path=ppt/diagrams/drawing3.xml><?xml version="1.0" encoding="utf-8"?>
-<dsp:drawing xmlns:dgm="http://schemas.openxmlformats.org/drawingml/2006/diagram" xmlns:dsp="http://schemas.microsoft.com/office/drawing/2008/diagram" xmlns:a="http://schemas.openxmlformats.org/drawingml/2006/main">
-  <dsp:spTree>
-    <dsp:nvGrpSpPr>
-      <dsp:cNvPr id="0" name=""/>
-      <dsp:cNvGrpSpPr/>
-    </dsp:nvGrpSpPr>
-    <dsp:grpSpPr/>
-    <dsp:sp modelId="{E82BA628-21C1-477A-941B-0B0DA8F045F8}">
-      <dsp:nvSpPr>
-        <dsp:cNvPr id="0" name=""/>
-        <dsp:cNvSpPr/>
-      </dsp:nvSpPr>
-      <dsp:spPr>
-        <a:xfrm>
-          <a:off x="600095" y="570738"/>
-          <a:ext cx="1784250" cy="1784250"/>
-        </a:xfrm>
-        <a:prstGeom prst="ellipse">
-          <a:avLst/>
-        </a:prstGeom>
-        <a:solidFill>
-          <a:schemeClr val="accent2">
-            <a:hueOff val="0"/>
-            <a:satOff val="0"/>
-            <a:lumOff val="0"/>
-            <a:alphaOff val="0"/>
-          </a:schemeClr>
-        </a:solidFill>
-        <a:ln>
-          <a:noFill/>
-        </a:ln>
-        <a:effectLst/>
-      </dsp:spPr>
-      <dsp:style>
-        <a:lnRef idx="0">
-          <a:scrgbClr r="0" g="0" b="0"/>
-        </a:lnRef>
-        <a:fillRef idx="1">
-          <a:scrgbClr r="0" g="0" b="0"/>
-        </a:fillRef>
-        <a:effectRef idx="0">
-          <a:scrgbClr r="0" g="0" b="0"/>
-        </a:effectRef>
-        <a:fontRef idx="minor"/>
-      </dsp:style>
-    </dsp:sp>
-    <dsp:sp modelId="{5369D568-5B6D-42E9-B754-A808C1E89F1D}">
-      <dsp:nvSpPr>
-        <dsp:cNvPr id="0" name=""/>
-        <dsp:cNvSpPr/>
-      </dsp:nvSpPr>
-      <dsp:spPr>
-        <a:xfrm>
-          <a:off x="980345" y="950988"/>
-          <a:ext cx="1023750" cy="1023750"/>
-        </a:xfrm>
-        <a:prstGeom prst="rect">
-          <a:avLst/>
-        </a:prstGeom>
-        <a:blipFill>
-          <a:blip xmlns:r="http://schemas.openxmlformats.org/officeDocument/2006/relationships" r:embed="rId1">
-            <a:extLst>
-              <a:ext uri="{28A0092B-C50C-407E-A947-70E740481C1C}">
-                <a14:useLocalDpi xmlns:a14="http://schemas.microsoft.com/office/drawing/2010/main" val="0"/>
-              </a:ext>
-              <a:ext uri="{96DAC541-7B7A-43D3-8B79-37D633B846F1}">
-                <asvg:svgBlip xmlns:asvg="http://schemas.microsoft.com/office/drawing/2016/SVG/main" r:embed="rId2"/>
-              </a:ext>
-            </a:extLst>
-          </a:blip>
-          <a:stretch>
-            <a:fillRect/>
-          </a:stretch>
-        </a:blipFill>
-        <a:ln w="13970" cap="flat" cmpd="sng" algn="ctr">
-          <a:noFill/>
-          <a:prstDash val="solid"/>
-        </a:ln>
-        <a:effectLst/>
-      </dsp:spPr>
-      <dsp:style>
-        <a:lnRef idx="2">
-          <a:scrgbClr r="0" g="0" b="0"/>
-        </a:lnRef>
-        <a:fillRef idx="1">
-          <a:scrgbClr r="0" g="0" b="0"/>
-        </a:fillRef>
-        <a:effectRef idx="0">
-          <a:scrgbClr r="0" g="0" b="0"/>
-        </a:effectRef>
-        <a:fontRef idx="minor">
-          <a:schemeClr val="lt1"/>
-        </a:fontRef>
-      </dsp:style>
-    </dsp:sp>
-    <dsp:sp modelId="{EF3E680D-66B6-49EA-91B5-9F00DFF7B670}">
-      <dsp:nvSpPr>
-        <dsp:cNvPr id="0" name=""/>
-        <dsp:cNvSpPr/>
-      </dsp:nvSpPr>
-      <dsp:spPr>
-        <a:xfrm>
-          <a:off x="29720" y="2910739"/>
-          <a:ext cx="2925000" cy="720000"/>
-        </a:xfrm>
-        <a:prstGeom prst="rect">
-          <a:avLst/>
-        </a:prstGeom>
-        <a:noFill/>
-        <a:ln>
-          <a:noFill/>
-        </a:ln>
-        <a:effectLst/>
-      </dsp:spPr>
-      <dsp:style>
-        <a:lnRef idx="0">
-          <a:scrgbClr r="0" g="0" b="0"/>
-        </a:lnRef>
-        <a:fillRef idx="0">
-          <a:scrgbClr r="0" g="0" b="0"/>
-        </a:fillRef>
-        <a:effectRef idx="0">
-          <a:scrgbClr r="0" g="0" b="0"/>
-        </a:effectRef>
-        <a:fontRef idx="minor"/>
-      </dsp:style>
-      <dsp:txBody>
-        <a:bodyPr spcFirstLastPara="0" vert="horz" wrap="square" lIns="0" tIns="0" rIns="0" bIns="0" numCol="1" spcCol="1270" anchor="t" anchorCtr="0">
-          <a:noAutofit/>
-        </a:bodyPr>
-        <a:lstStyle/>
-        <a:p>
-          <a:pPr marL="0" lvl="0" indent="0" algn="ctr" defTabSz="711200">
-            <a:lnSpc>
-              <a:spcPct val="90000"/>
-            </a:lnSpc>
-            <a:spcBef>
-              <a:spcPct val="0"/>
-            </a:spcBef>
-            <a:spcAft>
-              <a:spcPct val="35000"/>
-            </a:spcAft>
-            <a:buNone/>
-            <a:defRPr cap="all"/>
-          </a:pPr>
-          <a:r>
-            <a:rPr lang="en-US" sz="1600" kern="1200"/>
-            <a:t>Inputs are mapped to qualitative outputs (musical instruments)</a:t>
-          </a:r>
-        </a:p>
-      </dsp:txBody>
-      <dsp:txXfrm>
-        <a:off x="29720" y="2910739"/>
-        <a:ext cx="2925000" cy="720000"/>
-      </dsp:txXfrm>
-    </dsp:sp>
-    <dsp:sp modelId="{78D97DDB-86C4-4A2C-BE43-D856D53DDB39}">
-      <dsp:nvSpPr>
-        <dsp:cNvPr id="0" name=""/>
-        <dsp:cNvSpPr/>
-      </dsp:nvSpPr>
-      <dsp:spPr>
-        <a:xfrm>
-          <a:off x="4036970" y="570738"/>
-          <a:ext cx="1784250" cy="1784250"/>
-        </a:xfrm>
-        <a:prstGeom prst="ellipse">
-          <a:avLst/>
-        </a:prstGeom>
-        <a:solidFill>
-          <a:schemeClr val="accent3">
-            <a:hueOff val="0"/>
-            <a:satOff val="0"/>
-            <a:lumOff val="0"/>
-            <a:alphaOff val="0"/>
-          </a:schemeClr>
-        </a:solidFill>
-        <a:ln>
-          <a:noFill/>
-        </a:ln>
-        <a:effectLst/>
-      </dsp:spPr>
-      <dsp:style>
-        <a:lnRef idx="0">
-          <a:scrgbClr r="0" g="0" b="0"/>
-        </a:lnRef>
-        <a:fillRef idx="1">
-          <a:scrgbClr r="0" g="0" b="0"/>
-        </a:fillRef>
-        <a:effectRef idx="0">
-          <a:scrgbClr r="0" g="0" b="0"/>
-        </a:effectRef>
-        <a:fontRef idx="minor"/>
-      </dsp:style>
-    </dsp:sp>
-    <dsp:sp modelId="{D648E47A-1482-43EE-8FB4-16F37A72C6C5}">
-      <dsp:nvSpPr>
-        <dsp:cNvPr id="0" name=""/>
-        <dsp:cNvSpPr/>
-      </dsp:nvSpPr>
-      <dsp:spPr>
-        <a:xfrm>
-          <a:off x="4417220" y="950988"/>
-          <a:ext cx="1023750" cy="1023750"/>
-        </a:xfrm>
-        <a:prstGeom prst="rect">
-          <a:avLst/>
-        </a:prstGeom>
-        <a:blipFill>
-          <a:blip xmlns:r="http://schemas.openxmlformats.org/officeDocument/2006/relationships" r:embed="rId3">
-            <a:extLst>
-              <a:ext uri="{28A0092B-C50C-407E-A947-70E740481C1C}">
-                <a14:useLocalDpi xmlns:a14="http://schemas.microsoft.com/office/drawing/2010/main" val="0"/>
-              </a:ext>
-              <a:ext uri="{96DAC541-7B7A-43D3-8B79-37D633B846F1}">
-                <asvg:svgBlip xmlns:asvg="http://schemas.microsoft.com/office/drawing/2016/SVG/main" r:embed="rId4"/>
-              </a:ext>
-            </a:extLst>
-          </a:blip>
-          <a:stretch>
-            <a:fillRect/>
-          </a:stretch>
-        </a:blipFill>
-        <a:ln w="13970" cap="flat" cmpd="sng" algn="ctr">
-          <a:noFill/>
-          <a:prstDash val="solid"/>
-        </a:ln>
-        <a:effectLst/>
-      </dsp:spPr>
-      <dsp:style>
-        <a:lnRef idx="2">
-          <a:scrgbClr r="0" g="0" b="0"/>
-        </a:lnRef>
-        <a:fillRef idx="1">
-          <a:scrgbClr r="0" g="0" b="0"/>
-        </a:fillRef>
-        <a:effectRef idx="0">
-          <a:scrgbClr r="0" g="0" b="0"/>
-        </a:effectRef>
-        <a:fontRef idx="minor">
-          <a:schemeClr val="lt1"/>
-        </a:fontRef>
-      </dsp:style>
-    </dsp:sp>
-    <dsp:sp modelId="{C30AD712-9B2D-497C-8F19-55F413FEAFD1}">
-      <dsp:nvSpPr>
-        <dsp:cNvPr id="0" name=""/>
-        <dsp:cNvSpPr/>
-      </dsp:nvSpPr>
-      <dsp:spPr>
-        <a:xfrm>
-          <a:off x="3466595" y="2910739"/>
-          <a:ext cx="2925000" cy="720000"/>
-        </a:xfrm>
-        <a:prstGeom prst="rect">
-          <a:avLst/>
-        </a:prstGeom>
-        <a:noFill/>
-        <a:ln>
-          <a:noFill/>
-        </a:ln>
-        <a:effectLst/>
-      </dsp:spPr>
-      <dsp:style>
-        <a:lnRef idx="0">
-          <a:scrgbClr r="0" g="0" b="0"/>
-        </a:lnRef>
-        <a:fillRef idx="0">
-          <a:scrgbClr r="0" g="0" b="0"/>
-        </a:fillRef>
-        <a:effectRef idx="0">
-          <a:scrgbClr r="0" g="0" b="0"/>
-        </a:effectRef>
-        <a:fontRef idx="minor"/>
-      </dsp:style>
-      <dsp:txBody>
-        <a:bodyPr spcFirstLastPara="0" vert="horz" wrap="square" lIns="0" tIns="0" rIns="0" bIns="0" numCol="1" spcCol="1270" anchor="t" anchorCtr="0">
-          <a:noAutofit/>
-        </a:bodyPr>
-        <a:lstStyle/>
-        <a:p>
-          <a:pPr marL="0" lvl="0" indent="0" algn="ctr" defTabSz="711200">
-            <a:lnSpc>
-              <a:spcPct val="90000"/>
-            </a:lnSpc>
-            <a:spcBef>
-              <a:spcPct val="0"/>
-            </a:spcBef>
-            <a:spcAft>
-              <a:spcPct val="35000"/>
-            </a:spcAft>
-            <a:buNone/>
-            <a:defRPr cap="all"/>
-          </a:pPr>
-          <a:r>
-            <a:rPr lang="en-US" sz="1600" kern="1200"/>
-            <a:t>We group inputs that have similar properties</a:t>
-          </a:r>
-        </a:p>
-      </dsp:txBody>
-      <dsp:txXfrm>
-        <a:off x="3466595" y="2910739"/>
-        <a:ext cx="2925000" cy="720000"/>
-      </dsp:txXfrm>
-    </dsp:sp>
-    <dsp:sp modelId="{9FDD0603-8302-4D6C-B7A5-E31905FF8C45}">
-      <dsp:nvSpPr>
-        <dsp:cNvPr id="0" name=""/>
-        <dsp:cNvSpPr/>
-      </dsp:nvSpPr>
-      <dsp:spPr>
-        <a:xfrm>
-          <a:off x="7473845" y="570738"/>
-          <a:ext cx="1784250" cy="1784250"/>
-        </a:xfrm>
-        <a:prstGeom prst="ellipse">
-          <a:avLst/>
-        </a:prstGeom>
-        <a:solidFill>
-          <a:schemeClr val="accent4">
-            <a:hueOff val="0"/>
-            <a:satOff val="0"/>
-            <a:lumOff val="0"/>
-            <a:alphaOff val="0"/>
-          </a:schemeClr>
-        </a:solidFill>
-        <a:ln>
-          <a:noFill/>
-        </a:ln>
-        <a:effectLst/>
-      </dsp:spPr>
-      <dsp:style>
-        <a:lnRef idx="0">
-          <a:scrgbClr r="0" g="0" b="0"/>
-        </a:lnRef>
-        <a:fillRef idx="1">
-          <a:scrgbClr r="0" g="0" b="0"/>
-        </a:fillRef>
-        <a:effectRef idx="0">
-          <a:scrgbClr r="0" g="0" b="0"/>
-        </a:effectRef>
-        <a:fontRef idx="minor"/>
-      </dsp:style>
-    </dsp:sp>
-    <dsp:sp modelId="{152ACBB3-F57C-4448-8440-549E7F86D93A}">
-      <dsp:nvSpPr>
-        <dsp:cNvPr id="0" name=""/>
-        <dsp:cNvSpPr/>
-      </dsp:nvSpPr>
-      <dsp:spPr>
-        <a:xfrm>
-          <a:off x="7854095" y="950988"/>
-          <a:ext cx="1023750" cy="1023750"/>
-        </a:xfrm>
-        <a:prstGeom prst="rect">
-          <a:avLst/>
-        </a:prstGeom>
-        <a:blipFill>
-          <a:blip xmlns:r="http://schemas.openxmlformats.org/officeDocument/2006/relationships" r:embed="rId5">
-            <a:extLst>
-              <a:ext uri="{28A0092B-C50C-407E-A947-70E740481C1C}">
-                <a14:useLocalDpi xmlns:a14="http://schemas.microsoft.com/office/drawing/2010/main" val="0"/>
-              </a:ext>
-              <a:ext uri="{96DAC541-7B7A-43D3-8B79-37D633B846F1}">
-                <asvg:svgBlip xmlns:asvg="http://schemas.microsoft.com/office/drawing/2016/SVG/main" r:embed="rId6"/>
-              </a:ext>
-            </a:extLst>
-          </a:blip>
-          <a:stretch>
-            <a:fillRect/>
-          </a:stretch>
-        </a:blipFill>
-        <a:ln w="13970" cap="flat" cmpd="sng" algn="ctr">
-          <a:noFill/>
-          <a:prstDash val="solid"/>
-        </a:ln>
-        <a:effectLst/>
-      </dsp:spPr>
-      <dsp:style>
-        <a:lnRef idx="2">
-          <a:scrgbClr r="0" g="0" b="0"/>
-        </a:lnRef>
-        <a:fillRef idx="1">
-          <a:scrgbClr r="0" g="0" b="0"/>
-        </a:fillRef>
-        <a:effectRef idx="0">
-          <a:scrgbClr r="0" g="0" b="0"/>
-        </a:effectRef>
-        <a:fontRef idx="minor">
-          <a:schemeClr val="lt1"/>
-        </a:fontRef>
-      </dsp:style>
-    </dsp:sp>
-    <dsp:sp modelId="{315844E2-3DC1-40A3-99DB-9F28CB1F2629}">
-      <dsp:nvSpPr>
-        <dsp:cNvPr id="0" name=""/>
-        <dsp:cNvSpPr/>
-      </dsp:nvSpPr>
-      <dsp:spPr>
-        <a:xfrm>
-          <a:off x="6903470" y="2910739"/>
-          <a:ext cx="2925000" cy="720000"/>
-        </a:xfrm>
-        <a:prstGeom prst="rect">
-          <a:avLst/>
-        </a:prstGeom>
-        <a:noFill/>
-        <a:ln>
-          <a:noFill/>
-        </a:ln>
-        <a:effectLst/>
-      </dsp:spPr>
-      <dsp:style>
-        <a:lnRef idx="0">
-          <a:scrgbClr r="0" g="0" b="0"/>
-        </a:lnRef>
-        <a:fillRef idx="0">
-          <a:scrgbClr r="0" g="0" b="0"/>
-        </a:fillRef>
-        <a:effectRef idx="0">
-          <a:scrgbClr r="0" g="0" b="0"/>
-        </a:effectRef>
-        <a:fontRef idx="minor"/>
-      </dsp:style>
-      <dsp:txBody>
-        <a:bodyPr spcFirstLastPara="0" vert="horz" wrap="square" lIns="0" tIns="0" rIns="0" bIns="0" numCol="1" spcCol="1270" anchor="t" anchorCtr="0">
-          <a:noAutofit/>
-        </a:bodyPr>
-        <a:lstStyle/>
-        <a:p>
-          <a:pPr marL="0" lvl="0" indent="0" algn="ctr" defTabSz="711200">
-            <a:lnSpc>
-              <a:spcPct val="90000"/>
-            </a:lnSpc>
-            <a:spcBef>
-              <a:spcPct val="0"/>
-            </a:spcBef>
-            <a:spcAft>
-              <a:spcPct val="35000"/>
-            </a:spcAft>
-            <a:buNone/>
-            <a:defRPr cap="all"/>
-          </a:pPr>
-          <a:r>
-            <a:rPr lang="en-US" sz="1600" kern="1200" dirty="0"/>
-            <a:t>Integer output classes correspond to a musical instrument</a:t>
-          </a:r>
-        </a:p>
-      </dsp:txBody>
-      <dsp:txXfrm>
-        <a:off x="6903470" y="2910739"/>
-        <a:ext cx="2925000" cy="720000"/>
-      </dsp:txXfrm>
-    </dsp:sp>
-  </dsp:spTree>
-</dsp:drawing>
-</file>
-
-<file path=ppt/diagrams/drawing4.xml><?xml version="1.0" encoding="utf-8"?>
-<dsp:drawing xmlns:dgm="http://schemas.openxmlformats.org/drawingml/2006/diagram" xmlns:dsp="http://schemas.microsoft.com/office/drawing/2008/diagram" xmlns:a="http://schemas.openxmlformats.org/drawingml/2006/main">
-  <dsp:spTree>
-    <dsp:nvGrpSpPr>
-      <dsp:cNvPr id="0" name=""/>
-      <dsp:cNvGrpSpPr/>
-    </dsp:nvGrpSpPr>
-    <dsp:grpSpPr/>
-    <dsp:sp modelId="{7C17E4F2-3E37-43FF-BDE1-F4F83F0EBD88}">
-      <dsp:nvSpPr>
-        <dsp:cNvPr id="0" name=""/>
-        <dsp:cNvSpPr/>
-      </dsp:nvSpPr>
-      <dsp:spPr>
-        <a:xfrm>
-          <a:off x="932044" y="3464"/>
-          <a:ext cx="4214977" cy="2528986"/>
-        </a:xfrm>
-        <a:prstGeom prst="rect">
-          <a:avLst/>
-        </a:prstGeom>
-        <a:solidFill>
-          <a:schemeClr val="accent1">
-            <a:hueOff val="0"/>
-            <a:satOff val="0"/>
-            <a:lumOff val="0"/>
-            <a:alphaOff val="0"/>
-          </a:schemeClr>
-        </a:solidFill>
-        <a:ln w="13970" cap="flat" cmpd="sng" algn="ctr">
-          <a:solidFill>
-            <a:schemeClr val="lt1">
-              <a:hueOff val="0"/>
-              <a:satOff val="0"/>
-              <a:lumOff val="0"/>
-              <a:alphaOff val="0"/>
-            </a:schemeClr>
-          </a:solidFill>
-          <a:prstDash val="solid"/>
-        </a:ln>
-        <a:effectLst/>
-      </dsp:spPr>
-      <dsp:style>
-        <a:lnRef idx="2">
-          <a:scrgbClr r="0" g="0" b="0"/>
-        </a:lnRef>
-        <a:fillRef idx="1">
-          <a:scrgbClr r="0" g="0" b="0"/>
-        </a:fillRef>
-        <a:effectRef idx="0">
-          <a:scrgbClr r="0" g="0" b="0"/>
-        </a:effectRef>
-        <a:fontRef idx="minor">
-          <a:schemeClr val="lt1"/>
-        </a:fontRef>
-      </dsp:style>
-      <dsp:txBody>
-        <a:bodyPr spcFirstLastPara="0" vert="horz" wrap="square" lIns="152400" tIns="152400" rIns="152400" bIns="152400" numCol="1" spcCol="1270" anchor="ctr" anchorCtr="0">
-          <a:noAutofit/>
-        </a:bodyPr>
-        <a:lstStyle/>
-        <a:p>
-          <a:pPr marL="0" lvl="0" indent="0" algn="ctr" defTabSz="1778000">
-            <a:lnSpc>
-              <a:spcPct val="90000"/>
-            </a:lnSpc>
-            <a:spcBef>
-              <a:spcPct val="0"/>
-            </a:spcBef>
-            <a:spcAft>
-              <a:spcPct val="35000"/>
-            </a:spcAft>
-            <a:buNone/>
-          </a:pPr>
-          <a:r>
-            <a:rPr lang="en-US" sz="4000" kern="1200" dirty="0"/>
-            <a:t>Inputs is 2D image-like array</a:t>
-          </a:r>
-        </a:p>
-      </dsp:txBody>
-      <dsp:txXfrm>
-        <a:off x="932044" y="3464"/>
-        <a:ext cx="4214977" cy="2528986"/>
-      </dsp:txXfrm>
-    </dsp:sp>
-    <dsp:sp modelId="{219CA248-FB5D-4E93-87A1-95DAD368EC5E}">
-      <dsp:nvSpPr>
-        <dsp:cNvPr id="0" name=""/>
-        <dsp:cNvSpPr/>
-      </dsp:nvSpPr>
-      <dsp:spPr>
-        <a:xfrm>
-          <a:off x="932044" y="2953948"/>
-          <a:ext cx="4214977" cy="2528986"/>
-        </a:xfrm>
-        <a:prstGeom prst="rect">
-          <a:avLst/>
-        </a:prstGeom>
-        <a:solidFill>
-          <a:schemeClr val="accent1">
-            <a:hueOff val="0"/>
-            <a:satOff val="0"/>
-            <a:lumOff val="0"/>
-            <a:alphaOff val="0"/>
-          </a:schemeClr>
-        </a:solidFill>
-        <a:ln w="13970" cap="flat" cmpd="sng" algn="ctr">
-          <a:solidFill>
-            <a:schemeClr val="lt1">
-              <a:hueOff val="0"/>
-              <a:satOff val="0"/>
-              <a:lumOff val="0"/>
-              <a:alphaOff val="0"/>
-            </a:schemeClr>
-          </a:solidFill>
-          <a:prstDash val="solid"/>
-        </a:ln>
-        <a:effectLst/>
-      </dsp:spPr>
-      <dsp:style>
-        <a:lnRef idx="2">
-          <a:scrgbClr r="0" g="0" b="0"/>
-        </a:lnRef>
-        <a:fillRef idx="1">
-          <a:scrgbClr r="0" g="0" b="0"/>
-        </a:fillRef>
-        <a:effectRef idx="0">
-          <a:scrgbClr r="0" g="0" b="0"/>
-        </a:effectRef>
-        <a:fontRef idx="minor">
-          <a:schemeClr val="lt1"/>
-        </a:fontRef>
-      </dsp:style>
-      <dsp:txBody>
-        <a:bodyPr spcFirstLastPara="0" vert="horz" wrap="square" lIns="152400" tIns="152400" rIns="152400" bIns="152400" numCol="1" spcCol="1270" anchor="ctr" anchorCtr="0">
-          <a:noAutofit/>
-        </a:bodyPr>
-        <a:lstStyle/>
-        <a:p>
-          <a:pPr marL="0" lvl="0" indent="0" algn="ctr" defTabSz="1778000">
-            <a:lnSpc>
-              <a:spcPct val="90000"/>
-            </a:lnSpc>
-            <a:spcBef>
-              <a:spcPct val="0"/>
-            </a:spcBef>
-            <a:spcAft>
-              <a:spcPct val="35000"/>
-            </a:spcAft>
-            <a:buNone/>
-          </a:pPr>
-          <a:r>
-            <a:rPr lang="en-US" sz="4000" kern="1200"/>
-            <a:t>Transformed through </a:t>
-          </a:r>
-          <a:r>
-            <a:rPr lang="en-US" sz="4000" i="1" kern="1200"/>
-            <a:t>Convolution </a:t>
-          </a:r>
-          <a:r>
-            <a:rPr lang="en-US" sz="4000" kern="1200"/>
-            <a:t>and </a:t>
-          </a:r>
-          <a:r>
-            <a:rPr lang="en-US" sz="4000" i="1" kern="1200"/>
-            <a:t>Pooling</a:t>
-          </a:r>
-          <a:r>
-            <a:rPr lang="en-US" sz="4000" kern="1200"/>
-            <a:t> Layers</a:t>
-          </a:r>
-        </a:p>
-      </dsp:txBody>
-      <dsp:txXfrm>
-        <a:off x="932044" y="2953948"/>
-        <a:ext cx="4214977" cy="2528986"/>
-      </dsp:txXfrm>
-    </dsp:sp>
-  </dsp:spTree>
-</dsp:drawing>
-</file>
-
-<file path=ppt/diagrams/drawing5.xml><?xml version="1.0" encoding="utf-8"?>
-<dsp:drawing xmlns:dgm="http://schemas.openxmlformats.org/drawingml/2006/diagram" xmlns:dsp="http://schemas.microsoft.com/office/drawing/2008/diagram" xmlns:a="http://schemas.openxmlformats.org/drawingml/2006/main">
-  <dsp:spTree>
-    <dsp:nvGrpSpPr>
-      <dsp:cNvPr id="0" name=""/>
-      <dsp:cNvGrpSpPr/>
-    </dsp:nvGrpSpPr>
-    <dsp:grpSpPr/>
-    <dsp:sp modelId="{A6D99976-C307-43C1-8873-F096705C5DA5}">
-      <dsp:nvSpPr>
-        <dsp:cNvPr id="0" name=""/>
-        <dsp:cNvSpPr/>
-      </dsp:nvSpPr>
-      <dsp:spPr>
-        <a:xfrm>
-          <a:off x="932044" y="3464"/>
-          <a:ext cx="4214977" cy="2528986"/>
-        </a:xfrm>
-        <a:prstGeom prst="rect">
-          <a:avLst/>
-        </a:prstGeom>
-        <a:solidFill>
-          <a:schemeClr val="accent1">
-            <a:hueOff val="0"/>
-            <a:satOff val="0"/>
-            <a:lumOff val="0"/>
-            <a:alphaOff val="0"/>
-          </a:schemeClr>
-        </a:solidFill>
-        <a:ln w="13970" cap="flat" cmpd="sng" algn="ctr">
-          <a:solidFill>
-            <a:schemeClr val="lt1">
-              <a:hueOff val="0"/>
-              <a:satOff val="0"/>
-              <a:lumOff val="0"/>
-              <a:alphaOff val="0"/>
-            </a:schemeClr>
-          </a:solidFill>
-          <a:prstDash val="solid"/>
-        </a:ln>
-        <a:effectLst/>
-      </dsp:spPr>
-      <dsp:style>
-        <a:lnRef idx="2">
-          <a:scrgbClr r="0" g="0" b="0"/>
-        </a:lnRef>
-        <a:fillRef idx="1">
-          <a:scrgbClr r="0" g="0" b="0"/>
-        </a:fillRef>
-        <a:effectRef idx="0">
-          <a:scrgbClr r="0" g="0" b="0"/>
-        </a:effectRef>
-        <a:fontRef idx="minor">
-          <a:schemeClr val="lt1"/>
-        </a:fontRef>
-      </dsp:style>
-      <dsp:txBody>
-        <a:bodyPr spcFirstLastPara="0" vert="horz" wrap="square" lIns="186690" tIns="186690" rIns="186690" bIns="186690" numCol="1" spcCol="1270" anchor="ctr" anchorCtr="0">
-          <a:noAutofit/>
-        </a:bodyPr>
-        <a:lstStyle/>
-        <a:p>
-          <a:pPr marL="0" lvl="0" indent="0" algn="ctr" defTabSz="2178050">
-            <a:lnSpc>
-              <a:spcPct val="90000"/>
-            </a:lnSpc>
-            <a:spcBef>
-              <a:spcPct val="0"/>
-            </a:spcBef>
-            <a:spcAft>
-              <a:spcPct val="35000"/>
-            </a:spcAft>
-            <a:buNone/>
-          </a:pPr>
-          <a:r>
-            <a:rPr lang="en-US" sz="4900" kern="1200"/>
-            <a:t>Input is 1D array of features</a:t>
-          </a:r>
-        </a:p>
-      </dsp:txBody>
-      <dsp:txXfrm>
-        <a:off x="932044" y="3464"/>
-        <a:ext cx="4214977" cy="2528986"/>
-      </dsp:txXfrm>
-    </dsp:sp>
-    <dsp:sp modelId="{BFAA277B-65A7-41E2-96E4-3DCC7C2EB3BF}">
-      <dsp:nvSpPr>
-        <dsp:cNvPr id="0" name=""/>
-        <dsp:cNvSpPr/>
-      </dsp:nvSpPr>
-      <dsp:spPr>
-        <a:xfrm>
-          <a:off x="932044" y="2953948"/>
-          <a:ext cx="4214977" cy="2528986"/>
-        </a:xfrm>
-        <a:prstGeom prst="rect">
-          <a:avLst/>
-        </a:prstGeom>
-        <a:solidFill>
-          <a:schemeClr val="accent1">
-            <a:hueOff val="0"/>
-            <a:satOff val="0"/>
-            <a:lumOff val="0"/>
-            <a:alphaOff val="0"/>
-          </a:schemeClr>
-        </a:solidFill>
-        <a:ln w="13970" cap="flat" cmpd="sng" algn="ctr">
-          <a:solidFill>
-            <a:schemeClr val="lt1">
-              <a:hueOff val="0"/>
-              <a:satOff val="0"/>
-              <a:lumOff val="0"/>
-              <a:alphaOff val="0"/>
-            </a:schemeClr>
-          </a:solidFill>
-          <a:prstDash val="solid"/>
-        </a:ln>
-        <a:effectLst/>
-      </dsp:spPr>
-      <dsp:style>
-        <a:lnRef idx="2">
-          <a:scrgbClr r="0" g="0" b="0"/>
-        </a:lnRef>
-        <a:fillRef idx="1">
-          <a:scrgbClr r="0" g="0" b="0"/>
-        </a:fillRef>
-        <a:effectRef idx="0">
-          <a:scrgbClr r="0" g="0" b="0"/>
-        </a:effectRef>
-        <a:fontRef idx="minor">
-          <a:schemeClr val="lt1"/>
-        </a:fontRef>
-      </dsp:style>
-      <dsp:txBody>
-        <a:bodyPr spcFirstLastPara="0" vert="horz" wrap="square" lIns="186690" tIns="186690" rIns="186690" bIns="186690" numCol="1" spcCol="1270" anchor="ctr" anchorCtr="0">
-          <a:noAutofit/>
-        </a:bodyPr>
-        <a:lstStyle/>
-        <a:p>
-          <a:pPr marL="0" lvl="0" indent="0" algn="ctr" defTabSz="2178050">
-            <a:lnSpc>
-              <a:spcPct val="90000"/>
-            </a:lnSpc>
-            <a:spcBef>
-              <a:spcPct val="0"/>
-            </a:spcBef>
-            <a:spcAft>
-              <a:spcPct val="35000"/>
-            </a:spcAft>
-            <a:buNone/>
-          </a:pPr>
-          <a:r>
-            <a:rPr lang="en-US" sz="4900" kern="1200"/>
-            <a:t>Transformed through </a:t>
-          </a:r>
-          <a:r>
-            <a:rPr lang="en-US" sz="4900" i="1" kern="1200"/>
-            <a:t>Dense Layers</a:t>
-          </a:r>
-          <a:endParaRPr lang="en-US" sz="4900" kern="1200"/>
-        </a:p>
-      </dsp:txBody>
-      <dsp:txXfrm>
-        <a:off x="932044" y="2953948"/>
-        <a:ext cx="4214977" cy="2528986"/>
-      </dsp:txXfrm>
-    </dsp:sp>
-  </dsp:spTree>
-</dsp:drawing>
-</file>
-
-<file path=ppt/diagrams/drawing6.xml><?xml version="1.0" encoding="utf-8"?>
 <dsp:drawing xmlns:dgm="http://schemas.openxmlformats.org/drawingml/2006/diagram" xmlns:dsp="http://schemas.microsoft.com/office/drawing/2008/diagram" xmlns:a="http://schemas.openxmlformats.org/drawingml/2006/main">
   <dsp:spTree>
     <dsp:nvGrpSpPr>
@@ -9240,515 +5389,6 @@
 </file>
 
 <file path=ppt/diagrams/layout3.xml><?xml version="1.0" encoding="utf-8"?>
-<dgm:layoutDef xmlns:dgm="http://schemas.openxmlformats.org/drawingml/2006/diagram" xmlns:a="http://schemas.openxmlformats.org/drawingml/2006/main" uniqueId="urn:microsoft.com/office/officeart/2018/5/layout/IconCircleLabelList">
-  <dgm:title val="Icon Circle Label List"/>
-  <dgm:desc val="Use to show non-sequential or grouped chunks of information accompanied by a related visuals. Works best with icons or small pictures with short text captions."/>
-  <dgm:catLst>
-    <dgm:cat type="icon" pri="500"/>
-  </dgm:catLst>
-  <dgm:sampData useDef="1">
-    <dgm:dataModel>
-      <dgm:ptLst/>
-      <dgm:bg/>
-      <dgm:whole/>
-    </dgm:dataModel>
-  </dgm:sampData>
-  <dgm:styleData useDef="1">
-    <dgm:dataModel>
-      <dgm:ptLst/>
-      <dgm:bg/>
-      <dgm:whole/>
-    </dgm:dataModel>
-  </dgm:styleData>
-  <dgm:clrData useDef="1">
-    <dgm:dataModel>
-      <dgm:ptLst/>
-      <dgm:bg/>
-      <dgm:whole/>
-    </dgm:dataModel>
-  </dgm:clrData>
-  <dgm:layoutNode name="root">
-    <dgm:varLst>
-      <dgm:dir/>
-      <dgm:resizeHandles val="exact"/>
-    </dgm:varLst>
-    <dgm:choose name="Name0">
-      <dgm:if name="Name1" axis="self" func="var" arg="dir" op="equ" val="norm">
-        <dgm:alg type="snake">
-          <dgm:param type="grDir" val="tL"/>
-          <dgm:param type="flowDir" val="row"/>
-          <dgm:param type="contDir" val="sameDir"/>
-          <dgm:param type="off" val="ctr"/>
-          <dgm:param type="vertAlign" val="mid"/>
-          <dgm:param type="horzAlign" val="ctr"/>
-        </dgm:alg>
-      </dgm:if>
-      <dgm:else name="Name2">
-        <dgm:alg type="snake">
-          <dgm:param type="grDir" val="tR"/>
-          <dgm:param type="flowDir" val="row"/>
-          <dgm:param type="contDir" val="sameDir"/>
-          <dgm:param type="off" val="ctr"/>
-          <dgm:param type="vertAlign" val="mid"/>
-          <dgm:param type="horzAlign" val="ctr"/>
-        </dgm:alg>
-      </dgm:else>
-    </dgm:choose>
-    <dgm:shape xmlns:r="http://schemas.openxmlformats.org/officeDocument/2006/relationships" r:blip="">
-      <dgm:adjLst/>
-    </dgm:shape>
-    <dgm:presOf/>
-    <dgm:choose name="Name3">
-      <dgm:if name="Name4" axis="ch" ptType="node" func="cnt" op="lte" val="2">
-        <dgm:constrLst>
-          <dgm:constr type="h" for="ch" forName="compNode" refType="h" fact="0.4"/>
-          <dgm:constr type="w" for="ch" forName="compNode" val="100"/>
-          <dgm:constr type="w" for="ch" forName="sibTrans" refType="w" refFor="ch" refForName="compNode" fact="0.175"/>
-          <dgm:constr type="sp" refType="w" refFor="ch" refForName="compNode" op="equ" fact="0.25"/>
-          <dgm:constr type="primFontSz" for="des" ptType="node" op="equ" val="44"/>
-          <dgm:constr type="h" for="des" forName="compNode" op="equ"/>
-          <dgm:constr type="h" for="des" forName="textRect" op="equ"/>
-        </dgm:constrLst>
-      </dgm:if>
-      <dgm:if name="Name5" axis="ch" ptType="node" func="cnt" op="lte" val="3">
-        <dgm:constrLst>
-          <dgm:constr type="h" for="ch" forName="compNode" refType="h" fact="0.4"/>
-          <dgm:constr type="w" for="ch" forName="compNode" val="100"/>
-          <dgm:constr type="w" for="ch" forName="sibTrans" refType="w" refFor="ch" refForName="compNode" fact="0.175"/>
-          <dgm:constr type="sp" refType="w" refFor="ch" refForName="compNode" op="equ" fact="0.25"/>
-          <dgm:constr type="primFontSz" for="des" ptType="node" op="equ" val="40"/>
-          <dgm:constr type="h" for="des" forName="compNode" op="equ"/>
-          <dgm:constr type="h" for="des" forName="textRect" op="equ"/>
-        </dgm:constrLst>
-      </dgm:if>
-      <dgm:if name="Name6" axis="ch" ptType="node" func="cnt" op="lte" val="4">
-        <dgm:constrLst>
-          <dgm:constr type="h" for="ch" forName="compNode" refType="h" fact="0.4"/>
-          <dgm:constr type="w" for="ch" forName="compNode" refType="w"/>
-          <dgm:constr type="w" for="ch" forName="sibTrans" refType="w" refFor="ch" refForName="compNode" fact="0.175"/>
-          <dgm:constr type="sp" refType="w" refFor="ch" refForName="compNode" op="equ" fact="0.25"/>
-          <dgm:constr type="primFontSz" for="des" ptType="node" op="equ" val="32"/>
-          <dgm:constr type="h" for="des" forName="compNode" op="equ"/>
-          <dgm:constr type="h" for="des" forName="textRect" op="equ"/>
-        </dgm:constrLst>
-      </dgm:if>
-      <dgm:else name="Name7">
-        <dgm:constrLst>
-          <dgm:constr type="h" for="ch" forName="compNode" refType="h" fact="0.4"/>
-          <dgm:constr type="w" for="ch" forName="compNode" refType="w"/>
-          <dgm:constr type="w" for="ch" forName="sibTrans" refType="w" refFor="ch" refForName="compNode" fact="0.175"/>
-          <dgm:constr type="sp" refType="w" refFor="ch" refForName="compNode" op="equ" fact="0.25"/>
-          <dgm:constr type="primFontSz" for="des" ptType="node" op="equ" val="24"/>
-          <dgm:constr type="h" for="des" forName="compNode" op="equ"/>
-          <dgm:constr type="h" for="des" forName="textRect" op="equ"/>
-        </dgm:constrLst>
-      </dgm:else>
-    </dgm:choose>
-    <dgm:ruleLst>
-      <dgm:rule type="w" for="ch" forName="compNode" val="50" fact="NaN" max="NaN"/>
-    </dgm:ruleLst>
-    <dgm:forEach name="Name8" axis="ch" ptType="node">
-      <dgm:layoutNode name="compNode">
-        <dgm:alg type="composite"/>
-        <dgm:shape xmlns:r="http://schemas.openxmlformats.org/officeDocument/2006/relationships" r:blip="">
-          <dgm:adjLst/>
-        </dgm:shape>
-        <dgm:presOf axis="self"/>
-        <dgm:constrLst>
-          <dgm:constr type="w" for="ch" forName="iconBgRect" refType="w" fact="0.61"/>
-          <dgm:constr type="h" for="ch" forName="iconBgRect" refType="w" refFor="ch" refForName="iconBgRect"/>
-          <dgm:constr type="t" for="ch" forName="iconBgRect"/>
-          <dgm:constr type="ctrX" for="ch" forName="iconBgRect" refType="w" fact="0.5"/>
-          <dgm:constr type="w" for="ch" forName="iconRect" refType="w" fact="0.35"/>
-          <dgm:constr type="h" for="ch" forName="iconRect" refType="w" refFor="ch" refForName="iconRect"/>
-          <dgm:constr type="ctrX" for="ch" forName="iconRect" refType="ctrX" refFor="ch" refForName="iconBgRect"/>
-          <dgm:constr type="ctrY" for="ch" forName="iconRect" refType="ctrY" refFor="ch" refForName="iconBgRect"/>
-          <dgm:constr type="h" for="ch" forName="spaceRect" refType="w" fact="0.19"/>
-          <dgm:constr type="w" for="ch" forName="spaceRect" refType="w"/>
-          <dgm:constr type="l" for="ch" forName="spaceRect"/>
-          <dgm:constr type="t" for="ch" forName="spaceRect" refType="b" refFor="ch" refForName="iconBgRect"/>
-          <dgm:constr type="h" for="ch" forName="textRect" val="20"/>
-          <dgm:constr type="w" for="ch" forName="textRect" refType="w"/>
-          <dgm:constr type="l" for="ch" forName="textRect"/>
-          <dgm:constr type="t" for="ch" forName="textRect" refType="b" refFor="ch" refForName="spaceRect"/>
-        </dgm:constrLst>
-        <dgm:ruleLst>
-          <dgm:rule type="h" val="INF" fact="NaN" max="NaN"/>
-        </dgm:ruleLst>
-        <dgm:layoutNode name="iconBgRect" styleLbl="bgShp">
-          <dgm:alg type="sp"/>
-          <dgm:shape xmlns:r="http://schemas.openxmlformats.org/officeDocument/2006/relationships" type="ellipse" r:blip="">
-            <dgm:adjLst/>
-          </dgm:shape>
-          <dgm:presOf/>
-          <dgm:constrLst/>
-          <dgm:ruleLst/>
-        </dgm:layoutNode>
-        <dgm:layoutNode name="iconRect" styleLbl="node1">
-          <dgm:alg type="sp"/>
-          <dgm:shape xmlns:r="http://schemas.openxmlformats.org/officeDocument/2006/relationships" type="rect" r:blip="" blipPhldr="1">
-            <dgm:adjLst/>
-          </dgm:shape>
-          <dgm:presOf/>
-          <dgm:constrLst/>
-          <dgm:ruleLst/>
-        </dgm:layoutNode>
-        <dgm:layoutNode name="spaceRect">
-          <dgm:alg type="sp"/>
-          <dgm:shape xmlns:r="http://schemas.openxmlformats.org/officeDocument/2006/relationships" r:blip="">
-            <dgm:adjLst/>
-          </dgm:shape>
-          <dgm:presOf/>
-          <dgm:constrLst/>
-          <dgm:ruleLst/>
-        </dgm:layoutNode>
-        <dgm:layoutNode name="textRect" styleLbl="revTx">
-          <dgm:varLst>
-            <dgm:chMax val="1"/>
-            <dgm:chPref val="1"/>
-          </dgm:varLst>
-          <dgm:alg type="tx">
-            <dgm:param type="txAnchorVert" val="t"/>
-          </dgm:alg>
-          <dgm:shape xmlns:r="http://schemas.openxmlformats.org/officeDocument/2006/relationships" type="rect" r:blip="">
-            <dgm:adjLst/>
-          </dgm:shape>
-          <dgm:presOf axis="self" ptType="node"/>
-          <dgm:constrLst>
-            <dgm:constr type="lMarg"/>
-            <dgm:constr type="rMarg"/>
-            <dgm:constr type="tMarg"/>
-            <dgm:constr type="bMarg"/>
-          </dgm:constrLst>
-          <dgm:ruleLst>
-            <dgm:rule type="primFontSz" val="11" fact="NaN" max="NaN"/>
-            <dgm:rule type="h" val="INF" fact="NaN" max="NaN"/>
-          </dgm:ruleLst>
-        </dgm:layoutNode>
-      </dgm:layoutNode>
-      <dgm:forEach name="Name9" axis="followSib" ptType="sibTrans" cnt="1">
-        <dgm:layoutNode name="sibTrans">
-          <dgm:alg type="sp"/>
-          <dgm:shape xmlns:r="http://schemas.openxmlformats.org/officeDocument/2006/relationships" r:blip="">
-            <dgm:adjLst/>
-          </dgm:shape>
-          <dgm:presOf axis="self"/>
-          <dgm:constrLst/>
-          <dgm:ruleLst/>
-        </dgm:layoutNode>
-      </dgm:forEach>
-    </dgm:forEach>
-  </dgm:layoutNode>
-  <dgm:extLst>
-    <a:ext uri="{68A01E43-0DF5-4B5B-8FA6-DAF915123BFB}">
-      <dgm1612:lstStyle xmlns:dgm1612="http://schemas.microsoft.com/office/drawing/2016/12/diagram">
-        <a:lvl1pPr>
-          <a:lnSpc>
-            <a:spcPct val="100000"/>
-          </a:lnSpc>
-          <a:defRPr cap="all"/>
-        </a:lvl1pPr>
-      </dgm1612:lstStyle>
-    </a:ext>
-  </dgm:extLst>
-</dgm:layoutDef>
-</file>
-
-<file path=ppt/diagrams/layout4.xml><?xml version="1.0" encoding="utf-8"?>
-<dgm:layoutDef xmlns:dgm="http://schemas.openxmlformats.org/drawingml/2006/diagram" xmlns:a="http://schemas.openxmlformats.org/drawingml/2006/main" uniqueId="urn:microsoft.com/office/officeart/2005/8/layout/default">
-  <dgm:title val=""/>
-  <dgm:desc val=""/>
-  <dgm:catLst>
-    <dgm:cat type="list" pri="400"/>
-  </dgm:catLst>
-  <dgm:sampData>
-    <dgm:dataModel>
-      <dgm:ptLst>
-        <dgm:pt modelId="0" type="doc"/>
-        <dgm:pt modelId="1">
-          <dgm:prSet phldr="1"/>
-        </dgm:pt>
-        <dgm:pt modelId="2">
-          <dgm:prSet phldr="1"/>
-        </dgm:pt>
-        <dgm:pt modelId="3">
-          <dgm:prSet phldr="1"/>
-        </dgm:pt>
-        <dgm:pt modelId="4">
-          <dgm:prSet phldr="1"/>
-        </dgm:pt>
-        <dgm:pt modelId="5">
-          <dgm:prSet phldr="1"/>
-        </dgm:pt>
-      </dgm:ptLst>
-      <dgm:cxnLst>
-        <dgm:cxn modelId="6" srcId="0" destId="1" srcOrd="0" destOrd="0"/>
-        <dgm:cxn modelId="7" srcId="0" destId="2" srcOrd="1" destOrd="0"/>
-        <dgm:cxn modelId="8" srcId="0" destId="3" srcOrd="2" destOrd="0"/>
-        <dgm:cxn modelId="9" srcId="0" destId="4" srcOrd="3" destOrd="0"/>
-        <dgm:cxn modelId="10" srcId="0" destId="5" srcOrd="4" destOrd="0"/>
-      </dgm:cxnLst>
-      <dgm:bg/>
-      <dgm:whole/>
-    </dgm:dataModel>
-  </dgm:sampData>
-  <dgm:styleData>
-    <dgm:dataModel>
-      <dgm:ptLst>
-        <dgm:pt modelId="0" type="doc"/>
-        <dgm:pt modelId="1"/>
-        <dgm:pt modelId="2"/>
-      </dgm:ptLst>
-      <dgm:cxnLst>
-        <dgm:cxn modelId="3" srcId="0" destId="1" srcOrd="0" destOrd="0"/>
-        <dgm:cxn modelId="4" srcId="0" destId="2" srcOrd="1" destOrd="0"/>
-      </dgm:cxnLst>
-      <dgm:bg/>
-      <dgm:whole/>
-    </dgm:dataModel>
-  </dgm:styleData>
-  <dgm:clrData>
-    <dgm:dataModel>
-      <dgm:ptLst>
-        <dgm:pt modelId="0" type="doc"/>
-        <dgm:pt modelId="1"/>
-        <dgm:pt modelId="2"/>
-        <dgm:pt modelId="3"/>
-        <dgm:pt modelId="4"/>
-        <dgm:pt modelId="5"/>
-        <dgm:pt modelId="6"/>
-      </dgm:ptLst>
-      <dgm:cxnLst>
-        <dgm:cxn modelId="7" srcId="0" destId="1" srcOrd="0" destOrd="0"/>
-        <dgm:cxn modelId="8" srcId="0" destId="2" srcOrd="1" destOrd="0"/>
-        <dgm:cxn modelId="9" srcId="0" destId="3" srcOrd="2" destOrd="0"/>
-        <dgm:cxn modelId="10" srcId="0" destId="4" srcOrd="3" destOrd="0"/>
-        <dgm:cxn modelId="11" srcId="0" destId="5" srcOrd="4" destOrd="0"/>
-        <dgm:cxn modelId="12" srcId="0" destId="6" srcOrd="5" destOrd="0"/>
-      </dgm:cxnLst>
-      <dgm:bg/>
-      <dgm:whole/>
-    </dgm:dataModel>
-  </dgm:clrData>
-  <dgm:layoutNode name="diagram">
-    <dgm:varLst>
-      <dgm:dir/>
-      <dgm:resizeHandles val="exact"/>
-    </dgm:varLst>
-    <dgm:choose name="Name0">
-      <dgm:if name="Name1" func="var" arg="dir" op="equ" val="norm">
-        <dgm:alg type="snake">
-          <dgm:param type="grDir" val="tL"/>
-          <dgm:param type="flowDir" val="row"/>
-          <dgm:param type="contDir" val="sameDir"/>
-          <dgm:param type="off" val="ctr"/>
-        </dgm:alg>
-      </dgm:if>
-      <dgm:else name="Name2">
-        <dgm:alg type="snake">
-          <dgm:param type="grDir" val="tR"/>
-          <dgm:param type="flowDir" val="row"/>
-          <dgm:param type="contDir" val="sameDir"/>
-          <dgm:param type="off" val="ctr"/>
-        </dgm:alg>
-      </dgm:else>
-    </dgm:choose>
-    <dgm:shape xmlns:r="http://schemas.openxmlformats.org/officeDocument/2006/relationships" r:blip="">
-      <dgm:adjLst/>
-    </dgm:shape>
-    <dgm:presOf/>
-    <dgm:constrLst>
-      <dgm:constr type="w" for="ch" forName="node" refType="w"/>
-      <dgm:constr type="h" for="ch" forName="node" refType="w" refFor="ch" refForName="node" fact="0.6"/>
-      <dgm:constr type="w" for="ch" forName="sibTrans" refType="w" refFor="ch" refForName="node" fact="0.1"/>
-      <dgm:constr type="sp" refType="w" refFor="ch" refForName="sibTrans"/>
-      <dgm:constr type="primFontSz" for="ch" forName="node" op="equ" val="65"/>
-    </dgm:constrLst>
-    <dgm:ruleLst/>
-    <dgm:forEach name="Name3" axis="ch" ptType="node">
-      <dgm:layoutNode name="node">
-        <dgm:varLst>
-          <dgm:bulletEnabled val="1"/>
-        </dgm:varLst>
-        <dgm:alg type="tx"/>
-        <dgm:shape xmlns:r="http://schemas.openxmlformats.org/officeDocument/2006/relationships" type="rect" r:blip="">
-          <dgm:adjLst/>
-        </dgm:shape>
-        <dgm:presOf axis="desOrSelf" ptType="node"/>
-        <dgm:constrLst>
-          <dgm:constr type="lMarg" refType="primFontSz" fact="0.3"/>
-          <dgm:constr type="rMarg" refType="primFontSz" fact="0.3"/>
-          <dgm:constr type="tMarg" refType="primFontSz" fact="0.3"/>
-          <dgm:constr type="bMarg" refType="primFontSz" fact="0.3"/>
-        </dgm:constrLst>
-        <dgm:ruleLst>
-          <dgm:rule type="primFontSz" val="5" fact="NaN" max="NaN"/>
-        </dgm:ruleLst>
-      </dgm:layoutNode>
-      <dgm:forEach name="Name4" axis="followSib" ptType="sibTrans" cnt="1">
-        <dgm:layoutNode name="sibTrans">
-          <dgm:alg type="sp"/>
-          <dgm:shape xmlns:r="http://schemas.openxmlformats.org/officeDocument/2006/relationships" r:blip="">
-            <dgm:adjLst/>
-          </dgm:shape>
-          <dgm:presOf/>
-          <dgm:constrLst/>
-          <dgm:ruleLst/>
-        </dgm:layoutNode>
-      </dgm:forEach>
-    </dgm:forEach>
-  </dgm:layoutNode>
-</dgm:layoutDef>
-</file>
-
-<file path=ppt/diagrams/layout5.xml><?xml version="1.0" encoding="utf-8"?>
-<dgm:layoutDef xmlns:dgm="http://schemas.openxmlformats.org/drawingml/2006/diagram" xmlns:a="http://schemas.openxmlformats.org/drawingml/2006/main" uniqueId="urn:microsoft.com/office/officeart/2005/8/layout/default">
-  <dgm:title val=""/>
-  <dgm:desc val=""/>
-  <dgm:catLst>
-    <dgm:cat type="list" pri="400"/>
-  </dgm:catLst>
-  <dgm:sampData>
-    <dgm:dataModel>
-      <dgm:ptLst>
-        <dgm:pt modelId="0" type="doc"/>
-        <dgm:pt modelId="1">
-          <dgm:prSet phldr="1"/>
-        </dgm:pt>
-        <dgm:pt modelId="2">
-          <dgm:prSet phldr="1"/>
-        </dgm:pt>
-        <dgm:pt modelId="3">
-          <dgm:prSet phldr="1"/>
-        </dgm:pt>
-        <dgm:pt modelId="4">
-          <dgm:prSet phldr="1"/>
-        </dgm:pt>
-        <dgm:pt modelId="5">
-          <dgm:prSet phldr="1"/>
-        </dgm:pt>
-      </dgm:ptLst>
-      <dgm:cxnLst>
-        <dgm:cxn modelId="6" srcId="0" destId="1" srcOrd="0" destOrd="0"/>
-        <dgm:cxn modelId="7" srcId="0" destId="2" srcOrd="1" destOrd="0"/>
-        <dgm:cxn modelId="8" srcId="0" destId="3" srcOrd="2" destOrd="0"/>
-        <dgm:cxn modelId="9" srcId="0" destId="4" srcOrd="3" destOrd="0"/>
-        <dgm:cxn modelId="10" srcId="0" destId="5" srcOrd="4" destOrd="0"/>
-      </dgm:cxnLst>
-      <dgm:bg/>
-      <dgm:whole/>
-    </dgm:dataModel>
-  </dgm:sampData>
-  <dgm:styleData>
-    <dgm:dataModel>
-      <dgm:ptLst>
-        <dgm:pt modelId="0" type="doc"/>
-        <dgm:pt modelId="1"/>
-        <dgm:pt modelId="2"/>
-      </dgm:ptLst>
-      <dgm:cxnLst>
-        <dgm:cxn modelId="3" srcId="0" destId="1" srcOrd="0" destOrd="0"/>
-        <dgm:cxn modelId="4" srcId="0" destId="2" srcOrd="1" destOrd="0"/>
-      </dgm:cxnLst>
-      <dgm:bg/>
-      <dgm:whole/>
-    </dgm:dataModel>
-  </dgm:styleData>
-  <dgm:clrData>
-    <dgm:dataModel>
-      <dgm:ptLst>
-        <dgm:pt modelId="0" type="doc"/>
-        <dgm:pt modelId="1"/>
-        <dgm:pt modelId="2"/>
-        <dgm:pt modelId="3"/>
-        <dgm:pt modelId="4"/>
-        <dgm:pt modelId="5"/>
-        <dgm:pt modelId="6"/>
-      </dgm:ptLst>
-      <dgm:cxnLst>
-        <dgm:cxn modelId="7" srcId="0" destId="1" srcOrd="0" destOrd="0"/>
-        <dgm:cxn modelId="8" srcId="0" destId="2" srcOrd="1" destOrd="0"/>
-        <dgm:cxn modelId="9" srcId="0" destId="3" srcOrd="2" destOrd="0"/>
-        <dgm:cxn modelId="10" srcId="0" destId="4" srcOrd="3" destOrd="0"/>
-        <dgm:cxn modelId="11" srcId="0" destId="5" srcOrd="4" destOrd="0"/>
-        <dgm:cxn modelId="12" srcId="0" destId="6" srcOrd="5" destOrd="0"/>
-      </dgm:cxnLst>
-      <dgm:bg/>
-      <dgm:whole/>
-    </dgm:dataModel>
-  </dgm:clrData>
-  <dgm:layoutNode name="diagram">
-    <dgm:varLst>
-      <dgm:dir/>
-      <dgm:resizeHandles val="exact"/>
-    </dgm:varLst>
-    <dgm:choose name="Name0">
-      <dgm:if name="Name1" func="var" arg="dir" op="equ" val="norm">
-        <dgm:alg type="snake">
-          <dgm:param type="grDir" val="tL"/>
-          <dgm:param type="flowDir" val="row"/>
-          <dgm:param type="contDir" val="sameDir"/>
-          <dgm:param type="off" val="ctr"/>
-        </dgm:alg>
-      </dgm:if>
-      <dgm:else name="Name2">
-        <dgm:alg type="snake">
-          <dgm:param type="grDir" val="tR"/>
-          <dgm:param type="flowDir" val="row"/>
-          <dgm:param type="contDir" val="sameDir"/>
-          <dgm:param type="off" val="ctr"/>
-        </dgm:alg>
-      </dgm:else>
-    </dgm:choose>
-    <dgm:shape xmlns:r="http://schemas.openxmlformats.org/officeDocument/2006/relationships" r:blip="">
-      <dgm:adjLst/>
-    </dgm:shape>
-    <dgm:presOf/>
-    <dgm:constrLst>
-      <dgm:constr type="w" for="ch" forName="node" refType="w"/>
-      <dgm:constr type="h" for="ch" forName="node" refType="w" refFor="ch" refForName="node" fact="0.6"/>
-      <dgm:constr type="w" for="ch" forName="sibTrans" refType="w" refFor="ch" refForName="node" fact="0.1"/>
-      <dgm:constr type="sp" refType="w" refFor="ch" refForName="sibTrans"/>
-      <dgm:constr type="primFontSz" for="ch" forName="node" op="equ" val="65"/>
-    </dgm:constrLst>
-    <dgm:ruleLst/>
-    <dgm:forEach name="Name3" axis="ch" ptType="node">
-      <dgm:layoutNode name="node">
-        <dgm:varLst>
-          <dgm:bulletEnabled val="1"/>
-        </dgm:varLst>
-        <dgm:alg type="tx"/>
-        <dgm:shape xmlns:r="http://schemas.openxmlformats.org/officeDocument/2006/relationships" type="rect" r:blip="">
-          <dgm:adjLst/>
-        </dgm:shape>
-        <dgm:presOf axis="desOrSelf" ptType="node"/>
-        <dgm:constrLst>
-          <dgm:constr type="lMarg" refType="primFontSz" fact="0.3"/>
-          <dgm:constr type="rMarg" refType="primFontSz" fact="0.3"/>
-          <dgm:constr type="tMarg" refType="primFontSz" fact="0.3"/>
-          <dgm:constr type="bMarg" refType="primFontSz" fact="0.3"/>
-        </dgm:constrLst>
-        <dgm:ruleLst>
-          <dgm:rule type="primFontSz" val="5" fact="NaN" max="NaN"/>
-        </dgm:ruleLst>
-      </dgm:layoutNode>
-      <dgm:forEach name="Name4" axis="followSib" ptType="sibTrans" cnt="1">
-        <dgm:layoutNode name="sibTrans">
-          <dgm:alg type="sp"/>
-          <dgm:shape xmlns:r="http://schemas.openxmlformats.org/officeDocument/2006/relationships" r:blip="">
-            <dgm:adjLst/>
-          </dgm:shape>
-          <dgm:presOf/>
-          <dgm:constrLst/>
-          <dgm:ruleLst/>
-        </dgm:layoutNode>
-      </dgm:forEach>
-    </dgm:forEach>
-  </dgm:layoutNode>
-</dgm:layoutDef>
-</file>
-
-<file path=ppt/diagrams/layout6.xml><?xml version="1.0" encoding="utf-8"?>
 <dgm:layoutDef xmlns:dgm="http://schemas.openxmlformats.org/drawingml/2006/diagram" xmlns:a="http://schemas.openxmlformats.org/drawingml/2006/main" uniqueId="urn:microsoft.com/office/officeart/2005/8/layout/vProcess5">
   <dgm:title val=""/>
   <dgm:desc val=""/>
@@ -13043,3108 +8683,6 @@
 </file>
 
 <file path=ppt/diagrams/quickStyle3.xml><?xml version="1.0" encoding="utf-8"?>
-<dgm:styleDef xmlns:dgm="http://schemas.openxmlformats.org/drawingml/2006/diagram" xmlns:a="http://schemas.openxmlformats.org/drawingml/2006/main" uniqueId="urn:microsoft.com/office/officeart/2005/8/quickstyle/simple1">
-  <dgm:title val=""/>
-  <dgm:desc val=""/>
-  <dgm:catLst>
-    <dgm:cat type="simple" pri="10100"/>
-  </dgm:catLst>
-  <dgm:scene3d>
-    <a:camera prst="orthographicFront"/>
-    <a:lightRig rig="threePt" dir="t"/>
-  </dgm:scene3d>
-  <dgm:styleLbl name="node0">
-    <dgm:scene3d>
-      <a:camera prst="orthographicFront"/>
-      <a:lightRig rig="threePt" dir="t"/>
-    </dgm:scene3d>
-    <dgm:sp3d/>
-    <dgm:txPr/>
-    <dgm:style>
-      <a:lnRef idx="2">
-        <a:scrgbClr r="0" g="0" b="0"/>
-      </a:lnRef>
-      <a:fillRef idx="1">
-        <a:scrgbClr r="0" g="0" b="0"/>
-      </a:fillRef>
-      <a:effectRef idx="0">
-        <a:scrgbClr r="0" g="0" b="0"/>
-      </a:effectRef>
-      <a:fontRef idx="minor">
-        <a:schemeClr val="lt1"/>
-      </a:fontRef>
-    </dgm:style>
-  </dgm:styleLbl>
-  <dgm:styleLbl name="lnNode1">
-    <dgm:scene3d>
-      <a:camera prst="orthographicFront"/>
-      <a:lightRig rig="threePt" dir="t"/>
-    </dgm:scene3d>
-    <dgm:sp3d/>
-    <dgm:txPr/>
-    <dgm:style>
-      <a:lnRef idx="2">
-        <a:scrgbClr r="0" g="0" b="0"/>
-      </a:lnRef>
-      <a:fillRef idx="1">
-        <a:scrgbClr r="0" g="0" b="0"/>
-      </a:fillRef>
-      <a:effectRef idx="0">
-        <a:scrgbClr r="0" g="0" b="0"/>
-      </a:effectRef>
-      <a:fontRef idx="minor">
-        <a:schemeClr val="lt1"/>
-      </a:fontRef>
-    </dgm:style>
-  </dgm:styleLbl>
-  <dgm:styleLbl name="vennNode1">
-    <dgm:scene3d>
-      <a:camera prst="orthographicFront"/>
-      <a:lightRig rig="threePt" dir="t"/>
-    </dgm:scene3d>
-    <dgm:sp3d/>
-    <dgm:txPr/>
-    <dgm:style>
-      <a:lnRef idx="2">
-        <a:scrgbClr r="0" g="0" b="0"/>
-      </a:lnRef>
-      <a:fillRef idx="1">
-        <a:scrgbClr r="0" g="0" b="0"/>
-      </a:fillRef>
-      <a:effectRef idx="0">
-        <a:scrgbClr r="0" g="0" b="0"/>
-      </a:effectRef>
-      <a:fontRef idx="minor">
-        <a:schemeClr val="tx1"/>
-      </a:fontRef>
-    </dgm:style>
-  </dgm:styleLbl>
-  <dgm:styleLbl name="alignNode1">
-    <dgm:scene3d>
-      <a:camera prst="orthographicFront"/>
-      <a:lightRig rig="threePt" dir="t"/>
-    </dgm:scene3d>
-    <dgm:sp3d/>
-    <dgm:txPr/>
-    <dgm:style>
-      <a:lnRef idx="2">
-        <a:scrgbClr r="0" g="0" b="0"/>
-      </a:lnRef>
-      <a:fillRef idx="1">
-        <a:scrgbClr r="0" g="0" b="0"/>
-      </a:fillRef>
-      <a:effectRef idx="0">
-        <a:scrgbClr r="0" g="0" b="0"/>
-      </a:effectRef>
-      <a:fontRef idx="minor">
-        <a:schemeClr val="lt1"/>
-      </a:fontRef>
-    </dgm:style>
-  </dgm:styleLbl>
-  <dgm:styleLbl name="node1">
-    <dgm:scene3d>
-      <a:camera prst="orthographicFront"/>
-      <a:lightRig rig="threePt" dir="t"/>
-    </dgm:scene3d>
-    <dgm:sp3d/>
-    <dgm:txPr/>
-    <dgm:style>
-      <a:lnRef idx="2">
-        <a:scrgbClr r="0" g="0" b="0"/>
-      </a:lnRef>
-      <a:fillRef idx="1">
-        <a:scrgbClr r="0" g="0" b="0"/>
-      </a:fillRef>
-      <a:effectRef idx="0">
-        <a:scrgbClr r="0" g="0" b="0"/>
-      </a:effectRef>
-      <a:fontRef idx="minor">
-        <a:schemeClr val="lt1"/>
-      </a:fontRef>
-    </dgm:style>
-  </dgm:styleLbl>
-  <dgm:styleLbl name="node2">
-    <dgm:scene3d>
-      <a:camera prst="orthographicFront"/>
-      <a:lightRig rig="threePt" dir="t"/>
-    </dgm:scene3d>
-    <dgm:sp3d/>
-    <dgm:txPr/>
-    <dgm:style>
-      <a:lnRef idx="2">
-        <a:scrgbClr r="0" g="0" b="0"/>
-      </a:lnRef>
-      <a:fillRef idx="1">
-        <a:scrgbClr r="0" g="0" b="0"/>
-      </a:fillRef>
-      <a:effectRef idx="0">
-        <a:scrgbClr r="0" g="0" b="0"/>
-      </a:effectRef>
-      <a:fontRef idx="minor">
-        <a:schemeClr val="lt1"/>
-      </a:fontRef>
-    </dgm:style>
-  </dgm:styleLbl>
-  <dgm:styleLbl name="node3">
-    <dgm:scene3d>
-      <a:camera prst="orthographicFront"/>
-      <a:lightRig rig="threePt" dir="t"/>
-    </dgm:scene3d>
-    <dgm:sp3d/>
-    <dgm:txPr/>
-    <dgm:style>
-      <a:lnRef idx="2">
-        <a:scrgbClr r="0" g="0" b="0"/>
-      </a:lnRef>
-      <a:fillRef idx="1">
-        <a:scrgbClr r="0" g="0" b="0"/>
-      </a:fillRef>
-      <a:effectRef idx="0">
-        <a:scrgbClr r="0" g="0" b="0"/>
-      </a:effectRef>
-      <a:fontRef idx="minor">
-        <a:schemeClr val="lt1"/>
-      </a:fontRef>
-    </dgm:style>
-  </dgm:styleLbl>
-  <dgm:styleLbl name="node4">
-    <dgm:scene3d>
-      <a:camera prst="orthographicFront"/>
-      <a:lightRig rig="threePt" dir="t"/>
-    </dgm:scene3d>
-    <dgm:sp3d/>
-    <dgm:txPr/>
-    <dgm:style>
-      <a:lnRef idx="2">
-        <a:scrgbClr r="0" g="0" b="0"/>
-      </a:lnRef>
-      <a:fillRef idx="1">
-        <a:scrgbClr r="0" g="0" b="0"/>
-      </a:fillRef>
-      <a:effectRef idx="0">
-        <a:scrgbClr r="0" g="0" b="0"/>
-      </a:effectRef>
-      <a:fontRef idx="minor">
-        <a:schemeClr val="lt1"/>
-      </a:fontRef>
-    </dgm:style>
-  </dgm:styleLbl>
-  <dgm:styleLbl name="fgImgPlace1">
-    <dgm:scene3d>
-      <a:camera prst="orthographicFront"/>
-      <a:lightRig rig="threePt" dir="t"/>
-    </dgm:scene3d>
-    <dgm:sp3d/>
-    <dgm:txPr/>
-    <dgm:style>
-      <a:lnRef idx="2">
-        <a:scrgbClr r="0" g="0" b="0"/>
-      </a:lnRef>
-      <a:fillRef idx="1">
-        <a:scrgbClr r="0" g="0" b="0"/>
-      </a:fillRef>
-      <a:effectRef idx="0">
-        <a:scrgbClr r="0" g="0" b="0"/>
-      </a:effectRef>
-      <a:fontRef idx="minor"/>
-    </dgm:style>
-  </dgm:styleLbl>
-  <dgm:styleLbl name="alignImgPlace1">
-    <dgm:scene3d>
-      <a:camera prst="orthographicFront"/>
-      <a:lightRig rig="threePt" dir="t"/>
-    </dgm:scene3d>
-    <dgm:sp3d/>
-    <dgm:txPr/>
-    <dgm:style>
-      <a:lnRef idx="2">
-        <a:scrgbClr r="0" g="0" b="0"/>
-      </a:lnRef>
-      <a:fillRef idx="1">
-        <a:scrgbClr r="0" g="0" b="0"/>
-      </a:fillRef>
-      <a:effectRef idx="0">
-        <a:scrgbClr r="0" g="0" b="0"/>
-      </a:effectRef>
-      <a:fontRef idx="minor"/>
-    </dgm:style>
-  </dgm:styleLbl>
-  <dgm:styleLbl name="bgImgPlace1">
-    <dgm:scene3d>
-      <a:camera prst="orthographicFront"/>
-      <a:lightRig rig="threePt" dir="t"/>
-    </dgm:scene3d>
-    <dgm:sp3d/>
-    <dgm:txPr/>
-    <dgm:style>
-      <a:lnRef idx="2">
-        <a:scrgbClr r="0" g="0" b="0"/>
-      </a:lnRef>
-      <a:fillRef idx="1">
-        <a:scrgbClr r="0" g="0" b="0"/>
-      </a:fillRef>
-      <a:effectRef idx="0">
-        <a:scrgbClr r="0" g="0" b="0"/>
-      </a:effectRef>
-      <a:fontRef idx="minor"/>
-    </dgm:style>
-  </dgm:styleLbl>
-  <dgm:styleLbl name="sibTrans2D1">
-    <dgm:scene3d>
-      <a:camera prst="orthographicFront"/>
-      <a:lightRig rig="threePt" dir="t"/>
-    </dgm:scene3d>
-    <dgm:sp3d/>
-    <dgm:txPr/>
-    <dgm:style>
-      <a:lnRef idx="0">
-        <a:scrgbClr r="0" g="0" b="0"/>
-      </a:lnRef>
-      <a:fillRef idx="1">
-        <a:scrgbClr r="0" g="0" b="0"/>
-      </a:fillRef>
-      <a:effectRef idx="0">
-        <a:scrgbClr r="0" g="0" b="0"/>
-      </a:effectRef>
-      <a:fontRef idx="minor">
-        <a:schemeClr val="lt1"/>
-      </a:fontRef>
-    </dgm:style>
-  </dgm:styleLbl>
-  <dgm:styleLbl name="fgSibTrans2D1">
-    <dgm:scene3d>
-      <a:camera prst="orthographicFront"/>
-      <a:lightRig rig="threePt" dir="t"/>
-    </dgm:scene3d>
-    <dgm:sp3d/>
-    <dgm:txPr/>
-    <dgm:style>
-      <a:lnRef idx="0">
-        <a:scrgbClr r="0" g="0" b="0"/>
-      </a:lnRef>
-      <a:fillRef idx="1">
-        <a:scrgbClr r="0" g="0" b="0"/>
-      </a:fillRef>
-      <a:effectRef idx="0">
-        <a:scrgbClr r="0" g="0" b="0"/>
-      </a:effectRef>
-      <a:fontRef idx="minor">
-        <a:schemeClr val="lt1"/>
-      </a:fontRef>
-    </dgm:style>
-  </dgm:styleLbl>
-  <dgm:styleLbl name="bgSibTrans2D1">
-    <dgm:scene3d>
-      <a:camera prst="orthographicFront"/>
-      <a:lightRig rig="threePt" dir="t"/>
-    </dgm:scene3d>
-    <dgm:sp3d/>
-    <dgm:txPr/>
-    <dgm:style>
-      <a:lnRef idx="0">
-        <a:scrgbClr r="0" g="0" b="0"/>
-      </a:lnRef>
-      <a:fillRef idx="1">
-        <a:scrgbClr r="0" g="0" b="0"/>
-      </a:fillRef>
-      <a:effectRef idx="0">
-        <a:scrgbClr r="0" g="0" b="0"/>
-      </a:effectRef>
-      <a:fontRef idx="minor">
-        <a:schemeClr val="lt1"/>
-      </a:fontRef>
-    </dgm:style>
-  </dgm:styleLbl>
-  <dgm:styleLbl name="sibTrans1D1">
-    <dgm:scene3d>
-      <a:camera prst="orthographicFront"/>
-      <a:lightRig rig="threePt" dir="t"/>
-    </dgm:scene3d>
-    <dgm:sp3d/>
-    <dgm:txPr/>
-    <dgm:style>
-      <a:lnRef idx="1">
-        <a:scrgbClr r="0" g="0" b="0"/>
-      </a:lnRef>
-      <a:fillRef idx="0">
-        <a:scrgbClr r="0" g="0" b="0"/>
-      </a:fillRef>
-      <a:effectRef idx="0">
-        <a:scrgbClr r="0" g="0" b="0"/>
-      </a:effectRef>
-      <a:fontRef idx="minor"/>
-    </dgm:style>
-  </dgm:styleLbl>
-  <dgm:styleLbl name="callout">
-    <dgm:scene3d>
-      <a:camera prst="orthographicFront"/>
-      <a:lightRig rig="threePt" dir="t"/>
-    </dgm:scene3d>
-    <dgm:sp3d/>
-    <dgm:txPr/>
-    <dgm:style>
-      <a:lnRef idx="2">
-        <a:scrgbClr r="0" g="0" b="0"/>
-      </a:lnRef>
-      <a:fillRef idx="1">
-        <a:scrgbClr r="0" g="0" b="0"/>
-      </a:fillRef>
-      <a:effectRef idx="0">
-        <a:scrgbClr r="0" g="0" b="0"/>
-      </a:effectRef>
-      <a:fontRef idx="minor"/>
-    </dgm:style>
-  </dgm:styleLbl>
-  <dgm:styleLbl name="asst0">
-    <dgm:scene3d>
-      <a:camera prst="orthographicFront"/>
-      <a:lightRig rig="threePt" dir="t"/>
-    </dgm:scene3d>
-    <dgm:sp3d/>
-    <dgm:txPr/>
-    <dgm:style>
-      <a:lnRef idx="2">
-        <a:scrgbClr r="0" g="0" b="0"/>
-      </a:lnRef>
-      <a:fillRef idx="1">
-        <a:scrgbClr r="0" g="0" b="0"/>
-      </a:fillRef>
-      <a:effectRef idx="0">
-        <a:scrgbClr r="0" g="0" b="0"/>
-      </a:effectRef>
-      <a:fontRef idx="minor">
-        <a:schemeClr val="lt1"/>
-      </a:fontRef>
-    </dgm:style>
-  </dgm:styleLbl>
-  <dgm:styleLbl name="asst1">
-    <dgm:scene3d>
-      <a:camera prst="orthographicFront"/>
-      <a:lightRig rig="threePt" dir="t"/>
-    </dgm:scene3d>
-    <dgm:sp3d/>
-    <dgm:txPr/>
-    <dgm:style>
-      <a:lnRef idx="2">
-        <a:scrgbClr r="0" g="0" b="0"/>
-      </a:lnRef>
-      <a:fillRef idx="1">
-        <a:scrgbClr r="0" g="0" b="0"/>
-      </a:fillRef>
-      <a:effectRef idx="0">
-        <a:scrgbClr r="0" g="0" b="0"/>
-      </a:effectRef>
-      <a:fontRef idx="minor">
-        <a:schemeClr val="lt1"/>
-      </a:fontRef>
-    </dgm:style>
-  </dgm:styleLbl>
-  <dgm:styleLbl name="asst2">
-    <dgm:scene3d>
-      <a:camera prst="orthographicFront"/>
-      <a:lightRig rig="threePt" dir="t"/>
-    </dgm:scene3d>
-    <dgm:sp3d/>
-    <dgm:txPr/>
-    <dgm:style>
-      <a:lnRef idx="2">
-        <a:scrgbClr r="0" g="0" b="0"/>
-      </a:lnRef>
-      <a:fillRef idx="1">
-        <a:scrgbClr r="0" g="0" b="0"/>
-      </a:fillRef>
-      <a:effectRef idx="0">
-        <a:scrgbClr r="0" g="0" b="0"/>
-      </a:effectRef>
-      <a:fontRef idx="minor">
-        <a:schemeClr val="lt1"/>
-      </a:fontRef>
-    </dgm:style>
-  </dgm:styleLbl>
-  <dgm:styleLbl name="asst3">
-    <dgm:scene3d>
-      <a:camera prst="orthographicFront"/>
-      <a:lightRig rig="threePt" dir="t"/>
-    </dgm:scene3d>
-    <dgm:sp3d/>
-    <dgm:txPr/>
-    <dgm:style>
-      <a:lnRef idx="2">
-        <a:scrgbClr r="0" g="0" b="0"/>
-      </a:lnRef>
-      <a:fillRef idx="1">
-        <a:scrgbClr r="0" g="0" b="0"/>
-      </a:fillRef>
-      <a:effectRef idx="0">
-        <a:scrgbClr r="0" g="0" b="0"/>
-      </a:effectRef>
-      <a:fontRef idx="minor">
-        <a:schemeClr val="lt1"/>
-      </a:fontRef>
-    </dgm:style>
-  </dgm:styleLbl>
-  <dgm:styleLbl name="asst4">
-    <dgm:scene3d>
-      <a:camera prst="orthographicFront"/>
-      <a:lightRig rig="threePt" dir="t"/>
-    </dgm:scene3d>
-    <dgm:sp3d/>
-    <dgm:txPr/>
-    <dgm:style>
-      <a:lnRef idx="2">
-        <a:scrgbClr r="0" g="0" b="0"/>
-      </a:lnRef>
-      <a:fillRef idx="1">
-        <a:scrgbClr r="0" g="0" b="0"/>
-      </a:fillRef>
-      <a:effectRef idx="0">
-        <a:scrgbClr r="0" g="0" b="0"/>
-      </a:effectRef>
-      <a:fontRef idx="minor">
-        <a:schemeClr val="lt1"/>
-      </a:fontRef>
-    </dgm:style>
-  </dgm:styleLbl>
-  <dgm:styleLbl name="parChTrans2D1">
-    <dgm:scene3d>
-      <a:camera prst="orthographicFront"/>
-      <a:lightRig rig="threePt" dir="t"/>
-    </dgm:scene3d>
-    <dgm:sp3d/>
-    <dgm:txPr/>
-    <dgm:style>
-      <a:lnRef idx="2">
-        <a:scrgbClr r="0" g="0" b="0"/>
-      </a:lnRef>
-      <a:fillRef idx="1">
-        <a:scrgbClr r="0" g="0" b="0"/>
-      </a:fillRef>
-      <a:effectRef idx="0">
-        <a:scrgbClr r="0" g="0" b="0"/>
-      </a:effectRef>
-      <a:fontRef idx="minor">
-        <a:schemeClr val="lt1"/>
-      </a:fontRef>
-    </dgm:style>
-  </dgm:styleLbl>
-  <dgm:styleLbl name="parChTrans2D2">
-    <dgm:scene3d>
-      <a:camera prst="orthographicFront"/>
-      <a:lightRig rig="threePt" dir="t"/>
-    </dgm:scene3d>
-    <dgm:sp3d/>
-    <dgm:txPr/>
-    <dgm:style>
-      <a:lnRef idx="2">
-        <a:scrgbClr r="0" g="0" b="0"/>
-      </a:lnRef>
-      <a:fillRef idx="1">
-        <a:scrgbClr r="0" g="0" b="0"/>
-      </a:fillRef>
-      <a:effectRef idx="0">
-        <a:scrgbClr r="0" g="0" b="0"/>
-      </a:effectRef>
-      <a:fontRef idx="minor">
-        <a:schemeClr val="lt1"/>
-      </a:fontRef>
-    </dgm:style>
-  </dgm:styleLbl>
-  <dgm:styleLbl name="parChTrans2D3">
-    <dgm:scene3d>
-      <a:camera prst="orthographicFront"/>
-      <a:lightRig rig="threePt" dir="t"/>
-    </dgm:scene3d>
-    <dgm:sp3d/>
-    <dgm:txPr/>
-    <dgm:style>
-      <a:lnRef idx="2">
-        <a:scrgbClr r="0" g="0" b="0"/>
-      </a:lnRef>
-      <a:fillRef idx="1">
-        <a:scrgbClr r="0" g="0" b="0"/>
-      </a:fillRef>
-      <a:effectRef idx="0">
-        <a:scrgbClr r="0" g="0" b="0"/>
-      </a:effectRef>
-      <a:fontRef idx="minor">
-        <a:schemeClr val="lt1"/>
-      </a:fontRef>
-    </dgm:style>
-  </dgm:styleLbl>
-  <dgm:styleLbl name="parChTrans2D4">
-    <dgm:scene3d>
-      <a:camera prst="orthographicFront"/>
-      <a:lightRig rig="threePt" dir="t"/>
-    </dgm:scene3d>
-    <dgm:sp3d/>
-    <dgm:txPr/>
-    <dgm:style>
-      <a:lnRef idx="2">
-        <a:scrgbClr r="0" g="0" b="0"/>
-      </a:lnRef>
-      <a:fillRef idx="1">
-        <a:scrgbClr r="0" g="0" b="0"/>
-      </a:fillRef>
-      <a:effectRef idx="0">
-        <a:scrgbClr r="0" g="0" b="0"/>
-      </a:effectRef>
-      <a:fontRef idx="minor">
-        <a:schemeClr val="lt1"/>
-      </a:fontRef>
-    </dgm:style>
-  </dgm:styleLbl>
-  <dgm:styleLbl name="parChTrans1D1">
-    <dgm:scene3d>
-      <a:camera prst="orthographicFront"/>
-      <a:lightRig rig="threePt" dir="t"/>
-    </dgm:scene3d>
-    <dgm:sp3d/>
-    <dgm:txPr/>
-    <dgm:style>
-      <a:lnRef idx="2">
-        <a:scrgbClr r="0" g="0" b="0"/>
-      </a:lnRef>
-      <a:fillRef idx="0">
-        <a:scrgbClr r="0" g="0" b="0"/>
-      </a:fillRef>
-      <a:effectRef idx="0">
-        <a:scrgbClr r="0" g="0" b="0"/>
-      </a:effectRef>
-      <a:fontRef idx="minor"/>
-    </dgm:style>
-  </dgm:styleLbl>
-  <dgm:styleLbl name="parChTrans1D2">
-    <dgm:scene3d>
-      <a:camera prst="orthographicFront"/>
-      <a:lightRig rig="threePt" dir="t"/>
-    </dgm:scene3d>
-    <dgm:sp3d/>
-    <dgm:txPr/>
-    <dgm:style>
-      <a:lnRef idx="2">
-        <a:scrgbClr r="0" g="0" b="0"/>
-      </a:lnRef>
-      <a:fillRef idx="0">
-        <a:scrgbClr r="0" g="0" b="0"/>
-      </a:fillRef>
-      <a:effectRef idx="0">
-        <a:scrgbClr r="0" g="0" b="0"/>
-      </a:effectRef>
-      <a:fontRef idx="minor"/>
-    </dgm:style>
-  </dgm:styleLbl>
-  <dgm:styleLbl name="parChTrans1D3">
-    <dgm:scene3d>
-      <a:camera prst="orthographicFront"/>
-      <a:lightRig rig="threePt" dir="t"/>
-    </dgm:scene3d>
-    <dgm:sp3d/>
-    <dgm:txPr/>
-    <dgm:style>
-      <a:lnRef idx="2">
-        <a:scrgbClr r="0" g="0" b="0"/>
-      </a:lnRef>
-      <a:fillRef idx="0">
-        <a:scrgbClr r="0" g="0" b="0"/>
-      </a:fillRef>
-      <a:effectRef idx="0">
-        <a:scrgbClr r="0" g="0" b="0"/>
-      </a:effectRef>
-      <a:fontRef idx="minor"/>
-    </dgm:style>
-  </dgm:styleLbl>
-  <dgm:styleLbl name="parChTrans1D4">
-    <dgm:scene3d>
-      <a:camera prst="orthographicFront"/>
-      <a:lightRig rig="threePt" dir="t"/>
-    </dgm:scene3d>
-    <dgm:sp3d/>
-    <dgm:txPr/>
-    <dgm:style>
-      <a:lnRef idx="2">
-        <a:scrgbClr r="0" g="0" b="0"/>
-      </a:lnRef>
-      <a:fillRef idx="0">
-        <a:scrgbClr r="0" g="0" b="0"/>
-      </a:fillRef>
-      <a:effectRef idx="0">
-        <a:scrgbClr r="0" g="0" b="0"/>
-      </a:effectRef>
-      <a:fontRef idx="minor"/>
-    </dgm:style>
-  </dgm:styleLbl>
-  <dgm:styleLbl name="fgAcc1">
-    <dgm:scene3d>
-      <a:camera prst="orthographicFront"/>
-      <a:lightRig rig="threePt" dir="t"/>
-    </dgm:scene3d>
-    <dgm:sp3d/>
-    <dgm:txPr/>
-    <dgm:style>
-      <a:lnRef idx="2">
-        <a:scrgbClr r="0" g="0" b="0"/>
-      </a:lnRef>
-      <a:fillRef idx="1">
-        <a:scrgbClr r="0" g="0" b="0"/>
-      </a:fillRef>
-      <a:effectRef idx="0">
-        <a:scrgbClr r="0" g="0" b="0"/>
-      </a:effectRef>
-      <a:fontRef idx="minor"/>
-    </dgm:style>
-  </dgm:styleLbl>
-  <dgm:styleLbl name="conFgAcc1">
-    <dgm:scene3d>
-      <a:camera prst="orthographicFront"/>
-      <a:lightRig rig="threePt" dir="t"/>
-    </dgm:scene3d>
-    <dgm:sp3d/>
-    <dgm:txPr/>
-    <dgm:style>
-      <a:lnRef idx="2">
-        <a:scrgbClr r="0" g="0" b="0"/>
-      </a:lnRef>
-      <a:fillRef idx="1">
-        <a:scrgbClr r="0" g="0" b="0"/>
-      </a:fillRef>
-      <a:effectRef idx="0">
-        <a:scrgbClr r="0" g="0" b="0"/>
-      </a:effectRef>
-      <a:fontRef idx="minor"/>
-    </dgm:style>
-  </dgm:styleLbl>
-  <dgm:styleLbl name="alignAcc1">
-    <dgm:scene3d>
-      <a:camera prst="orthographicFront"/>
-      <a:lightRig rig="threePt" dir="t"/>
-    </dgm:scene3d>
-    <dgm:sp3d/>
-    <dgm:txPr/>
-    <dgm:style>
-      <a:lnRef idx="2">
-        <a:scrgbClr r="0" g="0" b="0"/>
-      </a:lnRef>
-      <a:fillRef idx="1">
-        <a:scrgbClr r="0" g="0" b="0"/>
-      </a:fillRef>
-      <a:effectRef idx="0">
-        <a:scrgbClr r="0" g="0" b="0"/>
-      </a:effectRef>
-      <a:fontRef idx="minor"/>
-    </dgm:style>
-  </dgm:styleLbl>
-  <dgm:styleLbl name="trAlignAcc1">
-    <dgm:scene3d>
-      <a:camera prst="orthographicFront"/>
-      <a:lightRig rig="threePt" dir="t"/>
-    </dgm:scene3d>
-    <dgm:sp3d/>
-    <dgm:txPr/>
-    <dgm:style>
-      <a:lnRef idx="1">
-        <a:scrgbClr r="0" g="0" b="0"/>
-      </a:lnRef>
-      <a:fillRef idx="1">
-        <a:scrgbClr r="0" g="0" b="0"/>
-      </a:fillRef>
-      <a:effectRef idx="0">
-        <a:scrgbClr r="0" g="0" b="0"/>
-      </a:effectRef>
-      <a:fontRef idx="minor"/>
-    </dgm:style>
-  </dgm:styleLbl>
-  <dgm:styleLbl name="bgAcc1">
-    <dgm:scene3d>
-      <a:camera prst="orthographicFront"/>
-      <a:lightRig rig="threePt" dir="t"/>
-    </dgm:scene3d>
-    <dgm:sp3d/>
-    <dgm:txPr/>
-    <dgm:style>
-      <a:lnRef idx="2">
-        <a:scrgbClr r="0" g="0" b="0"/>
-      </a:lnRef>
-      <a:fillRef idx="1">
-        <a:scrgbClr r="0" g="0" b="0"/>
-      </a:fillRef>
-      <a:effectRef idx="0">
-        <a:scrgbClr r="0" g="0" b="0"/>
-      </a:effectRef>
-      <a:fontRef idx="minor"/>
-    </dgm:style>
-  </dgm:styleLbl>
-  <dgm:styleLbl name="solidFgAcc1">
-    <dgm:scene3d>
-      <a:camera prst="orthographicFront"/>
-      <a:lightRig rig="threePt" dir="t"/>
-    </dgm:scene3d>
-    <dgm:sp3d/>
-    <dgm:txPr/>
-    <dgm:style>
-      <a:lnRef idx="2">
-        <a:scrgbClr r="0" g="0" b="0"/>
-      </a:lnRef>
-      <a:fillRef idx="1">
-        <a:scrgbClr r="0" g="0" b="0"/>
-      </a:fillRef>
-      <a:effectRef idx="0">
-        <a:scrgbClr r="0" g="0" b="0"/>
-      </a:effectRef>
-      <a:fontRef idx="minor"/>
-    </dgm:style>
-  </dgm:styleLbl>
-  <dgm:styleLbl name="solidAlignAcc1">
-    <dgm:scene3d>
-      <a:camera prst="orthographicFront"/>
-      <a:lightRig rig="threePt" dir="t"/>
-    </dgm:scene3d>
-    <dgm:sp3d/>
-    <dgm:txPr/>
-    <dgm:style>
-      <a:lnRef idx="2">
-        <a:scrgbClr r="0" g="0" b="0"/>
-      </a:lnRef>
-      <a:fillRef idx="1">
-        <a:scrgbClr r="0" g="0" b="0"/>
-      </a:fillRef>
-      <a:effectRef idx="0">
-        <a:scrgbClr r="0" g="0" b="0"/>
-      </a:effectRef>
-      <a:fontRef idx="minor"/>
-    </dgm:style>
-  </dgm:styleLbl>
-  <dgm:styleLbl name="solidBgAcc1">
-    <dgm:scene3d>
-      <a:camera prst="orthographicFront"/>
-      <a:lightRig rig="threePt" dir="t"/>
-    </dgm:scene3d>
-    <dgm:sp3d/>
-    <dgm:txPr/>
-    <dgm:style>
-      <a:lnRef idx="2">
-        <a:scrgbClr r="0" g="0" b="0"/>
-      </a:lnRef>
-      <a:fillRef idx="1">
-        <a:scrgbClr r="0" g="0" b="0"/>
-      </a:fillRef>
-      <a:effectRef idx="0">
-        <a:scrgbClr r="0" g="0" b="0"/>
-      </a:effectRef>
-      <a:fontRef idx="minor"/>
-    </dgm:style>
-  </dgm:styleLbl>
-  <dgm:styleLbl name="fgAccFollowNode1">
-    <dgm:scene3d>
-      <a:camera prst="orthographicFront"/>
-      <a:lightRig rig="threePt" dir="t"/>
-    </dgm:scene3d>
-    <dgm:sp3d/>
-    <dgm:txPr/>
-    <dgm:style>
-      <a:lnRef idx="2">
-        <a:scrgbClr r="0" g="0" b="0"/>
-      </a:lnRef>
-      <a:fillRef idx="1">
-        <a:scrgbClr r="0" g="0" b="0"/>
-      </a:fillRef>
-      <a:effectRef idx="0">
-        <a:scrgbClr r="0" g="0" b="0"/>
-      </a:effectRef>
-      <a:fontRef idx="minor"/>
-    </dgm:style>
-  </dgm:styleLbl>
-  <dgm:styleLbl name="alignAccFollowNode1">
-    <dgm:scene3d>
-      <a:camera prst="orthographicFront"/>
-      <a:lightRig rig="threePt" dir="t"/>
-    </dgm:scene3d>
-    <dgm:sp3d/>
-    <dgm:txPr/>
-    <dgm:style>
-      <a:lnRef idx="2">
-        <a:scrgbClr r="0" g="0" b="0"/>
-      </a:lnRef>
-      <a:fillRef idx="1">
-        <a:scrgbClr r="0" g="0" b="0"/>
-      </a:fillRef>
-      <a:effectRef idx="0">
-        <a:scrgbClr r="0" g="0" b="0"/>
-      </a:effectRef>
-      <a:fontRef idx="minor"/>
-    </dgm:style>
-  </dgm:styleLbl>
-  <dgm:styleLbl name="bgAccFollowNode1">
-    <dgm:scene3d>
-      <a:camera prst="orthographicFront"/>
-      <a:lightRig rig="threePt" dir="t"/>
-    </dgm:scene3d>
-    <dgm:sp3d/>
-    <dgm:txPr/>
-    <dgm:style>
-      <a:lnRef idx="2">
-        <a:scrgbClr r="0" g="0" b="0"/>
-      </a:lnRef>
-      <a:fillRef idx="1">
-        <a:scrgbClr r="0" g="0" b="0"/>
-      </a:fillRef>
-      <a:effectRef idx="0">
-        <a:scrgbClr r="0" g="0" b="0"/>
-      </a:effectRef>
-      <a:fontRef idx="minor"/>
-    </dgm:style>
-  </dgm:styleLbl>
-  <dgm:styleLbl name="fgAcc0">
-    <dgm:scene3d>
-      <a:camera prst="orthographicFront"/>
-      <a:lightRig rig="threePt" dir="t"/>
-    </dgm:scene3d>
-    <dgm:sp3d/>
-    <dgm:txPr/>
-    <dgm:style>
-      <a:lnRef idx="2">
-        <a:scrgbClr r="0" g="0" b="0"/>
-      </a:lnRef>
-      <a:fillRef idx="1">
-        <a:scrgbClr r="0" g="0" b="0"/>
-      </a:fillRef>
-      <a:effectRef idx="0">
-        <a:scrgbClr r="0" g="0" b="0"/>
-      </a:effectRef>
-      <a:fontRef idx="minor"/>
-    </dgm:style>
-  </dgm:styleLbl>
-  <dgm:styleLbl name="fgAcc2">
-    <dgm:scene3d>
-      <a:camera prst="orthographicFront"/>
-      <a:lightRig rig="threePt" dir="t"/>
-    </dgm:scene3d>
-    <dgm:sp3d/>
-    <dgm:txPr/>
-    <dgm:style>
-      <a:lnRef idx="2">
-        <a:scrgbClr r="0" g="0" b="0"/>
-      </a:lnRef>
-      <a:fillRef idx="1">
-        <a:scrgbClr r="0" g="0" b="0"/>
-      </a:fillRef>
-      <a:effectRef idx="0">
-        <a:scrgbClr r="0" g="0" b="0"/>
-      </a:effectRef>
-      <a:fontRef idx="minor"/>
-    </dgm:style>
-  </dgm:styleLbl>
-  <dgm:styleLbl name="fgAcc3">
-    <dgm:scene3d>
-      <a:camera prst="orthographicFront"/>
-      <a:lightRig rig="threePt" dir="t"/>
-    </dgm:scene3d>
-    <dgm:sp3d/>
-    <dgm:txPr/>
-    <dgm:style>
-      <a:lnRef idx="2">
-        <a:scrgbClr r="0" g="0" b="0"/>
-      </a:lnRef>
-      <a:fillRef idx="1">
-        <a:scrgbClr r="0" g="0" b="0"/>
-      </a:fillRef>
-      <a:effectRef idx="0">
-        <a:scrgbClr r="0" g="0" b="0"/>
-      </a:effectRef>
-      <a:fontRef idx="minor"/>
-    </dgm:style>
-  </dgm:styleLbl>
-  <dgm:styleLbl name="fgAcc4">
-    <dgm:scene3d>
-      <a:camera prst="orthographicFront"/>
-      <a:lightRig rig="threePt" dir="t"/>
-    </dgm:scene3d>
-    <dgm:sp3d/>
-    <dgm:txPr/>
-    <dgm:style>
-      <a:lnRef idx="2">
-        <a:scrgbClr r="0" g="0" b="0"/>
-      </a:lnRef>
-      <a:fillRef idx="1">
-        <a:scrgbClr r="0" g="0" b="0"/>
-      </a:fillRef>
-      <a:effectRef idx="0">
-        <a:scrgbClr r="0" g="0" b="0"/>
-      </a:effectRef>
-      <a:fontRef idx="minor"/>
-    </dgm:style>
-  </dgm:styleLbl>
-  <dgm:styleLbl name="bgShp">
-    <dgm:scene3d>
-      <a:camera prst="orthographicFront"/>
-      <a:lightRig rig="threePt" dir="t"/>
-    </dgm:scene3d>
-    <dgm:sp3d/>
-    <dgm:txPr/>
-    <dgm:style>
-      <a:lnRef idx="0">
-        <a:scrgbClr r="0" g="0" b="0"/>
-      </a:lnRef>
-      <a:fillRef idx="1">
-        <a:scrgbClr r="0" g="0" b="0"/>
-      </a:fillRef>
-      <a:effectRef idx="0">
-        <a:scrgbClr r="0" g="0" b="0"/>
-      </a:effectRef>
-      <a:fontRef idx="minor"/>
-    </dgm:style>
-  </dgm:styleLbl>
-  <dgm:styleLbl name="dkBgShp">
-    <dgm:scene3d>
-      <a:camera prst="orthographicFront"/>
-      <a:lightRig rig="threePt" dir="t"/>
-    </dgm:scene3d>
-    <dgm:sp3d/>
-    <dgm:txPr/>
-    <dgm:style>
-      <a:lnRef idx="0">
-        <a:scrgbClr r="0" g="0" b="0"/>
-      </a:lnRef>
-      <a:fillRef idx="1">
-        <a:scrgbClr r="0" g="0" b="0"/>
-      </a:fillRef>
-      <a:effectRef idx="0">
-        <a:scrgbClr r="0" g="0" b="0"/>
-      </a:effectRef>
-      <a:fontRef idx="minor"/>
-    </dgm:style>
-  </dgm:styleLbl>
-  <dgm:styleLbl name="trBgShp">
-    <dgm:scene3d>
-      <a:camera prst="orthographicFront"/>
-      <a:lightRig rig="threePt" dir="t"/>
-    </dgm:scene3d>
-    <dgm:sp3d/>
-    <dgm:txPr/>
-    <dgm:style>
-      <a:lnRef idx="0">
-        <a:scrgbClr r="0" g="0" b="0"/>
-      </a:lnRef>
-      <a:fillRef idx="1">
-        <a:scrgbClr r="0" g="0" b="0"/>
-      </a:fillRef>
-      <a:effectRef idx="0">
-        <a:scrgbClr r="0" g="0" b="0"/>
-      </a:effectRef>
-      <a:fontRef idx="minor"/>
-    </dgm:style>
-  </dgm:styleLbl>
-  <dgm:styleLbl name="fgShp">
-    <dgm:scene3d>
-      <a:camera prst="orthographicFront"/>
-      <a:lightRig rig="threePt" dir="t"/>
-    </dgm:scene3d>
-    <dgm:sp3d/>
-    <dgm:txPr/>
-    <dgm:style>
-      <a:lnRef idx="2">
-        <a:scrgbClr r="0" g="0" b="0"/>
-      </a:lnRef>
-      <a:fillRef idx="1">
-        <a:scrgbClr r="0" g="0" b="0"/>
-      </a:fillRef>
-      <a:effectRef idx="0">
-        <a:scrgbClr r="0" g="0" b="0"/>
-      </a:effectRef>
-      <a:fontRef idx="minor"/>
-    </dgm:style>
-  </dgm:styleLbl>
-  <dgm:styleLbl name="revTx">
-    <dgm:scene3d>
-      <a:camera prst="orthographicFront"/>
-      <a:lightRig rig="threePt" dir="t"/>
-    </dgm:scene3d>
-    <dgm:sp3d/>
-    <dgm:txPr/>
-    <dgm:style>
-      <a:lnRef idx="0">
-        <a:scrgbClr r="0" g="0" b="0"/>
-      </a:lnRef>
-      <a:fillRef idx="0">
-        <a:scrgbClr r="0" g="0" b="0"/>
-      </a:fillRef>
-      <a:effectRef idx="0">
-        <a:scrgbClr r="0" g="0" b="0"/>
-      </a:effectRef>
-      <a:fontRef idx="minor"/>
-    </dgm:style>
-  </dgm:styleLbl>
-</dgm:styleDef>
-</file>
-
-<file path=ppt/diagrams/quickStyle4.xml><?xml version="1.0" encoding="utf-8"?>
-<dgm:styleDef xmlns:dgm="http://schemas.openxmlformats.org/drawingml/2006/diagram" xmlns:a="http://schemas.openxmlformats.org/drawingml/2006/main" uniqueId="urn:microsoft.com/office/officeart/2005/8/quickstyle/simple1">
-  <dgm:title val=""/>
-  <dgm:desc val=""/>
-  <dgm:catLst>
-    <dgm:cat type="simple" pri="10100"/>
-  </dgm:catLst>
-  <dgm:scene3d>
-    <a:camera prst="orthographicFront"/>
-    <a:lightRig rig="threePt" dir="t"/>
-  </dgm:scene3d>
-  <dgm:styleLbl name="node0">
-    <dgm:scene3d>
-      <a:camera prst="orthographicFront"/>
-      <a:lightRig rig="threePt" dir="t"/>
-    </dgm:scene3d>
-    <dgm:sp3d/>
-    <dgm:txPr/>
-    <dgm:style>
-      <a:lnRef idx="2">
-        <a:scrgbClr r="0" g="0" b="0"/>
-      </a:lnRef>
-      <a:fillRef idx="1">
-        <a:scrgbClr r="0" g="0" b="0"/>
-      </a:fillRef>
-      <a:effectRef idx="0">
-        <a:scrgbClr r="0" g="0" b="0"/>
-      </a:effectRef>
-      <a:fontRef idx="minor">
-        <a:schemeClr val="lt1"/>
-      </a:fontRef>
-    </dgm:style>
-  </dgm:styleLbl>
-  <dgm:styleLbl name="lnNode1">
-    <dgm:scene3d>
-      <a:camera prst="orthographicFront"/>
-      <a:lightRig rig="threePt" dir="t"/>
-    </dgm:scene3d>
-    <dgm:sp3d/>
-    <dgm:txPr/>
-    <dgm:style>
-      <a:lnRef idx="2">
-        <a:scrgbClr r="0" g="0" b="0"/>
-      </a:lnRef>
-      <a:fillRef idx="1">
-        <a:scrgbClr r="0" g="0" b="0"/>
-      </a:fillRef>
-      <a:effectRef idx="0">
-        <a:scrgbClr r="0" g="0" b="0"/>
-      </a:effectRef>
-      <a:fontRef idx="minor">
-        <a:schemeClr val="lt1"/>
-      </a:fontRef>
-    </dgm:style>
-  </dgm:styleLbl>
-  <dgm:styleLbl name="vennNode1">
-    <dgm:scene3d>
-      <a:camera prst="orthographicFront"/>
-      <a:lightRig rig="threePt" dir="t"/>
-    </dgm:scene3d>
-    <dgm:sp3d/>
-    <dgm:txPr/>
-    <dgm:style>
-      <a:lnRef idx="2">
-        <a:scrgbClr r="0" g="0" b="0"/>
-      </a:lnRef>
-      <a:fillRef idx="1">
-        <a:scrgbClr r="0" g="0" b="0"/>
-      </a:fillRef>
-      <a:effectRef idx="0">
-        <a:scrgbClr r="0" g="0" b="0"/>
-      </a:effectRef>
-      <a:fontRef idx="minor">
-        <a:schemeClr val="tx1"/>
-      </a:fontRef>
-    </dgm:style>
-  </dgm:styleLbl>
-  <dgm:styleLbl name="alignNode1">
-    <dgm:scene3d>
-      <a:camera prst="orthographicFront"/>
-      <a:lightRig rig="threePt" dir="t"/>
-    </dgm:scene3d>
-    <dgm:sp3d/>
-    <dgm:txPr/>
-    <dgm:style>
-      <a:lnRef idx="2">
-        <a:scrgbClr r="0" g="0" b="0"/>
-      </a:lnRef>
-      <a:fillRef idx="1">
-        <a:scrgbClr r="0" g="0" b="0"/>
-      </a:fillRef>
-      <a:effectRef idx="0">
-        <a:scrgbClr r="0" g="0" b="0"/>
-      </a:effectRef>
-      <a:fontRef idx="minor">
-        <a:schemeClr val="lt1"/>
-      </a:fontRef>
-    </dgm:style>
-  </dgm:styleLbl>
-  <dgm:styleLbl name="node1">
-    <dgm:scene3d>
-      <a:camera prst="orthographicFront"/>
-      <a:lightRig rig="threePt" dir="t"/>
-    </dgm:scene3d>
-    <dgm:sp3d/>
-    <dgm:txPr/>
-    <dgm:style>
-      <a:lnRef idx="2">
-        <a:scrgbClr r="0" g="0" b="0"/>
-      </a:lnRef>
-      <a:fillRef idx="1">
-        <a:scrgbClr r="0" g="0" b="0"/>
-      </a:fillRef>
-      <a:effectRef idx="0">
-        <a:scrgbClr r="0" g="0" b="0"/>
-      </a:effectRef>
-      <a:fontRef idx="minor">
-        <a:schemeClr val="lt1"/>
-      </a:fontRef>
-    </dgm:style>
-  </dgm:styleLbl>
-  <dgm:styleLbl name="node2">
-    <dgm:scene3d>
-      <a:camera prst="orthographicFront"/>
-      <a:lightRig rig="threePt" dir="t"/>
-    </dgm:scene3d>
-    <dgm:sp3d/>
-    <dgm:txPr/>
-    <dgm:style>
-      <a:lnRef idx="2">
-        <a:scrgbClr r="0" g="0" b="0"/>
-      </a:lnRef>
-      <a:fillRef idx="1">
-        <a:scrgbClr r="0" g="0" b="0"/>
-      </a:fillRef>
-      <a:effectRef idx="0">
-        <a:scrgbClr r="0" g="0" b="0"/>
-      </a:effectRef>
-      <a:fontRef idx="minor">
-        <a:schemeClr val="lt1"/>
-      </a:fontRef>
-    </dgm:style>
-  </dgm:styleLbl>
-  <dgm:styleLbl name="node3">
-    <dgm:scene3d>
-      <a:camera prst="orthographicFront"/>
-      <a:lightRig rig="threePt" dir="t"/>
-    </dgm:scene3d>
-    <dgm:sp3d/>
-    <dgm:txPr/>
-    <dgm:style>
-      <a:lnRef idx="2">
-        <a:scrgbClr r="0" g="0" b="0"/>
-      </a:lnRef>
-      <a:fillRef idx="1">
-        <a:scrgbClr r="0" g="0" b="0"/>
-      </a:fillRef>
-      <a:effectRef idx="0">
-        <a:scrgbClr r="0" g="0" b="0"/>
-      </a:effectRef>
-      <a:fontRef idx="minor">
-        <a:schemeClr val="lt1"/>
-      </a:fontRef>
-    </dgm:style>
-  </dgm:styleLbl>
-  <dgm:styleLbl name="node4">
-    <dgm:scene3d>
-      <a:camera prst="orthographicFront"/>
-      <a:lightRig rig="threePt" dir="t"/>
-    </dgm:scene3d>
-    <dgm:sp3d/>
-    <dgm:txPr/>
-    <dgm:style>
-      <a:lnRef idx="2">
-        <a:scrgbClr r="0" g="0" b="0"/>
-      </a:lnRef>
-      <a:fillRef idx="1">
-        <a:scrgbClr r="0" g="0" b="0"/>
-      </a:fillRef>
-      <a:effectRef idx="0">
-        <a:scrgbClr r="0" g="0" b="0"/>
-      </a:effectRef>
-      <a:fontRef idx="minor">
-        <a:schemeClr val="lt1"/>
-      </a:fontRef>
-    </dgm:style>
-  </dgm:styleLbl>
-  <dgm:styleLbl name="fgImgPlace1">
-    <dgm:scene3d>
-      <a:camera prst="orthographicFront"/>
-      <a:lightRig rig="threePt" dir="t"/>
-    </dgm:scene3d>
-    <dgm:sp3d/>
-    <dgm:txPr/>
-    <dgm:style>
-      <a:lnRef idx="2">
-        <a:scrgbClr r="0" g="0" b="0"/>
-      </a:lnRef>
-      <a:fillRef idx="1">
-        <a:scrgbClr r="0" g="0" b="0"/>
-      </a:fillRef>
-      <a:effectRef idx="0">
-        <a:scrgbClr r="0" g="0" b="0"/>
-      </a:effectRef>
-      <a:fontRef idx="minor"/>
-    </dgm:style>
-  </dgm:styleLbl>
-  <dgm:styleLbl name="alignImgPlace1">
-    <dgm:scene3d>
-      <a:camera prst="orthographicFront"/>
-      <a:lightRig rig="threePt" dir="t"/>
-    </dgm:scene3d>
-    <dgm:sp3d/>
-    <dgm:txPr/>
-    <dgm:style>
-      <a:lnRef idx="2">
-        <a:scrgbClr r="0" g="0" b="0"/>
-      </a:lnRef>
-      <a:fillRef idx="1">
-        <a:scrgbClr r="0" g="0" b="0"/>
-      </a:fillRef>
-      <a:effectRef idx="0">
-        <a:scrgbClr r="0" g="0" b="0"/>
-      </a:effectRef>
-      <a:fontRef idx="minor"/>
-    </dgm:style>
-  </dgm:styleLbl>
-  <dgm:styleLbl name="bgImgPlace1">
-    <dgm:scene3d>
-      <a:camera prst="orthographicFront"/>
-      <a:lightRig rig="threePt" dir="t"/>
-    </dgm:scene3d>
-    <dgm:sp3d/>
-    <dgm:txPr/>
-    <dgm:style>
-      <a:lnRef idx="2">
-        <a:scrgbClr r="0" g="0" b="0"/>
-      </a:lnRef>
-      <a:fillRef idx="1">
-        <a:scrgbClr r="0" g="0" b="0"/>
-      </a:fillRef>
-      <a:effectRef idx="0">
-        <a:scrgbClr r="0" g="0" b="0"/>
-      </a:effectRef>
-      <a:fontRef idx="minor"/>
-    </dgm:style>
-  </dgm:styleLbl>
-  <dgm:styleLbl name="sibTrans2D1">
-    <dgm:scene3d>
-      <a:camera prst="orthographicFront"/>
-      <a:lightRig rig="threePt" dir="t"/>
-    </dgm:scene3d>
-    <dgm:sp3d/>
-    <dgm:txPr/>
-    <dgm:style>
-      <a:lnRef idx="0">
-        <a:scrgbClr r="0" g="0" b="0"/>
-      </a:lnRef>
-      <a:fillRef idx="1">
-        <a:scrgbClr r="0" g="0" b="0"/>
-      </a:fillRef>
-      <a:effectRef idx="0">
-        <a:scrgbClr r="0" g="0" b="0"/>
-      </a:effectRef>
-      <a:fontRef idx="minor">
-        <a:schemeClr val="lt1"/>
-      </a:fontRef>
-    </dgm:style>
-  </dgm:styleLbl>
-  <dgm:styleLbl name="fgSibTrans2D1">
-    <dgm:scene3d>
-      <a:camera prst="orthographicFront"/>
-      <a:lightRig rig="threePt" dir="t"/>
-    </dgm:scene3d>
-    <dgm:sp3d/>
-    <dgm:txPr/>
-    <dgm:style>
-      <a:lnRef idx="0">
-        <a:scrgbClr r="0" g="0" b="0"/>
-      </a:lnRef>
-      <a:fillRef idx="1">
-        <a:scrgbClr r="0" g="0" b="0"/>
-      </a:fillRef>
-      <a:effectRef idx="0">
-        <a:scrgbClr r="0" g="0" b="0"/>
-      </a:effectRef>
-      <a:fontRef idx="minor">
-        <a:schemeClr val="lt1"/>
-      </a:fontRef>
-    </dgm:style>
-  </dgm:styleLbl>
-  <dgm:styleLbl name="bgSibTrans2D1">
-    <dgm:scene3d>
-      <a:camera prst="orthographicFront"/>
-      <a:lightRig rig="threePt" dir="t"/>
-    </dgm:scene3d>
-    <dgm:sp3d/>
-    <dgm:txPr/>
-    <dgm:style>
-      <a:lnRef idx="0">
-        <a:scrgbClr r="0" g="0" b="0"/>
-      </a:lnRef>
-      <a:fillRef idx="1">
-        <a:scrgbClr r="0" g="0" b="0"/>
-      </a:fillRef>
-      <a:effectRef idx="0">
-        <a:scrgbClr r="0" g="0" b="0"/>
-      </a:effectRef>
-      <a:fontRef idx="minor">
-        <a:schemeClr val="lt1"/>
-      </a:fontRef>
-    </dgm:style>
-  </dgm:styleLbl>
-  <dgm:styleLbl name="sibTrans1D1">
-    <dgm:scene3d>
-      <a:camera prst="orthographicFront"/>
-      <a:lightRig rig="threePt" dir="t"/>
-    </dgm:scene3d>
-    <dgm:sp3d/>
-    <dgm:txPr/>
-    <dgm:style>
-      <a:lnRef idx="1">
-        <a:scrgbClr r="0" g="0" b="0"/>
-      </a:lnRef>
-      <a:fillRef idx="0">
-        <a:scrgbClr r="0" g="0" b="0"/>
-      </a:fillRef>
-      <a:effectRef idx="0">
-        <a:scrgbClr r="0" g="0" b="0"/>
-      </a:effectRef>
-      <a:fontRef idx="minor"/>
-    </dgm:style>
-  </dgm:styleLbl>
-  <dgm:styleLbl name="callout">
-    <dgm:scene3d>
-      <a:camera prst="orthographicFront"/>
-      <a:lightRig rig="threePt" dir="t"/>
-    </dgm:scene3d>
-    <dgm:sp3d/>
-    <dgm:txPr/>
-    <dgm:style>
-      <a:lnRef idx="2">
-        <a:scrgbClr r="0" g="0" b="0"/>
-      </a:lnRef>
-      <a:fillRef idx="1">
-        <a:scrgbClr r="0" g="0" b="0"/>
-      </a:fillRef>
-      <a:effectRef idx="0">
-        <a:scrgbClr r="0" g="0" b="0"/>
-      </a:effectRef>
-      <a:fontRef idx="minor"/>
-    </dgm:style>
-  </dgm:styleLbl>
-  <dgm:styleLbl name="asst0">
-    <dgm:scene3d>
-      <a:camera prst="orthographicFront"/>
-      <a:lightRig rig="threePt" dir="t"/>
-    </dgm:scene3d>
-    <dgm:sp3d/>
-    <dgm:txPr/>
-    <dgm:style>
-      <a:lnRef idx="2">
-        <a:scrgbClr r="0" g="0" b="0"/>
-      </a:lnRef>
-      <a:fillRef idx="1">
-        <a:scrgbClr r="0" g="0" b="0"/>
-      </a:fillRef>
-      <a:effectRef idx="0">
-        <a:scrgbClr r="0" g="0" b="0"/>
-      </a:effectRef>
-      <a:fontRef idx="minor">
-        <a:schemeClr val="lt1"/>
-      </a:fontRef>
-    </dgm:style>
-  </dgm:styleLbl>
-  <dgm:styleLbl name="asst1">
-    <dgm:scene3d>
-      <a:camera prst="orthographicFront"/>
-      <a:lightRig rig="threePt" dir="t"/>
-    </dgm:scene3d>
-    <dgm:sp3d/>
-    <dgm:txPr/>
-    <dgm:style>
-      <a:lnRef idx="2">
-        <a:scrgbClr r="0" g="0" b="0"/>
-      </a:lnRef>
-      <a:fillRef idx="1">
-        <a:scrgbClr r="0" g="0" b="0"/>
-      </a:fillRef>
-      <a:effectRef idx="0">
-        <a:scrgbClr r="0" g="0" b="0"/>
-      </a:effectRef>
-      <a:fontRef idx="minor">
-        <a:schemeClr val="lt1"/>
-      </a:fontRef>
-    </dgm:style>
-  </dgm:styleLbl>
-  <dgm:styleLbl name="asst2">
-    <dgm:scene3d>
-      <a:camera prst="orthographicFront"/>
-      <a:lightRig rig="threePt" dir="t"/>
-    </dgm:scene3d>
-    <dgm:sp3d/>
-    <dgm:txPr/>
-    <dgm:style>
-      <a:lnRef idx="2">
-        <a:scrgbClr r="0" g="0" b="0"/>
-      </a:lnRef>
-      <a:fillRef idx="1">
-        <a:scrgbClr r="0" g="0" b="0"/>
-      </a:fillRef>
-      <a:effectRef idx="0">
-        <a:scrgbClr r="0" g="0" b="0"/>
-      </a:effectRef>
-      <a:fontRef idx="minor">
-        <a:schemeClr val="lt1"/>
-      </a:fontRef>
-    </dgm:style>
-  </dgm:styleLbl>
-  <dgm:styleLbl name="asst3">
-    <dgm:scene3d>
-      <a:camera prst="orthographicFront"/>
-      <a:lightRig rig="threePt" dir="t"/>
-    </dgm:scene3d>
-    <dgm:sp3d/>
-    <dgm:txPr/>
-    <dgm:style>
-      <a:lnRef idx="2">
-        <a:scrgbClr r="0" g="0" b="0"/>
-      </a:lnRef>
-      <a:fillRef idx="1">
-        <a:scrgbClr r="0" g="0" b="0"/>
-      </a:fillRef>
-      <a:effectRef idx="0">
-        <a:scrgbClr r="0" g="0" b="0"/>
-      </a:effectRef>
-      <a:fontRef idx="minor">
-        <a:schemeClr val="lt1"/>
-      </a:fontRef>
-    </dgm:style>
-  </dgm:styleLbl>
-  <dgm:styleLbl name="asst4">
-    <dgm:scene3d>
-      <a:camera prst="orthographicFront"/>
-      <a:lightRig rig="threePt" dir="t"/>
-    </dgm:scene3d>
-    <dgm:sp3d/>
-    <dgm:txPr/>
-    <dgm:style>
-      <a:lnRef idx="2">
-        <a:scrgbClr r="0" g="0" b="0"/>
-      </a:lnRef>
-      <a:fillRef idx="1">
-        <a:scrgbClr r="0" g="0" b="0"/>
-      </a:fillRef>
-      <a:effectRef idx="0">
-        <a:scrgbClr r="0" g="0" b="0"/>
-      </a:effectRef>
-      <a:fontRef idx="minor">
-        <a:schemeClr val="lt1"/>
-      </a:fontRef>
-    </dgm:style>
-  </dgm:styleLbl>
-  <dgm:styleLbl name="parChTrans2D1">
-    <dgm:scene3d>
-      <a:camera prst="orthographicFront"/>
-      <a:lightRig rig="threePt" dir="t"/>
-    </dgm:scene3d>
-    <dgm:sp3d/>
-    <dgm:txPr/>
-    <dgm:style>
-      <a:lnRef idx="2">
-        <a:scrgbClr r="0" g="0" b="0"/>
-      </a:lnRef>
-      <a:fillRef idx="1">
-        <a:scrgbClr r="0" g="0" b="0"/>
-      </a:fillRef>
-      <a:effectRef idx="0">
-        <a:scrgbClr r="0" g="0" b="0"/>
-      </a:effectRef>
-      <a:fontRef idx="minor">
-        <a:schemeClr val="lt1"/>
-      </a:fontRef>
-    </dgm:style>
-  </dgm:styleLbl>
-  <dgm:styleLbl name="parChTrans2D2">
-    <dgm:scene3d>
-      <a:camera prst="orthographicFront"/>
-      <a:lightRig rig="threePt" dir="t"/>
-    </dgm:scene3d>
-    <dgm:sp3d/>
-    <dgm:txPr/>
-    <dgm:style>
-      <a:lnRef idx="2">
-        <a:scrgbClr r="0" g="0" b="0"/>
-      </a:lnRef>
-      <a:fillRef idx="1">
-        <a:scrgbClr r="0" g="0" b="0"/>
-      </a:fillRef>
-      <a:effectRef idx="0">
-        <a:scrgbClr r="0" g="0" b="0"/>
-      </a:effectRef>
-      <a:fontRef idx="minor">
-        <a:schemeClr val="lt1"/>
-      </a:fontRef>
-    </dgm:style>
-  </dgm:styleLbl>
-  <dgm:styleLbl name="parChTrans2D3">
-    <dgm:scene3d>
-      <a:camera prst="orthographicFront"/>
-      <a:lightRig rig="threePt" dir="t"/>
-    </dgm:scene3d>
-    <dgm:sp3d/>
-    <dgm:txPr/>
-    <dgm:style>
-      <a:lnRef idx="2">
-        <a:scrgbClr r="0" g="0" b="0"/>
-      </a:lnRef>
-      <a:fillRef idx="1">
-        <a:scrgbClr r="0" g="0" b="0"/>
-      </a:fillRef>
-      <a:effectRef idx="0">
-        <a:scrgbClr r="0" g="0" b="0"/>
-      </a:effectRef>
-      <a:fontRef idx="minor">
-        <a:schemeClr val="lt1"/>
-      </a:fontRef>
-    </dgm:style>
-  </dgm:styleLbl>
-  <dgm:styleLbl name="parChTrans2D4">
-    <dgm:scene3d>
-      <a:camera prst="orthographicFront"/>
-      <a:lightRig rig="threePt" dir="t"/>
-    </dgm:scene3d>
-    <dgm:sp3d/>
-    <dgm:txPr/>
-    <dgm:style>
-      <a:lnRef idx="2">
-        <a:scrgbClr r="0" g="0" b="0"/>
-      </a:lnRef>
-      <a:fillRef idx="1">
-        <a:scrgbClr r="0" g="0" b="0"/>
-      </a:fillRef>
-      <a:effectRef idx="0">
-        <a:scrgbClr r="0" g="0" b="0"/>
-      </a:effectRef>
-      <a:fontRef idx="minor">
-        <a:schemeClr val="lt1"/>
-      </a:fontRef>
-    </dgm:style>
-  </dgm:styleLbl>
-  <dgm:styleLbl name="parChTrans1D1">
-    <dgm:scene3d>
-      <a:camera prst="orthographicFront"/>
-      <a:lightRig rig="threePt" dir="t"/>
-    </dgm:scene3d>
-    <dgm:sp3d/>
-    <dgm:txPr/>
-    <dgm:style>
-      <a:lnRef idx="2">
-        <a:scrgbClr r="0" g="0" b="0"/>
-      </a:lnRef>
-      <a:fillRef idx="0">
-        <a:scrgbClr r="0" g="0" b="0"/>
-      </a:fillRef>
-      <a:effectRef idx="0">
-        <a:scrgbClr r="0" g="0" b="0"/>
-      </a:effectRef>
-      <a:fontRef idx="minor"/>
-    </dgm:style>
-  </dgm:styleLbl>
-  <dgm:styleLbl name="parChTrans1D2">
-    <dgm:scene3d>
-      <a:camera prst="orthographicFront"/>
-      <a:lightRig rig="threePt" dir="t"/>
-    </dgm:scene3d>
-    <dgm:sp3d/>
-    <dgm:txPr/>
-    <dgm:style>
-      <a:lnRef idx="2">
-        <a:scrgbClr r="0" g="0" b="0"/>
-      </a:lnRef>
-      <a:fillRef idx="0">
-        <a:scrgbClr r="0" g="0" b="0"/>
-      </a:fillRef>
-      <a:effectRef idx="0">
-        <a:scrgbClr r="0" g="0" b="0"/>
-      </a:effectRef>
-      <a:fontRef idx="minor"/>
-    </dgm:style>
-  </dgm:styleLbl>
-  <dgm:styleLbl name="parChTrans1D3">
-    <dgm:scene3d>
-      <a:camera prst="orthographicFront"/>
-      <a:lightRig rig="threePt" dir="t"/>
-    </dgm:scene3d>
-    <dgm:sp3d/>
-    <dgm:txPr/>
-    <dgm:style>
-      <a:lnRef idx="2">
-        <a:scrgbClr r="0" g="0" b="0"/>
-      </a:lnRef>
-      <a:fillRef idx="0">
-        <a:scrgbClr r="0" g="0" b="0"/>
-      </a:fillRef>
-      <a:effectRef idx="0">
-        <a:scrgbClr r="0" g="0" b="0"/>
-      </a:effectRef>
-      <a:fontRef idx="minor"/>
-    </dgm:style>
-  </dgm:styleLbl>
-  <dgm:styleLbl name="parChTrans1D4">
-    <dgm:scene3d>
-      <a:camera prst="orthographicFront"/>
-      <a:lightRig rig="threePt" dir="t"/>
-    </dgm:scene3d>
-    <dgm:sp3d/>
-    <dgm:txPr/>
-    <dgm:style>
-      <a:lnRef idx="2">
-        <a:scrgbClr r="0" g="0" b="0"/>
-      </a:lnRef>
-      <a:fillRef idx="0">
-        <a:scrgbClr r="0" g="0" b="0"/>
-      </a:fillRef>
-      <a:effectRef idx="0">
-        <a:scrgbClr r="0" g="0" b="0"/>
-      </a:effectRef>
-      <a:fontRef idx="minor"/>
-    </dgm:style>
-  </dgm:styleLbl>
-  <dgm:styleLbl name="fgAcc1">
-    <dgm:scene3d>
-      <a:camera prst="orthographicFront"/>
-      <a:lightRig rig="threePt" dir="t"/>
-    </dgm:scene3d>
-    <dgm:sp3d/>
-    <dgm:txPr/>
-    <dgm:style>
-      <a:lnRef idx="2">
-        <a:scrgbClr r="0" g="0" b="0"/>
-      </a:lnRef>
-      <a:fillRef idx="1">
-        <a:scrgbClr r="0" g="0" b="0"/>
-      </a:fillRef>
-      <a:effectRef idx="0">
-        <a:scrgbClr r="0" g="0" b="0"/>
-      </a:effectRef>
-      <a:fontRef idx="minor"/>
-    </dgm:style>
-  </dgm:styleLbl>
-  <dgm:styleLbl name="conFgAcc1">
-    <dgm:scene3d>
-      <a:camera prst="orthographicFront"/>
-      <a:lightRig rig="threePt" dir="t"/>
-    </dgm:scene3d>
-    <dgm:sp3d/>
-    <dgm:txPr/>
-    <dgm:style>
-      <a:lnRef idx="2">
-        <a:scrgbClr r="0" g="0" b="0"/>
-      </a:lnRef>
-      <a:fillRef idx="1">
-        <a:scrgbClr r="0" g="0" b="0"/>
-      </a:fillRef>
-      <a:effectRef idx="0">
-        <a:scrgbClr r="0" g="0" b="0"/>
-      </a:effectRef>
-      <a:fontRef idx="minor"/>
-    </dgm:style>
-  </dgm:styleLbl>
-  <dgm:styleLbl name="alignAcc1">
-    <dgm:scene3d>
-      <a:camera prst="orthographicFront"/>
-      <a:lightRig rig="threePt" dir="t"/>
-    </dgm:scene3d>
-    <dgm:sp3d/>
-    <dgm:txPr/>
-    <dgm:style>
-      <a:lnRef idx="2">
-        <a:scrgbClr r="0" g="0" b="0"/>
-      </a:lnRef>
-      <a:fillRef idx="1">
-        <a:scrgbClr r="0" g="0" b="0"/>
-      </a:fillRef>
-      <a:effectRef idx="0">
-        <a:scrgbClr r="0" g="0" b="0"/>
-      </a:effectRef>
-      <a:fontRef idx="minor"/>
-    </dgm:style>
-  </dgm:styleLbl>
-  <dgm:styleLbl name="trAlignAcc1">
-    <dgm:scene3d>
-      <a:camera prst="orthographicFront"/>
-      <a:lightRig rig="threePt" dir="t"/>
-    </dgm:scene3d>
-    <dgm:sp3d/>
-    <dgm:txPr/>
-    <dgm:style>
-      <a:lnRef idx="1">
-        <a:scrgbClr r="0" g="0" b="0"/>
-      </a:lnRef>
-      <a:fillRef idx="1">
-        <a:scrgbClr r="0" g="0" b="0"/>
-      </a:fillRef>
-      <a:effectRef idx="0">
-        <a:scrgbClr r="0" g="0" b="0"/>
-      </a:effectRef>
-      <a:fontRef idx="minor"/>
-    </dgm:style>
-  </dgm:styleLbl>
-  <dgm:styleLbl name="bgAcc1">
-    <dgm:scene3d>
-      <a:camera prst="orthographicFront"/>
-      <a:lightRig rig="threePt" dir="t"/>
-    </dgm:scene3d>
-    <dgm:sp3d/>
-    <dgm:txPr/>
-    <dgm:style>
-      <a:lnRef idx="2">
-        <a:scrgbClr r="0" g="0" b="0"/>
-      </a:lnRef>
-      <a:fillRef idx="1">
-        <a:scrgbClr r="0" g="0" b="0"/>
-      </a:fillRef>
-      <a:effectRef idx="0">
-        <a:scrgbClr r="0" g="0" b="0"/>
-      </a:effectRef>
-      <a:fontRef idx="minor"/>
-    </dgm:style>
-  </dgm:styleLbl>
-  <dgm:styleLbl name="solidFgAcc1">
-    <dgm:scene3d>
-      <a:camera prst="orthographicFront"/>
-      <a:lightRig rig="threePt" dir="t"/>
-    </dgm:scene3d>
-    <dgm:sp3d/>
-    <dgm:txPr/>
-    <dgm:style>
-      <a:lnRef idx="2">
-        <a:scrgbClr r="0" g="0" b="0"/>
-      </a:lnRef>
-      <a:fillRef idx="1">
-        <a:scrgbClr r="0" g="0" b="0"/>
-      </a:fillRef>
-      <a:effectRef idx="0">
-        <a:scrgbClr r="0" g="0" b="0"/>
-      </a:effectRef>
-      <a:fontRef idx="minor"/>
-    </dgm:style>
-  </dgm:styleLbl>
-  <dgm:styleLbl name="solidAlignAcc1">
-    <dgm:scene3d>
-      <a:camera prst="orthographicFront"/>
-      <a:lightRig rig="threePt" dir="t"/>
-    </dgm:scene3d>
-    <dgm:sp3d/>
-    <dgm:txPr/>
-    <dgm:style>
-      <a:lnRef idx="2">
-        <a:scrgbClr r="0" g="0" b="0"/>
-      </a:lnRef>
-      <a:fillRef idx="1">
-        <a:scrgbClr r="0" g="0" b="0"/>
-      </a:fillRef>
-      <a:effectRef idx="0">
-        <a:scrgbClr r="0" g="0" b="0"/>
-      </a:effectRef>
-      <a:fontRef idx="minor"/>
-    </dgm:style>
-  </dgm:styleLbl>
-  <dgm:styleLbl name="solidBgAcc1">
-    <dgm:scene3d>
-      <a:camera prst="orthographicFront"/>
-      <a:lightRig rig="threePt" dir="t"/>
-    </dgm:scene3d>
-    <dgm:sp3d/>
-    <dgm:txPr/>
-    <dgm:style>
-      <a:lnRef idx="2">
-        <a:scrgbClr r="0" g="0" b="0"/>
-      </a:lnRef>
-      <a:fillRef idx="1">
-        <a:scrgbClr r="0" g="0" b="0"/>
-      </a:fillRef>
-      <a:effectRef idx="0">
-        <a:scrgbClr r="0" g="0" b="0"/>
-      </a:effectRef>
-      <a:fontRef idx="minor"/>
-    </dgm:style>
-  </dgm:styleLbl>
-  <dgm:styleLbl name="fgAccFollowNode1">
-    <dgm:scene3d>
-      <a:camera prst="orthographicFront"/>
-      <a:lightRig rig="threePt" dir="t"/>
-    </dgm:scene3d>
-    <dgm:sp3d/>
-    <dgm:txPr/>
-    <dgm:style>
-      <a:lnRef idx="2">
-        <a:scrgbClr r="0" g="0" b="0"/>
-      </a:lnRef>
-      <a:fillRef idx="1">
-        <a:scrgbClr r="0" g="0" b="0"/>
-      </a:fillRef>
-      <a:effectRef idx="0">
-        <a:scrgbClr r="0" g="0" b="0"/>
-      </a:effectRef>
-      <a:fontRef idx="minor"/>
-    </dgm:style>
-  </dgm:styleLbl>
-  <dgm:styleLbl name="alignAccFollowNode1">
-    <dgm:scene3d>
-      <a:camera prst="orthographicFront"/>
-      <a:lightRig rig="threePt" dir="t"/>
-    </dgm:scene3d>
-    <dgm:sp3d/>
-    <dgm:txPr/>
-    <dgm:style>
-      <a:lnRef idx="2">
-        <a:scrgbClr r="0" g="0" b="0"/>
-      </a:lnRef>
-      <a:fillRef idx="1">
-        <a:scrgbClr r="0" g="0" b="0"/>
-      </a:fillRef>
-      <a:effectRef idx="0">
-        <a:scrgbClr r="0" g="0" b="0"/>
-      </a:effectRef>
-      <a:fontRef idx="minor"/>
-    </dgm:style>
-  </dgm:styleLbl>
-  <dgm:styleLbl name="bgAccFollowNode1">
-    <dgm:scene3d>
-      <a:camera prst="orthographicFront"/>
-      <a:lightRig rig="threePt" dir="t"/>
-    </dgm:scene3d>
-    <dgm:sp3d/>
-    <dgm:txPr/>
-    <dgm:style>
-      <a:lnRef idx="2">
-        <a:scrgbClr r="0" g="0" b="0"/>
-      </a:lnRef>
-      <a:fillRef idx="1">
-        <a:scrgbClr r="0" g="0" b="0"/>
-      </a:fillRef>
-      <a:effectRef idx="0">
-        <a:scrgbClr r="0" g="0" b="0"/>
-      </a:effectRef>
-      <a:fontRef idx="minor"/>
-    </dgm:style>
-  </dgm:styleLbl>
-  <dgm:styleLbl name="fgAcc0">
-    <dgm:scene3d>
-      <a:camera prst="orthographicFront"/>
-      <a:lightRig rig="threePt" dir="t"/>
-    </dgm:scene3d>
-    <dgm:sp3d/>
-    <dgm:txPr/>
-    <dgm:style>
-      <a:lnRef idx="2">
-        <a:scrgbClr r="0" g="0" b="0"/>
-      </a:lnRef>
-      <a:fillRef idx="1">
-        <a:scrgbClr r="0" g="0" b="0"/>
-      </a:fillRef>
-      <a:effectRef idx="0">
-        <a:scrgbClr r="0" g="0" b="0"/>
-      </a:effectRef>
-      <a:fontRef idx="minor"/>
-    </dgm:style>
-  </dgm:styleLbl>
-  <dgm:styleLbl name="fgAcc2">
-    <dgm:scene3d>
-      <a:camera prst="orthographicFront"/>
-      <a:lightRig rig="threePt" dir="t"/>
-    </dgm:scene3d>
-    <dgm:sp3d/>
-    <dgm:txPr/>
-    <dgm:style>
-      <a:lnRef idx="2">
-        <a:scrgbClr r="0" g="0" b="0"/>
-      </a:lnRef>
-      <a:fillRef idx="1">
-        <a:scrgbClr r="0" g="0" b="0"/>
-      </a:fillRef>
-      <a:effectRef idx="0">
-        <a:scrgbClr r="0" g="0" b="0"/>
-      </a:effectRef>
-      <a:fontRef idx="minor"/>
-    </dgm:style>
-  </dgm:styleLbl>
-  <dgm:styleLbl name="fgAcc3">
-    <dgm:scene3d>
-      <a:camera prst="orthographicFront"/>
-      <a:lightRig rig="threePt" dir="t"/>
-    </dgm:scene3d>
-    <dgm:sp3d/>
-    <dgm:txPr/>
-    <dgm:style>
-      <a:lnRef idx="2">
-        <a:scrgbClr r="0" g="0" b="0"/>
-      </a:lnRef>
-      <a:fillRef idx="1">
-        <a:scrgbClr r="0" g="0" b="0"/>
-      </a:fillRef>
-      <a:effectRef idx="0">
-        <a:scrgbClr r="0" g="0" b="0"/>
-      </a:effectRef>
-      <a:fontRef idx="minor"/>
-    </dgm:style>
-  </dgm:styleLbl>
-  <dgm:styleLbl name="fgAcc4">
-    <dgm:scene3d>
-      <a:camera prst="orthographicFront"/>
-      <a:lightRig rig="threePt" dir="t"/>
-    </dgm:scene3d>
-    <dgm:sp3d/>
-    <dgm:txPr/>
-    <dgm:style>
-      <a:lnRef idx="2">
-        <a:scrgbClr r="0" g="0" b="0"/>
-      </a:lnRef>
-      <a:fillRef idx="1">
-        <a:scrgbClr r="0" g="0" b="0"/>
-      </a:fillRef>
-      <a:effectRef idx="0">
-        <a:scrgbClr r="0" g="0" b="0"/>
-      </a:effectRef>
-      <a:fontRef idx="minor"/>
-    </dgm:style>
-  </dgm:styleLbl>
-  <dgm:styleLbl name="bgShp">
-    <dgm:scene3d>
-      <a:camera prst="orthographicFront"/>
-      <a:lightRig rig="threePt" dir="t"/>
-    </dgm:scene3d>
-    <dgm:sp3d/>
-    <dgm:txPr/>
-    <dgm:style>
-      <a:lnRef idx="0">
-        <a:scrgbClr r="0" g="0" b="0"/>
-      </a:lnRef>
-      <a:fillRef idx="1">
-        <a:scrgbClr r="0" g="0" b="0"/>
-      </a:fillRef>
-      <a:effectRef idx="0">
-        <a:scrgbClr r="0" g="0" b="0"/>
-      </a:effectRef>
-      <a:fontRef idx="minor"/>
-    </dgm:style>
-  </dgm:styleLbl>
-  <dgm:styleLbl name="dkBgShp">
-    <dgm:scene3d>
-      <a:camera prst="orthographicFront"/>
-      <a:lightRig rig="threePt" dir="t"/>
-    </dgm:scene3d>
-    <dgm:sp3d/>
-    <dgm:txPr/>
-    <dgm:style>
-      <a:lnRef idx="0">
-        <a:scrgbClr r="0" g="0" b="0"/>
-      </a:lnRef>
-      <a:fillRef idx="1">
-        <a:scrgbClr r="0" g="0" b="0"/>
-      </a:fillRef>
-      <a:effectRef idx="0">
-        <a:scrgbClr r="0" g="0" b="0"/>
-      </a:effectRef>
-      <a:fontRef idx="minor"/>
-    </dgm:style>
-  </dgm:styleLbl>
-  <dgm:styleLbl name="trBgShp">
-    <dgm:scene3d>
-      <a:camera prst="orthographicFront"/>
-      <a:lightRig rig="threePt" dir="t"/>
-    </dgm:scene3d>
-    <dgm:sp3d/>
-    <dgm:txPr/>
-    <dgm:style>
-      <a:lnRef idx="0">
-        <a:scrgbClr r="0" g="0" b="0"/>
-      </a:lnRef>
-      <a:fillRef idx="1">
-        <a:scrgbClr r="0" g="0" b="0"/>
-      </a:fillRef>
-      <a:effectRef idx="0">
-        <a:scrgbClr r="0" g="0" b="0"/>
-      </a:effectRef>
-      <a:fontRef idx="minor"/>
-    </dgm:style>
-  </dgm:styleLbl>
-  <dgm:styleLbl name="fgShp">
-    <dgm:scene3d>
-      <a:camera prst="orthographicFront"/>
-      <a:lightRig rig="threePt" dir="t"/>
-    </dgm:scene3d>
-    <dgm:sp3d/>
-    <dgm:txPr/>
-    <dgm:style>
-      <a:lnRef idx="2">
-        <a:scrgbClr r="0" g="0" b="0"/>
-      </a:lnRef>
-      <a:fillRef idx="1">
-        <a:scrgbClr r="0" g="0" b="0"/>
-      </a:fillRef>
-      <a:effectRef idx="0">
-        <a:scrgbClr r="0" g="0" b="0"/>
-      </a:effectRef>
-      <a:fontRef idx="minor"/>
-    </dgm:style>
-  </dgm:styleLbl>
-  <dgm:styleLbl name="revTx">
-    <dgm:scene3d>
-      <a:camera prst="orthographicFront"/>
-      <a:lightRig rig="threePt" dir="t"/>
-    </dgm:scene3d>
-    <dgm:sp3d/>
-    <dgm:txPr/>
-    <dgm:style>
-      <a:lnRef idx="0">
-        <a:scrgbClr r="0" g="0" b="0"/>
-      </a:lnRef>
-      <a:fillRef idx="0">
-        <a:scrgbClr r="0" g="0" b="0"/>
-      </a:fillRef>
-      <a:effectRef idx="0">
-        <a:scrgbClr r="0" g="0" b="0"/>
-      </a:effectRef>
-      <a:fontRef idx="minor"/>
-    </dgm:style>
-  </dgm:styleLbl>
-</dgm:styleDef>
-</file>
-
-<file path=ppt/diagrams/quickStyle5.xml><?xml version="1.0" encoding="utf-8"?>
-<dgm:styleDef xmlns:dgm="http://schemas.openxmlformats.org/drawingml/2006/diagram" xmlns:a="http://schemas.openxmlformats.org/drawingml/2006/main" uniqueId="urn:microsoft.com/office/officeart/2005/8/quickstyle/simple1">
-  <dgm:title val=""/>
-  <dgm:desc val=""/>
-  <dgm:catLst>
-    <dgm:cat type="simple" pri="10100"/>
-  </dgm:catLst>
-  <dgm:scene3d>
-    <a:camera prst="orthographicFront"/>
-    <a:lightRig rig="threePt" dir="t"/>
-  </dgm:scene3d>
-  <dgm:styleLbl name="node0">
-    <dgm:scene3d>
-      <a:camera prst="orthographicFront"/>
-      <a:lightRig rig="threePt" dir="t"/>
-    </dgm:scene3d>
-    <dgm:sp3d/>
-    <dgm:txPr/>
-    <dgm:style>
-      <a:lnRef idx="2">
-        <a:scrgbClr r="0" g="0" b="0"/>
-      </a:lnRef>
-      <a:fillRef idx="1">
-        <a:scrgbClr r="0" g="0" b="0"/>
-      </a:fillRef>
-      <a:effectRef idx="0">
-        <a:scrgbClr r="0" g="0" b="0"/>
-      </a:effectRef>
-      <a:fontRef idx="minor">
-        <a:schemeClr val="lt1"/>
-      </a:fontRef>
-    </dgm:style>
-  </dgm:styleLbl>
-  <dgm:styleLbl name="lnNode1">
-    <dgm:scene3d>
-      <a:camera prst="orthographicFront"/>
-      <a:lightRig rig="threePt" dir="t"/>
-    </dgm:scene3d>
-    <dgm:sp3d/>
-    <dgm:txPr/>
-    <dgm:style>
-      <a:lnRef idx="2">
-        <a:scrgbClr r="0" g="0" b="0"/>
-      </a:lnRef>
-      <a:fillRef idx="1">
-        <a:scrgbClr r="0" g="0" b="0"/>
-      </a:fillRef>
-      <a:effectRef idx="0">
-        <a:scrgbClr r="0" g="0" b="0"/>
-      </a:effectRef>
-      <a:fontRef idx="minor">
-        <a:schemeClr val="lt1"/>
-      </a:fontRef>
-    </dgm:style>
-  </dgm:styleLbl>
-  <dgm:styleLbl name="vennNode1">
-    <dgm:scene3d>
-      <a:camera prst="orthographicFront"/>
-      <a:lightRig rig="threePt" dir="t"/>
-    </dgm:scene3d>
-    <dgm:sp3d/>
-    <dgm:txPr/>
-    <dgm:style>
-      <a:lnRef idx="2">
-        <a:scrgbClr r="0" g="0" b="0"/>
-      </a:lnRef>
-      <a:fillRef idx="1">
-        <a:scrgbClr r="0" g="0" b="0"/>
-      </a:fillRef>
-      <a:effectRef idx="0">
-        <a:scrgbClr r="0" g="0" b="0"/>
-      </a:effectRef>
-      <a:fontRef idx="minor">
-        <a:schemeClr val="tx1"/>
-      </a:fontRef>
-    </dgm:style>
-  </dgm:styleLbl>
-  <dgm:styleLbl name="alignNode1">
-    <dgm:scene3d>
-      <a:camera prst="orthographicFront"/>
-      <a:lightRig rig="threePt" dir="t"/>
-    </dgm:scene3d>
-    <dgm:sp3d/>
-    <dgm:txPr/>
-    <dgm:style>
-      <a:lnRef idx="2">
-        <a:scrgbClr r="0" g="0" b="0"/>
-      </a:lnRef>
-      <a:fillRef idx="1">
-        <a:scrgbClr r="0" g="0" b="0"/>
-      </a:fillRef>
-      <a:effectRef idx="0">
-        <a:scrgbClr r="0" g="0" b="0"/>
-      </a:effectRef>
-      <a:fontRef idx="minor">
-        <a:schemeClr val="lt1"/>
-      </a:fontRef>
-    </dgm:style>
-  </dgm:styleLbl>
-  <dgm:styleLbl name="node1">
-    <dgm:scene3d>
-      <a:camera prst="orthographicFront"/>
-      <a:lightRig rig="threePt" dir="t"/>
-    </dgm:scene3d>
-    <dgm:sp3d/>
-    <dgm:txPr/>
-    <dgm:style>
-      <a:lnRef idx="2">
-        <a:scrgbClr r="0" g="0" b="0"/>
-      </a:lnRef>
-      <a:fillRef idx="1">
-        <a:scrgbClr r="0" g="0" b="0"/>
-      </a:fillRef>
-      <a:effectRef idx="0">
-        <a:scrgbClr r="0" g="0" b="0"/>
-      </a:effectRef>
-      <a:fontRef idx="minor">
-        <a:schemeClr val="lt1"/>
-      </a:fontRef>
-    </dgm:style>
-  </dgm:styleLbl>
-  <dgm:styleLbl name="node2">
-    <dgm:scene3d>
-      <a:camera prst="orthographicFront"/>
-      <a:lightRig rig="threePt" dir="t"/>
-    </dgm:scene3d>
-    <dgm:sp3d/>
-    <dgm:txPr/>
-    <dgm:style>
-      <a:lnRef idx="2">
-        <a:scrgbClr r="0" g="0" b="0"/>
-      </a:lnRef>
-      <a:fillRef idx="1">
-        <a:scrgbClr r="0" g="0" b="0"/>
-      </a:fillRef>
-      <a:effectRef idx="0">
-        <a:scrgbClr r="0" g="0" b="0"/>
-      </a:effectRef>
-      <a:fontRef idx="minor">
-        <a:schemeClr val="lt1"/>
-      </a:fontRef>
-    </dgm:style>
-  </dgm:styleLbl>
-  <dgm:styleLbl name="node3">
-    <dgm:scene3d>
-      <a:camera prst="orthographicFront"/>
-      <a:lightRig rig="threePt" dir="t"/>
-    </dgm:scene3d>
-    <dgm:sp3d/>
-    <dgm:txPr/>
-    <dgm:style>
-      <a:lnRef idx="2">
-        <a:scrgbClr r="0" g="0" b="0"/>
-      </a:lnRef>
-      <a:fillRef idx="1">
-        <a:scrgbClr r="0" g="0" b="0"/>
-      </a:fillRef>
-      <a:effectRef idx="0">
-        <a:scrgbClr r="0" g="0" b="0"/>
-      </a:effectRef>
-      <a:fontRef idx="minor">
-        <a:schemeClr val="lt1"/>
-      </a:fontRef>
-    </dgm:style>
-  </dgm:styleLbl>
-  <dgm:styleLbl name="node4">
-    <dgm:scene3d>
-      <a:camera prst="orthographicFront"/>
-      <a:lightRig rig="threePt" dir="t"/>
-    </dgm:scene3d>
-    <dgm:sp3d/>
-    <dgm:txPr/>
-    <dgm:style>
-      <a:lnRef idx="2">
-        <a:scrgbClr r="0" g="0" b="0"/>
-      </a:lnRef>
-      <a:fillRef idx="1">
-        <a:scrgbClr r="0" g="0" b="0"/>
-      </a:fillRef>
-      <a:effectRef idx="0">
-        <a:scrgbClr r="0" g="0" b="0"/>
-      </a:effectRef>
-      <a:fontRef idx="minor">
-        <a:schemeClr val="lt1"/>
-      </a:fontRef>
-    </dgm:style>
-  </dgm:styleLbl>
-  <dgm:styleLbl name="fgImgPlace1">
-    <dgm:scene3d>
-      <a:camera prst="orthographicFront"/>
-      <a:lightRig rig="threePt" dir="t"/>
-    </dgm:scene3d>
-    <dgm:sp3d/>
-    <dgm:txPr/>
-    <dgm:style>
-      <a:lnRef idx="2">
-        <a:scrgbClr r="0" g="0" b="0"/>
-      </a:lnRef>
-      <a:fillRef idx="1">
-        <a:scrgbClr r="0" g="0" b="0"/>
-      </a:fillRef>
-      <a:effectRef idx="0">
-        <a:scrgbClr r="0" g="0" b="0"/>
-      </a:effectRef>
-      <a:fontRef idx="minor"/>
-    </dgm:style>
-  </dgm:styleLbl>
-  <dgm:styleLbl name="alignImgPlace1">
-    <dgm:scene3d>
-      <a:camera prst="orthographicFront"/>
-      <a:lightRig rig="threePt" dir="t"/>
-    </dgm:scene3d>
-    <dgm:sp3d/>
-    <dgm:txPr/>
-    <dgm:style>
-      <a:lnRef idx="2">
-        <a:scrgbClr r="0" g="0" b="0"/>
-      </a:lnRef>
-      <a:fillRef idx="1">
-        <a:scrgbClr r="0" g="0" b="0"/>
-      </a:fillRef>
-      <a:effectRef idx="0">
-        <a:scrgbClr r="0" g="0" b="0"/>
-      </a:effectRef>
-      <a:fontRef idx="minor"/>
-    </dgm:style>
-  </dgm:styleLbl>
-  <dgm:styleLbl name="bgImgPlace1">
-    <dgm:scene3d>
-      <a:camera prst="orthographicFront"/>
-      <a:lightRig rig="threePt" dir="t"/>
-    </dgm:scene3d>
-    <dgm:sp3d/>
-    <dgm:txPr/>
-    <dgm:style>
-      <a:lnRef idx="2">
-        <a:scrgbClr r="0" g="0" b="0"/>
-      </a:lnRef>
-      <a:fillRef idx="1">
-        <a:scrgbClr r="0" g="0" b="0"/>
-      </a:fillRef>
-      <a:effectRef idx="0">
-        <a:scrgbClr r="0" g="0" b="0"/>
-      </a:effectRef>
-      <a:fontRef idx="minor"/>
-    </dgm:style>
-  </dgm:styleLbl>
-  <dgm:styleLbl name="sibTrans2D1">
-    <dgm:scene3d>
-      <a:camera prst="orthographicFront"/>
-      <a:lightRig rig="threePt" dir="t"/>
-    </dgm:scene3d>
-    <dgm:sp3d/>
-    <dgm:txPr/>
-    <dgm:style>
-      <a:lnRef idx="0">
-        <a:scrgbClr r="0" g="0" b="0"/>
-      </a:lnRef>
-      <a:fillRef idx="1">
-        <a:scrgbClr r="0" g="0" b="0"/>
-      </a:fillRef>
-      <a:effectRef idx="0">
-        <a:scrgbClr r="0" g="0" b="0"/>
-      </a:effectRef>
-      <a:fontRef idx="minor">
-        <a:schemeClr val="lt1"/>
-      </a:fontRef>
-    </dgm:style>
-  </dgm:styleLbl>
-  <dgm:styleLbl name="fgSibTrans2D1">
-    <dgm:scene3d>
-      <a:camera prst="orthographicFront"/>
-      <a:lightRig rig="threePt" dir="t"/>
-    </dgm:scene3d>
-    <dgm:sp3d/>
-    <dgm:txPr/>
-    <dgm:style>
-      <a:lnRef idx="0">
-        <a:scrgbClr r="0" g="0" b="0"/>
-      </a:lnRef>
-      <a:fillRef idx="1">
-        <a:scrgbClr r="0" g="0" b="0"/>
-      </a:fillRef>
-      <a:effectRef idx="0">
-        <a:scrgbClr r="0" g="0" b="0"/>
-      </a:effectRef>
-      <a:fontRef idx="minor">
-        <a:schemeClr val="lt1"/>
-      </a:fontRef>
-    </dgm:style>
-  </dgm:styleLbl>
-  <dgm:styleLbl name="bgSibTrans2D1">
-    <dgm:scene3d>
-      <a:camera prst="orthographicFront"/>
-      <a:lightRig rig="threePt" dir="t"/>
-    </dgm:scene3d>
-    <dgm:sp3d/>
-    <dgm:txPr/>
-    <dgm:style>
-      <a:lnRef idx="0">
-        <a:scrgbClr r="0" g="0" b="0"/>
-      </a:lnRef>
-      <a:fillRef idx="1">
-        <a:scrgbClr r="0" g="0" b="0"/>
-      </a:fillRef>
-      <a:effectRef idx="0">
-        <a:scrgbClr r="0" g="0" b="0"/>
-      </a:effectRef>
-      <a:fontRef idx="minor">
-        <a:schemeClr val="lt1"/>
-      </a:fontRef>
-    </dgm:style>
-  </dgm:styleLbl>
-  <dgm:styleLbl name="sibTrans1D1">
-    <dgm:scene3d>
-      <a:camera prst="orthographicFront"/>
-      <a:lightRig rig="threePt" dir="t"/>
-    </dgm:scene3d>
-    <dgm:sp3d/>
-    <dgm:txPr/>
-    <dgm:style>
-      <a:lnRef idx="1">
-        <a:scrgbClr r="0" g="0" b="0"/>
-      </a:lnRef>
-      <a:fillRef idx="0">
-        <a:scrgbClr r="0" g="0" b="0"/>
-      </a:fillRef>
-      <a:effectRef idx="0">
-        <a:scrgbClr r="0" g="0" b="0"/>
-      </a:effectRef>
-      <a:fontRef idx="minor"/>
-    </dgm:style>
-  </dgm:styleLbl>
-  <dgm:styleLbl name="callout">
-    <dgm:scene3d>
-      <a:camera prst="orthographicFront"/>
-      <a:lightRig rig="threePt" dir="t"/>
-    </dgm:scene3d>
-    <dgm:sp3d/>
-    <dgm:txPr/>
-    <dgm:style>
-      <a:lnRef idx="2">
-        <a:scrgbClr r="0" g="0" b="0"/>
-      </a:lnRef>
-      <a:fillRef idx="1">
-        <a:scrgbClr r="0" g="0" b="0"/>
-      </a:fillRef>
-      <a:effectRef idx="0">
-        <a:scrgbClr r="0" g="0" b="0"/>
-      </a:effectRef>
-      <a:fontRef idx="minor"/>
-    </dgm:style>
-  </dgm:styleLbl>
-  <dgm:styleLbl name="asst0">
-    <dgm:scene3d>
-      <a:camera prst="orthographicFront"/>
-      <a:lightRig rig="threePt" dir="t"/>
-    </dgm:scene3d>
-    <dgm:sp3d/>
-    <dgm:txPr/>
-    <dgm:style>
-      <a:lnRef idx="2">
-        <a:scrgbClr r="0" g="0" b="0"/>
-      </a:lnRef>
-      <a:fillRef idx="1">
-        <a:scrgbClr r="0" g="0" b="0"/>
-      </a:fillRef>
-      <a:effectRef idx="0">
-        <a:scrgbClr r="0" g="0" b="0"/>
-      </a:effectRef>
-      <a:fontRef idx="minor">
-        <a:schemeClr val="lt1"/>
-      </a:fontRef>
-    </dgm:style>
-  </dgm:styleLbl>
-  <dgm:styleLbl name="asst1">
-    <dgm:scene3d>
-      <a:camera prst="orthographicFront"/>
-      <a:lightRig rig="threePt" dir="t"/>
-    </dgm:scene3d>
-    <dgm:sp3d/>
-    <dgm:txPr/>
-    <dgm:style>
-      <a:lnRef idx="2">
-        <a:scrgbClr r="0" g="0" b="0"/>
-      </a:lnRef>
-      <a:fillRef idx="1">
-        <a:scrgbClr r="0" g="0" b="0"/>
-      </a:fillRef>
-      <a:effectRef idx="0">
-        <a:scrgbClr r="0" g="0" b="0"/>
-      </a:effectRef>
-      <a:fontRef idx="minor">
-        <a:schemeClr val="lt1"/>
-      </a:fontRef>
-    </dgm:style>
-  </dgm:styleLbl>
-  <dgm:styleLbl name="asst2">
-    <dgm:scene3d>
-      <a:camera prst="orthographicFront"/>
-      <a:lightRig rig="threePt" dir="t"/>
-    </dgm:scene3d>
-    <dgm:sp3d/>
-    <dgm:txPr/>
-    <dgm:style>
-      <a:lnRef idx="2">
-        <a:scrgbClr r="0" g="0" b="0"/>
-      </a:lnRef>
-      <a:fillRef idx="1">
-        <a:scrgbClr r="0" g="0" b="0"/>
-      </a:fillRef>
-      <a:effectRef idx="0">
-        <a:scrgbClr r="0" g="0" b="0"/>
-      </a:effectRef>
-      <a:fontRef idx="minor">
-        <a:schemeClr val="lt1"/>
-      </a:fontRef>
-    </dgm:style>
-  </dgm:styleLbl>
-  <dgm:styleLbl name="asst3">
-    <dgm:scene3d>
-      <a:camera prst="orthographicFront"/>
-      <a:lightRig rig="threePt" dir="t"/>
-    </dgm:scene3d>
-    <dgm:sp3d/>
-    <dgm:txPr/>
-    <dgm:style>
-      <a:lnRef idx="2">
-        <a:scrgbClr r="0" g="0" b="0"/>
-      </a:lnRef>
-      <a:fillRef idx="1">
-        <a:scrgbClr r="0" g="0" b="0"/>
-      </a:fillRef>
-      <a:effectRef idx="0">
-        <a:scrgbClr r="0" g="0" b="0"/>
-      </a:effectRef>
-      <a:fontRef idx="minor">
-        <a:schemeClr val="lt1"/>
-      </a:fontRef>
-    </dgm:style>
-  </dgm:styleLbl>
-  <dgm:styleLbl name="asst4">
-    <dgm:scene3d>
-      <a:camera prst="orthographicFront"/>
-      <a:lightRig rig="threePt" dir="t"/>
-    </dgm:scene3d>
-    <dgm:sp3d/>
-    <dgm:txPr/>
-    <dgm:style>
-      <a:lnRef idx="2">
-        <a:scrgbClr r="0" g="0" b="0"/>
-      </a:lnRef>
-      <a:fillRef idx="1">
-        <a:scrgbClr r="0" g="0" b="0"/>
-      </a:fillRef>
-      <a:effectRef idx="0">
-        <a:scrgbClr r="0" g="0" b="0"/>
-      </a:effectRef>
-      <a:fontRef idx="minor">
-        <a:schemeClr val="lt1"/>
-      </a:fontRef>
-    </dgm:style>
-  </dgm:styleLbl>
-  <dgm:styleLbl name="parChTrans2D1">
-    <dgm:scene3d>
-      <a:camera prst="orthographicFront"/>
-      <a:lightRig rig="threePt" dir="t"/>
-    </dgm:scene3d>
-    <dgm:sp3d/>
-    <dgm:txPr/>
-    <dgm:style>
-      <a:lnRef idx="2">
-        <a:scrgbClr r="0" g="0" b="0"/>
-      </a:lnRef>
-      <a:fillRef idx="1">
-        <a:scrgbClr r="0" g="0" b="0"/>
-      </a:fillRef>
-      <a:effectRef idx="0">
-        <a:scrgbClr r="0" g="0" b="0"/>
-      </a:effectRef>
-      <a:fontRef idx="minor">
-        <a:schemeClr val="lt1"/>
-      </a:fontRef>
-    </dgm:style>
-  </dgm:styleLbl>
-  <dgm:styleLbl name="parChTrans2D2">
-    <dgm:scene3d>
-      <a:camera prst="orthographicFront"/>
-      <a:lightRig rig="threePt" dir="t"/>
-    </dgm:scene3d>
-    <dgm:sp3d/>
-    <dgm:txPr/>
-    <dgm:style>
-      <a:lnRef idx="2">
-        <a:scrgbClr r="0" g="0" b="0"/>
-      </a:lnRef>
-      <a:fillRef idx="1">
-        <a:scrgbClr r="0" g="0" b="0"/>
-      </a:fillRef>
-      <a:effectRef idx="0">
-        <a:scrgbClr r="0" g="0" b="0"/>
-      </a:effectRef>
-      <a:fontRef idx="minor">
-        <a:schemeClr val="lt1"/>
-      </a:fontRef>
-    </dgm:style>
-  </dgm:styleLbl>
-  <dgm:styleLbl name="parChTrans2D3">
-    <dgm:scene3d>
-      <a:camera prst="orthographicFront"/>
-      <a:lightRig rig="threePt" dir="t"/>
-    </dgm:scene3d>
-    <dgm:sp3d/>
-    <dgm:txPr/>
-    <dgm:style>
-      <a:lnRef idx="2">
-        <a:scrgbClr r="0" g="0" b="0"/>
-      </a:lnRef>
-      <a:fillRef idx="1">
-        <a:scrgbClr r="0" g="0" b="0"/>
-      </a:fillRef>
-      <a:effectRef idx="0">
-        <a:scrgbClr r="0" g="0" b="0"/>
-      </a:effectRef>
-      <a:fontRef idx="minor">
-        <a:schemeClr val="lt1"/>
-      </a:fontRef>
-    </dgm:style>
-  </dgm:styleLbl>
-  <dgm:styleLbl name="parChTrans2D4">
-    <dgm:scene3d>
-      <a:camera prst="orthographicFront"/>
-      <a:lightRig rig="threePt" dir="t"/>
-    </dgm:scene3d>
-    <dgm:sp3d/>
-    <dgm:txPr/>
-    <dgm:style>
-      <a:lnRef idx="2">
-        <a:scrgbClr r="0" g="0" b="0"/>
-      </a:lnRef>
-      <a:fillRef idx="1">
-        <a:scrgbClr r="0" g="0" b="0"/>
-      </a:fillRef>
-      <a:effectRef idx="0">
-        <a:scrgbClr r="0" g="0" b="0"/>
-      </a:effectRef>
-      <a:fontRef idx="minor">
-        <a:schemeClr val="lt1"/>
-      </a:fontRef>
-    </dgm:style>
-  </dgm:styleLbl>
-  <dgm:styleLbl name="parChTrans1D1">
-    <dgm:scene3d>
-      <a:camera prst="orthographicFront"/>
-      <a:lightRig rig="threePt" dir="t"/>
-    </dgm:scene3d>
-    <dgm:sp3d/>
-    <dgm:txPr/>
-    <dgm:style>
-      <a:lnRef idx="2">
-        <a:scrgbClr r="0" g="0" b="0"/>
-      </a:lnRef>
-      <a:fillRef idx="0">
-        <a:scrgbClr r="0" g="0" b="0"/>
-      </a:fillRef>
-      <a:effectRef idx="0">
-        <a:scrgbClr r="0" g="0" b="0"/>
-      </a:effectRef>
-      <a:fontRef idx="minor"/>
-    </dgm:style>
-  </dgm:styleLbl>
-  <dgm:styleLbl name="parChTrans1D2">
-    <dgm:scene3d>
-      <a:camera prst="orthographicFront"/>
-      <a:lightRig rig="threePt" dir="t"/>
-    </dgm:scene3d>
-    <dgm:sp3d/>
-    <dgm:txPr/>
-    <dgm:style>
-      <a:lnRef idx="2">
-        <a:scrgbClr r="0" g="0" b="0"/>
-      </a:lnRef>
-      <a:fillRef idx="0">
-        <a:scrgbClr r="0" g="0" b="0"/>
-      </a:fillRef>
-      <a:effectRef idx="0">
-        <a:scrgbClr r="0" g="0" b="0"/>
-      </a:effectRef>
-      <a:fontRef idx="minor"/>
-    </dgm:style>
-  </dgm:styleLbl>
-  <dgm:styleLbl name="parChTrans1D3">
-    <dgm:scene3d>
-      <a:camera prst="orthographicFront"/>
-      <a:lightRig rig="threePt" dir="t"/>
-    </dgm:scene3d>
-    <dgm:sp3d/>
-    <dgm:txPr/>
-    <dgm:style>
-      <a:lnRef idx="2">
-        <a:scrgbClr r="0" g="0" b="0"/>
-      </a:lnRef>
-      <a:fillRef idx="0">
-        <a:scrgbClr r="0" g="0" b="0"/>
-      </a:fillRef>
-      <a:effectRef idx="0">
-        <a:scrgbClr r="0" g="0" b="0"/>
-      </a:effectRef>
-      <a:fontRef idx="minor"/>
-    </dgm:style>
-  </dgm:styleLbl>
-  <dgm:styleLbl name="parChTrans1D4">
-    <dgm:scene3d>
-      <a:camera prst="orthographicFront"/>
-      <a:lightRig rig="threePt" dir="t"/>
-    </dgm:scene3d>
-    <dgm:sp3d/>
-    <dgm:txPr/>
-    <dgm:style>
-      <a:lnRef idx="2">
-        <a:scrgbClr r="0" g="0" b="0"/>
-      </a:lnRef>
-      <a:fillRef idx="0">
-        <a:scrgbClr r="0" g="0" b="0"/>
-      </a:fillRef>
-      <a:effectRef idx="0">
-        <a:scrgbClr r="0" g="0" b="0"/>
-      </a:effectRef>
-      <a:fontRef idx="minor"/>
-    </dgm:style>
-  </dgm:styleLbl>
-  <dgm:styleLbl name="fgAcc1">
-    <dgm:scene3d>
-      <a:camera prst="orthographicFront"/>
-      <a:lightRig rig="threePt" dir="t"/>
-    </dgm:scene3d>
-    <dgm:sp3d/>
-    <dgm:txPr/>
-    <dgm:style>
-      <a:lnRef idx="2">
-        <a:scrgbClr r="0" g="0" b="0"/>
-      </a:lnRef>
-      <a:fillRef idx="1">
-        <a:scrgbClr r="0" g="0" b="0"/>
-      </a:fillRef>
-      <a:effectRef idx="0">
-        <a:scrgbClr r="0" g="0" b="0"/>
-      </a:effectRef>
-      <a:fontRef idx="minor"/>
-    </dgm:style>
-  </dgm:styleLbl>
-  <dgm:styleLbl name="conFgAcc1">
-    <dgm:scene3d>
-      <a:camera prst="orthographicFront"/>
-      <a:lightRig rig="threePt" dir="t"/>
-    </dgm:scene3d>
-    <dgm:sp3d/>
-    <dgm:txPr/>
-    <dgm:style>
-      <a:lnRef idx="2">
-        <a:scrgbClr r="0" g="0" b="0"/>
-      </a:lnRef>
-      <a:fillRef idx="1">
-        <a:scrgbClr r="0" g="0" b="0"/>
-      </a:fillRef>
-      <a:effectRef idx="0">
-        <a:scrgbClr r="0" g="0" b="0"/>
-      </a:effectRef>
-      <a:fontRef idx="minor"/>
-    </dgm:style>
-  </dgm:styleLbl>
-  <dgm:styleLbl name="alignAcc1">
-    <dgm:scene3d>
-      <a:camera prst="orthographicFront"/>
-      <a:lightRig rig="threePt" dir="t"/>
-    </dgm:scene3d>
-    <dgm:sp3d/>
-    <dgm:txPr/>
-    <dgm:style>
-      <a:lnRef idx="2">
-        <a:scrgbClr r="0" g="0" b="0"/>
-      </a:lnRef>
-      <a:fillRef idx="1">
-        <a:scrgbClr r="0" g="0" b="0"/>
-      </a:fillRef>
-      <a:effectRef idx="0">
-        <a:scrgbClr r="0" g="0" b="0"/>
-      </a:effectRef>
-      <a:fontRef idx="minor"/>
-    </dgm:style>
-  </dgm:styleLbl>
-  <dgm:styleLbl name="trAlignAcc1">
-    <dgm:scene3d>
-      <a:camera prst="orthographicFront"/>
-      <a:lightRig rig="threePt" dir="t"/>
-    </dgm:scene3d>
-    <dgm:sp3d/>
-    <dgm:txPr/>
-    <dgm:style>
-      <a:lnRef idx="1">
-        <a:scrgbClr r="0" g="0" b="0"/>
-      </a:lnRef>
-      <a:fillRef idx="1">
-        <a:scrgbClr r="0" g="0" b="0"/>
-      </a:fillRef>
-      <a:effectRef idx="0">
-        <a:scrgbClr r="0" g="0" b="0"/>
-      </a:effectRef>
-      <a:fontRef idx="minor"/>
-    </dgm:style>
-  </dgm:styleLbl>
-  <dgm:styleLbl name="bgAcc1">
-    <dgm:scene3d>
-      <a:camera prst="orthographicFront"/>
-      <a:lightRig rig="threePt" dir="t"/>
-    </dgm:scene3d>
-    <dgm:sp3d/>
-    <dgm:txPr/>
-    <dgm:style>
-      <a:lnRef idx="2">
-        <a:scrgbClr r="0" g="0" b="0"/>
-      </a:lnRef>
-      <a:fillRef idx="1">
-        <a:scrgbClr r="0" g="0" b="0"/>
-      </a:fillRef>
-      <a:effectRef idx="0">
-        <a:scrgbClr r="0" g="0" b="0"/>
-      </a:effectRef>
-      <a:fontRef idx="minor"/>
-    </dgm:style>
-  </dgm:styleLbl>
-  <dgm:styleLbl name="solidFgAcc1">
-    <dgm:scene3d>
-      <a:camera prst="orthographicFront"/>
-      <a:lightRig rig="threePt" dir="t"/>
-    </dgm:scene3d>
-    <dgm:sp3d/>
-    <dgm:txPr/>
-    <dgm:style>
-      <a:lnRef idx="2">
-        <a:scrgbClr r="0" g="0" b="0"/>
-      </a:lnRef>
-      <a:fillRef idx="1">
-        <a:scrgbClr r="0" g="0" b="0"/>
-      </a:fillRef>
-      <a:effectRef idx="0">
-        <a:scrgbClr r="0" g="0" b="0"/>
-      </a:effectRef>
-      <a:fontRef idx="minor"/>
-    </dgm:style>
-  </dgm:styleLbl>
-  <dgm:styleLbl name="solidAlignAcc1">
-    <dgm:scene3d>
-      <a:camera prst="orthographicFront"/>
-      <a:lightRig rig="threePt" dir="t"/>
-    </dgm:scene3d>
-    <dgm:sp3d/>
-    <dgm:txPr/>
-    <dgm:style>
-      <a:lnRef idx="2">
-        <a:scrgbClr r="0" g="0" b="0"/>
-      </a:lnRef>
-      <a:fillRef idx="1">
-        <a:scrgbClr r="0" g="0" b="0"/>
-      </a:fillRef>
-      <a:effectRef idx="0">
-        <a:scrgbClr r="0" g="0" b="0"/>
-      </a:effectRef>
-      <a:fontRef idx="minor"/>
-    </dgm:style>
-  </dgm:styleLbl>
-  <dgm:styleLbl name="solidBgAcc1">
-    <dgm:scene3d>
-      <a:camera prst="orthographicFront"/>
-      <a:lightRig rig="threePt" dir="t"/>
-    </dgm:scene3d>
-    <dgm:sp3d/>
-    <dgm:txPr/>
-    <dgm:style>
-      <a:lnRef idx="2">
-        <a:scrgbClr r="0" g="0" b="0"/>
-      </a:lnRef>
-      <a:fillRef idx="1">
-        <a:scrgbClr r="0" g="0" b="0"/>
-      </a:fillRef>
-      <a:effectRef idx="0">
-        <a:scrgbClr r="0" g="0" b="0"/>
-      </a:effectRef>
-      <a:fontRef idx="minor"/>
-    </dgm:style>
-  </dgm:styleLbl>
-  <dgm:styleLbl name="fgAccFollowNode1">
-    <dgm:scene3d>
-      <a:camera prst="orthographicFront"/>
-      <a:lightRig rig="threePt" dir="t"/>
-    </dgm:scene3d>
-    <dgm:sp3d/>
-    <dgm:txPr/>
-    <dgm:style>
-      <a:lnRef idx="2">
-        <a:scrgbClr r="0" g="0" b="0"/>
-      </a:lnRef>
-      <a:fillRef idx="1">
-        <a:scrgbClr r="0" g="0" b="0"/>
-      </a:fillRef>
-      <a:effectRef idx="0">
-        <a:scrgbClr r="0" g="0" b="0"/>
-      </a:effectRef>
-      <a:fontRef idx="minor"/>
-    </dgm:style>
-  </dgm:styleLbl>
-  <dgm:styleLbl name="alignAccFollowNode1">
-    <dgm:scene3d>
-      <a:camera prst="orthographicFront"/>
-      <a:lightRig rig="threePt" dir="t"/>
-    </dgm:scene3d>
-    <dgm:sp3d/>
-    <dgm:txPr/>
-    <dgm:style>
-      <a:lnRef idx="2">
-        <a:scrgbClr r="0" g="0" b="0"/>
-      </a:lnRef>
-      <a:fillRef idx="1">
-        <a:scrgbClr r="0" g="0" b="0"/>
-      </a:fillRef>
-      <a:effectRef idx="0">
-        <a:scrgbClr r="0" g="0" b="0"/>
-      </a:effectRef>
-      <a:fontRef idx="minor"/>
-    </dgm:style>
-  </dgm:styleLbl>
-  <dgm:styleLbl name="bgAccFollowNode1">
-    <dgm:scene3d>
-      <a:camera prst="orthographicFront"/>
-      <a:lightRig rig="threePt" dir="t"/>
-    </dgm:scene3d>
-    <dgm:sp3d/>
-    <dgm:txPr/>
-    <dgm:style>
-      <a:lnRef idx="2">
-        <a:scrgbClr r="0" g="0" b="0"/>
-      </a:lnRef>
-      <a:fillRef idx="1">
-        <a:scrgbClr r="0" g="0" b="0"/>
-      </a:fillRef>
-      <a:effectRef idx="0">
-        <a:scrgbClr r="0" g="0" b="0"/>
-      </a:effectRef>
-      <a:fontRef idx="minor"/>
-    </dgm:style>
-  </dgm:styleLbl>
-  <dgm:styleLbl name="fgAcc0">
-    <dgm:scene3d>
-      <a:camera prst="orthographicFront"/>
-      <a:lightRig rig="threePt" dir="t"/>
-    </dgm:scene3d>
-    <dgm:sp3d/>
-    <dgm:txPr/>
-    <dgm:style>
-      <a:lnRef idx="2">
-        <a:scrgbClr r="0" g="0" b="0"/>
-      </a:lnRef>
-      <a:fillRef idx="1">
-        <a:scrgbClr r="0" g="0" b="0"/>
-      </a:fillRef>
-      <a:effectRef idx="0">
-        <a:scrgbClr r="0" g="0" b="0"/>
-      </a:effectRef>
-      <a:fontRef idx="minor"/>
-    </dgm:style>
-  </dgm:styleLbl>
-  <dgm:styleLbl name="fgAcc2">
-    <dgm:scene3d>
-      <a:camera prst="orthographicFront"/>
-      <a:lightRig rig="threePt" dir="t"/>
-    </dgm:scene3d>
-    <dgm:sp3d/>
-    <dgm:txPr/>
-    <dgm:style>
-      <a:lnRef idx="2">
-        <a:scrgbClr r="0" g="0" b="0"/>
-      </a:lnRef>
-      <a:fillRef idx="1">
-        <a:scrgbClr r="0" g="0" b="0"/>
-      </a:fillRef>
-      <a:effectRef idx="0">
-        <a:scrgbClr r="0" g="0" b="0"/>
-      </a:effectRef>
-      <a:fontRef idx="minor"/>
-    </dgm:style>
-  </dgm:styleLbl>
-  <dgm:styleLbl name="fgAcc3">
-    <dgm:scene3d>
-      <a:camera prst="orthographicFront"/>
-      <a:lightRig rig="threePt" dir="t"/>
-    </dgm:scene3d>
-    <dgm:sp3d/>
-    <dgm:txPr/>
-    <dgm:style>
-      <a:lnRef idx="2">
-        <a:scrgbClr r="0" g="0" b="0"/>
-      </a:lnRef>
-      <a:fillRef idx="1">
-        <a:scrgbClr r="0" g="0" b="0"/>
-      </a:fillRef>
-      <a:effectRef idx="0">
-        <a:scrgbClr r="0" g="0" b="0"/>
-      </a:effectRef>
-      <a:fontRef idx="minor"/>
-    </dgm:style>
-  </dgm:styleLbl>
-  <dgm:styleLbl name="fgAcc4">
-    <dgm:scene3d>
-      <a:camera prst="orthographicFront"/>
-      <a:lightRig rig="threePt" dir="t"/>
-    </dgm:scene3d>
-    <dgm:sp3d/>
-    <dgm:txPr/>
-    <dgm:style>
-      <a:lnRef idx="2">
-        <a:scrgbClr r="0" g="0" b="0"/>
-      </a:lnRef>
-      <a:fillRef idx="1">
-        <a:scrgbClr r="0" g="0" b="0"/>
-      </a:fillRef>
-      <a:effectRef idx="0">
-        <a:scrgbClr r="0" g="0" b="0"/>
-      </a:effectRef>
-      <a:fontRef idx="minor"/>
-    </dgm:style>
-  </dgm:styleLbl>
-  <dgm:styleLbl name="bgShp">
-    <dgm:scene3d>
-      <a:camera prst="orthographicFront"/>
-      <a:lightRig rig="threePt" dir="t"/>
-    </dgm:scene3d>
-    <dgm:sp3d/>
-    <dgm:txPr/>
-    <dgm:style>
-      <a:lnRef idx="0">
-        <a:scrgbClr r="0" g="0" b="0"/>
-      </a:lnRef>
-      <a:fillRef idx="1">
-        <a:scrgbClr r="0" g="0" b="0"/>
-      </a:fillRef>
-      <a:effectRef idx="0">
-        <a:scrgbClr r="0" g="0" b="0"/>
-      </a:effectRef>
-      <a:fontRef idx="minor"/>
-    </dgm:style>
-  </dgm:styleLbl>
-  <dgm:styleLbl name="dkBgShp">
-    <dgm:scene3d>
-      <a:camera prst="orthographicFront"/>
-      <a:lightRig rig="threePt" dir="t"/>
-    </dgm:scene3d>
-    <dgm:sp3d/>
-    <dgm:txPr/>
-    <dgm:style>
-      <a:lnRef idx="0">
-        <a:scrgbClr r="0" g="0" b="0"/>
-      </a:lnRef>
-      <a:fillRef idx="1">
-        <a:scrgbClr r="0" g="0" b="0"/>
-      </a:fillRef>
-      <a:effectRef idx="0">
-        <a:scrgbClr r="0" g="0" b="0"/>
-      </a:effectRef>
-      <a:fontRef idx="minor"/>
-    </dgm:style>
-  </dgm:styleLbl>
-  <dgm:styleLbl name="trBgShp">
-    <dgm:scene3d>
-      <a:camera prst="orthographicFront"/>
-      <a:lightRig rig="threePt" dir="t"/>
-    </dgm:scene3d>
-    <dgm:sp3d/>
-    <dgm:txPr/>
-    <dgm:style>
-      <a:lnRef idx="0">
-        <a:scrgbClr r="0" g="0" b="0"/>
-      </a:lnRef>
-      <a:fillRef idx="1">
-        <a:scrgbClr r="0" g="0" b="0"/>
-      </a:fillRef>
-      <a:effectRef idx="0">
-        <a:scrgbClr r="0" g="0" b="0"/>
-      </a:effectRef>
-      <a:fontRef idx="minor"/>
-    </dgm:style>
-  </dgm:styleLbl>
-  <dgm:styleLbl name="fgShp">
-    <dgm:scene3d>
-      <a:camera prst="orthographicFront"/>
-      <a:lightRig rig="threePt" dir="t"/>
-    </dgm:scene3d>
-    <dgm:sp3d/>
-    <dgm:txPr/>
-    <dgm:style>
-      <a:lnRef idx="2">
-        <a:scrgbClr r="0" g="0" b="0"/>
-      </a:lnRef>
-      <a:fillRef idx="1">
-        <a:scrgbClr r="0" g="0" b="0"/>
-      </a:fillRef>
-      <a:effectRef idx="0">
-        <a:scrgbClr r="0" g="0" b="0"/>
-      </a:effectRef>
-      <a:fontRef idx="minor"/>
-    </dgm:style>
-  </dgm:styleLbl>
-  <dgm:styleLbl name="revTx">
-    <dgm:scene3d>
-      <a:camera prst="orthographicFront"/>
-      <a:lightRig rig="threePt" dir="t"/>
-    </dgm:scene3d>
-    <dgm:sp3d/>
-    <dgm:txPr/>
-    <dgm:style>
-      <a:lnRef idx="0">
-        <a:scrgbClr r="0" g="0" b="0"/>
-      </a:lnRef>
-      <a:fillRef idx="0">
-        <a:scrgbClr r="0" g="0" b="0"/>
-      </a:fillRef>
-      <a:effectRef idx="0">
-        <a:scrgbClr r="0" g="0" b="0"/>
-      </a:effectRef>
-      <a:fontRef idx="minor"/>
-    </dgm:style>
-  </dgm:styleLbl>
-</dgm:styleDef>
-</file>
-
-<file path=ppt/diagrams/quickStyle6.xml><?xml version="1.0" encoding="utf-8"?>
 <dgm:styleDef xmlns:dgm="http://schemas.openxmlformats.org/drawingml/2006/diagram" xmlns:a="http://schemas.openxmlformats.org/drawingml/2006/main" uniqueId="urn:microsoft.com/office/officeart/2005/8/quickstyle/simple2">
   <dgm:title val=""/>
   <dgm:desc val=""/>
@@ -17346,7 +9884,7 @@
           <a:p>
             <a:fld id="{9E016143-E03C-4CFD-AFDC-14E5BDEA754C}" type="datetimeFigureOut">
               <a:rPr lang="en-US" smtClean="0"/>
-              <a:t>12/31/2020</a:t>
+              <a:t>1/3/2021</a:t>
             </a:fld>
             <a:endParaRPr lang="en-US" dirty="0"/>
           </a:p>
@@ -17575,7 +10113,7 @@
           <a:p>
             <a:fld id="{C033E54A-A8CA-48C1-9504-691B58049D29}" type="datetimeFigureOut">
               <a:rPr lang="en-US" smtClean="0"/>
-              <a:t>12/31/2020</a:t>
+              <a:t>1/3/2021</a:t>
             </a:fld>
             <a:endParaRPr lang="en-US" dirty="0"/>
           </a:p>
@@ -17755,7 +10293,7 @@
           <a:p>
             <a:fld id="{B5F6C806-BBF7-471C-9527-881CE2266695}" type="datetimeFigureOut">
               <a:rPr lang="en-US" smtClean="0"/>
-              <a:t>12/31/2020</a:t>
+              <a:t>1/3/2021</a:t>
             </a:fld>
             <a:endParaRPr lang="en-US" dirty="0"/>
           </a:p>
@@ -17925,7 +10463,7 @@
           <a:p>
             <a:fld id="{78C94063-DF36-4330-A365-08DA1FA5B7D6}" type="datetimeFigureOut">
               <a:rPr lang="en-US" smtClean="0"/>
-              <a:t>12/31/2020</a:t>
+              <a:t>1/3/2021</a:t>
             </a:fld>
             <a:endParaRPr lang="en-US" dirty="0"/>
           </a:p>
@@ -18179,7 +10717,7 @@
           <a:p>
             <a:fld id="{908A7C6C-0F39-4D70-8E8D-FE5B9C95FA73}" type="datetimeFigureOut">
               <a:rPr lang="en-US" smtClean="0"/>
-              <a:t>12/31/2020</a:t>
+              <a:t>1/3/2021</a:t>
             </a:fld>
             <a:endParaRPr lang="en-US" dirty="0"/>
           </a:p>
@@ -18505,7 +11043,7 @@
           <a:p>
             <a:fld id="{DFCFA4AC-08CC-42CE-BD01-C191750A04EC}" type="datetimeFigureOut">
               <a:rPr lang="en-US" smtClean="0"/>
-              <a:t>12/31/2020</a:t>
+              <a:t>1/3/2021</a:t>
             </a:fld>
             <a:endParaRPr lang="en-US" dirty="0"/>
           </a:p>
@@ -18956,7 +11494,7 @@
           <a:p>
             <a:fld id="{1BA7A723-92A7-435B-B681-F25B092FEFEB}" type="datetimeFigureOut">
               <a:rPr lang="en-US" smtClean="0"/>
-              <a:t>12/31/2020</a:t>
+              <a:t>1/3/2021</a:t>
             </a:fld>
             <a:endParaRPr lang="en-US" dirty="0"/>
           </a:p>
@@ -19074,7 +11612,7 @@
           <a:p>
             <a:fld id="{4F170639-886C-4FCF-9EAB-ABB5DA3F3F4A}" type="datetimeFigureOut">
               <a:rPr lang="en-US" smtClean="0"/>
-              <a:t>12/31/2020</a:t>
+              <a:t>1/3/2021</a:t>
             </a:fld>
             <a:endParaRPr lang="en-US" dirty="0"/>
           </a:p>
@@ -19169,7 +11707,7 @@
           <a:p>
             <a:fld id="{22230651-31F4-45D2-98AE-A2108F41BC07}" type="datetimeFigureOut">
               <a:rPr lang="en-US" smtClean="0"/>
-              <a:t>12/31/2020</a:t>
+              <a:t>1/3/2021</a:t>
             </a:fld>
             <a:endParaRPr lang="en-US" dirty="0"/>
           </a:p>
@@ -19456,7 +11994,7 @@
           <a:p>
             <a:fld id="{6F53789A-C914-4DB1-8815-80B5EC7335C5}" type="datetimeFigureOut">
               <a:rPr lang="en-US" smtClean="0"/>
-              <a:t>12/31/2020</a:t>
+              <a:t>1/3/2021</a:t>
             </a:fld>
             <a:endParaRPr lang="en-US" dirty="0"/>
           </a:p>
@@ -19778,7 +12316,7 @@
           <a:p>
             <a:fld id="{5E6440AA-91A0-436F-8FDB-C0F939DCAE21}" type="datetimeFigureOut">
               <a:rPr lang="en-US" smtClean="0"/>
-              <a:t>12/31/2020</a:t>
+              <a:t>1/3/2021</a:t>
             </a:fld>
             <a:endParaRPr lang="en-US" dirty="0"/>
           </a:p>
@@ -20032,7 +12570,7 @@
           <a:p>
             <a:fld id="{0E59FD0C-5451-4CA0-86AF-E70AE3279989}" type="datetimeFigureOut">
               <a:rPr lang="en-US" smtClean="0"/>
-              <a:t>12/31/2020</a:t>
+              <a:t>1/3/2021</a:t>
             </a:fld>
             <a:endParaRPr lang="en-US" dirty="0"/>
           </a:p>
@@ -20546,9 +13084,12 @@
           <a:lstStyle/>
           <a:p>
             <a:r>
-              <a:rPr lang="en-US" sz="5400" dirty="0"/>
+              <a:rPr lang="en-US" sz="4800" dirty="0"/>
               <a:t>Musical Instrument Classification Using a </a:t>
             </a:r>
+            <a:br>
+              <a:rPr lang="en-US" sz="4800" dirty="0"/>
+            </a:br>
             <a:r>
               <a:rPr lang="en-US" dirty="0"/>
               <a:t>Hybrid Neural Network</a:t>
@@ -20586,19 +13127,19 @@
           <a:p>
             <a:r>
               <a:rPr lang="en-US" dirty="0"/>
-              <a:t>Landon Buell, Kevin Short</a:t>
+              <a:t>Landon Buell, Gradating Senior, Department of Physics and Astronomy</a:t>
             </a:r>
           </a:p>
           <a:p>
             <a:r>
               <a:rPr lang="en-US" dirty="0"/>
-              <a:t>University of New Hampshire</a:t>
+              <a:t>Kevin Short, Professor, Department of Mathematics and Statistics </a:t>
             </a:r>
           </a:p>
           <a:p>
             <a:r>
               <a:rPr lang="en-US" dirty="0"/>
-              <a:t>8 Jan 2020</a:t>
+              <a:t>University of New Hampshire, 8 Jan 2020</a:t>
             </a:r>
           </a:p>
         </p:txBody>
@@ -20617,295 +13158,6 @@
 </file>
 
 <file path=ppt/slides/slide10.xml><?xml version="1.0" encoding="utf-8"?>
-<p:sld xmlns:a="http://schemas.openxmlformats.org/drawingml/2006/main" xmlns:r="http://schemas.openxmlformats.org/officeDocument/2006/relationships" xmlns:p="http://schemas.openxmlformats.org/presentationml/2006/main">
-  <p:cSld>
-    <p:bg>
-      <p:bgPr>
-        <a:solidFill>
-          <a:schemeClr val="bg2">
-            <a:lumMod val="75000"/>
-          </a:schemeClr>
-        </a:solidFill>
-        <a:effectLst/>
-      </p:bgPr>
-    </p:bg>
-    <p:spTree>
-      <p:nvGrpSpPr>
-        <p:cNvPr id="1" name=""/>
-        <p:cNvGrpSpPr/>
-        <p:nvPr/>
-      </p:nvGrpSpPr>
-      <p:grpSpPr>
-        <a:xfrm>
-          <a:off x="0" y="0"/>
-          <a:ext cx="0" cy="0"/>
-          <a:chOff x="0" y="0"/>
-          <a:chExt cx="0" cy="0"/>
-        </a:xfrm>
-      </p:grpSpPr>
-      <p:sp>
-        <p:nvSpPr>
-          <p:cNvPr id="8" name="Rectangle 7">
-            <a:extLst>
-              <a:ext uri="{FF2B5EF4-FFF2-40B4-BE49-F238E27FC236}">
-                <a16:creationId xmlns:a16="http://schemas.microsoft.com/office/drawing/2014/main" id="{A6F05DDE-5F2C-44F5-BACC-DED4737B11B8}"/>
-              </a:ext>
-              <a:ext uri="{C183D7F6-B498-43B3-948B-1728B52AA6E4}">
-                <adec:decorative xmlns:adec="http://schemas.microsoft.com/office/drawing/2017/decorative" val="1"/>
-              </a:ext>
-            </a:extLst>
-          </p:cNvPr>
-          <p:cNvSpPr>
-            <a:spLocks noGrp="1" noRot="1" noChangeAspect="1" noMove="1" noResize="1" noEditPoints="1" noAdjustHandles="1" noChangeArrowheads="1" noChangeShapeType="1" noTextEdit="1"/>
-          </p:cNvSpPr>
-          <p:nvPr>
-            <p:extLst>
-              <p:ext uri="{386F3935-93C4-4BCD-93E2-E3B085C9AB24}">
-                <p16:designElem xmlns:p16="http://schemas.microsoft.com/office/powerpoint/2015/main" val="1"/>
-              </p:ext>
-            </p:extLst>
-          </p:nvPr>
-        </p:nvSpPr>
-        <p:spPr>
-          <a:xfrm>
-            <a:off x="0" y="0"/>
-            <a:ext cx="457200" cy="6858000"/>
-          </a:xfrm>
-          <a:prstGeom prst="rect">
-            <a:avLst/>
-          </a:prstGeom>
-          <a:solidFill>
-            <a:schemeClr val="accent1"/>
-          </a:solidFill>
-          <a:ln>
-            <a:noFill/>
-          </a:ln>
-        </p:spPr>
-        <p:style>
-          <a:lnRef idx="2">
-            <a:schemeClr val="accent1">
-              <a:shade val="50000"/>
-            </a:schemeClr>
-          </a:lnRef>
-          <a:fillRef idx="1">
-            <a:schemeClr val="accent1"/>
-          </a:fillRef>
-          <a:effectRef idx="0">
-            <a:schemeClr val="accent1"/>
-          </a:effectRef>
-          <a:fontRef idx="minor">
-            <a:schemeClr val="lt1"/>
-          </a:fontRef>
-        </p:style>
-      </p:sp>
-      <p:sp>
-        <p:nvSpPr>
-          <p:cNvPr id="2" name="Title 1">
-            <a:extLst>
-              <a:ext uri="{FF2B5EF4-FFF2-40B4-BE49-F238E27FC236}">
-                <a16:creationId xmlns:a16="http://schemas.microsoft.com/office/drawing/2014/main" id="{7450BDA7-FC8E-431E-9440-4969D0D41D72}"/>
-              </a:ext>
-            </a:extLst>
-          </p:cNvPr>
-          <p:cNvSpPr>
-            <a:spLocks noGrp="1"/>
-          </p:cNvSpPr>
-          <p:nvPr>
-            <p:ph type="title"/>
-          </p:nvPr>
-        </p:nvSpPr>
-        <p:spPr>
-          <a:xfrm>
-            <a:off x="4651947" y="758952"/>
-            <a:ext cx="6323519" cy="4041648"/>
-          </a:xfrm>
-        </p:spPr>
-        <p:txBody>
-          <a:bodyPr vert="horz" lIns="91440" tIns="45720" rIns="91440" bIns="45720" rtlCol="0" anchor="b">
-            <a:normAutofit/>
-          </a:bodyPr>
-          <a:lstStyle/>
-          <a:p>
-            <a:r>
-              <a:rPr lang="en-US" dirty="0"/>
-              <a:t>Hybrid Network Architecture</a:t>
-            </a:r>
-          </a:p>
-        </p:txBody>
-      </p:sp>
-      <p:sp>
-        <p:nvSpPr>
-          <p:cNvPr id="3" name="Text Placeholder 2">
-            <a:extLst>
-              <a:ext uri="{FF2B5EF4-FFF2-40B4-BE49-F238E27FC236}">
-                <a16:creationId xmlns:a16="http://schemas.microsoft.com/office/drawing/2014/main" id="{24475E55-D268-41E5-A748-28EB0B77B2E0}"/>
-              </a:ext>
-            </a:extLst>
-          </p:cNvPr>
-          <p:cNvSpPr>
-            <a:spLocks noGrp="1"/>
-          </p:cNvSpPr>
-          <p:nvPr>
-            <p:ph type="body" idx="1"/>
-          </p:nvPr>
-        </p:nvSpPr>
-        <p:spPr>
-          <a:xfrm>
-            <a:off x="4651947" y="4800600"/>
-            <a:ext cx="6323520" cy="1691640"/>
-          </a:xfrm>
-        </p:spPr>
-        <p:txBody>
-          <a:bodyPr vert="horz" lIns="91440" tIns="45720" rIns="91440" bIns="45720" rtlCol="0">
-            <a:normAutofit/>
-          </a:bodyPr>
-          <a:lstStyle/>
-          <a:p>
-            <a:endParaRPr lang="en-US">
-              <a:solidFill>
-                <a:schemeClr val="tx1">
-                  <a:lumMod val="75000"/>
-                </a:schemeClr>
-              </a:solidFill>
-            </a:endParaRPr>
-          </a:p>
-        </p:txBody>
-      </p:sp>
-      <p:sp>
-        <p:nvSpPr>
-          <p:cNvPr id="10" name="Rectangle 9">
-            <a:extLst>
-              <a:ext uri="{FF2B5EF4-FFF2-40B4-BE49-F238E27FC236}">
-                <a16:creationId xmlns:a16="http://schemas.microsoft.com/office/drawing/2014/main" id="{A0F80B31-D942-4321-A7CC-3FF24C30A9FC}"/>
-              </a:ext>
-              <a:ext uri="{C183D7F6-B498-43B3-948B-1728B52AA6E4}">
-                <adec:decorative xmlns:adec="http://schemas.microsoft.com/office/drawing/2017/decorative" val="1"/>
-              </a:ext>
-            </a:extLst>
-          </p:cNvPr>
-          <p:cNvSpPr>
-            <a:spLocks noGrp="1" noRot="1" noChangeAspect="1" noMove="1" noResize="1" noEditPoints="1" noAdjustHandles="1" noChangeArrowheads="1" noChangeShapeType="1" noTextEdit="1"/>
-          </p:cNvSpPr>
-          <p:nvPr>
-            <p:extLst>
-              <p:ext uri="{386F3935-93C4-4BCD-93E2-E3B085C9AB24}">
-                <p16:designElem xmlns:p16="http://schemas.microsoft.com/office/powerpoint/2015/main" val="1"/>
-              </p:ext>
-            </p:extLst>
-          </p:nvPr>
-        </p:nvSpPr>
-        <p:spPr>
-          <a:xfrm>
-            <a:off x="0" y="0"/>
-            <a:ext cx="3568372" cy="6858000"/>
-          </a:xfrm>
-          <a:prstGeom prst="rect">
-            <a:avLst/>
-          </a:prstGeom>
-          <a:solidFill>
-            <a:schemeClr val="accent1"/>
-          </a:solidFill>
-          <a:ln>
-            <a:noFill/>
-          </a:ln>
-        </p:spPr>
-        <p:style>
-          <a:lnRef idx="2">
-            <a:schemeClr val="accent1">
-              <a:shade val="50000"/>
-            </a:schemeClr>
-          </a:lnRef>
-          <a:fillRef idx="1">
-            <a:schemeClr val="accent1"/>
-          </a:fillRef>
-          <a:effectRef idx="0">
-            <a:schemeClr val="accent1"/>
-          </a:effectRef>
-          <a:fontRef idx="minor">
-            <a:schemeClr val="lt1"/>
-          </a:fontRef>
-        </p:style>
-        <p:txBody>
-          <a:bodyPr rtlCol="0" anchor="ctr"/>
-          <a:lstStyle/>
-          <a:p>
-            <a:pPr algn="ctr"/>
-            <a:endParaRPr lang="en-US"/>
-          </a:p>
-        </p:txBody>
-      </p:sp>
-      <p:sp>
-        <p:nvSpPr>
-          <p:cNvPr id="12" name="Rectangle 11">
-            <a:extLst>
-              <a:ext uri="{FF2B5EF4-FFF2-40B4-BE49-F238E27FC236}">
-                <a16:creationId xmlns:a16="http://schemas.microsoft.com/office/drawing/2014/main" id="{27DE213B-0A4F-4E9E-9153-8B0C2D0469BE}"/>
-              </a:ext>
-              <a:ext uri="{C183D7F6-B498-43B3-948B-1728B52AA6E4}">
-                <adec:decorative xmlns:adec="http://schemas.microsoft.com/office/drawing/2017/decorative" val="1"/>
-              </a:ext>
-            </a:extLst>
-          </p:cNvPr>
-          <p:cNvSpPr>
-            <a:spLocks noGrp="1" noRot="1" noChangeAspect="1" noMove="1" noResize="1" noEditPoints="1" noAdjustHandles="1" noChangeArrowheads="1" noChangeShapeType="1" noTextEdit="1"/>
-          </p:cNvSpPr>
-          <p:nvPr>
-            <p:extLst>
-              <p:ext uri="{386F3935-93C4-4BCD-93E2-E3B085C9AB24}">
-                <p16:designElem xmlns:p16="http://schemas.microsoft.com/office/powerpoint/2015/main" val="1"/>
-              </p:ext>
-            </p:extLst>
-          </p:nvPr>
-        </p:nvSpPr>
-        <p:spPr>
-          <a:xfrm>
-            <a:off x="3569969" y="0"/>
-            <a:ext cx="457200" cy="6858000"/>
-          </a:xfrm>
-          <a:prstGeom prst="rect">
-            <a:avLst/>
-          </a:prstGeom>
-          <a:solidFill>
-            <a:schemeClr val="accent1">
-              <a:lumMod val="75000"/>
-              <a:alpha val="60000"/>
-            </a:schemeClr>
-          </a:solidFill>
-          <a:ln>
-            <a:noFill/>
-          </a:ln>
-        </p:spPr>
-        <p:style>
-          <a:lnRef idx="2">
-            <a:schemeClr val="accent1">
-              <a:shade val="50000"/>
-            </a:schemeClr>
-          </a:lnRef>
-          <a:fillRef idx="1">
-            <a:schemeClr val="accent1"/>
-          </a:fillRef>
-          <a:effectRef idx="0">
-            <a:schemeClr val="accent1"/>
-          </a:effectRef>
-          <a:fontRef idx="minor">
-            <a:schemeClr val="lt1"/>
-          </a:fontRef>
-        </p:style>
-      </p:sp>
-    </p:spTree>
-    <p:extLst>
-      <p:ext uri="{BB962C8B-B14F-4D97-AF65-F5344CB8AC3E}">
-        <p14:creationId xmlns:p14="http://schemas.microsoft.com/office/powerpoint/2010/main" val="1616847971"/>
-      </p:ext>
-    </p:extLst>
-  </p:cSld>
-  <p:clrMapOvr>
-    <a:masterClrMapping/>
-  </p:clrMapOvr>
-</p:sld>
-</file>
-
-<file path=ppt/slides/slide11.xml><?xml version="1.0" encoding="utf-8"?>
 <p:sld xmlns:a="http://schemas.openxmlformats.org/drawingml/2006/main" xmlns:r="http://schemas.openxmlformats.org/officeDocument/2006/relationships" xmlns:p="http://schemas.openxmlformats.org/presentationml/2006/main">
   <p:cSld>
     <p:bg>
@@ -21181,7 +13433,7 @@
 </p:sld>
 </file>
 
-<file path=ppt/slides/slide12.xml><?xml version="1.0" encoding="utf-8"?>
+<file path=ppt/slides/slide11.xml><?xml version="1.0" encoding="utf-8"?>
 <p:sld xmlns:a="http://schemas.openxmlformats.org/drawingml/2006/main" xmlns:r="http://schemas.openxmlformats.org/officeDocument/2006/relationships" xmlns:p="http://schemas.openxmlformats.org/presentationml/2006/main">
   <p:cSld>
     <p:bg>
@@ -21488,39 +13740,129 @@
           </a:p>
         </p:txBody>
       </p:sp>
-      <p:pic>
-        <p:nvPicPr>
-          <p:cNvPr id="7" name="Content Placeholder 6" descr="Diagram, schematic&#10;&#10;Description automatically generated">
+      <p:sp>
+        <p:nvSpPr>
+          <p:cNvPr id="3" name="Content Placeholder 2">
             <a:extLst>
               <a:ext uri="{FF2B5EF4-FFF2-40B4-BE49-F238E27FC236}">
-                <a16:creationId xmlns:a16="http://schemas.microsoft.com/office/drawing/2014/main" id="{45A18424-F9D6-427C-ACB3-45BEDF7189D8}"/>
+                <a16:creationId xmlns:a16="http://schemas.microsoft.com/office/drawing/2014/main" id="{EEBA76CD-CFDC-4804-8D56-C53B6B7EB46F}"/>
               </a:ext>
             </a:extLst>
           </p:cNvPr>
-          <p:cNvPicPr>
-            <a:picLocks noGrp="1" noChangeAspect="1"/>
-          </p:cNvPicPr>
+          <p:cNvSpPr>
+            <a:spLocks noGrp="1"/>
+          </p:cNvSpPr>
           <p:nvPr>
             <p:ph idx="1"/>
           </p:nvPr>
-        </p:nvPicPr>
-        <p:blipFill>
-          <a:blip r:embed="rId2"/>
-          <a:stretch>
-            <a:fillRect/>
-          </a:stretch>
-        </p:blipFill>
-        <p:spPr>
-          <a:xfrm>
-            <a:off x="5688106" y="0"/>
-            <a:ext cx="5163263" cy="6681870"/>
-          </a:xfrm>
-        </p:spPr>
-      </p:pic>
+        </p:nvSpPr>
+        <p:spPr/>
+        <p:txBody>
+          <a:bodyPr/>
+          <a:lstStyle/>
+          <a:p>
+            <a:endParaRPr lang="en-US"/>
+          </a:p>
+        </p:txBody>
+      </p:sp>
     </p:spTree>
     <p:extLst>
       <p:ext uri="{BB962C8B-B14F-4D97-AF65-F5344CB8AC3E}">
         <p14:creationId xmlns:p14="http://schemas.microsoft.com/office/powerpoint/2010/main" val="3400131651"/>
+      </p:ext>
+    </p:extLst>
+  </p:cSld>
+  <p:clrMapOvr>
+    <a:masterClrMapping/>
+  </p:clrMapOvr>
+</p:sld>
+</file>
+
+<file path=ppt/slides/slide12.xml><?xml version="1.0" encoding="utf-8"?>
+<p:sld xmlns:a="http://schemas.openxmlformats.org/drawingml/2006/main" xmlns:r="http://schemas.openxmlformats.org/officeDocument/2006/relationships" xmlns:p="http://schemas.openxmlformats.org/presentationml/2006/main">
+  <p:cSld>
+    <p:spTree>
+      <p:nvGrpSpPr>
+        <p:cNvPr id="1" name=""/>
+        <p:cNvGrpSpPr/>
+        <p:nvPr/>
+      </p:nvGrpSpPr>
+      <p:grpSpPr>
+        <a:xfrm>
+          <a:off x="0" y="0"/>
+          <a:ext cx="0" cy="0"/>
+          <a:chOff x="0" y="0"/>
+          <a:chExt cx="0" cy="0"/>
+        </a:xfrm>
+      </p:grpSpPr>
+      <p:sp>
+        <p:nvSpPr>
+          <p:cNvPr id="2" name="Title 1">
+            <a:extLst>
+              <a:ext uri="{FF2B5EF4-FFF2-40B4-BE49-F238E27FC236}">
+                <a16:creationId xmlns:a16="http://schemas.microsoft.com/office/drawing/2014/main" id="{98F85826-71B4-40DB-B62A-148DA03A78CD}"/>
+              </a:ext>
+            </a:extLst>
+          </p:cNvPr>
+          <p:cNvSpPr>
+            <a:spLocks noGrp="1"/>
+          </p:cNvSpPr>
+          <p:nvPr>
+            <p:ph type="title"/>
+          </p:nvPr>
+        </p:nvSpPr>
+        <p:spPr/>
+        <p:txBody>
+          <a:bodyPr/>
+          <a:lstStyle/>
+          <a:p>
+            <a:r>
+              <a:rPr lang="en-US" dirty="0"/>
+              <a:t>Implementation</a:t>
+            </a:r>
+          </a:p>
+        </p:txBody>
+      </p:sp>
+      <p:sp>
+        <p:nvSpPr>
+          <p:cNvPr id="3" name="Content Placeholder 2">
+            <a:extLst>
+              <a:ext uri="{FF2B5EF4-FFF2-40B4-BE49-F238E27FC236}">
+                <a16:creationId xmlns:a16="http://schemas.microsoft.com/office/drawing/2014/main" id="{CE6EA30D-066D-48EE-9A24-42B6EEAACF03}"/>
+              </a:ext>
+            </a:extLst>
+          </p:cNvPr>
+          <p:cNvSpPr>
+            <a:spLocks noGrp="1"/>
+          </p:cNvSpPr>
+          <p:nvPr>
+            <p:ph idx="1"/>
+          </p:nvPr>
+        </p:nvSpPr>
+        <p:spPr/>
+        <p:txBody>
+          <a:bodyPr/>
+          <a:lstStyle/>
+          <a:p>
+            <a:r>
+              <a:rPr lang="en-US" dirty="0"/>
+              <a:t>Define each arm by connecting layers as a </a:t>
+            </a:r>
+            <a:r>
+              <a:rPr lang="en-US" i="1" dirty="0"/>
+              <a:t>linked-list</a:t>
+            </a:r>
+            <a:r>
+              <a:rPr lang="en-US" dirty="0"/>
+              <a:t> structure</a:t>
+            </a:r>
+          </a:p>
+        </p:txBody>
+      </p:sp>
+    </p:spTree>
+    <p:extLst>
+      <p:ext uri="{BB962C8B-B14F-4D97-AF65-F5344CB8AC3E}">
+        <p14:creationId xmlns:p14="http://schemas.microsoft.com/office/powerpoint/2010/main" val="475173826"/>
       </p:ext>
     </p:extLst>
   </p:cSld>
@@ -21921,7 +14263,9 @@
         </p:nvSpPr>
         <p:spPr/>
         <p:txBody>
-          <a:bodyPr/>
+          <a:bodyPr>
+            <a:normAutofit/>
+          </a:bodyPr>
           <a:lstStyle/>
           <a:p>
             <a:endParaRPr lang="en-US" dirty="0"/>
@@ -21938,31 +14282,46 @@
           </a:p>
           <a:p>
             <a:pPr marL="800100" lvl="1" indent="-342900">
+              <a:buClrTx/>
               <a:buFont typeface="+mj-lt"/>
               <a:buAutoNum type="arabicParenR"/>
             </a:pPr>
             <a:r>
-              <a:rPr lang="en-US" sz="1600" dirty="0"/>
-              <a:t>Just CNN Architecture</a:t>
+              <a:rPr lang="en-US" sz="1600" dirty="0">
+                <a:solidFill>
+                  <a:schemeClr val="tx1"/>
+                </a:solidFill>
+              </a:rPr>
+              <a:t>CNN Architecture</a:t>
             </a:r>
           </a:p>
           <a:p>
             <a:pPr marL="800100" lvl="1" indent="-342900">
+              <a:buClrTx/>
               <a:buFont typeface="+mj-lt"/>
               <a:buAutoNum type="arabicParenR"/>
             </a:pPr>
             <a:r>
-              <a:rPr lang="en-US" sz="1600" dirty="0"/>
-              <a:t>Just MLP Architecture</a:t>
+              <a:rPr lang="en-US" sz="1600" dirty="0">
+                <a:solidFill>
+                  <a:schemeClr val="tx1"/>
+                </a:solidFill>
+              </a:rPr>
+              <a:t>MLP Architecture</a:t>
             </a:r>
           </a:p>
           <a:p>
             <a:pPr marL="800100" lvl="1" indent="-342900">
+              <a:buClrTx/>
               <a:buFont typeface="+mj-lt"/>
               <a:buAutoNum type="arabicParenR"/>
             </a:pPr>
             <a:r>
-              <a:rPr lang="en-US" sz="1600" dirty="0"/>
+              <a:rPr lang="en-US" sz="1600" dirty="0">
+                <a:solidFill>
+                  <a:schemeClr val="tx1"/>
+                </a:solidFill>
+              </a:rPr>
               <a:t>Hybrid Architecture</a:t>
             </a:r>
           </a:p>
@@ -22943,6 +15302,239 @@
       </p:grpSpPr>
       <p:sp>
         <p:nvSpPr>
+          <p:cNvPr id="2" name="Title 1">
+            <a:extLst>
+              <a:ext uri="{FF2B5EF4-FFF2-40B4-BE49-F238E27FC236}">
+                <a16:creationId xmlns:a16="http://schemas.microsoft.com/office/drawing/2014/main" id="{3357A47C-9484-41B8-A36A-D3F312018705}"/>
+              </a:ext>
+            </a:extLst>
+          </p:cNvPr>
+          <p:cNvSpPr>
+            <a:spLocks noGrp="1"/>
+          </p:cNvSpPr>
+          <p:nvPr>
+            <p:ph type="title"/>
+          </p:nvPr>
+        </p:nvSpPr>
+        <p:spPr/>
+        <p:txBody>
+          <a:bodyPr/>
+          <a:lstStyle/>
+          <a:p>
+            <a:r>
+              <a:rPr lang="en-US" dirty="0"/>
+              <a:t>Citations</a:t>
+            </a:r>
+          </a:p>
+        </p:txBody>
+      </p:sp>
+      <p:sp>
+        <p:nvSpPr>
+          <p:cNvPr id="3" name="Content Placeholder 2">
+            <a:extLst>
+              <a:ext uri="{FF2B5EF4-FFF2-40B4-BE49-F238E27FC236}">
+                <a16:creationId xmlns:a16="http://schemas.microsoft.com/office/drawing/2014/main" id="{0166DD14-9EBD-48FA-8CF1-BECFB0905E88}"/>
+              </a:ext>
+            </a:extLst>
+          </p:cNvPr>
+          <p:cNvSpPr>
+            <a:spLocks noGrp="1"/>
+          </p:cNvSpPr>
+          <p:nvPr>
+            <p:ph idx="1"/>
+          </p:nvPr>
+        </p:nvSpPr>
+        <p:spPr/>
+        <p:txBody>
+          <a:bodyPr/>
+          <a:lstStyle/>
+          <a:p>
+            <a:pPr marL="0" indent="0">
+              <a:buNone/>
+            </a:pPr>
+            <a:r>
+              <a:rPr lang="en-US" sz="1200" dirty="0"/>
+              <a:t>[1] </a:t>
+            </a:r>
+            <a:r>
+              <a:rPr lang="en-US" sz="1200" dirty="0" err="1"/>
+              <a:t>Geron</a:t>
+            </a:r>
+            <a:r>
+              <a:rPr lang="en-US" sz="1200" dirty="0"/>
+              <a:t>, </a:t>
+            </a:r>
+            <a:r>
+              <a:rPr lang="en-US" sz="1200" dirty="0" err="1"/>
+              <a:t>Aurelien</a:t>
+            </a:r>
+            <a:r>
+              <a:rPr lang="en-US" sz="1200" dirty="0"/>
+              <a:t>. Hands-on Machine Learning with Scikit-Learn and TensorFlow: Concepts, Tools, and Techniques to Build Intelligent Systems. O’Reilly, 2017. </a:t>
+            </a:r>
+          </a:p>
+          <a:p>
+            <a:pPr marL="0" indent="0">
+              <a:buNone/>
+            </a:pPr>
+            <a:r>
+              <a:rPr lang="en-US" sz="1200" dirty="0"/>
+              <a:t>[2] Goodfellow, Ian, et </a:t>
+            </a:r>
+            <a:r>
+              <a:rPr lang="en-US" sz="1200" dirty="0" err="1"/>
+              <a:t>al.Deep</a:t>
+            </a:r>
+            <a:r>
+              <a:rPr lang="en-US" sz="1200" dirty="0"/>
+              <a:t> Learning. MIT Press, 2017. </a:t>
+            </a:r>
+          </a:p>
+          <a:p>
+            <a:pPr marL="0" indent="0">
+              <a:buNone/>
+            </a:pPr>
+            <a:r>
+              <a:rPr lang="en-US" sz="1200" dirty="0"/>
+              <a:t>[3] Khan, M. Kashif Saeed, and </a:t>
+            </a:r>
+            <a:r>
+              <a:rPr lang="en-US" sz="1200" dirty="0" err="1"/>
+              <a:t>Wasfi</a:t>
+            </a:r>
+            <a:r>
+              <a:rPr lang="en-US" sz="1200" dirty="0"/>
+              <a:t> G. Al-Khatib. “Machine-Learning Based Classification of Speech and Music.” Multimedia Systems, vol. 12, no. 1, 2006, pp. 55–67., doi:10.1007/s00530-006-0034-0.</a:t>
+            </a:r>
+          </a:p>
+          <a:p>
+            <a:pPr marL="0" indent="0">
+              <a:buNone/>
+            </a:pPr>
+            <a:r>
+              <a:rPr lang="en-US" sz="1200" dirty="0"/>
+              <a:t>[4] Li, </a:t>
+            </a:r>
+            <a:r>
+              <a:rPr lang="en-US" sz="1200" dirty="0" err="1"/>
+              <a:t>Yingming</a:t>
+            </a:r>
+            <a:r>
+              <a:rPr lang="en-US" sz="1200" dirty="0"/>
+              <a:t>, and Ming Yang. “A Survey of Multi-View Representation Learning.” Journal of </a:t>
+            </a:r>
+            <a:r>
+              <a:rPr lang="en-US" sz="1200" dirty="0" err="1"/>
+              <a:t>LateX</a:t>
+            </a:r>
+            <a:r>
+              <a:rPr lang="en-US" sz="1200" dirty="0"/>
+              <a:t> Class Files, vol. 14, no. 8, Aug. 2015. </a:t>
+            </a:r>
+          </a:p>
+          <a:p>
+            <a:pPr marL="0" indent="0">
+              <a:buNone/>
+            </a:pPr>
+            <a:r>
+              <a:rPr lang="en-US" sz="1200" dirty="0"/>
+              <a:t>[5] Liu, Zhu, et al. ”Audio Feature Extraction and Analysis for Scene Segmentation and Classification.” Journal of VLSI Signal Processing, vol. 20, 1998, pp. 61–79.</a:t>
+            </a:r>
+          </a:p>
+          <a:p>
+            <a:pPr marL="0" indent="0">
+              <a:buNone/>
+            </a:pPr>
+            <a:r>
+              <a:rPr lang="en-US" sz="1200" dirty="0"/>
+              <a:t>[6] </a:t>
+            </a:r>
+            <a:r>
+              <a:rPr lang="en-US" sz="1200" dirty="0" err="1"/>
+              <a:t>Ngiam</a:t>
+            </a:r>
+            <a:r>
+              <a:rPr lang="en-US" sz="1200" dirty="0"/>
+              <a:t>, </a:t>
+            </a:r>
+            <a:r>
+              <a:rPr lang="en-US" sz="1200" dirty="0" err="1"/>
+              <a:t>Jiquan</a:t>
+            </a:r>
+            <a:r>
+              <a:rPr lang="en-US" sz="1200" dirty="0"/>
+              <a:t>, et al. ”Multimodal Deep Learning.” 2011. </a:t>
+            </a:r>
+          </a:p>
+          <a:p>
+            <a:pPr marL="0" indent="0">
+              <a:buNone/>
+            </a:pPr>
+            <a:r>
+              <a:rPr lang="en-US" sz="1200" dirty="0"/>
+              <a:t>[7] TensorFlow: Large-scale machine learning on heterogeneous systems, 2015. Software available from tensorflow.org.</a:t>
+            </a:r>
+          </a:p>
+          <a:p>
+            <a:pPr marL="0" indent="0">
+              <a:buNone/>
+            </a:pPr>
+            <a:r>
+              <a:rPr lang="en-US" sz="1200" dirty="0"/>
+              <a:t>[8] Virtanen, </a:t>
+            </a:r>
+            <a:r>
+              <a:rPr lang="en-US" sz="1200" dirty="0" err="1"/>
+              <a:t>Tuomas</a:t>
+            </a:r>
+            <a:r>
+              <a:rPr lang="en-US" sz="1200" dirty="0"/>
+              <a:t>, et al. Computational Analysis of Sound Scenes and Events. Springer, 2018.</a:t>
+            </a:r>
+          </a:p>
+          <a:p>
+            <a:pPr marL="0" indent="0">
+              <a:buNone/>
+            </a:pPr>
+            <a:r>
+              <a:rPr lang="en-US" sz="1200" dirty="0"/>
+              <a:t>[9] White, Harvey Elliott, and Donald H. White. Physics and Music: the Science of Musical Sound. Dover Publications, Inc., 2019.</a:t>
+            </a:r>
+          </a:p>
+        </p:txBody>
+      </p:sp>
+    </p:spTree>
+    <p:extLst>
+      <p:ext uri="{BB962C8B-B14F-4D97-AF65-F5344CB8AC3E}">
+        <p14:creationId xmlns:p14="http://schemas.microsoft.com/office/powerpoint/2010/main" val="682950324"/>
+      </p:ext>
+    </p:extLst>
+  </p:cSld>
+  <p:clrMapOvr>
+    <a:masterClrMapping/>
+  </p:clrMapOvr>
+</p:sld>
+</file>
+
+<file path=ppt/slides/slide19.xml><?xml version="1.0" encoding="utf-8"?>
+<p:sld xmlns:a="http://schemas.openxmlformats.org/drawingml/2006/main" xmlns:r="http://schemas.openxmlformats.org/officeDocument/2006/relationships" xmlns:p="http://schemas.openxmlformats.org/presentationml/2006/main">
+  <p:cSld>
+    <p:spTree>
+      <p:nvGrpSpPr>
+        <p:cNvPr id="1" name=""/>
+        <p:cNvGrpSpPr/>
+        <p:nvPr/>
+      </p:nvGrpSpPr>
+      <p:grpSpPr>
+        <a:xfrm>
+          <a:off x="0" y="0"/>
+          <a:ext cx="0" cy="0"/>
+          <a:chOff x="0" y="0"/>
+          <a:chExt cx="0" cy="0"/>
+        </a:xfrm>
+      </p:grpSpPr>
+      <p:sp>
+        <p:nvSpPr>
           <p:cNvPr id="5" name="Title 4">
             <a:extLst>
               <a:ext uri="{FF2B5EF4-FFF2-40B4-BE49-F238E27FC236}">
@@ -23047,10 +15639,6 @@
             <a:pPr marL="0" indent="0">
               <a:buNone/>
             </a:pPr>
-            <a:r>
-              <a:rPr lang="en-US" dirty="0"/>
-              <a:t>	</a:t>
-            </a:r>
             <a:r>
               <a:rPr lang="en-US" sz="1600" dirty="0"/>
               <a:t>https://github.com/landonbuell/Buell-Senior-Thesis</a:t>
@@ -23852,15 +16440,7 @@
           <a:p>
             <a:r>
               <a:rPr lang="en-US" dirty="0"/>
-              <a:t>The </a:t>
-            </a:r>
-            <a:r>
-              <a:rPr lang="en-US"/>
-              <a:t>Nerual</a:t>
-            </a:r>
-            <a:r>
-              <a:rPr lang="en-US" dirty="0"/>
-              <a:t> Network</a:t>
+              <a:t>The Neural Network</a:t>
             </a:r>
           </a:p>
         </p:txBody>
@@ -24395,12 +16975,12 @@
           <a:chExt cx="0" cy="0"/>
         </a:xfrm>
       </p:grpSpPr>
-      <p:sp useBgFill="1">
+      <p:sp>
         <p:nvSpPr>
-          <p:cNvPr id="10" name="Rectangle 9">
+          <p:cNvPr id="11" name="Rectangle 10">
             <a:extLst>
               <a:ext uri="{FF2B5EF4-FFF2-40B4-BE49-F238E27FC236}">
-                <a16:creationId xmlns:a16="http://schemas.microsoft.com/office/drawing/2014/main" id="{876248C8-0720-48AB-91BA-5F530BB41E5E}"/>
+                <a16:creationId xmlns:a16="http://schemas.microsoft.com/office/drawing/2014/main" id="{6FA0A1AD-DEE2-4598-8D3B-C1F65F315A79}"/>
               </a:ext>
               <a:ext uri="{C183D7F6-B498-43B3-948B-1728B52AA6E4}">
                 <adec:decorative xmlns:adec="http://schemas.microsoft.com/office/drawing/2017/decorative" val="1"/>
@@ -24420,102 +17000,7 @@
         </p:nvSpPr>
         <p:spPr>
           <a:xfrm>
-            <a:off x="-1" y="0"/>
-            <a:ext cx="12220924" cy="6858000"/>
-          </a:xfrm>
-          <a:prstGeom prst="rect">
-            <a:avLst/>
-          </a:prstGeom>
-          <a:ln>
-            <a:noFill/>
-          </a:ln>
-        </p:spPr>
-        <p:style>
-          <a:lnRef idx="2">
-            <a:schemeClr val="accent1">
-              <a:shade val="50000"/>
-            </a:schemeClr>
-          </a:lnRef>
-          <a:fillRef idx="1">
-            <a:schemeClr val="accent1"/>
-          </a:fillRef>
-          <a:effectRef idx="0">
-            <a:schemeClr val="accent1"/>
-          </a:effectRef>
-          <a:fontRef idx="minor">
-            <a:schemeClr val="lt1"/>
-          </a:fontRef>
-        </p:style>
-        <p:txBody>
-          <a:bodyPr rtlCol="0" anchor="ctr"/>
-          <a:lstStyle/>
-          <a:p>
-            <a:pPr algn="ctr"/>
-            <a:endParaRPr lang="en-US"/>
-          </a:p>
-        </p:txBody>
-      </p:sp>
-      <p:sp>
-        <p:nvSpPr>
-          <p:cNvPr id="2" name="Title 1">
-            <a:extLst>
-              <a:ext uri="{FF2B5EF4-FFF2-40B4-BE49-F238E27FC236}">
-                <a16:creationId xmlns:a16="http://schemas.microsoft.com/office/drawing/2014/main" id="{C08CEF46-780E-40B9-9C76-77A47BEF0D8C}"/>
-              </a:ext>
-            </a:extLst>
-          </p:cNvPr>
-          <p:cNvSpPr>
-            <a:spLocks noGrp="1"/>
-          </p:cNvSpPr>
-          <p:nvPr>
-            <p:ph type="title"/>
-          </p:nvPr>
-        </p:nvSpPr>
-        <p:spPr>
-          <a:xfrm>
-            <a:off x="1261871" y="365760"/>
-            <a:ext cx="9858383" cy="1325562"/>
-          </a:xfrm>
-        </p:spPr>
-        <p:txBody>
-          <a:bodyPr>
-            <a:normAutofit/>
-          </a:bodyPr>
-          <a:lstStyle/>
-          <a:p>
-            <a:r>
-              <a:rPr lang="en-US" dirty="0"/>
-              <a:t>Classification Model</a:t>
-            </a:r>
-          </a:p>
-        </p:txBody>
-      </p:sp>
-      <p:sp>
-        <p:nvSpPr>
-          <p:cNvPr id="12" name="Rectangle 11">
-            <a:extLst>
-              <a:ext uri="{FF2B5EF4-FFF2-40B4-BE49-F238E27FC236}">
-                <a16:creationId xmlns:a16="http://schemas.microsoft.com/office/drawing/2014/main" id="{523BEDA7-D0B8-4802-8168-92452653BC9F}"/>
-              </a:ext>
-              <a:ext uri="{C183D7F6-B498-43B3-948B-1728B52AA6E4}">
-                <adec:decorative xmlns:adec="http://schemas.microsoft.com/office/drawing/2017/decorative" val="1"/>
-              </a:ext>
-            </a:extLst>
-          </p:cNvPr>
-          <p:cNvSpPr>
-            <a:spLocks noGrp="1" noRot="1" noChangeAspect="1" noMove="1" noResize="1" noEditPoints="1" noAdjustHandles="1" noChangeArrowheads="1" noChangeShapeType="1" noTextEdit="1"/>
-          </p:cNvSpPr>
-          <p:nvPr>
-            <p:extLst>
-              <p:ext uri="{386F3935-93C4-4BCD-93E2-E3B085C9AB24}">
-                <p16:designElem xmlns:p16="http://schemas.microsoft.com/office/powerpoint/2015/main" val="1"/>
-              </p:ext>
-            </p:extLst>
-          </p:nvPr>
-        </p:nvSpPr>
-        <p:spPr>
-          <a:xfrm>
-            <a:off x="0" y="0"/>
+            <a:off x="11292840" y="0"/>
             <a:ext cx="914400" cy="6858000"/>
           </a:xfrm>
           <a:prstGeom prst="rect">
@@ -24549,94 +17034,138 @@
       </p:sp>
       <p:sp>
         <p:nvSpPr>
-          <p:cNvPr id="14" name="Rectangle 13">
+          <p:cNvPr id="2" name="Title 1">
             <a:extLst>
               <a:ext uri="{FF2B5EF4-FFF2-40B4-BE49-F238E27FC236}">
-                <a16:creationId xmlns:a16="http://schemas.microsoft.com/office/drawing/2014/main" id="{D2EFF34B-7B1A-4F9D-8CEE-A40962BC7C21}"/>
-              </a:ext>
-              <a:ext uri="{C183D7F6-B498-43B3-948B-1728B52AA6E4}">
-                <adec:decorative xmlns:adec="http://schemas.microsoft.com/office/drawing/2017/decorative" val="1"/>
+                <a16:creationId xmlns:a16="http://schemas.microsoft.com/office/drawing/2014/main" id="{712FAA1C-E65D-4F82-AB55-4E7463A5D522}"/>
               </a:ext>
             </a:extLst>
           </p:cNvPr>
           <p:cNvSpPr>
-            <a:spLocks noGrp="1" noRot="1" noChangeAspect="1" noMove="1" noResize="1" noEditPoints="1" noAdjustHandles="1" noChangeArrowheads="1" noChangeShapeType="1" noTextEdit="1"/>
+            <a:spLocks noGrp="1"/>
           </p:cNvSpPr>
           <p:nvPr>
-            <p:extLst>
-              <p:ext uri="{386F3935-93C4-4BCD-93E2-E3B085C9AB24}">
-                <p16:designElem xmlns:p16="http://schemas.microsoft.com/office/powerpoint/2015/main" val="1"/>
-              </p:ext>
-            </p:extLst>
+            <p:ph type="title"/>
           </p:nvPr>
         </p:nvSpPr>
         <p:spPr>
           <a:xfrm>
-            <a:off x="11763724" y="0"/>
-            <a:ext cx="457200" cy="6858000"/>
+            <a:off x="6420464" y="677863"/>
+            <a:ext cx="4534047" cy="1325562"/>
+          </a:xfrm>
+        </p:spPr>
+        <p:txBody>
+          <a:bodyPr vert="horz" lIns="91440" tIns="45720" rIns="91440" bIns="45720" rtlCol="0" anchor="b">
+            <a:normAutofit/>
+          </a:bodyPr>
+          <a:lstStyle/>
+          <a:p>
+            <a:r>
+              <a:rPr lang="en-US" dirty="0"/>
+              <a:t>Convolutional Network</a:t>
+            </a:r>
+          </a:p>
+        </p:txBody>
+      </p:sp>
+      <p:pic>
+        <p:nvPicPr>
+          <p:cNvPr id="6" name="Content Placeholder 5" descr="Diagram, schematic&#10;&#10;Description automatically generated">
+            <a:extLst>
+              <a:ext uri="{FF2B5EF4-FFF2-40B4-BE49-F238E27FC236}">
+                <a16:creationId xmlns:a16="http://schemas.microsoft.com/office/drawing/2014/main" id="{70256563-1DEA-4F76-9BB7-E134F60DB319}"/>
+              </a:ext>
+            </a:extLst>
+          </p:cNvPr>
+          <p:cNvPicPr>
+            <a:picLocks noGrp="1" noChangeAspect="1"/>
+          </p:cNvPicPr>
+          <p:nvPr>
+            <p:ph sz="half" idx="1"/>
+          </p:nvPr>
+        </p:nvPicPr>
+        <p:blipFill>
+          <a:blip r:embed="rId2"/>
+          <a:stretch>
+            <a:fillRect/>
+          </a:stretch>
+        </p:blipFill>
+        <p:spPr>
+          <a:xfrm>
+            <a:off x="1922979" y="645106"/>
+            <a:ext cx="2892053" cy="5535031"/>
           </a:xfrm>
           <a:prstGeom prst="rect">
             <a:avLst/>
           </a:prstGeom>
-          <a:solidFill>
-            <a:schemeClr val="accent1"/>
-          </a:solidFill>
-          <a:ln>
-            <a:noFill/>
-          </a:ln>
         </p:spPr>
-        <p:style>
-          <a:lnRef idx="2">
-            <a:schemeClr val="accent1">
-              <a:shade val="50000"/>
-            </a:schemeClr>
-          </a:lnRef>
-          <a:fillRef idx="1">
-            <a:schemeClr val="accent1"/>
-          </a:fillRef>
-          <a:effectRef idx="0">
-            <a:schemeClr val="accent1"/>
-          </a:effectRef>
-          <a:fontRef idx="minor">
-            <a:schemeClr val="lt1"/>
-          </a:fontRef>
-        </p:style>
-      </p:sp>
-      <p:graphicFrame>
-        <p:nvGraphicFramePr>
-          <p:cNvPr id="6" name="Content Placeholder 3">
+      </p:pic>
+      <p:sp>
+        <p:nvSpPr>
+          <p:cNvPr id="4" name="Content Placeholder 3">
             <a:extLst>
               <a:ext uri="{FF2B5EF4-FFF2-40B4-BE49-F238E27FC236}">
-                <a16:creationId xmlns:a16="http://schemas.microsoft.com/office/drawing/2014/main" id="{CE34D3D1-84C2-4FF2-8322-1B9276BE533C}"/>
+                <a16:creationId xmlns:a16="http://schemas.microsoft.com/office/drawing/2014/main" id="{B5D8A272-2AC2-4566-B486-5E29FE15DEA3}"/>
               </a:ext>
             </a:extLst>
           </p:cNvPr>
-          <p:cNvGraphicFramePr>
-            <a:graphicFrameLocks noGrp="1"/>
-          </p:cNvGraphicFramePr>
+          <p:cNvSpPr>
+            <a:spLocks noGrp="1"/>
+          </p:cNvSpPr>
           <p:nvPr>
-            <p:ph idx="1"/>
-            <p:extLst>
-              <p:ext uri="{D42A27DB-BD31-4B8C-83A1-F6EECF244321}">
-                <p14:modId xmlns:p14="http://schemas.microsoft.com/office/powerpoint/2010/main" val="1723910469"/>
-              </p:ext>
-            </p:extLst>
+            <p:ph sz="half" idx="2"/>
           </p:nvPr>
-        </p:nvGraphicFramePr>
-        <p:xfrm>
-          <a:off x="1262063" y="2013055"/>
-          <a:ext cx="9858191" cy="4201478"/>
-        </p:xfrm>
-        <a:graphic>
-          <a:graphicData uri="http://schemas.openxmlformats.org/drawingml/2006/diagram">
-            <dgm:relIds xmlns:dgm="http://schemas.openxmlformats.org/drawingml/2006/diagram" xmlns:r="http://schemas.openxmlformats.org/officeDocument/2006/relationships" r:dm="rId2" r:lo="rId3" r:qs="rId4" r:cs="rId5"/>
-          </a:graphicData>
-        </a:graphic>
-      </p:graphicFrame>
+        </p:nvSpPr>
+        <p:spPr>
+          <a:xfrm>
+            <a:off x="6420463" y="2325158"/>
+            <a:ext cx="4572002" cy="3854979"/>
+          </a:xfrm>
+        </p:spPr>
+        <p:txBody>
+          <a:bodyPr vert="horz" lIns="91440" tIns="45720" rIns="91440" bIns="45720" rtlCol="0">
+            <a:normAutofit/>
+          </a:bodyPr>
+          <a:lstStyle/>
+          <a:p>
+            <a:endParaRPr lang="en-US" dirty="0"/>
+          </a:p>
+          <a:p>
+            <a:r>
+              <a:rPr lang="en-US" dirty="0"/>
+              <a:t>Input is 2D image-like array</a:t>
+            </a:r>
+          </a:p>
+          <a:p>
+            <a:endParaRPr lang="en-US" dirty="0"/>
+          </a:p>
+          <a:p>
+            <a:r>
+              <a:rPr lang="en-US" dirty="0"/>
+              <a:t>Transformed through </a:t>
+            </a:r>
+            <a:r>
+              <a:rPr lang="en-US" i="1" dirty="0"/>
+              <a:t>Convolution</a:t>
+            </a:r>
+            <a:r>
+              <a:rPr lang="en-US" dirty="0"/>
+              <a:t> and </a:t>
+            </a:r>
+            <a:r>
+              <a:rPr lang="en-US" i="1" dirty="0"/>
+              <a:t>Pooling</a:t>
+            </a:r>
+            <a:r>
+              <a:rPr lang="en-US" dirty="0"/>
+              <a:t> layers.</a:t>
+            </a:r>
+          </a:p>
+        </p:txBody>
+      </p:sp>
     </p:spTree>
     <p:extLst>
       <p:ext uri="{BB962C8B-B14F-4D97-AF65-F5344CB8AC3E}">
-        <p14:creationId xmlns:p14="http://schemas.microsoft.com/office/powerpoint/2010/main" val="1003763971"/>
+        <p14:creationId xmlns:p14="http://schemas.microsoft.com/office/powerpoint/2010/main" val="869425205"/>
       </p:ext>
     </p:extLst>
   </p:cSld>
@@ -24668,7 +17197,7 @@
           <p:cNvPr id="2" name="Title 1">
             <a:extLst>
               <a:ext uri="{FF2B5EF4-FFF2-40B4-BE49-F238E27FC236}">
-                <a16:creationId xmlns:a16="http://schemas.microsoft.com/office/drawing/2014/main" id="{094AFA68-A234-4E6B-BBB6-B536BFD2F258}"/>
+                <a16:creationId xmlns:a16="http://schemas.microsoft.com/office/drawing/2014/main" id="{712FAA1C-E65D-4F82-AB55-4E7463A5D522}"/>
               </a:ext>
             </a:extLst>
           </p:cNvPr>
@@ -24679,61 +17208,31 @@
             <p:ph type="title"/>
           </p:nvPr>
         </p:nvSpPr>
-        <p:spPr/>
+        <p:spPr>
+          <a:xfrm>
+            <a:off x="6420464" y="677863"/>
+            <a:ext cx="4534047" cy="1325562"/>
+          </a:xfrm>
+        </p:spPr>
         <p:txBody>
-          <a:bodyPr>
+          <a:bodyPr vert="horz" lIns="91440" tIns="45720" rIns="91440" bIns="45720" rtlCol="0" anchor="b">
             <a:normAutofit/>
           </a:bodyPr>
           <a:lstStyle/>
           <a:p>
             <a:r>
-              <a:rPr lang="en-US" sz="2000" dirty="0">
-                <a:solidFill>
-                  <a:schemeClr val="accent1"/>
-                </a:solidFill>
-              </a:rPr>
-              <a:t>Existing Models</a:t>
+              <a:rPr lang="en-US" dirty="0"/>
+              <a:t>Multilayer Perceptron</a:t>
             </a:r>
           </a:p>
         </p:txBody>
       </p:sp>
-      <p:graphicFrame>
-        <p:nvGraphicFramePr>
-          <p:cNvPr id="6" name="Content Placeholder 2">
+      <p:sp>
+        <p:nvSpPr>
+          <p:cNvPr id="4" name="Content Placeholder 3">
             <a:extLst>
               <a:ext uri="{FF2B5EF4-FFF2-40B4-BE49-F238E27FC236}">
-                <a16:creationId xmlns:a16="http://schemas.microsoft.com/office/drawing/2014/main" id="{CBB293C6-953D-4656-BC01-821D9CDB5F2B}"/>
-              </a:ext>
-            </a:extLst>
-          </p:cNvPr>
-          <p:cNvGraphicFramePr>
-            <a:graphicFrameLocks noGrp="1"/>
-          </p:cNvGraphicFramePr>
-          <p:nvPr>
-            <p:ph idx="1"/>
-            <p:extLst>
-              <p:ext uri="{D42A27DB-BD31-4B8C-83A1-F6EECF244321}">
-                <p14:modId xmlns:p14="http://schemas.microsoft.com/office/powerpoint/2010/main" val="3412533246"/>
-              </p:ext>
-            </p:extLst>
-          </p:nvPr>
-        </p:nvGraphicFramePr>
-        <p:xfrm>
-          <a:off x="4504267" y="685800"/>
-          <a:ext cx="6079066" cy="5486400"/>
-        </p:xfrm>
-        <a:graphic>
-          <a:graphicData uri="http://schemas.openxmlformats.org/drawingml/2006/diagram">
-            <dgm:relIds xmlns:dgm="http://schemas.openxmlformats.org/drawingml/2006/diagram" xmlns:r="http://schemas.openxmlformats.org/officeDocument/2006/relationships" r:dm="rId2" r:lo="rId3" r:qs="rId4" r:cs="rId5"/>
-          </a:graphicData>
-        </a:graphic>
-      </p:graphicFrame>
-      <p:sp>
-        <p:nvSpPr>
-          <p:cNvPr id="4" name="Text Placeholder 3">
-            <a:extLst>
-              <a:ext uri="{FF2B5EF4-FFF2-40B4-BE49-F238E27FC236}">
-                <a16:creationId xmlns:a16="http://schemas.microsoft.com/office/drawing/2014/main" id="{6DC612E7-52E7-4B55-8FCB-EE78D08D38ED}"/>
+                <a16:creationId xmlns:a16="http://schemas.microsoft.com/office/drawing/2014/main" id="{B5D8A272-2AC2-4566-B486-5E29FE15DEA3}"/>
               </a:ext>
             </a:extLst>
           </p:cNvPr>
@@ -24741,44 +17240,81 @@
             <a:spLocks noGrp="1"/>
           </p:cNvSpPr>
           <p:nvPr>
-            <p:ph type="body" sz="half" idx="2"/>
+            <p:ph sz="half" idx="2"/>
           </p:nvPr>
         </p:nvSpPr>
-        <p:spPr/>
+        <p:spPr>
+          <a:xfrm>
+            <a:off x="6420463" y="2325158"/>
+            <a:ext cx="4572002" cy="3854979"/>
+          </a:xfrm>
+        </p:spPr>
         <p:txBody>
-          <a:bodyPr>
+          <a:bodyPr vert="horz" lIns="91440" tIns="45720" rIns="91440" bIns="45720" rtlCol="0">
             <a:normAutofit/>
           </a:bodyPr>
           <a:lstStyle/>
           <a:p>
-            <a:endParaRPr lang="en-US" sz="4000" dirty="0">
-              <a:solidFill>
-                <a:schemeClr val="tx1">
-                  <a:lumMod val="95000"/>
-                  <a:lumOff val="5000"/>
-                </a:schemeClr>
-              </a:solidFill>
-            </a:endParaRPr>
+            <a:endParaRPr lang="en-US" dirty="0"/>
           </a:p>
           <a:p>
             <a:r>
-              <a:rPr lang="en-US" sz="4000" dirty="0">
-                <a:solidFill>
-                  <a:schemeClr val="tx1">
-                    <a:lumMod val="95000"/>
-                    <a:lumOff val="5000"/>
-                  </a:schemeClr>
-                </a:solidFill>
-              </a:rPr>
-              <a:t>Convolution Network</a:t>
+              <a:rPr lang="en-US" dirty="0"/>
+              <a:t>Input is 1D array of features</a:t>
+            </a:r>
+          </a:p>
+          <a:p>
+            <a:endParaRPr lang="en-US" dirty="0"/>
+          </a:p>
+          <a:p>
+            <a:r>
+              <a:rPr lang="en-US" dirty="0"/>
+              <a:t>Transformed through </a:t>
+            </a:r>
+            <a:r>
+              <a:rPr lang="en-US" i="1" dirty="0"/>
+              <a:t>Dense </a:t>
+            </a:r>
+            <a:r>
+              <a:rPr lang="en-US" dirty="0"/>
+              <a:t>layers.</a:t>
             </a:r>
           </a:p>
         </p:txBody>
       </p:sp>
+      <p:pic>
+        <p:nvPicPr>
+          <p:cNvPr id="8" name="Content Placeholder 7" descr="Diagram&#10;&#10;Description automatically generated">
+            <a:extLst>
+              <a:ext uri="{FF2B5EF4-FFF2-40B4-BE49-F238E27FC236}">
+                <a16:creationId xmlns:a16="http://schemas.microsoft.com/office/drawing/2014/main" id="{1E195D16-F6D4-4228-940D-7CCC4F54D70C}"/>
+              </a:ext>
+            </a:extLst>
+          </p:cNvPr>
+          <p:cNvPicPr>
+            <a:picLocks noGrp="1" noChangeAspect="1"/>
+          </p:cNvPicPr>
+          <p:nvPr>
+            <p:ph sz="half" idx="1"/>
+          </p:nvPr>
+        </p:nvPicPr>
+        <p:blipFill>
+          <a:blip r:embed="rId2"/>
+          <a:stretch>
+            <a:fillRect/>
+          </a:stretch>
+        </p:blipFill>
+        <p:spPr>
+          <a:xfrm>
+            <a:off x="1932169" y="2340117"/>
+            <a:ext cx="3139712" cy="3328704"/>
+          </a:xfrm>
+        </p:spPr>
+      </p:pic>
     </p:spTree>
     <p:extLst>
       <p:ext uri="{BB962C8B-B14F-4D97-AF65-F5344CB8AC3E}">
-        <p14:creationId xmlns:p14="http://schemas.microsoft.com/office/powerpoint/2010/main" val="4007831922"/>
+        <p14:creationId xmlns:p14="http://schemas.microsoft.com/office/powerpoint/2010/main" val="3385438964"/>
       </p:ext>
     </p:extLst>
   </p:cSld>
@@ -24791,6 +17327,16 @@
 <file path=ppt/slides/slide9.xml><?xml version="1.0" encoding="utf-8"?>
 <p:sld xmlns:a="http://schemas.openxmlformats.org/drawingml/2006/main" xmlns:r="http://schemas.openxmlformats.org/officeDocument/2006/relationships" xmlns:p="http://schemas.openxmlformats.org/presentationml/2006/main">
   <p:cSld>
+    <p:bg>
+      <p:bgPr>
+        <a:solidFill>
+          <a:schemeClr val="bg2">
+            <a:lumMod val="75000"/>
+          </a:schemeClr>
+        </a:solidFill>
+        <a:effectLst/>
+      </p:bgPr>
+    </p:bg>
     <p:spTree>
       <p:nvGrpSpPr>
         <p:cNvPr id="1" name=""/>
@@ -24807,10 +17353,65 @@
       </p:grpSpPr>
       <p:sp>
         <p:nvSpPr>
+          <p:cNvPr id="8" name="Rectangle 7">
+            <a:extLst>
+              <a:ext uri="{FF2B5EF4-FFF2-40B4-BE49-F238E27FC236}">
+                <a16:creationId xmlns:a16="http://schemas.microsoft.com/office/drawing/2014/main" id="{A6F05DDE-5F2C-44F5-BACC-DED4737B11B8}"/>
+              </a:ext>
+              <a:ext uri="{C183D7F6-B498-43B3-948B-1728B52AA6E4}">
+                <adec:decorative xmlns:adec="http://schemas.microsoft.com/office/drawing/2017/decorative" val="1"/>
+              </a:ext>
+            </a:extLst>
+          </p:cNvPr>
+          <p:cNvSpPr>
+            <a:spLocks noGrp="1" noRot="1" noChangeAspect="1" noMove="1" noResize="1" noEditPoints="1" noAdjustHandles="1" noChangeArrowheads="1" noChangeShapeType="1" noTextEdit="1"/>
+          </p:cNvSpPr>
+          <p:nvPr>
+            <p:extLst>
+              <p:ext uri="{386F3935-93C4-4BCD-93E2-E3B085C9AB24}">
+                <p16:designElem xmlns:p16="http://schemas.microsoft.com/office/powerpoint/2015/main" val="1"/>
+              </p:ext>
+            </p:extLst>
+          </p:nvPr>
+        </p:nvSpPr>
+        <p:spPr>
+          <a:xfrm>
+            <a:off x="0" y="0"/>
+            <a:ext cx="457200" cy="6858000"/>
+          </a:xfrm>
+          <a:prstGeom prst="rect">
+            <a:avLst/>
+          </a:prstGeom>
+          <a:solidFill>
+            <a:schemeClr val="accent1"/>
+          </a:solidFill>
+          <a:ln>
+            <a:noFill/>
+          </a:ln>
+        </p:spPr>
+        <p:style>
+          <a:lnRef idx="2">
+            <a:schemeClr val="accent1">
+              <a:shade val="50000"/>
+            </a:schemeClr>
+          </a:lnRef>
+          <a:fillRef idx="1">
+            <a:schemeClr val="accent1"/>
+          </a:fillRef>
+          <a:effectRef idx="0">
+            <a:schemeClr val="accent1"/>
+          </a:effectRef>
+          <a:fontRef idx="minor">
+            <a:schemeClr val="lt1"/>
+          </a:fontRef>
+        </p:style>
+      </p:sp>
+      <p:sp>
+        <p:nvSpPr>
           <p:cNvPr id="2" name="Title 1">
             <a:extLst>
               <a:ext uri="{FF2B5EF4-FFF2-40B4-BE49-F238E27FC236}">
-                <a16:creationId xmlns:a16="http://schemas.microsoft.com/office/drawing/2014/main" id="{094AFA68-A234-4E6B-BBB6-B536BFD2F258}"/>
+                <a16:creationId xmlns:a16="http://schemas.microsoft.com/office/drawing/2014/main" id="{7450BDA7-FC8E-431E-9440-4969D0D41D72}"/>
               </a:ext>
             </a:extLst>
           </p:cNvPr>
@@ -24821,61 +17422,31 @@
             <p:ph type="title"/>
           </p:nvPr>
         </p:nvSpPr>
-        <p:spPr/>
+        <p:spPr>
+          <a:xfrm>
+            <a:off x="4651947" y="758952"/>
+            <a:ext cx="6323519" cy="4041648"/>
+          </a:xfrm>
+        </p:spPr>
         <p:txBody>
-          <a:bodyPr>
+          <a:bodyPr vert="horz" lIns="91440" tIns="45720" rIns="91440" bIns="45720" rtlCol="0" anchor="b">
             <a:normAutofit/>
           </a:bodyPr>
           <a:lstStyle/>
           <a:p>
             <a:r>
-              <a:rPr lang="en-US" sz="2000" dirty="0">
-                <a:solidFill>
-                  <a:schemeClr val="accent1"/>
-                </a:solidFill>
-              </a:rPr>
-              <a:t>Existing Models</a:t>
+              <a:rPr lang="en-US" dirty="0"/>
+              <a:t>Hybrid Network Architecture</a:t>
             </a:r>
           </a:p>
         </p:txBody>
       </p:sp>
-      <p:graphicFrame>
-        <p:nvGraphicFramePr>
-          <p:cNvPr id="6" name="Content Placeholder 2">
+      <p:sp>
+        <p:nvSpPr>
+          <p:cNvPr id="3" name="Text Placeholder 2">
             <a:extLst>
               <a:ext uri="{FF2B5EF4-FFF2-40B4-BE49-F238E27FC236}">
-                <a16:creationId xmlns:a16="http://schemas.microsoft.com/office/drawing/2014/main" id="{5E4405FC-0170-4AA9-83B5-FEF6128C7917}"/>
-              </a:ext>
-            </a:extLst>
-          </p:cNvPr>
-          <p:cNvGraphicFramePr>
-            <a:graphicFrameLocks noGrp="1"/>
-          </p:cNvGraphicFramePr>
-          <p:nvPr>
-            <p:ph idx="1"/>
-            <p:extLst>
-              <p:ext uri="{D42A27DB-BD31-4B8C-83A1-F6EECF244321}">
-                <p14:modId xmlns:p14="http://schemas.microsoft.com/office/powerpoint/2010/main" val="1270495069"/>
-              </p:ext>
-            </p:extLst>
-          </p:nvPr>
-        </p:nvGraphicFramePr>
-        <p:xfrm>
-          <a:off x="4504267" y="685800"/>
-          <a:ext cx="6079066" cy="5486400"/>
-        </p:xfrm>
-        <a:graphic>
-          <a:graphicData uri="http://schemas.openxmlformats.org/drawingml/2006/diagram">
-            <dgm:relIds xmlns:dgm="http://schemas.openxmlformats.org/drawingml/2006/diagram" xmlns:r="http://schemas.openxmlformats.org/officeDocument/2006/relationships" r:dm="rId2" r:lo="rId3" r:qs="rId4" r:cs="rId5"/>
-          </a:graphicData>
-        </a:graphic>
-      </p:graphicFrame>
-      <p:sp>
-        <p:nvSpPr>
-          <p:cNvPr id="4" name="Text Placeholder 3">
-            <a:extLst>
-              <a:ext uri="{FF2B5EF4-FFF2-40B4-BE49-F238E27FC236}">
-                <a16:creationId xmlns:a16="http://schemas.microsoft.com/office/drawing/2014/main" id="{6DC612E7-52E7-4B55-8FCB-EE78D08D38ED}"/>
+                <a16:creationId xmlns:a16="http://schemas.microsoft.com/office/drawing/2014/main" id="{24475E55-D268-41E5-A748-28EB0B77B2E0}"/>
               </a:ext>
             </a:extLst>
           </p:cNvPr>
@@ -24883,44 +17454,156 @@
             <a:spLocks noGrp="1"/>
           </p:cNvSpPr>
           <p:nvPr>
-            <p:ph type="body" sz="half" idx="2"/>
+            <p:ph type="body" idx="1"/>
           </p:nvPr>
         </p:nvSpPr>
-        <p:spPr/>
+        <p:spPr>
+          <a:xfrm>
+            <a:off x="4651947" y="4800600"/>
+            <a:ext cx="6323520" cy="1691640"/>
+          </a:xfrm>
+        </p:spPr>
         <p:txBody>
-          <a:bodyPr>
+          <a:bodyPr vert="horz" lIns="91440" tIns="45720" rIns="91440" bIns="45720" rtlCol="0">
             <a:normAutofit/>
           </a:bodyPr>
           <a:lstStyle/>
           <a:p>
-            <a:endParaRPr lang="en-US" sz="4000" dirty="0">
+            <a:endParaRPr lang="en-US">
               <a:solidFill>
                 <a:schemeClr val="tx1">
-                  <a:lumMod val="95000"/>
-                  <a:lumOff val="5000"/>
+                  <a:lumMod val="75000"/>
                 </a:schemeClr>
               </a:solidFill>
             </a:endParaRPr>
           </a:p>
-          <a:p>
-            <a:r>
-              <a:rPr lang="en-US" sz="4000" dirty="0">
-                <a:solidFill>
-                  <a:schemeClr val="tx1">
-                    <a:lumMod val="95000"/>
-                    <a:lumOff val="5000"/>
-                  </a:schemeClr>
-                </a:solidFill>
-              </a:rPr>
-              <a:t>Multilayer Perceptron</a:t>
-            </a:r>
-          </a:p>
         </p:txBody>
+      </p:sp>
+      <p:sp>
+        <p:nvSpPr>
+          <p:cNvPr id="10" name="Rectangle 9">
+            <a:extLst>
+              <a:ext uri="{FF2B5EF4-FFF2-40B4-BE49-F238E27FC236}">
+                <a16:creationId xmlns:a16="http://schemas.microsoft.com/office/drawing/2014/main" id="{A0F80B31-D942-4321-A7CC-3FF24C30A9FC}"/>
+              </a:ext>
+              <a:ext uri="{C183D7F6-B498-43B3-948B-1728B52AA6E4}">
+                <adec:decorative xmlns:adec="http://schemas.microsoft.com/office/drawing/2017/decorative" val="1"/>
+              </a:ext>
+            </a:extLst>
+          </p:cNvPr>
+          <p:cNvSpPr>
+            <a:spLocks noGrp="1" noRot="1" noChangeAspect="1" noMove="1" noResize="1" noEditPoints="1" noAdjustHandles="1" noChangeArrowheads="1" noChangeShapeType="1" noTextEdit="1"/>
+          </p:cNvSpPr>
+          <p:nvPr>
+            <p:extLst>
+              <p:ext uri="{386F3935-93C4-4BCD-93E2-E3B085C9AB24}">
+                <p16:designElem xmlns:p16="http://schemas.microsoft.com/office/powerpoint/2015/main" val="1"/>
+              </p:ext>
+            </p:extLst>
+          </p:nvPr>
+        </p:nvSpPr>
+        <p:spPr>
+          <a:xfrm>
+            <a:off x="0" y="0"/>
+            <a:ext cx="3568372" cy="6858000"/>
+          </a:xfrm>
+          <a:prstGeom prst="rect">
+            <a:avLst/>
+          </a:prstGeom>
+          <a:solidFill>
+            <a:schemeClr val="accent1"/>
+          </a:solidFill>
+          <a:ln>
+            <a:noFill/>
+          </a:ln>
+        </p:spPr>
+        <p:style>
+          <a:lnRef idx="2">
+            <a:schemeClr val="accent1">
+              <a:shade val="50000"/>
+            </a:schemeClr>
+          </a:lnRef>
+          <a:fillRef idx="1">
+            <a:schemeClr val="accent1"/>
+          </a:fillRef>
+          <a:effectRef idx="0">
+            <a:schemeClr val="accent1"/>
+          </a:effectRef>
+          <a:fontRef idx="minor">
+            <a:schemeClr val="lt1"/>
+          </a:fontRef>
+        </p:style>
+        <p:txBody>
+          <a:bodyPr rtlCol="0" anchor="ctr"/>
+          <a:lstStyle/>
+          <a:p>
+            <a:pPr algn="ctr"/>
+            <a:endParaRPr lang="en-US"/>
+          </a:p>
+        </p:txBody>
+      </p:sp>
+      <p:sp>
+        <p:nvSpPr>
+          <p:cNvPr id="12" name="Rectangle 11">
+            <a:extLst>
+              <a:ext uri="{FF2B5EF4-FFF2-40B4-BE49-F238E27FC236}">
+                <a16:creationId xmlns:a16="http://schemas.microsoft.com/office/drawing/2014/main" id="{27DE213B-0A4F-4E9E-9153-8B0C2D0469BE}"/>
+              </a:ext>
+              <a:ext uri="{C183D7F6-B498-43B3-948B-1728B52AA6E4}">
+                <adec:decorative xmlns:adec="http://schemas.microsoft.com/office/drawing/2017/decorative" val="1"/>
+              </a:ext>
+            </a:extLst>
+          </p:cNvPr>
+          <p:cNvSpPr>
+            <a:spLocks noGrp="1" noRot="1" noChangeAspect="1" noMove="1" noResize="1" noEditPoints="1" noAdjustHandles="1" noChangeArrowheads="1" noChangeShapeType="1" noTextEdit="1"/>
+          </p:cNvSpPr>
+          <p:nvPr>
+            <p:extLst>
+              <p:ext uri="{386F3935-93C4-4BCD-93E2-E3B085C9AB24}">
+                <p16:designElem xmlns:p16="http://schemas.microsoft.com/office/powerpoint/2015/main" val="1"/>
+              </p:ext>
+            </p:extLst>
+          </p:nvPr>
+        </p:nvSpPr>
+        <p:spPr>
+          <a:xfrm>
+            <a:off x="3569969" y="0"/>
+            <a:ext cx="457200" cy="6858000"/>
+          </a:xfrm>
+          <a:prstGeom prst="rect">
+            <a:avLst/>
+          </a:prstGeom>
+          <a:solidFill>
+            <a:schemeClr val="accent1">
+              <a:lumMod val="75000"/>
+              <a:alpha val="60000"/>
+            </a:schemeClr>
+          </a:solidFill>
+          <a:ln>
+            <a:noFill/>
+          </a:ln>
+        </p:spPr>
+        <p:style>
+          <a:lnRef idx="2">
+            <a:schemeClr val="accent1">
+              <a:shade val="50000"/>
+            </a:schemeClr>
+          </a:lnRef>
+          <a:fillRef idx="1">
+            <a:schemeClr val="accent1"/>
+          </a:fillRef>
+          <a:effectRef idx="0">
+            <a:schemeClr val="accent1"/>
+          </a:effectRef>
+          <a:fontRef idx="minor">
+            <a:schemeClr val="lt1"/>
+          </a:fontRef>
+        </p:style>
       </p:sp>
     </p:spTree>
     <p:extLst>
       <p:ext uri="{BB962C8B-B14F-4D97-AF65-F5344CB8AC3E}">
-        <p14:creationId xmlns:p14="http://schemas.microsoft.com/office/powerpoint/2010/main" val="1480737001"/>
+        <p14:creationId xmlns:p14="http://schemas.microsoft.com/office/powerpoint/2010/main" val="1616847971"/>
       </p:ext>
     </p:extLst>
   </p:cSld>
